--- a/dnnQuery2.pptx
+++ b/dnnQuery2.pptx
@@ -517,139 +517,36 @@
           <a:bodyPr/>
           <a:lstStyle/>
           <a:p>
-            <a:r>
-              <a:rPr lang="en-US" dirty="0" smtClean="0"/>
-              <a:t>item: (-1, 0, +1,+3,+5,+10); (or using binary?)</a:t>
-            </a:r>
-          </a:p>
-          <a:p>
-            <a:r>
-              <a:rPr lang="en-US" dirty="0" smtClean="0"/>
-              <a:t>id: (1,2,3,</a:t>
-            </a:r>
-            <a:r>
-              <a:rPr lang="mr-IN" dirty="0" smtClean="0"/>
-              <a:t>…</a:t>
-            </a:r>
-            <a:r>
-              <a:rPr lang="en-US" dirty="0" smtClean="0"/>
-              <a:t>), </a:t>
-            </a:r>
+            <a:pPr marL="0" marR="0" indent="0" algn="l" defTabSz="914400" rtl="0" eaLnBrk="1" fontAlgn="auto" latinLnBrk="0" hangingPunct="1">
+              <a:lnSpc>
+                <a:spcPct val="100000"/>
+              </a:lnSpc>
+              <a:spcBef>
+                <a:spcPts val="0"/>
+              </a:spcBef>
+              <a:spcAft>
+                <a:spcPts val="0"/>
+              </a:spcAft>
+              <a:buClrTx/>
+              <a:buSzTx/>
+              <a:buFontTx/>
+              <a:buNone/>
+              <a:tabLst/>
+              <a:defRPr/>
+            </a:pPr>
             <a:r>
               <a:rPr lang="zh-CN" altLang="en-US" dirty="0" smtClean="0"/>
-              <a:t>按出现顺序编号，除非真的确定指同一个</a:t>
-            </a:r>
-            <a:r>
-              <a:rPr lang="en-US" dirty="0" smtClean="0"/>
-              <a:t>; </a:t>
-            </a:r>
-          </a:p>
-          <a:p>
-            <a:r>
-              <a:rPr lang="en-US" altLang="zh-CN" dirty="0" err="1" smtClean="0"/>
-              <a:t>field_template</a:t>
+              <a:t>后期</a:t>
             </a:r>
             <a:r>
               <a:rPr lang="en-US" altLang="zh-CN" dirty="0" smtClean="0"/>
-              <a:t>: </a:t>
-            </a:r>
-            <a:r>
-              <a:rPr lang="en-US" dirty="0" err="1" smtClean="0"/>
-              <a:t>nparray</a:t>
-            </a:r>
-            <a:r>
-              <a:rPr lang="en-US" dirty="0" smtClean="0"/>
-              <a:t>[]</a:t>
-            </a:r>
-            <a:r>
-              <a:rPr lang="en-US" dirty="0" smtClean="0"/>
-              <a:t> e.g.</a:t>
-            </a:r>
-            <a:r>
-              <a:rPr lang="en-US" dirty="0" smtClean="0"/>
-              <a:t>&lt;$People&gt;&lt;$Country&gt;; </a:t>
-            </a:r>
-          </a:p>
-          <a:p>
-            <a:r>
-              <a:rPr lang="en-US" dirty="0" smtClean="0"/>
-              <a:t>value type: </a:t>
+              <a:t>adding</a:t>
             </a:r>
             <a:r>
               <a:rPr lang="zh-CN" altLang="en-US" dirty="0" smtClean="0"/>
-              <a:t>只有</a:t>
-            </a:r>
-            <a:r>
-              <a:rPr lang="en-US" altLang="zh-CN" dirty="0" smtClean="0"/>
-              <a:t>f/v</a:t>
-            </a:r>
-            <a:r>
-              <a:rPr lang="zh-CN" altLang="en-US" dirty="0" smtClean="0"/>
-              <a:t>非零；</a:t>
-            </a:r>
-            <a:r>
-              <a:rPr lang="en-US" altLang="zh-CN" dirty="0" smtClean="0"/>
-              <a:t>binary</a:t>
-            </a:r>
-            <a:r>
-              <a:rPr lang="zh-CN" altLang="en-US" dirty="0" smtClean="0"/>
-              <a:t>表示</a:t>
-            </a:r>
-            <a:r>
-              <a:rPr lang="en-US" dirty="0" smtClean="0"/>
-              <a:t>([0,0,1,0], [1,0,0,0],</a:t>
-            </a:r>
-            <a:r>
-              <a:rPr lang="mr-IN" dirty="0" smtClean="0"/>
-              <a:t>…</a:t>
-            </a:r>
-            <a:r>
-              <a:rPr lang="en-US" dirty="0" smtClean="0"/>
-              <a:t>) </a:t>
-            </a:r>
-            <a:r>
-              <a:rPr lang="en-US" altLang="zh-CN" dirty="0" smtClean="0"/>
-              <a:t>[</a:t>
-            </a:r>
-            <a:r>
-              <a:rPr lang="en-US" altLang="zh-CN" dirty="0" err="1" smtClean="0"/>
-              <a:t>int</a:t>
-            </a:r>
-            <a:r>
-              <a:rPr lang="en-US" altLang="zh-CN" dirty="0" smtClean="0"/>
-              <a:t>, double,</a:t>
-            </a:r>
-            <a:r>
-              <a:rPr lang="en-US" altLang="zh-CN" baseline="0" dirty="0" smtClean="0"/>
-              <a:t> string, ordinal, category</a:t>
-            </a:r>
-            <a:r>
-              <a:rPr lang="en-US" altLang="zh-CN" dirty="0" smtClean="0"/>
-              <a:t>]</a:t>
-            </a:r>
-            <a:r>
-              <a:rPr lang="en-US" dirty="0" smtClean="0"/>
-              <a:t>; </a:t>
-            </a:r>
-          </a:p>
-          <a:p>
-            <a:r>
-              <a:rPr lang="en-US" dirty="0" err="1" smtClean="0"/>
-              <a:t>value_embed</a:t>
-            </a:r>
-            <a:r>
-              <a:rPr lang="en-US" dirty="0" smtClean="0"/>
-              <a:t>: </a:t>
-            </a:r>
-            <a:r>
-              <a:rPr lang="en-US" dirty="0" err="1" smtClean="0"/>
-              <a:t>nparray</a:t>
-            </a:r>
-            <a:r>
-              <a:rPr lang="en-US" dirty="0" smtClean="0"/>
-              <a:t>[] e.g.</a:t>
-            </a:r>
-            <a:endParaRPr lang="en-US" dirty="0"/>
+              <a:t>新的</a:t>
+            </a:r>
+            <a:endParaRPr lang="en-US" dirty="0" smtClean="0"/>
           </a:p>
         </p:txBody>
       </p:sp>
@@ -775,15 +672,7 @@
             </a:r>
             <a:r>
               <a:rPr lang="en-US" dirty="0" smtClean="0"/>
-              <a:t>[]</a:t>
-            </a:r>
-            <a:r>
-              <a:rPr lang="en-US" dirty="0" smtClean="0"/>
-              <a:t> e.g.</a:t>
-            </a:r>
-            <a:r>
-              <a:rPr lang="en-US" dirty="0" smtClean="0"/>
-              <a:t>&lt;$People&gt;&lt;$Country&gt;; </a:t>
+              <a:t>[] e.g.&lt;$People&gt;&lt;$Country&gt;; </a:t>
             </a:r>
           </a:p>
           <a:p>
@@ -862,10 +751,9 @@
               <a:t>nparray</a:t>
             </a:r>
             <a:r>
-              <a:rPr lang="en-US" dirty="0" smtClean="0"/>
+              <a:rPr lang="en-US" smtClean="0"/>
               <a:t>[] e.g.</a:t>
             </a:r>
-            <a:endParaRPr lang="en-US" dirty="0"/>
           </a:p>
         </p:txBody>
       </p:sp>
@@ -7223,7 +7111,7 @@
           <p:nvPr>
             <p:extLst>
               <p:ext uri="{D42A27DB-BD31-4B8C-83A1-F6EECF244321}">
-                <p14:modId xmlns:p14="http://schemas.microsoft.com/office/powerpoint/2010/main" val="713791547"/>
+                <p14:modId xmlns:p14="http://schemas.microsoft.com/office/powerpoint/2010/main" val="941699304"/>
               </p:ext>
             </p:extLst>
           </p:nvPr>
@@ -7548,10 +7436,24 @@
                     <a:lstStyle/>
                     <a:p>
                       <a:r>
-                        <a:rPr lang="en-US" dirty="0" smtClean="0"/>
+                        <a:rPr lang="en-US" dirty="0" smtClean="0">
+                          <a:solidFill>
+                            <a:schemeClr val="tx2">
+                              <a:lumMod val="20000"/>
+                              <a:lumOff val="80000"/>
+                            </a:schemeClr>
+                          </a:solidFill>
+                        </a:rPr>
                         <a:t>&lt;comp&gt;</a:t>
                       </a:r>
-                      <a:endParaRPr lang="en-US" dirty="0"/>
+                      <a:endParaRPr lang="en-US" dirty="0">
+                        <a:solidFill>
+                          <a:schemeClr val="tx2">
+                            <a:lumMod val="20000"/>
+                            <a:lumOff val="80000"/>
+                          </a:schemeClr>
+                        </a:solidFill>
+                      </a:endParaRPr>
                     </a:p>
                   </a:txBody>
                   <a:tcPr/>
@@ -7562,18 +7464,46 @@
                     <a:lstStyle/>
                     <a:p>
                       <a:r>
-                        <a:rPr lang="en-US" dirty="0" smtClean="0"/>
+                        <a:rPr lang="en-US" dirty="0" smtClean="0">
+                          <a:solidFill>
+                            <a:schemeClr val="tx2">
+                              <a:lumMod val="20000"/>
+                              <a:lumOff val="80000"/>
+                            </a:schemeClr>
+                          </a:solidFill>
+                        </a:rPr>
                         <a:t>&lt;</a:t>
                       </a:r>
                       <a:r>
-                        <a:rPr lang="en-US" dirty="0" err="1" smtClean="0"/>
+                        <a:rPr lang="en-US" dirty="0" err="1" smtClean="0">
+                          <a:solidFill>
+                            <a:schemeClr val="tx2">
+                              <a:lumMod val="20000"/>
+                              <a:lumOff val="80000"/>
+                            </a:schemeClr>
+                          </a:solidFill>
+                        </a:rPr>
                         <a:t>comp:eq</a:t>
                       </a:r>
                       <a:r>
-                        <a:rPr lang="en-US" dirty="0" smtClean="0"/>
+                        <a:rPr lang="en-US" dirty="0" smtClean="0">
+                          <a:solidFill>
+                            <a:schemeClr val="tx2">
+                              <a:lumMod val="20000"/>
+                              <a:lumOff val="80000"/>
+                            </a:schemeClr>
+                          </a:solidFill>
+                        </a:rPr>
                         <a:t>, g, l&gt;</a:t>
                       </a:r>
-                      <a:endParaRPr lang="en-US" dirty="0"/>
+                      <a:endParaRPr lang="en-US" dirty="0">
+                        <a:solidFill>
+                          <a:schemeClr val="tx2">
+                            <a:lumMod val="20000"/>
+                            <a:lumOff val="80000"/>
+                          </a:schemeClr>
+                        </a:solidFill>
+                      </a:endParaRPr>
                     </a:p>
                   </a:txBody>
                   <a:tcPr/>
@@ -7584,10 +7514,24 @@
                     <a:lstStyle/>
                     <a:p>
                       <a:r>
-                        <a:rPr lang="en-US" dirty="0" smtClean="0"/>
+                        <a:rPr lang="en-US" dirty="0" smtClean="0">
+                          <a:solidFill>
+                            <a:schemeClr val="tx2">
+                              <a:lumMod val="20000"/>
+                              <a:lumOff val="80000"/>
+                            </a:schemeClr>
+                          </a:solidFill>
+                        </a:rPr>
                         <a:t>0</a:t>
                       </a:r>
-                      <a:endParaRPr lang="en-US" dirty="0"/>
+                      <a:endParaRPr lang="en-US" dirty="0">
+                        <a:solidFill>
+                          <a:schemeClr val="tx2">
+                            <a:lumMod val="20000"/>
+                            <a:lumOff val="80000"/>
+                          </a:schemeClr>
+                        </a:solidFill>
+                      </a:endParaRPr>
                     </a:p>
                   </a:txBody>
                   <a:tcPr/>
@@ -7598,10 +7542,46 @@
                     <a:lstStyle/>
                     <a:p>
                       <a:r>
-                        <a:rPr lang="en-US" dirty="0" smtClean="0"/>
-                        <a:t>embed</a:t>
+                        <a:rPr lang="en-US" dirty="0" smtClean="0">
+                          <a:solidFill>
+                            <a:schemeClr val="tx2">
+                              <a:lumMod val="20000"/>
+                              <a:lumOff val="80000"/>
+                            </a:schemeClr>
+                          </a:solidFill>
+                        </a:rPr>
+                        <a:t>embed/[0, 0, </a:t>
                       </a:r>
-                      <a:endParaRPr lang="en-US" dirty="0"/>
+                      <a:r>
+                        <a:rPr lang="mr-IN" dirty="0" smtClean="0">
+                          <a:solidFill>
+                            <a:schemeClr val="tx2">
+                              <a:lumMod val="20000"/>
+                              <a:lumOff val="80000"/>
+                            </a:schemeClr>
+                          </a:solidFill>
+                        </a:rPr>
+                        <a:t>…</a:t>
+                      </a:r>
+                      <a:r>
+                        <a:rPr lang="en-US" dirty="0" smtClean="0">
+                          <a:solidFill>
+                            <a:schemeClr val="tx2">
+                              <a:lumMod val="20000"/>
+                              <a:lumOff val="80000"/>
+                            </a:schemeClr>
+                          </a:solidFill>
+                        </a:rPr>
+                        <a:t>, 0]</a:t>
+                      </a:r>
+                      <a:endParaRPr lang="en-US" dirty="0">
+                        <a:solidFill>
+                          <a:schemeClr val="tx2">
+                            <a:lumMod val="20000"/>
+                            <a:lumOff val="80000"/>
+                          </a:schemeClr>
+                        </a:solidFill>
+                      </a:endParaRPr>
                     </a:p>
                   </a:txBody>
                   <a:tcPr/>
@@ -7629,7 +7609,14 @@
                         <a:defRPr/>
                       </a:pPr>
                       <a:r>
-                        <a:rPr lang="en-US" dirty="0" smtClean="0"/>
+                        <a:rPr lang="en-US" dirty="0" smtClean="0">
+                          <a:solidFill>
+                            <a:schemeClr val="tx2">
+                              <a:lumMod val="20000"/>
+                              <a:lumOff val="80000"/>
+                            </a:schemeClr>
+                          </a:solidFill>
+                        </a:rPr>
                         <a:t>[0, 0, 0, 0, 0]</a:t>
                       </a:r>
                     </a:p>
@@ -7644,18 +7631,46 @@
                     <a:lstStyle/>
                     <a:p>
                       <a:r>
-                        <a:rPr lang="en-US" dirty="0" smtClean="0"/>
+                        <a:rPr lang="en-US" dirty="0" smtClean="0">
+                          <a:solidFill>
+                            <a:schemeClr val="tx2">
+                              <a:lumMod val="20000"/>
+                              <a:lumOff val="80000"/>
+                            </a:schemeClr>
+                          </a:solidFill>
+                        </a:rPr>
                         <a:t>&lt;</a:t>
                       </a:r>
                       <a:r>
-                        <a:rPr lang="en-US" dirty="0" err="1" smtClean="0"/>
+                        <a:rPr lang="en-US" dirty="0" err="1" smtClean="0">
+                          <a:solidFill>
+                            <a:schemeClr val="tx2">
+                              <a:lumMod val="20000"/>
+                              <a:lumOff val="80000"/>
+                            </a:schemeClr>
+                          </a:solidFill>
+                        </a:rPr>
                         <a:t>calc</a:t>
                       </a:r>
                       <a:r>
-                        <a:rPr lang="en-US" dirty="0" smtClean="0"/>
+                        <a:rPr lang="en-US" dirty="0" smtClean="0">
+                          <a:solidFill>
+                            <a:schemeClr val="tx2">
+                              <a:lumMod val="20000"/>
+                              <a:lumOff val="80000"/>
+                            </a:schemeClr>
+                          </a:solidFill>
+                        </a:rPr>
                         <a:t>&gt;</a:t>
                       </a:r>
-                      <a:endParaRPr lang="en-US" dirty="0"/>
+                      <a:endParaRPr lang="en-US" dirty="0">
+                        <a:solidFill>
+                          <a:schemeClr val="tx2">
+                            <a:lumMod val="20000"/>
+                            <a:lumOff val="80000"/>
+                          </a:schemeClr>
+                        </a:solidFill>
+                      </a:endParaRPr>
                     </a:p>
                   </a:txBody>
                   <a:tcPr/>
@@ -7666,18 +7681,46 @@
                     <a:lstStyle/>
                     <a:p>
                       <a:r>
-                        <a:rPr lang="en-US" dirty="0" smtClean="0"/>
+                        <a:rPr lang="en-US" dirty="0" smtClean="0">
+                          <a:solidFill>
+                            <a:schemeClr val="tx2">
+                              <a:lumMod val="20000"/>
+                              <a:lumOff val="80000"/>
+                            </a:schemeClr>
+                          </a:solidFill>
+                        </a:rPr>
                         <a:t>&lt;</a:t>
                       </a:r>
                       <a:r>
-                        <a:rPr lang="en-US" dirty="0" err="1" smtClean="0"/>
+                        <a:rPr lang="en-US" dirty="0" err="1" smtClean="0">
+                          <a:solidFill>
+                            <a:schemeClr val="tx2">
+                              <a:lumMod val="20000"/>
+                              <a:lumOff val="80000"/>
+                            </a:schemeClr>
+                          </a:solidFill>
+                        </a:rPr>
                         <a:t>calc</a:t>
                       </a:r>
                       <a:r>
-                        <a:rPr lang="en-US" dirty="0" smtClean="0"/>
+                        <a:rPr lang="en-US" dirty="0" smtClean="0">
+                          <a:solidFill>
+                            <a:schemeClr val="tx2">
+                              <a:lumMod val="20000"/>
+                              <a:lumOff val="80000"/>
+                            </a:schemeClr>
+                          </a:solidFill>
+                        </a:rPr>
                         <a:t>: sum, diff, mean&gt;</a:t>
                       </a:r>
-                      <a:endParaRPr lang="en-US" dirty="0"/>
+                      <a:endParaRPr lang="en-US" dirty="0">
+                        <a:solidFill>
+                          <a:schemeClr val="tx2">
+                            <a:lumMod val="20000"/>
+                            <a:lumOff val="80000"/>
+                          </a:schemeClr>
+                        </a:solidFill>
+                      </a:endParaRPr>
                     </a:p>
                   </a:txBody>
                   <a:tcPr/>
@@ -7688,10 +7731,24 @@
                     <a:lstStyle/>
                     <a:p>
                       <a:r>
-                        <a:rPr lang="en-US" dirty="0" smtClean="0"/>
+                        <a:rPr lang="en-US" dirty="0" smtClean="0">
+                          <a:solidFill>
+                            <a:schemeClr val="tx2">
+                              <a:lumMod val="20000"/>
+                              <a:lumOff val="80000"/>
+                            </a:schemeClr>
+                          </a:solidFill>
+                        </a:rPr>
                         <a:t>0</a:t>
                       </a:r>
-                      <a:endParaRPr lang="en-US" dirty="0"/>
+                      <a:endParaRPr lang="en-US" dirty="0">
+                        <a:solidFill>
+                          <a:schemeClr val="tx2">
+                            <a:lumMod val="20000"/>
+                            <a:lumOff val="80000"/>
+                          </a:schemeClr>
+                        </a:solidFill>
+                      </a:endParaRPr>
                     </a:p>
                   </a:txBody>
                   <a:tcPr/>
@@ -7702,10 +7759,24 @@
                     <a:lstStyle/>
                     <a:p>
                       <a:r>
-                        <a:rPr lang="en-US" dirty="0" smtClean="0"/>
+                        <a:rPr lang="en-US" dirty="0" smtClean="0">
+                          <a:solidFill>
+                            <a:schemeClr val="tx2">
+                              <a:lumMod val="20000"/>
+                              <a:lumOff val="80000"/>
+                            </a:schemeClr>
+                          </a:solidFill>
+                        </a:rPr>
                         <a:t>embed</a:t>
                       </a:r>
-                      <a:endParaRPr lang="en-US" dirty="0"/>
+                      <a:endParaRPr lang="en-US" dirty="0">
+                        <a:solidFill>
+                          <a:schemeClr val="tx2">
+                            <a:lumMod val="20000"/>
+                            <a:lumOff val="80000"/>
+                          </a:schemeClr>
+                        </a:solidFill>
+                      </a:endParaRPr>
                     </a:p>
                   </a:txBody>
                   <a:tcPr/>
@@ -7733,7 +7804,14 @@
                         <a:defRPr/>
                       </a:pPr>
                       <a:r>
-                        <a:rPr lang="en-US" dirty="0" smtClean="0"/>
+                        <a:rPr lang="en-US" dirty="0" smtClean="0">
+                          <a:solidFill>
+                            <a:schemeClr val="tx2">
+                              <a:lumMod val="20000"/>
+                              <a:lumOff val="80000"/>
+                            </a:schemeClr>
+                          </a:solidFill>
+                        </a:rPr>
                         <a:t>[0, 0, 0, 0, 0]</a:t>
                       </a:r>
                     </a:p>
@@ -7748,18 +7826,46 @@
                     <a:lstStyle/>
                     <a:p>
                       <a:r>
-                        <a:rPr lang="en-US" dirty="0" smtClean="0"/>
+                        <a:rPr lang="en-US" dirty="0" smtClean="0">
+                          <a:solidFill>
+                            <a:schemeClr val="tx2">
+                              <a:lumMod val="20000"/>
+                              <a:lumOff val="80000"/>
+                            </a:schemeClr>
+                          </a:solidFill>
+                        </a:rPr>
                         <a:t>&lt;</a:t>
                       </a:r>
                       <a:r>
-                        <a:rPr lang="en-US" dirty="0" err="1" smtClean="0"/>
+                        <a:rPr lang="en-US" dirty="0" err="1" smtClean="0">
+                          <a:solidFill>
+                            <a:schemeClr val="tx2">
+                              <a:lumMod val="20000"/>
+                              <a:lumOff val="80000"/>
+                            </a:schemeClr>
+                          </a:solidFill>
+                        </a:rPr>
                         <a:t>arg</a:t>
                       </a:r>
                       <a:r>
-                        <a:rPr lang="en-US" dirty="0" smtClean="0"/>
+                        <a:rPr lang="en-US" dirty="0" smtClean="0">
+                          <a:solidFill>
+                            <a:schemeClr val="tx2">
+                              <a:lumMod val="20000"/>
+                              <a:lumOff val="80000"/>
+                            </a:schemeClr>
+                          </a:solidFill>
+                        </a:rPr>
                         <a:t>&gt;</a:t>
                       </a:r>
-                      <a:endParaRPr lang="en-US" dirty="0"/>
+                      <a:endParaRPr lang="en-US" dirty="0">
+                        <a:solidFill>
+                          <a:schemeClr val="tx2">
+                            <a:lumMod val="20000"/>
+                            <a:lumOff val="80000"/>
+                          </a:schemeClr>
+                        </a:solidFill>
+                      </a:endParaRPr>
                     </a:p>
                   </a:txBody>
                   <a:tcPr/>
@@ -7770,18 +7876,46 @@
                     <a:lstStyle/>
                     <a:p>
                       <a:r>
-                        <a:rPr lang="en-US" dirty="0" smtClean="0"/>
+                        <a:rPr lang="en-US" dirty="0" smtClean="0">
+                          <a:solidFill>
+                            <a:schemeClr val="tx2">
+                              <a:lumMod val="20000"/>
+                              <a:lumOff val="80000"/>
+                            </a:schemeClr>
+                          </a:solidFill>
+                        </a:rPr>
                         <a:t>&lt;</a:t>
                       </a:r>
                       <a:r>
-                        <a:rPr lang="en-US" dirty="0" err="1" smtClean="0"/>
+                        <a:rPr lang="en-US" dirty="0" err="1" smtClean="0">
+                          <a:solidFill>
+                            <a:schemeClr val="tx2">
+                              <a:lumMod val="20000"/>
+                              <a:lumOff val="80000"/>
+                            </a:schemeClr>
+                          </a:solidFill>
+                        </a:rPr>
                         <a:t>arg</a:t>
                       </a:r>
                       <a:r>
-                        <a:rPr lang="en-US" dirty="0" smtClean="0"/>
+                        <a:rPr lang="en-US" dirty="0" smtClean="0">
+                          <a:solidFill>
+                            <a:schemeClr val="tx2">
+                              <a:lumMod val="20000"/>
+                              <a:lumOff val="80000"/>
+                            </a:schemeClr>
+                          </a:solidFill>
+                        </a:rPr>
                         <a:t>: max, min&gt;</a:t>
                       </a:r>
-                      <a:endParaRPr lang="en-US" dirty="0"/>
+                      <a:endParaRPr lang="en-US" dirty="0">
+                        <a:solidFill>
+                          <a:schemeClr val="tx2">
+                            <a:lumMod val="20000"/>
+                            <a:lumOff val="80000"/>
+                          </a:schemeClr>
+                        </a:solidFill>
+                      </a:endParaRPr>
                     </a:p>
                   </a:txBody>
                   <a:tcPr/>
@@ -7792,10 +7926,24 @@
                     <a:lstStyle/>
                     <a:p>
                       <a:r>
-                        <a:rPr lang="en-US" dirty="0" smtClean="0"/>
+                        <a:rPr lang="en-US" dirty="0" smtClean="0">
+                          <a:solidFill>
+                            <a:schemeClr val="tx2">
+                              <a:lumMod val="20000"/>
+                              <a:lumOff val="80000"/>
+                            </a:schemeClr>
+                          </a:solidFill>
+                        </a:rPr>
                         <a:t>0</a:t>
                       </a:r>
-                      <a:endParaRPr lang="en-US" dirty="0"/>
+                      <a:endParaRPr lang="en-US" dirty="0">
+                        <a:solidFill>
+                          <a:schemeClr val="tx2">
+                            <a:lumMod val="20000"/>
+                            <a:lumOff val="80000"/>
+                          </a:schemeClr>
+                        </a:solidFill>
+                      </a:endParaRPr>
                     </a:p>
                   </a:txBody>
                   <a:tcPr/>
@@ -7806,10 +7954,24 @@
                     <a:lstStyle/>
                     <a:p>
                       <a:r>
-                        <a:rPr lang="en-US" dirty="0" smtClean="0"/>
+                        <a:rPr lang="en-US" dirty="0" smtClean="0">
+                          <a:solidFill>
+                            <a:schemeClr val="tx2">
+                              <a:lumMod val="20000"/>
+                              <a:lumOff val="80000"/>
+                            </a:schemeClr>
+                          </a:solidFill>
+                        </a:rPr>
                         <a:t>embed</a:t>
                       </a:r>
-                      <a:endParaRPr lang="en-US" dirty="0"/>
+                      <a:endParaRPr lang="en-US" dirty="0">
+                        <a:solidFill>
+                          <a:schemeClr val="tx2">
+                            <a:lumMod val="20000"/>
+                            <a:lumOff val="80000"/>
+                          </a:schemeClr>
+                        </a:solidFill>
+                      </a:endParaRPr>
                     </a:p>
                   </a:txBody>
                   <a:tcPr/>
@@ -7837,7 +7999,14 @@
                         <a:defRPr/>
                       </a:pPr>
                       <a:r>
-                        <a:rPr lang="en-US" dirty="0" smtClean="0"/>
+                        <a:rPr lang="en-US" dirty="0" smtClean="0">
+                          <a:solidFill>
+                            <a:schemeClr val="tx2">
+                              <a:lumMod val="20000"/>
+                              <a:lumOff val="80000"/>
+                            </a:schemeClr>
+                          </a:solidFill>
+                        </a:rPr>
                         <a:t>[0, 0, 0, 0, 0]</a:t>
                       </a:r>
                     </a:p>
@@ -7852,10 +8021,24 @@
                     <a:lstStyle/>
                     <a:p>
                       <a:r>
-                        <a:rPr lang="en-US" dirty="0" smtClean="0"/>
+                        <a:rPr lang="en-US" dirty="0" smtClean="0">
+                          <a:solidFill>
+                            <a:schemeClr val="tx2">
+                              <a:lumMod val="20000"/>
+                              <a:lumOff val="80000"/>
+                            </a:schemeClr>
+                          </a:solidFill>
+                        </a:rPr>
                         <a:t>&lt;op&gt;</a:t>
                       </a:r>
-                      <a:endParaRPr lang="en-US" dirty="0"/>
+                      <a:endParaRPr lang="en-US" dirty="0">
+                        <a:solidFill>
+                          <a:schemeClr val="tx2">
+                            <a:lumMod val="20000"/>
+                            <a:lumOff val="80000"/>
+                          </a:schemeClr>
+                        </a:solidFill>
+                      </a:endParaRPr>
                     </a:p>
                   </a:txBody>
                   <a:tcPr/>
@@ -7866,10 +8049,24 @@
                     <a:lstStyle/>
                     <a:p>
                       <a:r>
-                        <a:rPr lang="en-US" dirty="0" smtClean="0"/>
+                        <a:rPr lang="en-US" dirty="0" smtClean="0">
+                          <a:solidFill>
+                            <a:schemeClr val="tx2">
+                              <a:lumMod val="20000"/>
+                              <a:lumOff val="80000"/>
+                            </a:schemeClr>
+                          </a:solidFill>
+                        </a:rPr>
                         <a:t>TBD</a:t>
                       </a:r>
-                      <a:endParaRPr lang="en-US" dirty="0"/>
+                      <a:endParaRPr lang="en-US" dirty="0">
+                        <a:solidFill>
+                          <a:schemeClr val="tx2">
+                            <a:lumMod val="20000"/>
+                            <a:lumOff val="80000"/>
+                          </a:schemeClr>
+                        </a:solidFill>
+                      </a:endParaRPr>
                     </a:p>
                   </a:txBody>
                   <a:tcPr/>
@@ -7880,10 +8077,24 @@
                     <a:lstStyle/>
                     <a:p>
                       <a:r>
-                        <a:rPr lang="en-US" dirty="0" smtClean="0"/>
+                        <a:rPr lang="en-US" dirty="0" smtClean="0">
+                          <a:solidFill>
+                            <a:schemeClr val="tx2">
+                              <a:lumMod val="20000"/>
+                              <a:lumOff val="80000"/>
+                            </a:schemeClr>
+                          </a:solidFill>
+                        </a:rPr>
                         <a:t>0</a:t>
                       </a:r>
-                      <a:endParaRPr lang="en-US" dirty="0"/>
+                      <a:endParaRPr lang="en-US" dirty="0">
+                        <a:solidFill>
+                          <a:schemeClr val="tx2">
+                            <a:lumMod val="20000"/>
+                            <a:lumOff val="80000"/>
+                          </a:schemeClr>
+                        </a:solidFill>
+                      </a:endParaRPr>
                     </a:p>
                   </a:txBody>
                   <a:tcPr/>
@@ -7894,10 +8105,24 @@
                     <a:lstStyle/>
                     <a:p>
                       <a:r>
-                        <a:rPr lang="en-US" dirty="0" smtClean="0"/>
+                        <a:rPr lang="en-US" dirty="0" smtClean="0">
+                          <a:solidFill>
+                            <a:schemeClr val="tx2">
+                              <a:lumMod val="20000"/>
+                              <a:lumOff val="80000"/>
+                            </a:schemeClr>
+                          </a:solidFill>
+                        </a:rPr>
                         <a:t>embed</a:t>
                       </a:r>
-                      <a:endParaRPr lang="en-US" dirty="0"/>
+                      <a:endParaRPr lang="en-US" dirty="0">
+                        <a:solidFill>
+                          <a:schemeClr val="tx2">
+                            <a:lumMod val="20000"/>
+                            <a:lumOff val="80000"/>
+                          </a:schemeClr>
+                        </a:solidFill>
+                      </a:endParaRPr>
                     </a:p>
                   </a:txBody>
                   <a:tcPr/>
@@ -7925,7 +8150,14 @@
                         <a:defRPr/>
                       </a:pPr>
                       <a:r>
-                        <a:rPr lang="en-US" dirty="0" smtClean="0"/>
+                        <a:rPr lang="en-US" dirty="0" smtClean="0">
+                          <a:solidFill>
+                            <a:schemeClr val="tx2">
+                              <a:lumMod val="20000"/>
+                              <a:lumOff val="80000"/>
+                            </a:schemeClr>
+                          </a:solidFill>
+                        </a:rPr>
                         <a:t>[0, 0, 0, 0, 0]</a:t>
                       </a:r>
                     </a:p>

--- a/dnnQuery2.pptx
+++ b/dnnQuery2.pptx
@@ -5,7 +5,7 @@
     <p:sldMasterId id="2147483780" r:id="rId1"/>
   </p:sldMasterIdLst>
   <p:notesMasterIdLst>
-    <p:notesMasterId r:id="rId15"/>
+    <p:notesMasterId r:id="rId18"/>
   </p:notesMasterIdLst>
   <p:sldIdLst>
     <p:sldId id="269" r:id="rId2"/>
@@ -15,12 +15,15 @@
     <p:sldId id="283" r:id="rId6"/>
     <p:sldId id="287" r:id="rId7"/>
     <p:sldId id="288" r:id="rId8"/>
-    <p:sldId id="260" r:id="rId9"/>
-    <p:sldId id="289" r:id="rId10"/>
-    <p:sldId id="290" r:id="rId11"/>
-    <p:sldId id="291" r:id="rId12"/>
-    <p:sldId id="274" r:id="rId13"/>
-    <p:sldId id="275" r:id="rId14"/>
+    <p:sldId id="292" r:id="rId9"/>
+    <p:sldId id="293" r:id="rId10"/>
+    <p:sldId id="294" r:id="rId11"/>
+    <p:sldId id="260" r:id="rId12"/>
+    <p:sldId id="289" r:id="rId13"/>
+    <p:sldId id="290" r:id="rId14"/>
+    <p:sldId id="291" r:id="rId15"/>
+    <p:sldId id="274" r:id="rId16"/>
+    <p:sldId id="275" r:id="rId17"/>
   </p:sldIdLst>
   <p:sldSz cx="12192000" cy="6858000"/>
   <p:notesSz cx="6858000" cy="9144000"/>
@@ -209,7 +212,7 @@
           <a:p>
             <a:fld id="{6C69AF8A-8554-D74B-B8C7-B6347E590D19}" type="datetimeFigureOut">
               <a:rPr lang="en-US" smtClean="0"/>
-              <a:t>4/11/17</a:t>
+              <a:t>5/6/17</a:t>
             </a:fld>
             <a:endParaRPr lang="en-US"/>
           </a:p>
@@ -775,7 +778,7 @@
           <a:p>
             <a:fld id="{F462D47B-A527-614C-BCC4-5E0D5E97ED78}" type="slidenum">
               <a:rPr lang="en-US" smtClean="0"/>
-              <a:t>12</a:t>
+              <a:t>15</a:t>
             </a:fld>
             <a:endParaRPr lang="en-US"/>
           </a:p>
@@ -1657,7 +1660,7 @@
           <a:p>
             <a:fld id="{F462D47B-A527-614C-BCC4-5E0D5E97ED78}" type="slidenum">
               <a:rPr lang="en-US" smtClean="0"/>
-              <a:t>8</a:t>
+              <a:t>11</a:t>
             </a:fld>
             <a:endParaRPr lang="en-US"/>
           </a:p>
@@ -1750,7 +1753,7 @@
           <a:p>
             <a:fld id="{F462D47B-A527-614C-BCC4-5E0D5E97ED78}" type="slidenum">
               <a:rPr lang="en-US" smtClean="0"/>
-              <a:t>9</a:t>
+              <a:t>12</a:t>
             </a:fld>
             <a:endParaRPr lang="en-US"/>
           </a:p>
@@ -1843,7 +1846,7 @@
           <a:p>
             <a:fld id="{F462D47B-A527-614C-BCC4-5E0D5E97ED78}" type="slidenum">
               <a:rPr lang="en-US" smtClean="0"/>
-              <a:t>10</a:t>
+              <a:t>13</a:t>
             </a:fld>
             <a:endParaRPr lang="en-US"/>
           </a:p>
@@ -1936,7 +1939,7 @@
           <a:p>
             <a:fld id="{F462D47B-A527-614C-BCC4-5E0D5E97ED78}" type="slidenum">
               <a:rPr lang="en-US" smtClean="0"/>
-              <a:t>11</a:t>
+              <a:t>14</a:t>
             </a:fld>
             <a:endParaRPr lang="en-US"/>
           </a:p>
@@ -2181,7 +2184,7 @@
           <a:p>
             <a:fld id="{9323D940-588B-B243-B64D-D9263B98B06E}" type="datetimeFigureOut">
               <a:rPr lang="en-US" smtClean="0"/>
-              <a:t>4/11/17</a:t>
+              <a:t>5/6/17</a:t>
             </a:fld>
             <a:endParaRPr lang="en-US"/>
           </a:p>
@@ -2384,7 +2387,7 @@
           <a:p>
             <a:fld id="{9323D940-588B-B243-B64D-D9263B98B06E}" type="datetimeFigureOut">
               <a:rPr lang="en-US" smtClean="0"/>
-              <a:t>4/11/17</a:t>
+              <a:t>5/6/17</a:t>
             </a:fld>
             <a:endParaRPr lang="en-US"/>
           </a:p>
@@ -2635,7 +2638,7 @@
           <a:p>
             <a:fld id="{9323D940-588B-B243-B64D-D9263B98B06E}" type="datetimeFigureOut">
               <a:rPr lang="en-US" smtClean="0"/>
-              <a:t>4/11/17</a:t>
+              <a:t>5/6/17</a:t>
             </a:fld>
             <a:endParaRPr lang="en-US"/>
           </a:p>
@@ -2800,7 +2803,7 @@
           <a:p>
             <a:fld id="{9323D940-588B-B243-B64D-D9263B98B06E}" type="datetimeFigureOut">
               <a:rPr lang="en-US" smtClean="0"/>
-              <a:t>4/11/17</a:t>
+              <a:t>5/6/17</a:t>
             </a:fld>
             <a:endParaRPr lang="en-US"/>
           </a:p>
@@ -3138,7 +3141,7 @@
           <a:p>
             <a:fld id="{9323D940-588B-B243-B64D-D9263B98B06E}" type="datetimeFigureOut">
               <a:rPr lang="en-US" smtClean="0"/>
-              <a:t>4/11/17</a:t>
+              <a:t>5/6/17</a:t>
             </a:fld>
             <a:endParaRPr lang="en-US"/>
           </a:p>
@@ -3408,7 +3411,7 @@
           <a:p>
             <a:fld id="{9323D940-588B-B243-B64D-D9263B98B06E}" type="datetimeFigureOut">
               <a:rPr lang="en-US" smtClean="0"/>
-              <a:t>4/11/17</a:t>
+              <a:t>5/6/17</a:t>
             </a:fld>
             <a:endParaRPr lang="en-US"/>
           </a:p>
@@ -3782,7 +3785,7 @@
           <a:p>
             <a:fld id="{9323D940-588B-B243-B64D-D9263B98B06E}" type="datetimeFigureOut">
               <a:rPr lang="en-US" smtClean="0"/>
-              <a:t>4/11/17</a:t>
+              <a:t>5/6/17</a:t>
             </a:fld>
             <a:endParaRPr lang="en-US"/>
           </a:p>
@@ -3895,7 +3898,7 @@
           <a:p>
             <a:fld id="{9323D940-588B-B243-B64D-D9263B98B06E}" type="datetimeFigureOut">
               <a:rPr lang="en-US" smtClean="0"/>
-              <a:t>4/11/17</a:t>
+              <a:t>5/6/17</a:t>
             </a:fld>
             <a:endParaRPr lang="en-US"/>
           </a:p>
@@ -4061,7 +4064,7 @@
           <a:p>
             <a:fld id="{9323D940-588B-B243-B64D-D9263B98B06E}" type="datetimeFigureOut">
               <a:rPr lang="en-US" smtClean="0"/>
-              <a:t>4/11/17</a:t>
+              <a:t>5/6/17</a:t>
             </a:fld>
             <a:endParaRPr lang="en-US"/>
           </a:p>
@@ -4410,7 +4413,7 @@
           <a:p>
             <a:fld id="{9323D940-588B-B243-B64D-D9263B98B06E}" type="datetimeFigureOut">
               <a:rPr lang="en-US" smtClean="0"/>
-              <a:t>4/11/17</a:t>
+              <a:t>5/6/17</a:t>
             </a:fld>
             <a:endParaRPr lang="en-US"/>
           </a:p>
@@ -4782,7 +4785,7 @@
           <a:p>
             <a:fld id="{9323D940-588B-B243-B64D-D9263B98B06E}" type="datetimeFigureOut">
               <a:rPr lang="en-US" smtClean="0"/>
-              <a:t>4/11/17</a:t>
+              <a:t>5/6/17</a:t>
             </a:fld>
             <a:endParaRPr lang="en-US"/>
           </a:p>
@@ -5064,7 +5067,7 @@
           <a:p>
             <a:fld id="{9323D940-588B-B243-B64D-D9263B98B06E}" type="datetimeFigureOut">
               <a:rPr lang="en-US" smtClean="0"/>
-              <a:t>4/11/17</a:t>
+              <a:t>5/6/17</a:t>
             </a:fld>
             <a:endParaRPr lang="en-US"/>
           </a:p>
@@ -5616,8 +5619,8 @@
           </a:p>
         </p:txBody>
       </p:sp>
-      <mc:AlternateContent xmlns:mc="http://schemas.openxmlformats.org/markup-compatibility/2006">
-        <mc:Choice xmlns:a14="http://schemas.microsoft.com/office/drawing/2010/main" Requires="a14">
+      <mc:AlternateContent xmlns:mc="http://schemas.openxmlformats.org/markup-compatibility/2006" xmlns:a14="http://schemas.microsoft.com/office/drawing/2010/main">
+        <mc:Choice Requires="a14">
           <p:sp>
             <p:nvSpPr>
               <p:cNvPr id="3" name="Content Placeholder 2"/>
@@ -5840,7 +5843,7 @@
             </p:txBody>
           </p:sp>
         </mc:Choice>
-        <mc:Fallback>
+        <mc:Fallback xmlns="">
           <p:sp>
             <p:nvSpPr>
               <p:cNvPr id="3" name="Content Placeholder 2"/>
@@ -6168,6 +6171,729 @@
           <a:chExt cx="0" cy="0"/>
         </a:xfrm>
       </p:grpSpPr>
+      <p:pic>
+        <p:nvPicPr>
+          <p:cNvPr id="2" name="Picture 1"/>
+          <p:cNvPicPr>
+            <a:picLocks noChangeAspect="1"/>
+          </p:cNvPicPr>
+          <p:nvPr/>
+        </p:nvPicPr>
+        <p:blipFill>
+          <a:blip r:embed="rId2"/>
+          <a:stretch>
+            <a:fillRect/>
+          </a:stretch>
+        </p:blipFill>
+        <p:spPr>
+          <a:xfrm>
+            <a:off x="882650" y="1669366"/>
+            <a:ext cx="10502900" cy="3937000"/>
+          </a:xfrm>
+          <a:prstGeom prst="rect">
+            <a:avLst/>
+          </a:prstGeom>
+        </p:spPr>
+      </p:pic>
+      <p:sp>
+        <p:nvSpPr>
+          <p:cNvPr id="3" name="Rectangle 2"/>
+          <p:cNvSpPr/>
+          <p:nvPr/>
+        </p:nvSpPr>
+        <p:spPr>
+          <a:xfrm>
+            <a:off x="1104900" y="908735"/>
+            <a:ext cx="9423400" cy="646331"/>
+          </a:xfrm>
+          <a:prstGeom prst="rect">
+            <a:avLst/>
+          </a:prstGeom>
+        </p:spPr>
+        <p:txBody>
+          <a:bodyPr wrap="square">
+            <a:spAutoFit/>
+          </a:bodyPr>
+          <a:lstStyle/>
+          <a:p>
+            <a:r>
+              <a:rPr lang="en-US" smtClean="0"/>
+              <a:t>Input: for </a:t>
+            </a:r>
+            <a:r>
+              <a:rPr lang="en-US" dirty="0"/>
+              <a:t>&lt;field&gt; with more than &lt;value&gt; &lt;field&gt; and &lt;field&gt; less than &lt;value&gt;, &lt;field&gt; has the most &lt;field&gt;</a:t>
+            </a:r>
+          </a:p>
+        </p:txBody>
+      </p:sp>
+    </p:spTree>
+    <p:extLst>
+      <p:ext uri="{BB962C8B-B14F-4D97-AF65-F5344CB8AC3E}">
+        <p14:creationId xmlns:p14="http://schemas.microsoft.com/office/powerpoint/2010/main" val="182092318"/>
+      </p:ext>
+    </p:extLst>
+  </p:cSld>
+  <p:clrMapOvr>
+    <a:masterClrMapping/>
+  </p:clrMapOvr>
+</p:sld>
+</file>
+
+<file path=ppt/slides/slide11.xml><?xml version="1.0" encoding="utf-8"?>
+<p:sld xmlns:a="http://schemas.openxmlformats.org/drawingml/2006/main" xmlns:r="http://schemas.openxmlformats.org/officeDocument/2006/relationships" xmlns:p="http://schemas.openxmlformats.org/presentationml/2006/main">
+  <p:cSld>
+    <p:spTree>
+      <p:nvGrpSpPr>
+        <p:cNvPr id="1" name=""/>
+        <p:cNvGrpSpPr/>
+        <p:nvPr/>
+      </p:nvGrpSpPr>
+      <p:grpSpPr>
+        <a:xfrm>
+          <a:off x="0" y="0"/>
+          <a:ext cx="0" cy="0"/>
+          <a:chOff x="0" y="0"/>
+          <a:chExt cx="0" cy="0"/>
+        </a:xfrm>
+      </p:grpSpPr>
+      <p:pic>
+        <p:nvPicPr>
+          <p:cNvPr id="2" name="Picture 1"/>
+          <p:cNvPicPr>
+            <a:picLocks noChangeAspect="1"/>
+          </p:cNvPicPr>
+          <p:nvPr/>
+        </p:nvPicPr>
+        <p:blipFill>
+          <a:blip r:embed="rId3">
+            <a:extLst>
+              <a:ext uri="{28A0092B-C50C-407E-A947-70E740481C1C}">
+                <a14:useLocalDpi xmlns:a14="http://schemas.microsoft.com/office/drawing/2010/main" val="0"/>
+              </a:ext>
+            </a:extLst>
+          </a:blip>
+          <a:stretch>
+            <a:fillRect/>
+          </a:stretch>
+        </p:blipFill>
+        <p:spPr>
+          <a:xfrm>
+            <a:off x="3202899" y="1869858"/>
+            <a:ext cx="5530935" cy="3120187"/>
+          </a:xfrm>
+          <a:prstGeom prst="rect">
+            <a:avLst/>
+          </a:prstGeom>
+        </p:spPr>
+      </p:pic>
+      <mc:AlternateContent xmlns:mc="http://schemas.openxmlformats.org/markup-compatibility/2006" xmlns:a14="http://schemas.microsoft.com/office/drawing/2010/main">
+        <mc:Choice Requires="a14">
+          <p:sp>
+            <p:nvSpPr>
+              <p:cNvPr id="3" name="TextBox 2"/>
+              <p:cNvSpPr txBox="1"/>
+              <p:nvPr/>
+            </p:nvSpPr>
+            <p:spPr>
+              <a:xfrm>
+                <a:off x="4814343" y="5306518"/>
+                <a:ext cx="2526589" cy="336952"/>
+              </a:xfrm>
+              <a:prstGeom prst="rect">
+                <a:avLst/>
+              </a:prstGeom>
+              <a:noFill/>
+            </p:spPr>
+            <p:txBody>
+              <a:bodyPr wrap="none" lIns="0" tIns="0" rIns="0" bIns="0" rtlCol="0">
+                <a:spAutoFit/>
+              </a:bodyPr>
+              <a:lstStyle/>
+              <a:p>
+                <a:pPr/>
+                <a14:m>
+                  <m:oMathPara xmlns:m="http://schemas.openxmlformats.org/officeDocument/2006/math">
+                    <m:oMathParaPr>
+                      <m:jc m:val="centerGroup"/>
+                    </m:oMathParaPr>
+                    <m:oMath xmlns:m="http://schemas.openxmlformats.org/officeDocument/2006/math">
+                      <m:sSubSup>
+                        <m:sSubSupPr>
+                          <m:ctrlPr>
+                            <a:rPr lang="en-US" sz="2100" i="1">
+                              <a:latin typeface="Cambria Math" charset="0"/>
+                            </a:rPr>
+                          </m:ctrlPr>
+                        </m:sSubSupPr>
+                        <m:e>
+                          <m:r>
+                            <a:rPr lang="en-US" sz="2100" i="1">
+                              <a:latin typeface="Cambria Math" charset="0"/>
+                            </a:rPr>
+                            <m:t>h</m:t>
+                          </m:r>
+                        </m:e>
+                        <m:sub>
+                          <m:r>
+                            <a:rPr lang="en-US" sz="2100" i="1">
+                              <a:latin typeface="Cambria Math" charset="0"/>
+                            </a:rPr>
+                            <m:t>𝑡</m:t>
+                          </m:r>
+                        </m:sub>
+                        <m:sup>
+                          <m:r>
+                            <a:rPr lang="en-US" sz="2100" i="1">
+                              <a:latin typeface="Cambria Math" charset="0"/>
+                            </a:rPr>
+                            <m:t>𝑙</m:t>
+                          </m:r>
+                        </m:sup>
+                      </m:sSubSup>
+                      <m:r>
+                        <a:rPr lang="en-US" sz="2100" i="1">
+                          <a:latin typeface="Cambria Math" charset="0"/>
+                        </a:rPr>
+                        <m:t>=</m:t>
+                      </m:r>
+                      <m:r>
+                        <a:rPr lang="en-US" sz="2100" i="1">
+                          <a:latin typeface="Cambria Math" charset="0"/>
+                        </a:rPr>
+                        <m:t>𝐺𝑅𝑈</m:t>
+                      </m:r>
+                      <m:r>
+                        <a:rPr lang="en-US" sz="2100" i="1">
+                          <a:latin typeface="Cambria Math" charset="0"/>
+                        </a:rPr>
+                        <m:t>(</m:t>
+                      </m:r>
+                      <m:sSubSup>
+                        <m:sSubSupPr>
+                          <m:ctrlPr>
+                            <a:rPr lang="en-US" sz="2100" i="1">
+                              <a:latin typeface="Cambria Math" charset="0"/>
+                            </a:rPr>
+                          </m:ctrlPr>
+                        </m:sSubSupPr>
+                        <m:e>
+                          <m:r>
+                            <a:rPr lang="en-US" sz="2100" i="1">
+                              <a:latin typeface="Cambria Math" charset="0"/>
+                            </a:rPr>
+                            <m:t>h</m:t>
+                          </m:r>
+                        </m:e>
+                        <m:sub>
+                          <m:r>
+                            <a:rPr lang="en-US" sz="2100" i="1">
+                              <a:latin typeface="Cambria Math" charset="0"/>
+                            </a:rPr>
+                            <m:t>𝑡</m:t>
+                          </m:r>
+                          <m:r>
+                            <a:rPr lang="en-US" sz="2100" i="1">
+                              <a:latin typeface="Cambria Math" charset="0"/>
+                            </a:rPr>
+                            <m:t>−1</m:t>
+                          </m:r>
+                        </m:sub>
+                        <m:sup>
+                          <m:r>
+                            <a:rPr lang="en-US" sz="2100" i="1">
+                              <a:latin typeface="Cambria Math" charset="0"/>
+                            </a:rPr>
+                            <m:t>𝑙</m:t>
+                          </m:r>
+                        </m:sup>
+                      </m:sSubSup>
+                      <m:r>
+                        <a:rPr lang="en-US" sz="2100" i="1">
+                          <a:latin typeface="Cambria Math" charset="0"/>
+                        </a:rPr>
+                        <m:t>,</m:t>
+                      </m:r>
+                      <m:sSubSup>
+                        <m:sSubSupPr>
+                          <m:ctrlPr>
+                            <a:rPr lang="en-US" sz="2100" i="1">
+                              <a:latin typeface="Cambria Math" charset="0"/>
+                            </a:rPr>
+                          </m:ctrlPr>
+                        </m:sSubSupPr>
+                        <m:e>
+                          <m:r>
+                            <a:rPr lang="en-US" sz="2100" i="1">
+                              <a:latin typeface="Cambria Math" charset="0"/>
+                            </a:rPr>
+                            <m:t>h</m:t>
+                          </m:r>
+                        </m:e>
+                        <m:sub>
+                          <m:r>
+                            <a:rPr lang="en-US" sz="2100" i="1">
+                              <a:latin typeface="Cambria Math" charset="0"/>
+                            </a:rPr>
+                            <m:t>𝑡</m:t>
+                          </m:r>
+                        </m:sub>
+                        <m:sup>
+                          <m:r>
+                            <a:rPr lang="en-US" sz="2100" i="1">
+                              <a:latin typeface="Cambria Math" charset="0"/>
+                            </a:rPr>
+                            <m:t>𝑙</m:t>
+                          </m:r>
+                          <m:r>
+                            <a:rPr lang="en-US" sz="2100" i="1">
+                              <a:latin typeface="Cambria Math" charset="0"/>
+                            </a:rPr>
+                            <m:t>−1</m:t>
+                          </m:r>
+                        </m:sup>
+                      </m:sSubSup>
+                      <m:r>
+                        <a:rPr lang="en-US" sz="2100" i="1">
+                          <a:latin typeface="Cambria Math" charset="0"/>
+                        </a:rPr>
+                        <m:t>)</m:t>
+                      </m:r>
+                    </m:oMath>
+                  </m:oMathPara>
+                </a14:m>
+                <a:endParaRPr lang="en-US" sz="2100" dirty="0"/>
+              </a:p>
+            </p:txBody>
+          </p:sp>
+        </mc:Choice>
+        <mc:Fallback xmlns="">
+          <p:sp>
+            <p:nvSpPr>
+              <p:cNvPr id="3" name="TextBox 2"/>
+              <p:cNvSpPr txBox="1">
+                <a:spLocks noRot="1" noChangeAspect="1" noMove="1" noResize="1" noEditPoints="1" noAdjustHandles="1" noChangeArrowheads="1" noChangeShapeType="1" noTextEdit="1"/>
+              </p:cNvSpPr>
+              <p:nvPr/>
+            </p:nvSpPr>
+            <p:spPr>
+              <a:xfrm>
+                <a:off x="3290342" y="5306518"/>
+                <a:ext cx="2526589" cy="336952"/>
+              </a:xfrm>
+              <a:prstGeom prst="rect">
+                <a:avLst/>
+              </a:prstGeom>
+              <a:blipFill rotWithShape="0">
+                <a:blip r:embed="rId4"/>
+                <a:stretch>
+                  <a:fillRect l="-2174" r="-3623" b="-32143"/>
+                </a:stretch>
+              </a:blipFill>
+            </p:spPr>
+            <p:txBody>
+              <a:bodyPr/>
+              <a:lstStyle/>
+              <a:p>
+                <a:r>
+                  <a:rPr lang="en-US">
+                    <a:noFill/>
+                  </a:rPr>
+                  <a:t> </a:t>
+                </a:r>
+              </a:p>
+            </p:txBody>
+          </p:sp>
+        </mc:Fallback>
+      </mc:AlternateContent>
+      <p:sp>
+        <p:nvSpPr>
+          <p:cNvPr id="4" name="Title 3"/>
+          <p:cNvSpPr>
+            <a:spLocks noGrp="1"/>
+          </p:cNvSpPr>
+          <p:nvPr>
+            <p:ph type="title"/>
+          </p:nvPr>
+        </p:nvSpPr>
+        <p:spPr/>
+        <p:txBody>
+          <a:bodyPr/>
+          <a:lstStyle/>
+          <a:p>
+            <a:r>
+              <a:rPr lang="en-US" dirty="0" smtClean="0"/>
+              <a:t>Seq2seq attention model</a:t>
+            </a:r>
+            <a:endParaRPr lang="en-US" dirty="0"/>
+          </a:p>
+        </p:txBody>
+      </p:sp>
+      <mc:AlternateContent xmlns:mc="http://schemas.openxmlformats.org/markup-compatibility/2006" xmlns:a14="http://schemas.microsoft.com/office/drawing/2010/main">
+        <mc:Choice Requires="a14">
+          <p:sp>
+            <p:nvSpPr>
+              <p:cNvPr id="5" name="Rectangle 4"/>
+              <p:cNvSpPr/>
+              <p:nvPr/>
+            </p:nvSpPr>
+            <p:spPr>
+              <a:xfrm>
+                <a:off x="3793048" y="5732702"/>
+                <a:ext cx="4744312" cy="417807"/>
+              </a:xfrm>
+              <a:prstGeom prst="rect">
+                <a:avLst/>
+              </a:prstGeom>
+            </p:spPr>
+            <p:txBody>
+              <a:bodyPr wrap="none">
+                <a:spAutoFit/>
+              </a:bodyPr>
+              <a:lstStyle/>
+              <a:p>
+                <a:pPr/>
+                <a14:m>
+                  <m:oMathPara xmlns:m="http://schemas.openxmlformats.org/officeDocument/2006/math">
+                    <m:oMathParaPr>
+                      <m:jc m:val="centerGroup"/>
+                    </m:oMathParaPr>
+                    <m:oMath xmlns:m="http://schemas.openxmlformats.org/officeDocument/2006/math">
+                      <m:r>
+                        <a:rPr lang="en-US" sz="2100" i="1">
+                          <a:latin typeface="Cambria Math" charset="0"/>
+                        </a:rPr>
+                        <m:t>𝑝</m:t>
+                      </m:r>
+                      <m:d>
+                        <m:dPr>
+                          <m:ctrlPr>
+                            <a:rPr lang="en-US" sz="2100" i="1">
+                              <a:latin typeface="Cambria Math" charset="0"/>
+                            </a:rPr>
+                          </m:ctrlPr>
+                        </m:dPr>
+                        <m:e>
+                          <m:sSub>
+                            <m:sSubPr>
+                              <m:ctrlPr>
+                                <a:rPr lang="en-US" sz="2100" i="1">
+                                  <a:latin typeface="Cambria Math" charset="0"/>
+                                </a:rPr>
+                              </m:ctrlPr>
+                            </m:sSubPr>
+                            <m:e>
+                              <m:r>
+                                <a:rPr lang="en-US" sz="2100" i="1">
+                                  <a:latin typeface="Cambria Math" charset="0"/>
+                                </a:rPr>
+                                <m:t>𝑦</m:t>
+                              </m:r>
+                            </m:e>
+                            <m:sub>
+                              <m:r>
+                                <a:rPr lang="en-US" sz="2100" i="1">
+                                  <a:latin typeface="Cambria Math" charset="0"/>
+                                </a:rPr>
+                                <m:t>𝑡</m:t>
+                              </m:r>
+                            </m:sub>
+                          </m:sSub>
+                        </m:e>
+                        <m:e>
+                          <m:sSub>
+                            <m:sSubPr>
+                              <m:ctrlPr>
+                                <a:rPr lang="en-US" sz="2100" i="1">
+                                  <a:latin typeface="Cambria Math" charset="0"/>
+                                </a:rPr>
+                              </m:ctrlPr>
+                            </m:sSubPr>
+                            <m:e>
+                              <m:r>
+                                <a:rPr lang="en-US" sz="2100" i="1">
+                                  <a:latin typeface="Cambria Math" charset="0"/>
+                                </a:rPr>
+                                <m:t>𝑦</m:t>
+                              </m:r>
+                            </m:e>
+                            <m:sub>
+                              <m:r>
+                                <a:rPr lang="en-US" sz="2100" i="1">
+                                  <a:latin typeface="Cambria Math" charset="0"/>
+                                </a:rPr>
+                                <m:t>&lt;</m:t>
+                              </m:r>
+                              <m:r>
+                                <a:rPr lang="en-US" sz="2100" i="1">
+                                  <a:latin typeface="Cambria Math" charset="0"/>
+                                </a:rPr>
+                                <m:t>𝑡</m:t>
+                              </m:r>
+                            </m:sub>
+                          </m:sSub>
+                          <m:r>
+                            <a:rPr lang="en-US" sz="2100" i="1">
+                              <a:latin typeface="Cambria Math" charset="0"/>
+                            </a:rPr>
+                            <m:t>,</m:t>
+                          </m:r>
+                          <m:r>
+                            <a:rPr lang="en-US" sz="2100" i="1">
+                              <a:latin typeface="Cambria Math" charset="0"/>
+                            </a:rPr>
+                            <m:t>𝑞</m:t>
+                          </m:r>
+                        </m:e>
+                      </m:d>
+                      <m:r>
+                        <a:rPr lang="en-US" sz="2100" i="1">
+                          <a:latin typeface="Cambria Math" charset="0"/>
+                        </a:rPr>
+                        <m:t>=</m:t>
+                      </m:r>
+                      <m:r>
+                        <a:rPr lang="en-US" sz="2100" i="1">
+                          <a:latin typeface="Cambria Math" charset="0"/>
+                        </a:rPr>
+                        <m:t>𝑠𝑜𝑓𝑡𝑚𝑎𝑥</m:t>
+                      </m:r>
+                      <m:sSup>
+                        <m:sSupPr>
+                          <m:ctrlPr>
+                            <a:rPr lang="en-US" sz="2100" i="1">
+                              <a:latin typeface="Cambria Math" charset="0"/>
+                            </a:rPr>
+                          </m:ctrlPr>
+                        </m:sSupPr>
+                        <m:e>
+                          <m:d>
+                            <m:dPr>
+                              <m:ctrlPr>
+                                <a:rPr lang="en-US" sz="2100" i="1">
+                                  <a:latin typeface="Cambria Math" charset="0"/>
+                                </a:rPr>
+                              </m:ctrlPr>
+                            </m:dPr>
+                            <m:e>
+                              <m:sSub>
+                                <m:sSubPr>
+                                  <m:ctrlPr>
+                                    <a:rPr lang="en-US" sz="2100" i="1">
+                                      <a:latin typeface="Cambria Math" charset="0"/>
+                                    </a:rPr>
+                                  </m:ctrlPr>
+                                </m:sSubPr>
+                                <m:e>
+                                  <m:r>
+                                    <a:rPr lang="en-US" sz="2100" i="1">
+                                      <a:latin typeface="Cambria Math" charset="0"/>
+                                    </a:rPr>
+                                    <m:t>𝑊</m:t>
+                                  </m:r>
+                                </m:e>
+                                <m:sub>
+                                  <m:r>
+                                    <a:rPr lang="en-US" sz="2100" i="1">
+                                      <a:latin typeface="Cambria Math" charset="0"/>
+                                    </a:rPr>
+                                    <m:t>𝑜</m:t>
+                                  </m:r>
+                                </m:sub>
+                              </m:sSub>
+                              <m:sSubSup>
+                                <m:sSubSupPr>
+                                  <m:ctrlPr>
+                                    <a:rPr lang="en-US" sz="2100" i="1">
+                                      <a:latin typeface="Cambria Math" charset="0"/>
+                                    </a:rPr>
+                                  </m:ctrlPr>
+                                </m:sSubSupPr>
+                                <m:e>
+                                  <m:r>
+                                    <a:rPr lang="en-US" sz="2100" i="1">
+                                      <a:latin typeface="Cambria Math" charset="0"/>
+                                    </a:rPr>
+                                    <m:t>h</m:t>
+                                  </m:r>
+                                </m:e>
+                                <m:sub>
+                                  <m:r>
+                                    <a:rPr lang="en-US" sz="2100" i="1">
+                                      <a:latin typeface="Cambria Math" charset="0"/>
+                                    </a:rPr>
+                                    <m:t>𝑡</m:t>
+                                  </m:r>
+                                </m:sub>
+                                <m:sup>
+                                  <m:r>
+                                    <a:rPr lang="en-US" sz="2100" i="1">
+                                      <a:latin typeface="Cambria Math" charset="0"/>
+                                    </a:rPr>
+                                    <m:t>𝐿</m:t>
+                                  </m:r>
+                                </m:sup>
+                              </m:sSubSup>
+                            </m:e>
+                          </m:d>
+                        </m:e>
+                        <m:sup>
+                          <m:r>
+                            <a:rPr lang="en-US" sz="2100" i="1">
+                              <a:latin typeface="Cambria Math" charset="0"/>
+                            </a:rPr>
+                            <m:t>𝑇</m:t>
+                          </m:r>
+                        </m:sup>
+                      </m:sSup>
+                      <m:r>
+                        <a:rPr lang="en-US" sz="2100" i="1">
+                          <a:latin typeface="Cambria Math" charset="0"/>
+                        </a:rPr>
+                        <m:t>𝑒</m:t>
+                      </m:r>
+                      <m:r>
+                        <a:rPr lang="en-US" sz="2100" i="1">
+                          <a:latin typeface="Cambria Math" charset="0"/>
+                        </a:rPr>
+                        <m:t>(</m:t>
+                      </m:r>
+                      <m:sSub>
+                        <m:sSubPr>
+                          <m:ctrlPr>
+                            <a:rPr lang="en-US" sz="2100" i="1">
+                              <a:latin typeface="Cambria Math" charset="0"/>
+                            </a:rPr>
+                          </m:ctrlPr>
+                        </m:sSubPr>
+                        <m:e>
+                          <m:r>
+                            <a:rPr lang="en-US" sz="2100" i="1">
+                              <a:latin typeface="Cambria Math" charset="0"/>
+                            </a:rPr>
+                            <m:t>𝑦</m:t>
+                          </m:r>
+                        </m:e>
+                        <m:sub>
+                          <m:r>
+                            <a:rPr lang="en-US" sz="2100" i="1">
+                              <a:latin typeface="Cambria Math" charset="0"/>
+                            </a:rPr>
+                            <m:t>𝑡</m:t>
+                          </m:r>
+                        </m:sub>
+                      </m:sSub>
+                      <m:r>
+                        <a:rPr lang="en-US" sz="2100" i="1">
+                          <a:latin typeface="Cambria Math" charset="0"/>
+                        </a:rPr>
+                        <m:t>)</m:t>
+                      </m:r>
+                    </m:oMath>
+                  </m:oMathPara>
+                </a14:m>
+                <a:endParaRPr lang="en-US" sz="2100" dirty="0"/>
+              </a:p>
+            </p:txBody>
+          </p:sp>
+        </mc:Choice>
+        <mc:Fallback xmlns="">
+          <p:sp>
+            <p:nvSpPr>
+              <p:cNvPr id="5" name="Rectangle 4"/>
+              <p:cNvSpPr>
+                <a:spLocks noRot="1" noChangeAspect="1" noMove="1" noResize="1" noEditPoints="1" noAdjustHandles="1" noChangeArrowheads="1" noChangeShapeType="1" noTextEdit="1"/>
+              </p:cNvSpPr>
+              <p:nvPr/>
+            </p:nvSpPr>
+            <p:spPr>
+              <a:xfrm>
+                <a:off x="2269048" y="5732701"/>
+                <a:ext cx="4744312" cy="417807"/>
+              </a:xfrm>
+              <a:prstGeom prst="rect">
+                <a:avLst/>
+              </a:prstGeom>
+              <a:blipFill rotWithShape="0">
+                <a:blip r:embed="rId5"/>
+                <a:stretch>
+                  <a:fillRect b="-17391"/>
+                </a:stretch>
+              </a:blipFill>
+            </p:spPr>
+            <p:txBody>
+              <a:bodyPr/>
+              <a:lstStyle/>
+              <a:p>
+                <a:r>
+                  <a:rPr lang="en-US">
+                    <a:noFill/>
+                  </a:rPr>
+                  <a:t> </a:t>
+                </a:r>
+              </a:p>
+            </p:txBody>
+          </p:sp>
+        </mc:Fallback>
+      </mc:AlternateContent>
+      <p:sp>
+        <p:nvSpPr>
+          <p:cNvPr id="6" name="TextBox 5"/>
+          <p:cNvSpPr txBox="1"/>
+          <p:nvPr/>
+        </p:nvSpPr>
+        <p:spPr>
+          <a:xfrm>
+            <a:off x="2558321" y="4759212"/>
+            <a:ext cx="1289154" cy="461665"/>
+          </a:xfrm>
+          <a:prstGeom prst="rect">
+            <a:avLst/>
+          </a:prstGeom>
+          <a:noFill/>
+        </p:spPr>
+        <p:txBody>
+          <a:bodyPr wrap="square" rtlCol="0">
+            <a:spAutoFit/>
+          </a:bodyPr>
+          <a:lstStyle/>
+          <a:p>
+            <a:r>
+              <a:rPr lang="en-US" sz="2400" b="1" dirty="0"/>
+              <a:t>Encoder</a:t>
+            </a:r>
+          </a:p>
+        </p:txBody>
+      </p:sp>
+      <p:sp>
+        <p:nvSpPr>
+          <p:cNvPr id="7" name="TextBox 6"/>
+          <p:cNvSpPr txBox="1"/>
+          <p:nvPr/>
+        </p:nvSpPr>
+        <p:spPr>
+          <a:xfrm>
+            <a:off x="8886669" y="4729232"/>
+            <a:ext cx="1289154" cy="461665"/>
+          </a:xfrm>
+          <a:prstGeom prst="rect">
+            <a:avLst/>
+          </a:prstGeom>
+          <a:noFill/>
+        </p:spPr>
+        <p:txBody>
+          <a:bodyPr wrap="square" rtlCol="0">
+            <a:spAutoFit/>
+          </a:bodyPr>
+          <a:lstStyle/>
+          <a:p>
+            <a:r>
+              <a:rPr lang="en-US" sz="2400" b="1" dirty="0"/>
+              <a:t>Decoder</a:t>
+            </a:r>
+          </a:p>
+        </p:txBody>
+      </p:sp>
       <p:sp>
         <p:nvSpPr>
           <p:cNvPr id="8" name="TextBox 7"/>
@@ -6198,6 +6924,1387 @@
           </a:p>
         </p:txBody>
       </p:sp>
+    </p:spTree>
+    <p:extLst>
+      <p:ext uri="{BB962C8B-B14F-4D97-AF65-F5344CB8AC3E}">
+        <p14:creationId xmlns:p14="http://schemas.microsoft.com/office/powerpoint/2010/main" val="647601540"/>
+      </p:ext>
+    </p:extLst>
+  </p:cSld>
+  <p:clrMapOvr>
+    <a:masterClrMapping/>
+  </p:clrMapOvr>
+  <p:timing>
+    <p:tnLst>
+      <p:par>
+        <p:cTn id="1" dur="indefinite" restart="never" nodeType="tmRoot"/>
+      </p:par>
+    </p:tnLst>
+  </p:timing>
+</p:sld>
+</file>
+
+<file path=ppt/slides/slide12.xml><?xml version="1.0" encoding="utf-8"?>
+<p:sld xmlns:a="http://schemas.openxmlformats.org/drawingml/2006/main" xmlns:r="http://schemas.openxmlformats.org/officeDocument/2006/relationships" xmlns:p="http://schemas.openxmlformats.org/presentationml/2006/main">
+  <p:cSld>
+    <p:spTree>
+      <p:nvGrpSpPr>
+        <p:cNvPr id="1" name=""/>
+        <p:cNvGrpSpPr/>
+        <p:nvPr/>
+      </p:nvGrpSpPr>
+      <p:grpSpPr>
+        <a:xfrm>
+          <a:off x="0" y="0"/>
+          <a:ext cx="0" cy="0"/>
+          <a:chOff x="0" y="0"/>
+          <a:chExt cx="0" cy="0"/>
+        </a:xfrm>
+      </p:grpSpPr>
+      <p:sp>
+        <p:nvSpPr>
+          <p:cNvPr id="8" name="TextBox 7"/>
+          <p:cNvSpPr txBox="1"/>
+          <p:nvPr/>
+        </p:nvSpPr>
+        <p:spPr>
+          <a:xfrm>
+            <a:off x="749507" y="509666"/>
+            <a:ext cx="7581693" cy="461665"/>
+          </a:xfrm>
+          <a:prstGeom prst="rect">
+            <a:avLst/>
+          </a:prstGeom>
+          <a:noFill/>
+        </p:spPr>
+        <p:txBody>
+          <a:bodyPr wrap="square" rtlCol="0">
+            <a:spAutoFit/>
+          </a:bodyPr>
+          <a:lstStyle/>
+          <a:p>
+            <a:r>
+              <a:rPr lang="en-US" sz="2400" dirty="0" smtClean="0"/>
+              <a:t>Natural Language Interface (Neural Translation Machine):</a:t>
+            </a:r>
+            <a:endParaRPr lang="en-US" sz="2400" dirty="0"/>
+          </a:p>
+        </p:txBody>
+      </p:sp>
+      <p:sp>
+        <p:nvSpPr>
+          <p:cNvPr id="10" name="TextBox 9"/>
+          <p:cNvSpPr txBox="1"/>
+          <p:nvPr/>
+        </p:nvSpPr>
+        <p:spPr>
+          <a:xfrm>
+            <a:off x="563244" y="1405468"/>
+            <a:ext cx="5769826" cy="707886"/>
+          </a:xfrm>
+          <a:prstGeom prst="rect">
+            <a:avLst/>
+          </a:prstGeom>
+          <a:noFill/>
+        </p:spPr>
+        <p:txBody>
+          <a:bodyPr wrap="square" rtlCol="0">
+            <a:spAutoFit/>
+          </a:bodyPr>
+          <a:lstStyle/>
+          <a:p>
+            <a:r>
+              <a:rPr lang="en-US" sz="2000" b="1" dirty="0" smtClean="0"/>
+              <a:t>Training Data</a:t>
+            </a:r>
+            <a:r>
+              <a:rPr lang="en-US" sz="2000" dirty="0" smtClean="0"/>
+              <a:t>: .</a:t>
+            </a:r>
+            <a:r>
+              <a:rPr lang="en-US" sz="2000" dirty="0" err="1" smtClean="0"/>
+              <a:t>qu</a:t>
+            </a:r>
+            <a:r>
+              <a:rPr lang="en-US" sz="2000" dirty="0" smtClean="0"/>
+              <a:t>, .fi, </a:t>
+            </a:r>
+            <a:r>
+              <a:rPr lang="en-US" sz="2000" b="1" dirty="0" smtClean="0"/>
+              <a:t>.lo </a:t>
+            </a:r>
+            <a:r>
+              <a:rPr lang="en-US" sz="2000" dirty="0" smtClean="0"/>
+              <a:t>files (</a:t>
+            </a:r>
+            <a:r>
+              <a:rPr lang="en-US" sz="2000" dirty="0"/>
+              <a:t>original </a:t>
+            </a:r>
+            <a:r>
+              <a:rPr lang="en-US" sz="2000" dirty="0" smtClean="0"/>
+              <a:t>files); .ta, .</a:t>
+            </a:r>
+            <a:r>
+              <a:rPr lang="en-US" sz="2000" dirty="0" err="1" smtClean="0"/>
+              <a:t>qux</a:t>
+            </a:r>
+            <a:r>
+              <a:rPr lang="en-US" sz="2000" dirty="0" smtClean="0"/>
+              <a:t>, </a:t>
+            </a:r>
+            <a:r>
+              <a:rPr lang="en-US" sz="2000" b="1" dirty="0" smtClean="0"/>
+              <a:t>.lox </a:t>
+            </a:r>
+            <a:r>
+              <a:rPr lang="en-US" sz="2000" dirty="0" smtClean="0"/>
+              <a:t>files (generated through tagging process)</a:t>
+            </a:r>
+            <a:endParaRPr lang="en-US" sz="2000" dirty="0"/>
+          </a:p>
+        </p:txBody>
+      </p:sp>
+      <p:sp>
+        <p:nvSpPr>
+          <p:cNvPr id="11" name="Rectangle 10"/>
+          <p:cNvSpPr/>
+          <p:nvPr/>
+        </p:nvSpPr>
+        <p:spPr>
+          <a:xfrm>
+            <a:off x="2980267" y="2293543"/>
+            <a:ext cx="7857066" cy="2862322"/>
+          </a:xfrm>
+          <a:prstGeom prst="rect">
+            <a:avLst/>
+          </a:prstGeom>
+        </p:spPr>
+        <p:txBody>
+          <a:bodyPr wrap="square">
+            <a:spAutoFit/>
+          </a:bodyPr>
+          <a:lstStyle/>
+          <a:p>
+            <a:r>
+              <a:rPr lang="en-US" dirty="0">
+                <a:solidFill>
+                  <a:srgbClr val="454545"/>
+                </a:solidFill>
+                <a:latin typeface="Helvetica Neue" charset="0"/>
+              </a:rPr>
+              <a:t>diff A </a:t>
+            </a:r>
+            <a:r>
+              <a:rPr lang="en-US" dirty="0" smtClean="0">
+                <a:solidFill>
+                  <a:srgbClr val="454545"/>
+                </a:solidFill>
+                <a:latin typeface="Helvetica Neue" charset="0"/>
+              </a:rPr>
+              <a:t>as select Silver </a:t>
+            </a:r>
+            <a:r>
+              <a:rPr lang="en-US" dirty="0" smtClean="0">
+                <a:solidFill>
+                  <a:srgbClr val="454545"/>
+                </a:solidFill>
+                <a:latin typeface="Helvetica Neue" charset="0"/>
+              </a:rPr>
+              <a:t>where </a:t>
+            </a:r>
+            <a:r>
+              <a:rPr lang="en-US" dirty="0">
+                <a:solidFill>
+                  <a:srgbClr val="454545"/>
+                </a:solidFill>
+                <a:latin typeface="Helvetica Neue" charset="0"/>
+              </a:rPr>
+              <a:t>Nation equal </a:t>
+            </a:r>
+            <a:r>
+              <a:rPr lang="en-US" dirty="0" err="1">
+                <a:solidFill>
+                  <a:srgbClr val="454545"/>
+                </a:solidFill>
+                <a:latin typeface="Helvetica Neue" charset="0"/>
+              </a:rPr>
+              <a:t>italy</a:t>
+            </a:r>
+            <a:r>
+              <a:rPr lang="en-US" dirty="0">
+                <a:solidFill>
+                  <a:srgbClr val="454545"/>
+                </a:solidFill>
+                <a:latin typeface="Helvetica Neue" charset="0"/>
+              </a:rPr>
+              <a:t> </a:t>
+            </a:r>
+            <a:r>
+              <a:rPr lang="en-US" dirty="0" smtClean="0">
+                <a:solidFill>
+                  <a:srgbClr val="454545"/>
+                </a:solidFill>
+                <a:latin typeface="Helvetica Neue" charset="0"/>
+              </a:rPr>
+              <a:t>and B as select </a:t>
+            </a:r>
+            <a:r>
+              <a:rPr lang="en-US" dirty="0">
+                <a:solidFill>
+                  <a:srgbClr val="454545"/>
+                </a:solidFill>
+                <a:latin typeface="Helvetica Neue" charset="0"/>
+              </a:rPr>
+              <a:t>Silver </a:t>
+            </a:r>
+            <a:r>
+              <a:rPr lang="en-US" dirty="0" smtClean="0">
+                <a:solidFill>
+                  <a:srgbClr val="454545"/>
+                </a:solidFill>
+                <a:latin typeface="Helvetica Neue" charset="0"/>
+              </a:rPr>
+              <a:t>where </a:t>
+            </a:r>
+            <a:r>
+              <a:rPr lang="en-US" dirty="0">
+                <a:solidFill>
+                  <a:srgbClr val="454545"/>
+                </a:solidFill>
+                <a:latin typeface="Helvetica Neue" charset="0"/>
+              </a:rPr>
+              <a:t>Nation equal </a:t>
+            </a:r>
+            <a:r>
+              <a:rPr lang="en-US" dirty="0" err="1" smtClean="0">
+                <a:solidFill>
+                  <a:srgbClr val="454545"/>
+                </a:solidFill>
+                <a:latin typeface="Helvetica Neue" charset="0"/>
+              </a:rPr>
+              <a:t>india</a:t>
+            </a:r>
+            <a:endParaRPr lang="en-US" dirty="0">
+              <a:solidFill>
+                <a:srgbClr val="454545"/>
+              </a:solidFill>
+              <a:latin typeface="Helvetica Neue" charset="0"/>
+            </a:endParaRPr>
+          </a:p>
+          <a:p>
+            <a:endParaRPr lang="en-US" dirty="0" smtClean="0">
+              <a:solidFill>
+                <a:srgbClr val="454545"/>
+              </a:solidFill>
+              <a:latin typeface="Helvetica Neue" charset="0"/>
+            </a:endParaRPr>
+          </a:p>
+          <a:p>
+            <a:r>
+              <a:rPr lang="en-US" dirty="0" smtClean="0">
+                <a:solidFill>
+                  <a:srgbClr val="454545"/>
+                </a:solidFill>
+                <a:latin typeface="Helvetica Neue" charset="0"/>
+              </a:rPr>
+              <a:t>Silver </a:t>
+            </a:r>
+            <a:r>
+              <a:rPr lang="en-US" dirty="0" smtClean="0">
+                <a:solidFill>
+                  <a:srgbClr val="454545"/>
+                </a:solidFill>
+                <a:latin typeface="Helvetica Neue" charset="0"/>
+              </a:rPr>
+              <a:t>Nation</a:t>
+            </a:r>
+          </a:p>
+          <a:p>
+            <a:endParaRPr lang="en-US" dirty="0">
+              <a:solidFill>
+                <a:srgbClr val="454545"/>
+              </a:solidFill>
+              <a:latin typeface="Helvetica Neue" charset="0"/>
+            </a:endParaRPr>
+          </a:p>
+          <a:p>
+            <a:r>
+              <a:rPr lang="en-US" dirty="0" smtClean="0">
+                <a:solidFill>
+                  <a:srgbClr val="454545"/>
+                </a:solidFill>
+                <a:latin typeface="Helvetica Neue" charset="0"/>
+              </a:rPr>
+              <a:t>&lt;nan&gt; </a:t>
+            </a:r>
+            <a:r>
+              <a:rPr lang="en-US" dirty="0" err="1" smtClean="0">
+                <a:solidFill>
+                  <a:srgbClr val="454545"/>
+                </a:solidFill>
+                <a:latin typeface="Helvetica Neue" charset="0"/>
+              </a:rPr>
+              <a:t>italy</a:t>
+            </a:r>
+            <a:r>
+              <a:rPr lang="en-US" dirty="0" smtClean="0">
+                <a:solidFill>
+                  <a:srgbClr val="454545"/>
+                </a:solidFill>
+                <a:latin typeface="Helvetica Neue" charset="0"/>
+              </a:rPr>
+              <a:t>; </a:t>
+            </a:r>
+            <a:r>
+              <a:rPr lang="en-US" dirty="0" err="1" smtClean="0">
+                <a:solidFill>
+                  <a:srgbClr val="454545"/>
+                </a:solidFill>
+                <a:latin typeface="Helvetica Neue" charset="0"/>
+              </a:rPr>
+              <a:t>india</a:t>
+            </a:r>
+            <a:endParaRPr lang="en-US" dirty="0" smtClean="0">
+              <a:solidFill>
+                <a:srgbClr val="454545"/>
+              </a:solidFill>
+              <a:latin typeface="Helvetica Neue" charset="0"/>
+            </a:endParaRPr>
+          </a:p>
+          <a:p>
+            <a:endParaRPr lang="en-US" dirty="0" smtClean="0">
+              <a:solidFill>
+                <a:srgbClr val="454545"/>
+              </a:solidFill>
+              <a:latin typeface="Helvetica Neue" charset="0"/>
+            </a:endParaRPr>
+          </a:p>
+          <a:p>
+            <a:r>
+              <a:rPr lang="en-US" dirty="0">
+                <a:solidFill>
+                  <a:srgbClr val="454545"/>
+                </a:solidFill>
+                <a:latin typeface="Helvetica Neue" charset="0"/>
+              </a:rPr>
+              <a:t>diff A as select &lt;field&gt;:0</a:t>
+            </a:r>
+            <a:r>
+              <a:rPr lang="en-US" dirty="0" smtClean="0">
+                <a:solidFill>
+                  <a:srgbClr val="454545"/>
+                </a:solidFill>
+                <a:latin typeface="Helvetica Neue" charset="0"/>
+              </a:rPr>
+              <a:t> </a:t>
+            </a:r>
+            <a:r>
+              <a:rPr lang="en-US" dirty="0">
+                <a:solidFill>
+                  <a:srgbClr val="454545"/>
+                </a:solidFill>
+                <a:latin typeface="Helvetica Neue" charset="0"/>
+              </a:rPr>
+              <a:t>where &lt;field</a:t>
+            </a:r>
+            <a:r>
+              <a:rPr lang="en-US" dirty="0" smtClean="0">
+                <a:solidFill>
+                  <a:srgbClr val="454545"/>
+                </a:solidFill>
+                <a:latin typeface="Helvetica Neue" charset="0"/>
+              </a:rPr>
+              <a:t>&gt;:1 </a:t>
+            </a:r>
+            <a:r>
+              <a:rPr lang="en-US" dirty="0">
+                <a:solidFill>
+                  <a:srgbClr val="454545"/>
+                </a:solidFill>
+                <a:latin typeface="Helvetica Neue" charset="0"/>
+              </a:rPr>
+              <a:t>equal </a:t>
+            </a:r>
+            <a:r>
+              <a:rPr lang="en-US" dirty="0" smtClean="0">
+                <a:solidFill>
+                  <a:srgbClr val="454545"/>
+                </a:solidFill>
+                <a:latin typeface="Helvetica Neue" charset="0"/>
+              </a:rPr>
+              <a:t>&lt;value&gt;:1 </a:t>
+            </a:r>
+            <a:r>
+              <a:rPr lang="en-US" dirty="0">
+                <a:solidFill>
+                  <a:srgbClr val="454545"/>
+                </a:solidFill>
+                <a:latin typeface="Helvetica Neue" charset="0"/>
+              </a:rPr>
+              <a:t>and B as select </a:t>
+            </a:r>
+            <a:r>
+              <a:rPr lang="en-US" dirty="0" smtClean="0">
+                <a:solidFill>
+                  <a:srgbClr val="454545"/>
+                </a:solidFill>
+                <a:latin typeface="Helvetica Neue" charset="0"/>
+              </a:rPr>
+              <a:t>&lt;field&gt;:0 </a:t>
+            </a:r>
+            <a:r>
+              <a:rPr lang="en-US" dirty="0">
+                <a:solidFill>
+                  <a:srgbClr val="454545"/>
+                </a:solidFill>
+                <a:latin typeface="Helvetica Neue" charset="0"/>
+              </a:rPr>
+              <a:t>where &lt;field&gt;:1 equal &lt;value&gt;:</a:t>
+            </a:r>
+            <a:r>
+              <a:rPr lang="en-US" dirty="0" smtClean="0">
+                <a:solidFill>
+                  <a:srgbClr val="454545"/>
+                </a:solidFill>
+                <a:latin typeface="Helvetica Neue" charset="0"/>
+              </a:rPr>
+              <a:t>1</a:t>
+            </a:r>
+            <a:r>
+              <a:rPr lang="en-US" dirty="0">
+                <a:solidFill>
+                  <a:srgbClr val="454545"/>
+                </a:solidFill>
+                <a:latin typeface="Helvetica Neue" charset="0"/>
+              </a:rPr>
+              <a:t/>
+            </a:r>
+            <a:br>
+              <a:rPr lang="en-US" dirty="0">
+                <a:solidFill>
+                  <a:srgbClr val="454545"/>
+                </a:solidFill>
+                <a:latin typeface="Helvetica Neue" charset="0"/>
+              </a:rPr>
+            </a:br>
+            <a:endParaRPr lang="en-US" dirty="0">
+              <a:solidFill>
+                <a:srgbClr val="454545"/>
+              </a:solidFill>
+              <a:effectLst/>
+              <a:latin typeface="Helvetica Neue" charset="0"/>
+            </a:endParaRPr>
+          </a:p>
+        </p:txBody>
+      </p:sp>
+      <p:sp>
+        <p:nvSpPr>
+          <p:cNvPr id="12" name="TextBox 11"/>
+          <p:cNvSpPr txBox="1"/>
+          <p:nvPr/>
+        </p:nvSpPr>
+        <p:spPr>
+          <a:xfrm>
+            <a:off x="1651697" y="3126274"/>
+            <a:ext cx="1139252" cy="369332"/>
+          </a:xfrm>
+          <a:prstGeom prst="rect">
+            <a:avLst/>
+          </a:prstGeom>
+          <a:noFill/>
+        </p:spPr>
+        <p:txBody>
+          <a:bodyPr wrap="square" rtlCol="0">
+            <a:spAutoFit/>
+          </a:bodyPr>
+          <a:lstStyle/>
+          <a:p>
+            <a:r>
+              <a:rPr lang="en-US" b="1" dirty="0" smtClean="0"/>
+              <a:t>.</a:t>
+            </a:r>
+            <a:r>
+              <a:rPr lang="en-US" b="1" dirty="0" err="1" smtClean="0"/>
+              <a:t>ficorr</a:t>
+            </a:r>
+            <a:endParaRPr lang="en-US" b="1" dirty="0"/>
+          </a:p>
+        </p:txBody>
+      </p:sp>
+      <p:sp>
+        <p:nvSpPr>
+          <p:cNvPr id="13" name="TextBox 12"/>
+          <p:cNvSpPr txBox="1"/>
+          <p:nvPr/>
+        </p:nvSpPr>
+        <p:spPr>
+          <a:xfrm>
+            <a:off x="1661687" y="3688724"/>
+            <a:ext cx="1139252" cy="369332"/>
+          </a:xfrm>
+          <a:prstGeom prst="rect">
+            <a:avLst/>
+          </a:prstGeom>
+          <a:noFill/>
+        </p:spPr>
+        <p:txBody>
+          <a:bodyPr wrap="square" rtlCol="0">
+            <a:spAutoFit/>
+          </a:bodyPr>
+          <a:lstStyle/>
+          <a:p>
+            <a:r>
+              <a:rPr lang="en-US" b="1" dirty="0" smtClean="0"/>
+              <a:t>.</a:t>
+            </a:r>
+            <a:r>
+              <a:rPr lang="en-US" b="1" dirty="0" err="1" smtClean="0"/>
+              <a:t>vacorr</a:t>
+            </a:r>
+            <a:endParaRPr lang="en-US" b="1" dirty="0"/>
+          </a:p>
+        </p:txBody>
+      </p:sp>
+      <p:sp>
+        <p:nvSpPr>
+          <p:cNvPr id="14" name="TextBox 13"/>
+          <p:cNvSpPr txBox="1"/>
+          <p:nvPr/>
+        </p:nvSpPr>
+        <p:spPr>
+          <a:xfrm>
+            <a:off x="1691667" y="4256072"/>
+            <a:ext cx="1139252" cy="923330"/>
+          </a:xfrm>
+          <a:prstGeom prst="rect">
+            <a:avLst/>
+          </a:prstGeom>
+          <a:noFill/>
+        </p:spPr>
+        <p:txBody>
+          <a:bodyPr wrap="square" rtlCol="0">
+            <a:spAutoFit/>
+          </a:bodyPr>
+          <a:lstStyle/>
+          <a:p>
+            <a:r>
+              <a:rPr lang="en-US" altLang="zh-CN" b="1" dirty="0" smtClean="0"/>
+              <a:t>Logical template</a:t>
+            </a:r>
+          </a:p>
+          <a:p>
+            <a:r>
+              <a:rPr lang="en-US" b="1" dirty="0" smtClean="0"/>
+              <a:t>(.lox)</a:t>
+            </a:r>
+            <a:endParaRPr lang="en-US" b="1" dirty="0"/>
+          </a:p>
+        </p:txBody>
+      </p:sp>
+      <p:sp>
+        <p:nvSpPr>
+          <p:cNvPr id="15" name="TextBox 14"/>
+          <p:cNvSpPr txBox="1"/>
+          <p:nvPr/>
+        </p:nvSpPr>
+        <p:spPr>
+          <a:xfrm>
+            <a:off x="1691667" y="2294284"/>
+            <a:ext cx="1278610" cy="646331"/>
+          </a:xfrm>
+          <a:prstGeom prst="rect">
+            <a:avLst/>
+          </a:prstGeom>
+          <a:noFill/>
+        </p:spPr>
+        <p:txBody>
+          <a:bodyPr wrap="square" rtlCol="0">
+            <a:spAutoFit/>
+          </a:bodyPr>
+          <a:lstStyle/>
+          <a:p>
+            <a:r>
+              <a:rPr lang="en-US" altLang="zh-CN" b="1" dirty="0" smtClean="0"/>
+              <a:t>Logic form</a:t>
+            </a:r>
+          </a:p>
+          <a:p>
+            <a:r>
+              <a:rPr lang="en-US" b="1" dirty="0" smtClean="0"/>
+              <a:t>(.lo)</a:t>
+            </a:r>
+            <a:endParaRPr lang="en-US" b="1" dirty="0"/>
+          </a:p>
+        </p:txBody>
+      </p:sp>
+      <p:sp>
+        <p:nvSpPr>
+          <p:cNvPr id="16" name="TextBox 15"/>
+          <p:cNvSpPr txBox="1"/>
+          <p:nvPr/>
+        </p:nvSpPr>
+        <p:spPr>
+          <a:xfrm>
+            <a:off x="4809067" y="5350930"/>
+            <a:ext cx="2421467" cy="830997"/>
+          </a:xfrm>
+          <a:prstGeom prst="rect">
+            <a:avLst/>
+          </a:prstGeom>
+          <a:noFill/>
+          <a:ln>
+            <a:solidFill>
+              <a:schemeClr val="tx1"/>
+            </a:solidFill>
+          </a:ln>
+        </p:spPr>
+        <p:txBody>
+          <a:bodyPr wrap="square" rtlCol="0">
+            <a:spAutoFit/>
+          </a:bodyPr>
+          <a:lstStyle/>
+          <a:p>
+            <a:r>
+              <a:rPr lang="en-US" sz="2400" dirty="0" smtClean="0"/>
+              <a:t>Natural Language Interface (NLI)</a:t>
+            </a:r>
+            <a:endParaRPr lang="en-US" sz="2400" dirty="0"/>
+          </a:p>
+        </p:txBody>
+      </p:sp>
+      <p:sp>
+        <p:nvSpPr>
+          <p:cNvPr id="17" name="TextBox 16"/>
+          <p:cNvSpPr txBox="1"/>
+          <p:nvPr/>
+        </p:nvSpPr>
+        <p:spPr>
+          <a:xfrm>
+            <a:off x="1573135" y="5437652"/>
+            <a:ext cx="2118333" cy="646331"/>
+          </a:xfrm>
+          <a:prstGeom prst="rect">
+            <a:avLst/>
+          </a:prstGeom>
+          <a:noFill/>
+          <a:ln>
+            <a:solidFill>
+              <a:schemeClr val="tx1"/>
+            </a:solidFill>
+          </a:ln>
+        </p:spPr>
+        <p:txBody>
+          <a:bodyPr wrap="square" rtlCol="0">
+            <a:spAutoFit/>
+          </a:bodyPr>
+          <a:lstStyle/>
+          <a:p>
+            <a:r>
+              <a:rPr lang="en-US" dirty="0" smtClean="0"/>
+              <a:t>Tagged query</a:t>
+            </a:r>
+          </a:p>
+          <a:p>
+            <a:r>
+              <a:rPr lang="en-US" dirty="0" smtClean="0"/>
+              <a:t>(.</a:t>
+            </a:r>
+            <a:r>
+              <a:rPr lang="en-US" dirty="0" err="1" smtClean="0"/>
+              <a:t>qu</a:t>
+            </a:r>
+            <a:r>
+              <a:rPr lang="en-US" dirty="0" smtClean="0"/>
+              <a:t>+.ta / .</a:t>
+            </a:r>
+            <a:r>
+              <a:rPr lang="en-US" dirty="0" err="1" smtClean="0"/>
+              <a:t>qux</a:t>
+            </a:r>
+            <a:r>
+              <a:rPr lang="en-US" dirty="0" smtClean="0"/>
+              <a:t>)</a:t>
+            </a:r>
+            <a:endParaRPr lang="en-US" dirty="0"/>
+          </a:p>
+        </p:txBody>
+      </p:sp>
+      <p:sp>
+        <p:nvSpPr>
+          <p:cNvPr id="18" name="TextBox 17"/>
+          <p:cNvSpPr txBox="1"/>
+          <p:nvPr/>
+        </p:nvSpPr>
+        <p:spPr>
+          <a:xfrm>
+            <a:off x="8568266" y="5437651"/>
+            <a:ext cx="1913467" cy="646331"/>
+          </a:xfrm>
+          <a:prstGeom prst="rect">
+            <a:avLst/>
+          </a:prstGeom>
+          <a:noFill/>
+          <a:ln>
+            <a:solidFill>
+              <a:schemeClr val="tx1"/>
+            </a:solidFill>
+          </a:ln>
+        </p:spPr>
+        <p:txBody>
+          <a:bodyPr wrap="square" rtlCol="0">
+            <a:spAutoFit/>
+          </a:bodyPr>
+          <a:lstStyle/>
+          <a:p>
+            <a:r>
+              <a:rPr lang="en-US" dirty="0"/>
+              <a:t>L</a:t>
+            </a:r>
+            <a:r>
+              <a:rPr lang="en-US" smtClean="0"/>
+              <a:t>ogical </a:t>
+            </a:r>
+            <a:r>
+              <a:rPr lang="en-US" dirty="0" smtClean="0"/>
+              <a:t>template</a:t>
+            </a:r>
+          </a:p>
+          <a:p>
+            <a:r>
+              <a:rPr lang="en-US" dirty="0" smtClean="0"/>
+              <a:t>(.lox)</a:t>
+            </a:r>
+            <a:endParaRPr lang="en-US" dirty="0"/>
+          </a:p>
+        </p:txBody>
+      </p:sp>
+      <p:cxnSp>
+        <p:nvCxnSpPr>
+          <p:cNvPr id="20" name="Straight Arrow Connector 19"/>
+          <p:cNvCxnSpPr>
+            <a:stCxn id="17" idx="3"/>
+            <a:endCxn id="16" idx="1"/>
+          </p:cNvCxnSpPr>
+          <p:nvPr/>
+        </p:nvCxnSpPr>
+        <p:spPr>
+          <a:xfrm>
+            <a:off x="3691468" y="5760818"/>
+            <a:ext cx="1117599" cy="5611"/>
+          </a:xfrm>
+          <a:prstGeom prst="straightConnector1">
+            <a:avLst/>
+          </a:prstGeom>
+          <a:ln>
+            <a:tailEnd type="triangle"/>
+          </a:ln>
+        </p:spPr>
+        <p:style>
+          <a:lnRef idx="1">
+            <a:schemeClr val="accent1"/>
+          </a:lnRef>
+          <a:fillRef idx="0">
+            <a:schemeClr val="accent1"/>
+          </a:fillRef>
+          <a:effectRef idx="0">
+            <a:schemeClr val="accent1"/>
+          </a:effectRef>
+          <a:fontRef idx="minor">
+            <a:schemeClr val="tx1"/>
+          </a:fontRef>
+        </p:style>
+      </p:cxnSp>
+      <p:cxnSp>
+        <p:nvCxnSpPr>
+          <p:cNvPr id="22" name="Straight Arrow Connector 21"/>
+          <p:cNvCxnSpPr>
+            <a:stCxn id="16" idx="3"/>
+            <a:endCxn id="18" idx="1"/>
+          </p:cNvCxnSpPr>
+          <p:nvPr/>
+        </p:nvCxnSpPr>
+        <p:spPr>
+          <a:xfrm flipV="1">
+            <a:off x="7230534" y="5760817"/>
+            <a:ext cx="1337732" cy="5612"/>
+          </a:xfrm>
+          <a:prstGeom prst="straightConnector1">
+            <a:avLst/>
+          </a:prstGeom>
+          <a:ln>
+            <a:tailEnd type="triangle"/>
+          </a:ln>
+        </p:spPr>
+        <p:style>
+          <a:lnRef idx="1">
+            <a:schemeClr val="accent1"/>
+          </a:lnRef>
+          <a:fillRef idx="0">
+            <a:schemeClr val="accent1"/>
+          </a:fillRef>
+          <a:effectRef idx="0">
+            <a:schemeClr val="accent1"/>
+          </a:effectRef>
+          <a:fontRef idx="minor">
+            <a:schemeClr val="tx1"/>
+          </a:fontRef>
+        </p:style>
+      </p:cxnSp>
+      <p:cxnSp>
+        <p:nvCxnSpPr>
+          <p:cNvPr id="24" name="Straight Arrow Connector 23"/>
+          <p:cNvCxnSpPr/>
+          <p:nvPr/>
+        </p:nvCxnSpPr>
+        <p:spPr>
+          <a:xfrm>
+            <a:off x="1066800" y="2387601"/>
+            <a:ext cx="0" cy="2734398"/>
+          </a:xfrm>
+          <a:prstGeom prst="straightConnector1">
+            <a:avLst/>
+          </a:prstGeom>
+          <a:ln>
+            <a:tailEnd type="triangle"/>
+          </a:ln>
+        </p:spPr>
+        <p:style>
+          <a:lnRef idx="1">
+            <a:schemeClr val="accent1"/>
+          </a:lnRef>
+          <a:fillRef idx="0">
+            <a:schemeClr val="accent1"/>
+          </a:fillRef>
+          <a:effectRef idx="0">
+            <a:schemeClr val="accent1"/>
+          </a:effectRef>
+          <a:fontRef idx="minor">
+            <a:schemeClr val="tx1"/>
+          </a:fontRef>
+        </p:style>
+      </p:cxnSp>
+    </p:spTree>
+    <p:extLst>
+      <p:ext uri="{BB962C8B-B14F-4D97-AF65-F5344CB8AC3E}">
+        <p14:creationId xmlns:p14="http://schemas.microsoft.com/office/powerpoint/2010/main" val="387437075"/>
+      </p:ext>
+    </p:extLst>
+  </p:cSld>
+  <p:clrMapOvr>
+    <a:masterClrMapping/>
+  </p:clrMapOvr>
+  <p:timing>
+    <p:tnLst>
+      <p:par>
+        <p:cTn id="1" dur="indefinite" restart="never" nodeType="tmRoot">
+          <p:childTnLst>
+            <p:seq concurrent="1" nextAc="seek">
+              <p:cTn id="2" dur="indefinite" nodeType="mainSeq">
+                <p:childTnLst>
+                  <p:par>
+                    <p:cTn id="3" fill="hold">
+                      <p:stCondLst>
+                        <p:cond delay="indefinite"/>
+                      </p:stCondLst>
+                      <p:childTnLst>
+                        <p:par>
+                          <p:cTn id="4" fill="hold">
+                            <p:stCondLst>
+                              <p:cond delay="0"/>
+                            </p:stCondLst>
+                            <p:childTnLst>
+                              <p:par>
+                                <p:cTn id="5" presetID="14" presetClass="entr" presetSubtype="10" fill="hold" grpId="0" nodeType="clickEffect">
+                                  <p:stCondLst>
+                                    <p:cond delay="0"/>
+                                  </p:stCondLst>
+                                  <p:childTnLst>
+                                    <p:set>
+                                      <p:cBhvr>
+                                        <p:cTn id="6" dur="1" fill="hold">
+                                          <p:stCondLst>
+                                            <p:cond delay="0"/>
+                                          </p:stCondLst>
+                                        </p:cTn>
+                                        <p:tgtEl>
+                                          <p:spTgt spid="11"/>
+                                        </p:tgtEl>
+                                        <p:attrNameLst>
+                                          <p:attrName>style.visibility</p:attrName>
+                                        </p:attrNameLst>
+                                      </p:cBhvr>
+                                      <p:to>
+                                        <p:strVal val="visible"/>
+                                      </p:to>
+                                    </p:set>
+                                    <p:animEffect transition="in" filter="randombar(horizontal)">
+                                      <p:cBhvr>
+                                        <p:cTn id="7" dur="500"/>
+                                        <p:tgtEl>
+                                          <p:spTgt spid="11"/>
+                                        </p:tgtEl>
+                                      </p:cBhvr>
+                                    </p:animEffect>
+                                  </p:childTnLst>
+                                </p:cTn>
+                              </p:par>
+                              <p:par>
+                                <p:cTn id="8" presetID="14" presetClass="entr" presetSubtype="10" fill="hold" grpId="0" nodeType="withEffect">
+                                  <p:stCondLst>
+                                    <p:cond delay="0"/>
+                                  </p:stCondLst>
+                                  <p:childTnLst>
+                                    <p:set>
+                                      <p:cBhvr>
+                                        <p:cTn id="9" dur="1" fill="hold">
+                                          <p:stCondLst>
+                                            <p:cond delay="0"/>
+                                          </p:stCondLst>
+                                        </p:cTn>
+                                        <p:tgtEl>
+                                          <p:spTgt spid="12"/>
+                                        </p:tgtEl>
+                                        <p:attrNameLst>
+                                          <p:attrName>style.visibility</p:attrName>
+                                        </p:attrNameLst>
+                                      </p:cBhvr>
+                                      <p:to>
+                                        <p:strVal val="visible"/>
+                                      </p:to>
+                                    </p:set>
+                                    <p:animEffect transition="in" filter="randombar(horizontal)">
+                                      <p:cBhvr>
+                                        <p:cTn id="10" dur="500"/>
+                                        <p:tgtEl>
+                                          <p:spTgt spid="12"/>
+                                        </p:tgtEl>
+                                      </p:cBhvr>
+                                    </p:animEffect>
+                                  </p:childTnLst>
+                                </p:cTn>
+                              </p:par>
+                              <p:par>
+                                <p:cTn id="11" presetID="14" presetClass="entr" presetSubtype="10" fill="hold" grpId="0" nodeType="withEffect">
+                                  <p:stCondLst>
+                                    <p:cond delay="0"/>
+                                  </p:stCondLst>
+                                  <p:childTnLst>
+                                    <p:set>
+                                      <p:cBhvr>
+                                        <p:cTn id="12" dur="1" fill="hold">
+                                          <p:stCondLst>
+                                            <p:cond delay="0"/>
+                                          </p:stCondLst>
+                                        </p:cTn>
+                                        <p:tgtEl>
+                                          <p:spTgt spid="13"/>
+                                        </p:tgtEl>
+                                        <p:attrNameLst>
+                                          <p:attrName>style.visibility</p:attrName>
+                                        </p:attrNameLst>
+                                      </p:cBhvr>
+                                      <p:to>
+                                        <p:strVal val="visible"/>
+                                      </p:to>
+                                    </p:set>
+                                    <p:animEffect transition="in" filter="randombar(horizontal)">
+                                      <p:cBhvr>
+                                        <p:cTn id="13" dur="500"/>
+                                        <p:tgtEl>
+                                          <p:spTgt spid="13"/>
+                                        </p:tgtEl>
+                                      </p:cBhvr>
+                                    </p:animEffect>
+                                  </p:childTnLst>
+                                </p:cTn>
+                              </p:par>
+                              <p:par>
+                                <p:cTn id="14" presetID="14" presetClass="entr" presetSubtype="10" fill="hold" grpId="0" nodeType="withEffect">
+                                  <p:stCondLst>
+                                    <p:cond delay="0"/>
+                                  </p:stCondLst>
+                                  <p:childTnLst>
+                                    <p:set>
+                                      <p:cBhvr>
+                                        <p:cTn id="15" dur="1" fill="hold">
+                                          <p:stCondLst>
+                                            <p:cond delay="0"/>
+                                          </p:stCondLst>
+                                        </p:cTn>
+                                        <p:tgtEl>
+                                          <p:spTgt spid="14"/>
+                                        </p:tgtEl>
+                                        <p:attrNameLst>
+                                          <p:attrName>style.visibility</p:attrName>
+                                        </p:attrNameLst>
+                                      </p:cBhvr>
+                                      <p:to>
+                                        <p:strVal val="visible"/>
+                                      </p:to>
+                                    </p:set>
+                                    <p:animEffect transition="in" filter="randombar(horizontal)">
+                                      <p:cBhvr>
+                                        <p:cTn id="16" dur="500"/>
+                                        <p:tgtEl>
+                                          <p:spTgt spid="14"/>
+                                        </p:tgtEl>
+                                      </p:cBhvr>
+                                    </p:animEffect>
+                                  </p:childTnLst>
+                                </p:cTn>
+                              </p:par>
+                              <p:par>
+                                <p:cTn id="17" presetID="14" presetClass="entr" presetSubtype="10" fill="hold" grpId="0" nodeType="withEffect">
+                                  <p:stCondLst>
+                                    <p:cond delay="0"/>
+                                  </p:stCondLst>
+                                  <p:childTnLst>
+                                    <p:set>
+                                      <p:cBhvr>
+                                        <p:cTn id="18" dur="1" fill="hold">
+                                          <p:stCondLst>
+                                            <p:cond delay="0"/>
+                                          </p:stCondLst>
+                                        </p:cTn>
+                                        <p:tgtEl>
+                                          <p:spTgt spid="15"/>
+                                        </p:tgtEl>
+                                        <p:attrNameLst>
+                                          <p:attrName>style.visibility</p:attrName>
+                                        </p:attrNameLst>
+                                      </p:cBhvr>
+                                      <p:to>
+                                        <p:strVal val="visible"/>
+                                      </p:to>
+                                    </p:set>
+                                    <p:animEffect transition="in" filter="randombar(horizontal)">
+                                      <p:cBhvr>
+                                        <p:cTn id="19" dur="500"/>
+                                        <p:tgtEl>
+                                          <p:spTgt spid="15"/>
+                                        </p:tgtEl>
+                                      </p:cBhvr>
+                                    </p:animEffect>
+                                  </p:childTnLst>
+                                </p:cTn>
+                              </p:par>
+                              <p:par>
+                                <p:cTn id="20" presetID="14" presetClass="entr" presetSubtype="10" fill="hold" nodeType="withEffect">
+                                  <p:stCondLst>
+                                    <p:cond delay="0"/>
+                                  </p:stCondLst>
+                                  <p:childTnLst>
+                                    <p:set>
+                                      <p:cBhvr>
+                                        <p:cTn id="21" dur="1" fill="hold">
+                                          <p:stCondLst>
+                                            <p:cond delay="0"/>
+                                          </p:stCondLst>
+                                        </p:cTn>
+                                        <p:tgtEl>
+                                          <p:spTgt spid="24"/>
+                                        </p:tgtEl>
+                                        <p:attrNameLst>
+                                          <p:attrName>style.visibility</p:attrName>
+                                        </p:attrNameLst>
+                                      </p:cBhvr>
+                                      <p:to>
+                                        <p:strVal val="visible"/>
+                                      </p:to>
+                                    </p:set>
+                                    <p:animEffect transition="in" filter="randombar(horizontal)">
+                                      <p:cBhvr>
+                                        <p:cTn id="22" dur="500"/>
+                                        <p:tgtEl>
+                                          <p:spTgt spid="24"/>
+                                        </p:tgtEl>
+                                      </p:cBhvr>
+                                    </p:animEffect>
+                                  </p:childTnLst>
+                                </p:cTn>
+                              </p:par>
+                            </p:childTnLst>
+                          </p:cTn>
+                        </p:par>
+                      </p:childTnLst>
+                    </p:cTn>
+                  </p:par>
+                  <p:par>
+                    <p:cTn id="23" fill="hold">
+                      <p:stCondLst>
+                        <p:cond delay="indefinite"/>
+                      </p:stCondLst>
+                      <p:childTnLst>
+                        <p:par>
+                          <p:cTn id="24" fill="hold">
+                            <p:stCondLst>
+                              <p:cond delay="0"/>
+                            </p:stCondLst>
+                            <p:childTnLst>
+                              <p:par>
+                                <p:cTn id="25" presetID="14" presetClass="entr" presetSubtype="10" fill="hold" grpId="0" nodeType="clickEffect">
+                                  <p:stCondLst>
+                                    <p:cond delay="0"/>
+                                  </p:stCondLst>
+                                  <p:childTnLst>
+                                    <p:set>
+                                      <p:cBhvr>
+                                        <p:cTn id="26" dur="1" fill="hold">
+                                          <p:stCondLst>
+                                            <p:cond delay="0"/>
+                                          </p:stCondLst>
+                                        </p:cTn>
+                                        <p:tgtEl>
+                                          <p:spTgt spid="16"/>
+                                        </p:tgtEl>
+                                        <p:attrNameLst>
+                                          <p:attrName>style.visibility</p:attrName>
+                                        </p:attrNameLst>
+                                      </p:cBhvr>
+                                      <p:to>
+                                        <p:strVal val="visible"/>
+                                      </p:to>
+                                    </p:set>
+                                    <p:animEffect transition="in" filter="randombar(horizontal)">
+                                      <p:cBhvr>
+                                        <p:cTn id="27" dur="500"/>
+                                        <p:tgtEl>
+                                          <p:spTgt spid="16"/>
+                                        </p:tgtEl>
+                                      </p:cBhvr>
+                                    </p:animEffect>
+                                  </p:childTnLst>
+                                </p:cTn>
+                              </p:par>
+                              <p:par>
+                                <p:cTn id="28" presetID="14" presetClass="entr" presetSubtype="10" fill="hold" grpId="0" nodeType="withEffect">
+                                  <p:stCondLst>
+                                    <p:cond delay="0"/>
+                                  </p:stCondLst>
+                                  <p:childTnLst>
+                                    <p:set>
+                                      <p:cBhvr>
+                                        <p:cTn id="29" dur="1" fill="hold">
+                                          <p:stCondLst>
+                                            <p:cond delay="0"/>
+                                          </p:stCondLst>
+                                        </p:cTn>
+                                        <p:tgtEl>
+                                          <p:spTgt spid="17"/>
+                                        </p:tgtEl>
+                                        <p:attrNameLst>
+                                          <p:attrName>style.visibility</p:attrName>
+                                        </p:attrNameLst>
+                                      </p:cBhvr>
+                                      <p:to>
+                                        <p:strVal val="visible"/>
+                                      </p:to>
+                                    </p:set>
+                                    <p:animEffect transition="in" filter="randombar(horizontal)">
+                                      <p:cBhvr>
+                                        <p:cTn id="30" dur="500"/>
+                                        <p:tgtEl>
+                                          <p:spTgt spid="17"/>
+                                        </p:tgtEl>
+                                      </p:cBhvr>
+                                    </p:animEffect>
+                                  </p:childTnLst>
+                                </p:cTn>
+                              </p:par>
+                              <p:par>
+                                <p:cTn id="31" presetID="14" presetClass="entr" presetSubtype="10" fill="hold" grpId="0" nodeType="withEffect">
+                                  <p:stCondLst>
+                                    <p:cond delay="0"/>
+                                  </p:stCondLst>
+                                  <p:childTnLst>
+                                    <p:set>
+                                      <p:cBhvr>
+                                        <p:cTn id="32" dur="1" fill="hold">
+                                          <p:stCondLst>
+                                            <p:cond delay="0"/>
+                                          </p:stCondLst>
+                                        </p:cTn>
+                                        <p:tgtEl>
+                                          <p:spTgt spid="18"/>
+                                        </p:tgtEl>
+                                        <p:attrNameLst>
+                                          <p:attrName>style.visibility</p:attrName>
+                                        </p:attrNameLst>
+                                      </p:cBhvr>
+                                      <p:to>
+                                        <p:strVal val="visible"/>
+                                      </p:to>
+                                    </p:set>
+                                    <p:animEffect transition="in" filter="randombar(horizontal)">
+                                      <p:cBhvr>
+                                        <p:cTn id="33" dur="500"/>
+                                        <p:tgtEl>
+                                          <p:spTgt spid="18"/>
+                                        </p:tgtEl>
+                                      </p:cBhvr>
+                                    </p:animEffect>
+                                  </p:childTnLst>
+                                </p:cTn>
+                              </p:par>
+                              <p:par>
+                                <p:cTn id="34" presetID="14" presetClass="entr" presetSubtype="10" fill="hold" nodeType="withEffect">
+                                  <p:stCondLst>
+                                    <p:cond delay="0"/>
+                                  </p:stCondLst>
+                                  <p:childTnLst>
+                                    <p:set>
+                                      <p:cBhvr>
+                                        <p:cTn id="35" dur="1" fill="hold">
+                                          <p:stCondLst>
+                                            <p:cond delay="0"/>
+                                          </p:stCondLst>
+                                        </p:cTn>
+                                        <p:tgtEl>
+                                          <p:spTgt spid="20"/>
+                                        </p:tgtEl>
+                                        <p:attrNameLst>
+                                          <p:attrName>style.visibility</p:attrName>
+                                        </p:attrNameLst>
+                                      </p:cBhvr>
+                                      <p:to>
+                                        <p:strVal val="visible"/>
+                                      </p:to>
+                                    </p:set>
+                                    <p:animEffect transition="in" filter="randombar(horizontal)">
+                                      <p:cBhvr>
+                                        <p:cTn id="36" dur="500"/>
+                                        <p:tgtEl>
+                                          <p:spTgt spid="20"/>
+                                        </p:tgtEl>
+                                      </p:cBhvr>
+                                    </p:animEffect>
+                                  </p:childTnLst>
+                                </p:cTn>
+                              </p:par>
+                              <p:par>
+                                <p:cTn id="37" presetID="14" presetClass="entr" presetSubtype="10" fill="hold" nodeType="withEffect">
+                                  <p:stCondLst>
+                                    <p:cond delay="0"/>
+                                  </p:stCondLst>
+                                  <p:childTnLst>
+                                    <p:set>
+                                      <p:cBhvr>
+                                        <p:cTn id="38" dur="1" fill="hold">
+                                          <p:stCondLst>
+                                            <p:cond delay="0"/>
+                                          </p:stCondLst>
+                                        </p:cTn>
+                                        <p:tgtEl>
+                                          <p:spTgt spid="22"/>
+                                        </p:tgtEl>
+                                        <p:attrNameLst>
+                                          <p:attrName>style.visibility</p:attrName>
+                                        </p:attrNameLst>
+                                      </p:cBhvr>
+                                      <p:to>
+                                        <p:strVal val="visible"/>
+                                      </p:to>
+                                    </p:set>
+                                    <p:animEffect transition="in" filter="randombar(horizontal)">
+                                      <p:cBhvr>
+                                        <p:cTn id="39" dur="500"/>
+                                        <p:tgtEl>
+                                          <p:spTgt spid="22"/>
+                                        </p:tgtEl>
+                                      </p:cBhvr>
+                                    </p:animEffect>
+                                  </p:childTnLst>
+                                </p:cTn>
+                              </p:par>
+                            </p:childTnLst>
+                          </p:cTn>
+                        </p:par>
+                      </p:childTnLst>
+                    </p:cTn>
+                  </p:par>
+                </p:childTnLst>
+              </p:cTn>
+              <p:prevCondLst>
+                <p:cond evt="onPrev" delay="0">
+                  <p:tgtEl>
+                    <p:sldTgt/>
+                  </p:tgtEl>
+                </p:cond>
+              </p:prevCondLst>
+              <p:nextCondLst>
+                <p:cond evt="onNext" delay="0">
+                  <p:tgtEl>
+                    <p:sldTgt/>
+                  </p:tgtEl>
+                </p:cond>
+              </p:nextCondLst>
+            </p:seq>
+          </p:childTnLst>
+        </p:cTn>
+      </p:par>
+    </p:tnLst>
+    <p:bldLst>
+      <p:bldP spid="11" grpId="0"/>
+      <p:bldP spid="12" grpId="0"/>
+      <p:bldP spid="13" grpId="0"/>
+      <p:bldP spid="14" grpId="0"/>
+      <p:bldP spid="15" grpId="0"/>
+      <p:bldP spid="16" grpId="0" animBg="1"/>
+      <p:bldP spid="17" grpId="0" animBg="1"/>
+      <p:bldP spid="18" grpId="0" animBg="1"/>
+    </p:bldLst>
+  </p:timing>
+</p:sld>
+</file>
+
+<file path=ppt/slides/slide13.xml><?xml version="1.0" encoding="utf-8"?>
+<p:sld xmlns:a="http://schemas.openxmlformats.org/drawingml/2006/main" xmlns:r="http://schemas.openxmlformats.org/officeDocument/2006/relationships" xmlns:p="http://schemas.openxmlformats.org/presentationml/2006/main">
+  <p:cSld>
+    <p:spTree>
+      <p:nvGrpSpPr>
+        <p:cNvPr id="1" name=""/>
+        <p:cNvGrpSpPr/>
+        <p:nvPr/>
+      </p:nvGrpSpPr>
+      <p:grpSpPr>
+        <a:xfrm>
+          <a:off x="0" y="0"/>
+          <a:ext cx="0" cy="0"/>
+          <a:chOff x="0" y="0"/>
+          <a:chExt cx="0" cy="0"/>
+        </a:xfrm>
+      </p:grpSpPr>
+      <p:sp>
+        <p:nvSpPr>
+          <p:cNvPr id="8" name="TextBox 7"/>
+          <p:cNvSpPr txBox="1"/>
+          <p:nvPr/>
+        </p:nvSpPr>
+        <p:spPr>
+          <a:xfrm>
+            <a:off x="749507" y="509666"/>
+            <a:ext cx="7581693" cy="461665"/>
+          </a:xfrm>
+          <a:prstGeom prst="rect">
+            <a:avLst/>
+          </a:prstGeom>
+          <a:noFill/>
+        </p:spPr>
+        <p:txBody>
+          <a:bodyPr wrap="square" rtlCol="0">
+            <a:spAutoFit/>
+          </a:bodyPr>
+          <a:lstStyle/>
+          <a:p>
+            <a:r>
+              <a:rPr lang="en-US" sz="2400" dirty="0" smtClean="0"/>
+              <a:t>Natural Language Interface (Neural Translation Machine):</a:t>
+            </a:r>
+            <a:endParaRPr lang="en-US" sz="2400" dirty="0"/>
+          </a:p>
+        </p:txBody>
+      </p:sp>
       <p:sp>
         <p:nvSpPr>
           <p:cNvPr id="10" name="TextBox 9"/>
@@ -6260,7 +8367,25 @@
                 </a:solidFill>
                 <a:latin typeface="Helvetica Neue" charset="0"/>
               </a:rPr>
-              <a:t>where &lt;field&gt;:1 equal &lt;value&gt;:1 select &lt;field&gt;:0 as A where &lt;field&gt;:2 equal &lt;value&gt;:2 select &lt;field&gt;:0 as B diff A B</a:t>
+              <a:t>diff A as select &lt;field&gt;:0 where &lt;field&gt;:1 equal &lt;value&gt;:1 and B as select &lt;field&gt;:0 where &lt;field&gt;:1 equal &lt;value&gt;:</a:t>
+            </a:r>
+            <a:r>
+              <a:rPr lang="en-US" dirty="0" smtClean="0">
+                <a:solidFill>
+                  <a:srgbClr val="454545"/>
+                </a:solidFill>
+                <a:latin typeface="Helvetica Neue" charset="0"/>
+              </a:rPr>
+              <a:t>1</a:t>
+            </a:r>
+            <a:r>
+              <a:rPr lang="en-US" dirty="0">
+                <a:solidFill>
+                  <a:srgbClr val="454545"/>
+                </a:solidFill>
+                <a:latin typeface="Helvetica Neue" charset="0"/>
+              </a:rPr>
+              <a:t/>
             </a:r>
             <a:br>
               <a:rPr lang="en-US" dirty="0">
@@ -6364,7 +8489,7 @@
                 </a:solidFill>
                 <a:latin typeface="Helvetica Neue" charset="0"/>
               </a:rPr>
-              <a:t>where Nation equal </a:t>
+              <a:t>diff A as select Silver where Nation equal </a:t>
             </a:r>
             <a:r>
               <a:rPr lang="en-US" dirty="0" err="1">
@@ -6382,7 +8507,7 @@
                 </a:solidFill>
                 <a:latin typeface="Helvetica Neue" charset="0"/>
               </a:rPr>
-              <a:t> select Silver as A where Nation equal </a:t>
+              <a:t> and B as select Silver where Nation equal </a:t>
             </a:r>
             <a:r>
               <a:rPr lang="en-US" dirty="0" err="1">
@@ -6392,24 +8517,6 @@
                 <a:latin typeface="Helvetica Neue" charset="0"/>
               </a:rPr>
               <a:t>india</a:t>
-            </a:r>
-            <a:r>
-              <a:rPr lang="en-US" dirty="0">
-                <a:solidFill>
-                  <a:srgbClr val="454545"/>
-                </a:solidFill>
-                <a:latin typeface="Helvetica Neue" charset="0"/>
-              </a:rPr>
-              <a:t> select Silver as B diff A </a:t>
-            </a:r>
-            <a:r>
-              <a:rPr lang="en-US" dirty="0" smtClean="0">
-                <a:solidFill>
-                  <a:srgbClr val="454545"/>
-                </a:solidFill>
-                <a:latin typeface="Helvetica Neue" charset="0"/>
-              </a:rPr>
-              <a:t>B</a:t>
             </a:r>
             <a:endParaRPr lang="en-US" dirty="0">
               <a:solidFill>
@@ -7274,7 +9381,7 @@
 </p:sld>
 </file>
 
-<file path=ppt/slides/slide11.xml><?xml version="1.0" encoding="utf-8"?>
+<file path=ppt/slides/slide14.xml><?xml version="1.0" encoding="utf-8"?>
 <p:sld xmlns:a="http://schemas.openxmlformats.org/drawingml/2006/main" xmlns:r="http://schemas.openxmlformats.org/officeDocument/2006/relationships" xmlns:p="http://schemas.openxmlformats.org/presentationml/2006/main">
   <p:cSld>
     <p:spTree>
@@ -8182,7 +10289,7 @@
 </p:sld>
 </file>
 
-<file path=ppt/slides/slide12.xml><?xml version="1.0" encoding="utf-8"?>
+<file path=ppt/slides/slide15.xml><?xml version="1.0" encoding="utf-8"?>
 <p:sld xmlns:a="http://schemas.openxmlformats.org/drawingml/2006/main" xmlns:r="http://schemas.openxmlformats.org/officeDocument/2006/relationships" xmlns:p="http://schemas.openxmlformats.org/presentationml/2006/main">
   <p:cSld>
     <p:spTree>
@@ -8511,11 +10618,7 @@
             </a:r>
             <a:r>
               <a:rPr lang="en-US" sz="2400" b="1" dirty="0"/>
-              <a:t>16 SQL-like </a:t>
-            </a:r>
-            <a:r>
-              <a:rPr lang="en-US" sz="2400" b="1" dirty="0"/>
-              <a:t>logical forms</a:t>
+              <a:t>16 SQL-like logical forms</a:t>
             </a:r>
             <a:r>
               <a:rPr lang="en-US" sz="2400" dirty="0"/>
@@ -8531,21 +10634,12 @@
             </a:r>
             <a:r>
               <a:rPr lang="en-US" sz="2400" b="1" dirty="0"/>
-              <a:t>Augment </a:t>
-            </a:r>
-            <a:r>
-              <a:rPr lang="en-US" sz="2400" b="1" dirty="0"/>
-              <a:t>to ~4000 </a:t>
-            </a:r>
-            <a:r>
-              <a:rPr lang="en-US" sz="2400" b="1" dirty="0"/>
-              <a:t>queries</a:t>
+              <a:t>Augment to ~4000 queries</a:t>
             </a:r>
             <a:r>
               <a:rPr lang="en-US" sz="2400" dirty="0"/>
               <a:t> and corresponding logical forms.  </a:t>
             </a:r>
-            <a:endParaRPr lang="en-US" sz="2400" dirty="0"/>
           </a:p>
           <a:p>
             <a:pPr lvl="1">
@@ -8655,7 +10749,6 @@
               <a:rPr lang="en-US" dirty="0"/>
               <a:t> </a:t>
             </a:r>
-            <a:endParaRPr lang="en-US" dirty="0"/>
           </a:p>
           <a:p>
             <a:pPr lvl="1">
@@ -8692,11 +10785,7 @@
             </a:r>
             <a:r>
               <a:rPr lang="en-US" dirty="0"/>
-              <a:t> won</a:t>
-            </a:r>
-            <a:r>
-              <a:rPr lang="en-US" dirty="0"/>
-              <a:t>)</a:t>
+              <a:t> won)</a:t>
             </a:r>
           </a:p>
           <a:p>
@@ -8941,7 +11030,7 @@
 </p:sld>
 </file>
 
-<file path=ppt/slides/slide13.xml><?xml version="1.0" encoding="utf-8"?>
+<file path=ppt/slides/slide16.xml><?xml version="1.0" encoding="utf-8"?>
 <p:sld xmlns:a="http://schemas.openxmlformats.org/drawingml/2006/main" xmlns:r="http://schemas.openxmlformats.org/officeDocument/2006/relationships" xmlns:p="http://schemas.openxmlformats.org/presentationml/2006/main">
   <p:cSld>
     <p:spTree>
@@ -12816,12 +14905,6 @@
               </a:rPr>
               <a:t>4</a:t>
             </a:r>
-            <a:endParaRPr lang="en-US" u="sng" dirty="0">
-              <a:solidFill>
-                <a:srgbClr val="454545"/>
-              </a:solidFill>
-              <a:latin typeface="Helvetica Neue" charset="0"/>
-            </a:endParaRPr>
           </a:p>
         </p:txBody>
       </p:sp>
@@ -12936,12 +15019,6 @@
               </a:rPr>
               <a:t>&lt;value&gt;:2</a:t>
             </a:r>
-            <a:endParaRPr lang="en-US" u="sng" dirty="0">
-              <a:solidFill>
-                <a:srgbClr val="454545"/>
-              </a:solidFill>
-              <a:latin typeface="Helvetica Neue" charset="0"/>
-            </a:endParaRPr>
           </a:p>
         </p:txBody>
       </p:sp>
@@ -13150,12 +15227,6 @@
               </a:rPr>
               <a:t>&lt;value&gt;:2</a:t>
             </a:r>
-            <a:endParaRPr lang="en-US" u="sng" dirty="0">
-              <a:solidFill>
-                <a:srgbClr val="454545"/>
-              </a:solidFill>
-              <a:latin typeface="Helvetica Neue" charset="0"/>
-            </a:endParaRPr>
           </a:p>
         </p:txBody>
       </p:sp>
@@ -14232,12 +16303,6 @@
               </a:rPr>
               <a:t>4</a:t>
             </a:r>
-            <a:endParaRPr lang="en-US" u="sng" dirty="0">
-              <a:solidFill>
-                <a:srgbClr val="454545"/>
-              </a:solidFill>
-              <a:latin typeface="Helvetica Neue" charset="0"/>
-            </a:endParaRPr>
           </a:p>
         </p:txBody>
       </p:sp>
@@ -14829,12 +16894,6 @@
               </a:rPr>
               <a:t>']</a:t>
             </a:r>
-            <a:endParaRPr lang="mr-IN" dirty="0">
-              <a:solidFill>
-                <a:srgbClr val="454545"/>
-              </a:solidFill>
-              <a:latin typeface="Helvetica Neue" charset="0"/>
-            </a:endParaRPr>
           </a:p>
         </p:txBody>
       </p:sp>
@@ -15339,7 +17398,7 @@
             <a:r>
               <a:rPr lang="en-US" u="sng" dirty="0" err="1">
                 <a:solidFill>
-                  <a:srgbClr val="454545"/>
+                  <a:srgbClr val="FF0000"/>
                 </a:solidFill>
                 <a:latin typeface="Helvetica Neue" charset="0"/>
               </a:rPr>
@@ -15357,7 +17416,7 @@
             <a:r>
               <a:rPr lang="en-US" u="sng" dirty="0">
                 <a:solidFill>
-                  <a:srgbClr val="454545"/>
+                  <a:schemeClr val="accent4"/>
                 </a:solidFill>
                 <a:latin typeface="Helvetica Neue" charset="0"/>
               </a:rPr>
@@ -16201,12 +18260,6 @@
               </a:rPr>
               <a:t>4</a:t>
             </a:r>
-            <a:endParaRPr lang="en-US" u="sng" dirty="0">
-              <a:solidFill>
-                <a:srgbClr val="454545"/>
-              </a:solidFill>
-              <a:latin typeface="Helvetica Neue" charset="0"/>
-            </a:endParaRPr>
           </a:p>
         </p:txBody>
       </p:sp>
@@ -16426,771 +18479,13 @@
       </p:sp>
       <p:sp>
         <p:nvSpPr>
-          <p:cNvPr id="4" name="Rectangle 3"/>
-          <p:cNvSpPr/>
-          <p:nvPr/>
-        </p:nvSpPr>
-        <p:spPr>
-          <a:xfrm>
-            <a:off x="1625598" y="2656470"/>
-            <a:ext cx="6096000" cy="1477328"/>
-          </a:xfrm>
-          <a:prstGeom prst="rect">
-            <a:avLst/>
-          </a:prstGeom>
-        </p:spPr>
-        <p:txBody>
-          <a:bodyPr>
-            <a:spAutoFit/>
-          </a:bodyPr>
-          <a:lstStyle/>
-          <a:p>
-            <a:r>
-              <a:rPr lang="mr-IN" dirty="0">
-                <a:solidFill>
-                  <a:srgbClr val="454545"/>
-                </a:solidFill>
-                <a:latin typeface="Helvetica Neue" charset="0"/>
-              </a:rPr>
-              <a:t>[‘&lt;</a:t>
-            </a:r>
-            <a:r>
-              <a:rPr lang="mr-IN" dirty="0" err="1">
-                <a:solidFill>
-                  <a:srgbClr val="454545"/>
-                </a:solidFill>
-                <a:latin typeface="Helvetica Neue" charset="0"/>
-              </a:rPr>
-              <a:t>field</a:t>
-            </a:r>
-            <a:r>
-              <a:rPr lang="mr-IN" dirty="0">
-                <a:solidFill>
-                  <a:srgbClr val="454545"/>
-                </a:solidFill>
-                <a:latin typeface="Helvetica Neue" charset="0"/>
-              </a:rPr>
-              <a:t>&gt;</a:t>
-            </a:r>
-            <a:r>
-              <a:rPr lang="en-US" dirty="0">
-                <a:solidFill>
-                  <a:srgbClr val="454545"/>
-                </a:solidFill>
-                <a:latin typeface="Helvetica Neue" charset="0"/>
-              </a:rPr>
-              <a:t>:0</a:t>
-            </a:r>
-            <a:r>
-              <a:rPr lang="mr-IN" dirty="0">
-                <a:solidFill>
-                  <a:srgbClr val="454545"/>
-                </a:solidFill>
-                <a:latin typeface="Helvetica Neue" charset="0"/>
-              </a:rPr>
-              <a:t>', '</a:t>
-            </a:r>
-            <a:r>
-              <a:rPr lang="mr-IN" dirty="0" err="1">
-                <a:solidFill>
-                  <a:srgbClr val="454545"/>
-                </a:solidFill>
-                <a:latin typeface="Helvetica Neue" charset="0"/>
-              </a:rPr>
-              <a:t>Nation</a:t>
-            </a:r>
-            <a:r>
-              <a:rPr lang="mr-IN" dirty="0">
-                <a:solidFill>
-                  <a:srgbClr val="454545"/>
-                </a:solidFill>
-                <a:latin typeface="Helvetica Neue" charset="0"/>
-              </a:rPr>
-              <a:t>']</a:t>
-            </a:r>
-          </a:p>
-          <a:p>
-            <a:r>
-              <a:rPr lang="mr-IN" dirty="0">
-                <a:solidFill>
-                  <a:srgbClr val="454545"/>
-                </a:solidFill>
-                <a:latin typeface="Helvetica Neue" charset="0"/>
-              </a:rPr>
-              <a:t>['&lt;</a:t>
-            </a:r>
-            <a:r>
-              <a:rPr lang="mr-IN" dirty="0" err="1">
-                <a:solidFill>
-                  <a:srgbClr val="454545"/>
-                </a:solidFill>
-                <a:latin typeface="Helvetica Neue" charset="0"/>
-              </a:rPr>
-              <a:t>field</a:t>
-            </a:r>
-            <a:r>
-              <a:rPr lang="mr-IN" dirty="0">
-                <a:solidFill>
-                  <a:srgbClr val="454545"/>
-                </a:solidFill>
-                <a:latin typeface="Helvetica Neue" charset="0"/>
-              </a:rPr>
-              <a:t>&gt;</a:t>
-            </a:r>
-            <a:r>
-              <a:rPr lang="en-US" dirty="0">
-                <a:solidFill>
-                  <a:srgbClr val="454545"/>
-                </a:solidFill>
-                <a:latin typeface="Helvetica Neue" charset="0"/>
-              </a:rPr>
-              <a:t>:1</a:t>
-            </a:r>
-            <a:r>
-              <a:rPr lang="mr-IN" dirty="0">
-                <a:solidFill>
-                  <a:srgbClr val="454545"/>
-                </a:solidFill>
-                <a:latin typeface="Helvetica Neue" charset="0"/>
-              </a:rPr>
-              <a:t>', '</a:t>
-            </a:r>
-            <a:r>
-              <a:rPr lang="mr-IN" dirty="0" err="1">
-                <a:solidFill>
-                  <a:srgbClr val="454545"/>
-                </a:solidFill>
-                <a:latin typeface="Helvetica Neue" charset="0"/>
-              </a:rPr>
-              <a:t>Gold</a:t>
-            </a:r>
-            <a:r>
-              <a:rPr lang="mr-IN" dirty="0">
-                <a:solidFill>
-                  <a:srgbClr val="454545"/>
-                </a:solidFill>
-                <a:latin typeface="Helvetica Neue" charset="0"/>
-              </a:rPr>
-              <a:t>']</a:t>
-            </a:r>
-          </a:p>
-          <a:p>
-            <a:r>
-              <a:rPr lang="mr-IN" dirty="0">
-                <a:solidFill>
-                  <a:srgbClr val="454545"/>
-                </a:solidFill>
-                <a:latin typeface="Helvetica Neue" charset="0"/>
-              </a:rPr>
-              <a:t>['&lt;</a:t>
-            </a:r>
-            <a:r>
-              <a:rPr lang="mr-IN" dirty="0" err="1">
-                <a:solidFill>
-                  <a:srgbClr val="454545"/>
-                </a:solidFill>
-                <a:latin typeface="Helvetica Neue" charset="0"/>
-              </a:rPr>
-              <a:t>field</a:t>
-            </a:r>
-            <a:r>
-              <a:rPr lang="mr-IN" dirty="0">
-                <a:solidFill>
-                  <a:srgbClr val="454545"/>
-                </a:solidFill>
-                <a:latin typeface="Helvetica Neue" charset="0"/>
-              </a:rPr>
-              <a:t>&gt;</a:t>
-            </a:r>
-            <a:r>
-              <a:rPr lang="en-US" dirty="0">
-                <a:solidFill>
-                  <a:srgbClr val="454545"/>
-                </a:solidFill>
-                <a:latin typeface="Helvetica Neue" charset="0"/>
-              </a:rPr>
-              <a:t>:2</a:t>
-            </a:r>
-            <a:r>
-              <a:rPr lang="mr-IN" dirty="0">
-                <a:solidFill>
-                  <a:srgbClr val="454545"/>
-                </a:solidFill>
-                <a:latin typeface="Helvetica Neue" charset="0"/>
-              </a:rPr>
-              <a:t>', '</a:t>
-            </a:r>
-            <a:r>
-              <a:rPr lang="mr-IN" dirty="0" err="1">
-                <a:solidFill>
-                  <a:srgbClr val="454545"/>
-                </a:solidFill>
-                <a:latin typeface="Helvetica Neue" charset="0"/>
-              </a:rPr>
-              <a:t>Bronze</a:t>
-            </a:r>
-            <a:r>
-              <a:rPr lang="mr-IN" dirty="0">
-                <a:solidFill>
-                  <a:srgbClr val="454545"/>
-                </a:solidFill>
-                <a:latin typeface="Helvetica Neue" charset="0"/>
-              </a:rPr>
-              <a:t>']</a:t>
-            </a:r>
-          </a:p>
-          <a:p>
-            <a:r>
-              <a:rPr lang="mr-IN" dirty="0" smtClean="0">
-                <a:solidFill>
-                  <a:srgbClr val="454545"/>
-                </a:solidFill>
-                <a:latin typeface="Helvetica Neue" charset="0"/>
-              </a:rPr>
-              <a:t>['&lt;</a:t>
-            </a:r>
-            <a:r>
-              <a:rPr lang="mr-IN" dirty="0" err="1">
-                <a:solidFill>
-                  <a:srgbClr val="454545"/>
-                </a:solidFill>
-                <a:latin typeface="Helvetica Neue" charset="0"/>
-              </a:rPr>
-              <a:t>value</a:t>
-            </a:r>
-            <a:r>
-              <a:rPr lang="mr-IN" dirty="0" smtClean="0">
-                <a:solidFill>
-                  <a:srgbClr val="454545"/>
-                </a:solidFill>
-                <a:latin typeface="Helvetica Neue" charset="0"/>
-              </a:rPr>
-              <a:t>&gt;</a:t>
-            </a:r>
-            <a:r>
-              <a:rPr lang="en-US" dirty="0" smtClean="0">
-                <a:solidFill>
-                  <a:srgbClr val="454545"/>
-                </a:solidFill>
-                <a:latin typeface="Helvetica Neue" charset="0"/>
-                <a:sym typeface="Wingdings"/>
-              </a:rPr>
-              <a:t>:(1/2)</a:t>
-            </a:r>
-            <a:r>
-              <a:rPr lang="mr-IN" dirty="0" smtClean="0">
-                <a:solidFill>
-                  <a:srgbClr val="454545"/>
-                </a:solidFill>
-                <a:latin typeface="Helvetica Neue" charset="0"/>
-              </a:rPr>
-              <a:t>', </a:t>
-            </a:r>
-            <a:r>
-              <a:rPr lang="mr-IN" dirty="0">
-                <a:solidFill>
-                  <a:srgbClr val="454545"/>
-                </a:solidFill>
-                <a:latin typeface="Helvetica Neue" charset="0"/>
-              </a:rPr>
-              <a:t>’</a:t>
-            </a:r>
-            <a:r>
-              <a:rPr lang="en-US" dirty="0">
-                <a:solidFill>
-                  <a:srgbClr val="454545"/>
-                </a:solidFill>
-                <a:latin typeface="Helvetica Neue" charset="0"/>
-              </a:rPr>
-              <a:t>32</a:t>
-            </a:r>
-            <a:r>
-              <a:rPr lang="mr-IN" dirty="0">
-                <a:solidFill>
-                  <a:srgbClr val="454545"/>
-                </a:solidFill>
-                <a:latin typeface="Helvetica Neue" charset="0"/>
-              </a:rPr>
-              <a:t>']</a:t>
-            </a:r>
-          </a:p>
-          <a:p>
-            <a:r>
-              <a:rPr lang="mr-IN" dirty="0" smtClean="0">
-                <a:solidFill>
-                  <a:srgbClr val="454545"/>
-                </a:solidFill>
-                <a:latin typeface="Helvetica Neue" charset="0"/>
-              </a:rPr>
-              <a:t>['&lt;</a:t>
-            </a:r>
-            <a:r>
-              <a:rPr lang="mr-IN" dirty="0" err="1">
-                <a:solidFill>
-                  <a:srgbClr val="454545"/>
-                </a:solidFill>
-                <a:latin typeface="Helvetica Neue" charset="0"/>
-              </a:rPr>
-              <a:t>value</a:t>
-            </a:r>
-            <a:r>
-              <a:rPr lang="mr-IN" dirty="0" smtClean="0">
-                <a:solidFill>
-                  <a:srgbClr val="454545"/>
-                </a:solidFill>
-                <a:latin typeface="Helvetica Neue" charset="0"/>
-              </a:rPr>
-              <a:t>&gt;</a:t>
-            </a:r>
-            <a:r>
-              <a:rPr lang="en-US" dirty="0" smtClean="0">
-                <a:solidFill>
-                  <a:srgbClr val="454545"/>
-                </a:solidFill>
-                <a:latin typeface="Helvetica Neue" charset="0"/>
-                <a:sym typeface="Wingdings"/>
-              </a:rPr>
-              <a:t>:(</a:t>
-            </a:r>
-            <a:r>
-              <a:rPr lang="en-US" dirty="0">
-                <a:solidFill>
-                  <a:srgbClr val="454545"/>
-                </a:solidFill>
-                <a:latin typeface="Helvetica Neue" charset="0"/>
-                <a:sym typeface="Wingdings"/>
-              </a:rPr>
-              <a:t>1/2) </a:t>
-            </a:r>
-            <a:r>
-              <a:rPr lang="mr-IN" dirty="0" smtClean="0">
-                <a:solidFill>
-                  <a:srgbClr val="454545"/>
-                </a:solidFill>
-                <a:latin typeface="Helvetica Neue" charset="0"/>
-              </a:rPr>
-              <a:t>', </a:t>
-            </a:r>
-            <a:r>
-              <a:rPr lang="mr-IN" dirty="0">
-                <a:solidFill>
-                  <a:srgbClr val="454545"/>
-                </a:solidFill>
-                <a:latin typeface="Helvetica Neue" charset="0"/>
-              </a:rPr>
-              <a:t>’</a:t>
-            </a:r>
-            <a:r>
-              <a:rPr lang="en-US" altLang="zh-CN" dirty="0">
-                <a:solidFill>
-                  <a:srgbClr val="454545"/>
-                </a:solidFill>
-                <a:latin typeface="Helvetica Neue" charset="0"/>
-              </a:rPr>
-              <a:t>4</a:t>
-            </a:r>
-            <a:r>
-              <a:rPr lang="mr-IN" dirty="0">
-                <a:solidFill>
-                  <a:srgbClr val="454545"/>
-                </a:solidFill>
-                <a:latin typeface="Helvetica Neue" charset="0"/>
-              </a:rPr>
-              <a:t>']</a:t>
-            </a:r>
-            <a:endParaRPr lang="mr-IN" dirty="0">
-              <a:solidFill>
-                <a:srgbClr val="454545"/>
-              </a:solidFill>
-              <a:latin typeface="Helvetica Neue" charset="0"/>
-            </a:endParaRPr>
-          </a:p>
-        </p:txBody>
-      </p:sp>
-      <p:sp>
-        <p:nvSpPr>
-          <p:cNvPr id="16" name="Rectangle 15"/>
-          <p:cNvSpPr/>
-          <p:nvPr/>
-        </p:nvSpPr>
-        <p:spPr>
-          <a:xfrm>
-            <a:off x="5960533" y="2967335"/>
-            <a:ext cx="2286000" cy="1015663"/>
-          </a:xfrm>
-          <a:prstGeom prst="rect">
-            <a:avLst/>
-          </a:prstGeom>
-        </p:spPr>
-        <p:txBody>
-          <a:bodyPr wrap="square">
-            <a:spAutoFit/>
-          </a:bodyPr>
-          <a:lstStyle/>
-          <a:p>
-            <a:r>
-              <a:rPr lang="mr-IN" sz="2000" b="1" dirty="0">
-                <a:solidFill>
-                  <a:srgbClr val="454545"/>
-                </a:solidFill>
-                <a:latin typeface="Helvetica Neue" charset="0"/>
-              </a:rPr>
-              <a:t>[(</a:t>
-            </a:r>
-            <a:r>
-              <a:rPr lang="mr-IN" sz="2000" b="1" dirty="0">
-                <a:solidFill>
-                  <a:srgbClr val="FF0000"/>
-                </a:solidFill>
-                <a:latin typeface="Helvetica Neue" charset="0"/>
-              </a:rPr>
-              <a:t>6</a:t>
-            </a:r>
-            <a:r>
-              <a:rPr lang="mr-IN" sz="2000" b="1" dirty="0">
-                <a:solidFill>
-                  <a:srgbClr val="454545"/>
-                </a:solidFill>
-                <a:latin typeface="Helvetica Neue" charset="0"/>
-              </a:rPr>
-              <a:t>, </a:t>
-            </a:r>
-            <a:r>
-              <a:rPr lang="mr-IN" sz="2000" b="1" dirty="0">
-                <a:solidFill>
-                  <a:schemeClr val="accent4"/>
-                </a:solidFill>
-                <a:latin typeface="Helvetica Neue" charset="0"/>
-              </a:rPr>
-              <a:t>1</a:t>
-            </a:r>
-            <a:r>
-              <a:rPr lang="mr-IN" sz="2000" b="1" dirty="0">
-                <a:solidFill>
-                  <a:srgbClr val="454545"/>
-                </a:solidFill>
-                <a:latin typeface="Helvetica Neue" charset="0"/>
-              </a:rPr>
-              <a:t>), (</a:t>
-            </a:r>
-            <a:r>
-              <a:rPr lang="mr-IN" sz="2000" b="1" dirty="0">
-                <a:solidFill>
-                  <a:srgbClr val="FF0000"/>
-                </a:solidFill>
-                <a:latin typeface="Helvetica Neue" charset="0"/>
-              </a:rPr>
-              <a:t>9</a:t>
-            </a:r>
-            <a:r>
-              <a:rPr lang="mr-IN" sz="2000" b="1" dirty="0">
-                <a:solidFill>
-                  <a:srgbClr val="454545"/>
-                </a:solidFill>
-                <a:latin typeface="Helvetica Neue" charset="0"/>
-              </a:rPr>
-              <a:t>, </a:t>
-            </a:r>
-            <a:r>
-              <a:rPr lang="mr-IN" sz="2000" b="1" dirty="0">
-                <a:solidFill>
-                  <a:schemeClr val="accent4"/>
-                </a:solidFill>
-                <a:latin typeface="Helvetica Neue" charset="0"/>
-              </a:rPr>
-              <a:t>2</a:t>
-            </a:r>
-            <a:r>
-              <a:rPr lang="mr-IN" sz="2000" b="1" dirty="0" smtClean="0">
-                <a:solidFill>
-                  <a:srgbClr val="454545"/>
-                </a:solidFill>
-                <a:latin typeface="Helvetica Neue" charset="0"/>
-              </a:rPr>
-              <a:t>)]</a:t>
-            </a:r>
-            <a:endParaRPr lang="en-US" sz="2000" b="1" dirty="0" smtClean="0">
-              <a:solidFill>
-                <a:srgbClr val="454545"/>
-              </a:solidFill>
-              <a:latin typeface="Helvetica Neue" charset="0"/>
-            </a:endParaRPr>
-          </a:p>
-          <a:p>
-            <a:endParaRPr lang="mr-IN" sz="2000" b="1" dirty="0">
-              <a:solidFill>
-                <a:srgbClr val="454545"/>
-              </a:solidFill>
-              <a:latin typeface="Helvetica Neue" charset="0"/>
-            </a:endParaRPr>
-          </a:p>
-          <a:p>
-            <a:r>
-              <a:rPr lang="mr-IN" sz="2000" b="1" dirty="0">
-                <a:solidFill>
-                  <a:srgbClr val="454545"/>
-                </a:solidFill>
-                <a:latin typeface="Helvetica Neue" charset="0"/>
-              </a:rPr>
-              <a:t>[</a:t>
-            </a:r>
-            <a:r>
-              <a:rPr lang="mr-IN" sz="2000" b="1" dirty="0">
-                <a:solidFill>
-                  <a:srgbClr val="FF0000"/>
-                </a:solidFill>
-                <a:latin typeface="Helvetica Neue" charset="0"/>
-              </a:rPr>
-              <a:t>5</a:t>
-            </a:r>
-            <a:r>
-              <a:rPr lang="mr-IN" sz="2000" b="1" dirty="0">
-                <a:solidFill>
-                  <a:srgbClr val="454545"/>
-                </a:solidFill>
-                <a:latin typeface="Helvetica Neue" charset="0"/>
-              </a:rPr>
-              <a:t>, </a:t>
-            </a:r>
-            <a:r>
-              <a:rPr lang="mr-IN" sz="2000" b="1" dirty="0">
-                <a:solidFill>
-                  <a:srgbClr val="FF0000"/>
-                </a:solidFill>
-                <a:latin typeface="Helvetica Neue" charset="0"/>
-              </a:rPr>
-              <a:t>14</a:t>
-            </a:r>
-            <a:r>
-              <a:rPr lang="mr-IN" sz="2000" b="1" dirty="0">
-                <a:solidFill>
-                  <a:srgbClr val="454545"/>
-                </a:solidFill>
-                <a:latin typeface="Helvetica Neue" charset="0"/>
-              </a:rPr>
-              <a:t>]</a:t>
-            </a:r>
-            <a:endParaRPr lang="mr-IN" sz="2000" b="1" dirty="0">
-              <a:solidFill>
-                <a:srgbClr val="454545"/>
-              </a:solidFill>
-              <a:effectLst/>
-              <a:latin typeface="Helvetica Neue" charset="0"/>
-            </a:endParaRPr>
-          </a:p>
-        </p:txBody>
-      </p:sp>
-      <p:cxnSp>
-        <p:nvCxnSpPr>
-          <p:cNvPr id="18" name="Straight Arrow Connector 17"/>
-          <p:cNvCxnSpPr/>
-          <p:nvPr/>
-        </p:nvCxnSpPr>
-        <p:spPr>
-          <a:xfrm>
-            <a:off x="3691467" y="3115733"/>
-            <a:ext cx="2099733" cy="16934"/>
-          </a:xfrm>
-          <a:prstGeom prst="straightConnector1">
-            <a:avLst/>
-          </a:prstGeom>
-          <a:ln>
-            <a:tailEnd type="triangle"/>
-          </a:ln>
-        </p:spPr>
-        <p:style>
-          <a:lnRef idx="1">
-            <a:schemeClr val="accent1"/>
-          </a:lnRef>
-          <a:fillRef idx="0">
-            <a:schemeClr val="accent1"/>
-          </a:fillRef>
-          <a:effectRef idx="0">
-            <a:schemeClr val="accent1"/>
-          </a:effectRef>
-          <a:fontRef idx="minor">
-            <a:schemeClr val="tx1"/>
-          </a:fontRef>
-        </p:style>
-      </p:cxnSp>
-      <p:cxnSp>
-        <p:nvCxnSpPr>
-          <p:cNvPr id="20" name="Straight Arrow Connector 19"/>
-          <p:cNvCxnSpPr/>
-          <p:nvPr/>
-        </p:nvCxnSpPr>
-        <p:spPr>
-          <a:xfrm flipV="1">
-            <a:off x="3928533" y="3166533"/>
-            <a:ext cx="1862667" cy="228601"/>
-          </a:xfrm>
-          <a:prstGeom prst="straightConnector1">
-            <a:avLst/>
-          </a:prstGeom>
-          <a:ln>
-            <a:tailEnd type="triangle"/>
-          </a:ln>
-        </p:spPr>
-        <p:style>
-          <a:lnRef idx="1">
-            <a:schemeClr val="accent1"/>
-          </a:lnRef>
-          <a:fillRef idx="0">
-            <a:schemeClr val="accent1"/>
-          </a:fillRef>
-          <a:effectRef idx="0">
-            <a:schemeClr val="accent1"/>
-          </a:effectRef>
-          <a:fontRef idx="minor">
-            <a:schemeClr val="tx1"/>
-          </a:fontRef>
-        </p:style>
-      </p:cxnSp>
-      <p:cxnSp>
-        <p:nvCxnSpPr>
-          <p:cNvPr id="21" name="Straight Arrow Connector 20"/>
-          <p:cNvCxnSpPr/>
-          <p:nvPr/>
-        </p:nvCxnSpPr>
-        <p:spPr>
-          <a:xfrm>
-            <a:off x="3860800" y="3624765"/>
-            <a:ext cx="2099733" cy="95766"/>
-          </a:xfrm>
-          <a:prstGeom prst="straightConnector1">
-            <a:avLst/>
-          </a:prstGeom>
-          <a:ln>
-            <a:tailEnd type="triangle"/>
-          </a:ln>
-        </p:spPr>
-        <p:style>
-          <a:lnRef idx="1">
-            <a:schemeClr val="accent1"/>
-          </a:lnRef>
-          <a:fillRef idx="0">
-            <a:schemeClr val="accent1"/>
-          </a:fillRef>
-          <a:effectRef idx="0">
-            <a:schemeClr val="accent1"/>
-          </a:effectRef>
-          <a:fontRef idx="minor">
-            <a:schemeClr val="tx1"/>
-          </a:fontRef>
-        </p:style>
-      </p:cxnSp>
-      <p:cxnSp>
-        <p:nvCxnSpPr>
-          <p:cNvPr id="22" name="Straight Arrow Connector 21"/>
-          <p:cNvCxnSpPr/>
-          <p:nvPr/>
-        </p:nvCxnSpPr>
-        <p:spPr>
-          <a:xfrm flipV="1">
-            <a:off x="3860800" y="3754398"/>
-            <a:ext cx="2099733" cy="189700"/>
-          </a:xfrm>
-          <a:prstGeom prst="straightConnector1">
-            <a:avLst/>
-          </a:prstGeom>
-          <a:ln>
-            <a:tailEnd type="triangle"/>
-          </a:ln>
-        </p:spPr>
-        <p:style>
-          <a:lnRef idx="1">
-            <a:schemeClr val="accent1"/>
-          </a:lnRef>
-          <a:fillRef idx="0">
-            <a:schemeClr val="accent1"/>
-          </a:fillRef>
-          <a:effectRef idx="0">
-            <a:schemeClr val="accent1"/>
-          </a:effectRef>
-          <a:fontRef idx="minor">
-            <a:schemeClr val="tx1"/>
-          </a:fontRef>
-        </p:style>
-      </p:cxnSp>
-      <p:sp>
-        <p:nvSpPr>
-          <p:cNvPr id="25" name="Rectangle 24"/>
-          <p:cNvSpPr/>
-          <p:nvPr/>
-        </p:nvSpPr>
-        <p:spPr>
-          <a:xfrm>
-            <a:off x="6130190" y="2427674"/>
-            <a:ext cx="1790875" cy="369332"/>
-          </a:xfrm>
-          <a:prstGeom prst="rect">
-            <a:avLst/>
-          </a:prstGeom>
-        </p:spPr>
-        <p:txBody>
-          <a:bodyPr wrap="none">
-            <a:spAutoFit/>
-          </a:bodyPr>
-          <a:lstStyle/>
-          <a:p>
-            <a:r>
-              <a:rPr lang="mr-IN" b="1" dirty="0" smtClean="0">
-                <a:solidFill>
-                  <a:srgbClr val="454545"/>
-                </a:solidFill>
-                <a:latin typeface="Helvetica Neue" charset="0"/>
-              </a:rPr>
-              <a:t>(</a:t>
-            </a:r>
-            <a:r>
-              <a:rPr lang="en-US" b="1" dirty="0" smtClean="0">
-                <a:solidFill>
-                  <a:srgbClr val="FF0000"/>
-                </a:solidFill>
-                <a:latin typeface="Helvetica Neue" charset="0"/>
-              </a:rPr>
-              <a:t>position</a:t>
-            </a:r>
-            <a:r>
-              <a:rPr lang="mr-IN" b="1" dirty="0" smtClean="0">
-                <a:solidFill>
-                  <a:srgbClr val="454545"/>
-                </a:solidFill>
-                <a:latin typeface="Helvetica Neue" charset="0"/>
-              </a:rPr>
-              <a:t>, </a:t>
-            </a:r>
-            <a:r>
-              <a:rPr lang="en-US" b="1" dirty="0" smtClean="0">
-                <a:solidFill>
-                  <a:schemeClr val="accent4"/>
-                </a:solidFill>
-                <a:latin typeface="Helvetica Neue" charset="0"/>
-              </a:rPr>
-              <a:t>id</a:t>
-            </a:r>
-            <a:r>
-              <a:rPr lang="mr-IN" b="1" dirty="0" smtClean="0">
-                <a:solidFill>
-                  <a:srgbClr val="454545"/>
-                </a:solidFill>
-                <a:latin typeface="Helvetica Neue" charset="0"/>
-              </a:rPr>
-              <a:t>) </a:t>
-            </a:r>
-            <a:endParaRPr lang="en-US" dirty="0"/>
-          </a:p>
-        </p:txBody>
-      </p:sp>
-      <p:sp>
-        <p:nvSpPr>
           <p:cNvPr id="26" name="TextBox 25"/>
           <p:cNvSpPr txBox="1"/>
           <p:nvPr/>
         </p:nvSpPr>
         <p:spPr>
           <a:xfrm>
-            <a:off x="643467" y="4368803"/>
+            <a:off x="643467" y="2450068"/>
             <a:ext cx="9736666" cy="369332"/>
           </a:xfrm>
           <a:prstGeom prst="rect">
@@ -17210,7 +18505,19 @@
             </a:r>
             <a:r>
               <a:rPr lang="en-US" dirty="0" smtClean="0"/>
-              <a:t> Dependency Parsing (still studying the model), needs more data.</a:t>
+              <a:t> Dependency </a:t>
+            </a:r>
+            <a:r>
+              <a:rPr lang="en-US" dirty="0" smtClean="0"/>
+              <a:t>Tree Lowest common ancestor (</a:t>
+            </a:r>
+            <a:r>
+              <a:rPr lang="en-US" dirty="0" err="1" smtClean="0"/>
+              <a:t>nltk.stanford.StanfordParser</a:t>
+            </a:r>
+            <a:r>
+              <a:rPr lang="en-US" dirty="0" smtClean="0"/>
+              <a:t>)</a:t>
             </a:r>
             <a:endParaRPr lang="en-US" dirty="0"/>
           </a:p>
@@ -17224,7 +18531,7 @@
         </p:nvSpPr>
         <p:spPr>
           <a:xfrm>
-            <a:off x="1100109" y="5328739"/>
+            <a:off x="1100109" y="5643529"/>
             <a:ext cx="9026023" cy="646331"/>
           </a:xfrm>
           <a:prstGeom prst="rect">
@@ -17308,7 +18615,7 @@
             <a:r>
               <a:rPr lang="en-US" u="sng" dirty="0" err="1">
                 <a:solidFill>
-                  <a:srgbClr val="454545"/>
+                  <a:srgbClr val="FF0000"/>
                 </a:solidFill>
                 <a:latin typeface="Helvetica Neue" charset="0"/>
               </a:rPr>
@@ -17326,7 +18633,7 @@
             <a:r>
               <a:rPr lang="en-US" u="sng" dirty="0">
                 <a:solidFill>
-                  <a:srgbClr val="454545"/>
+                  <a:schemeClr val="accent4"/>
                 </a:solidFill>
                 <a:latin typeface="Helvetica Neue" charset="0"/>
               </a:rPr>
@@ -17360,194 +18667,63 @@
           </a:p>
         </p:txBody>
       </p:sp>
-      <p:sp>
-        <p:nvSpPr>
-          <p:cNvPr id="31" name="Freeform 30"/>
+      <p:pic>
+        <p:nvPicPr>
+          <p:cNvPr id="3" name="Picture 2"/>
+          <p:cNvPicPr>
+            <a:picLocks noChangeAspect="1"/>
+          </p:cNvPicPr>
+          <p:nvPr/>
+        </p:nvPicPr>
+        <p:blipFill>
+          <a:blip r:embed="rId3"/>
+          <a:stretch>
+            <a:fillRect/>
+          </a:stretch>
+        </p:blipFill>
+        <p:spPr>
+          <a:xfrm>
+            <a:off x="1248000" y="2966918"/>
+            <a:ext cx="9162113" cy="2559073"/>
+          </a:xfrm>
+          <a:prstGeom prst="rect">
+            <a:avLst/>
+          </a:prstGeom>
+        </p:spPr>
+      </p:pic>
+      <p:sp>
+        <p:nvSpPr>
+          <p:cNvPr id="5" name="Rectangle 4"/>
           <p:cNvSpPr/>
           <p:nvPr/>
         </p:nvSpPr>
         <p:spPr>
           <a:xfrm>
-            <a:off x="5502725" y="4859867"/>
-            <a:ext cx="1473808" cy="541866"/>
+            <a:off x="1948721" y="3897443"/>
+            <a:ext cx="2053653" cy="1628548"/>
           </a:xfrm>
-          <a:custGeom>
+          <a:prstGeom prst="rect">
             <a:avLst/>
-            <a:gdLst>
-              <a:gd name="connsiteX0" fmla="*/ 1473808 w 1473808"/>
-              <a:gd name="connsiteY0" fmla="*/ 541866 h 541866"/>
-              <a:gd name="connsiteX1" fmla="*/ 1456875 w 1473808"/>
-              <a:gd name="connsiteY1" fmla="*/ 406400 h 541866"/>
-              <a:gd name="connsiteX2" fmla="*/ 1338342 w 1473808"/>
-              <a:gd name="connsiteY2" fmla="*/ 254000 h 541866"/>
-              <a:gd name="connsiteX3" fmla="*/ 1270608 w 1473808"/>
-              <a:gd name="connsiteY3" fmla="*/ 169333 h 541866"/>
-              <a:gd name="connsiteX4" fmla="*/ 1185942 w 1473808"/>
-              <a:gd name="connsiteY4" fmla="*/ 101600 h 541866"/>
-              <a:gd name="connsiteX5" fmla="*/ 1033542 w 1473808"/>
-              <a:gd name="connsiteY5" fmla="*/ 33866 h 541866"/>
-              <a:gd name="connsiteX6" fmla="*/ 898075 w 1473808"/>
-              <a:gd name="connsiteY6" fmla="*/ 0 h 541866"/>
-              <a:gd name="connsiteX7" fmla="*/ 576342 w 1473808"/>
-              <a:gd name="connsiteY7" fmla="*/ 16933 h 541866"/>
-              <a:gd name="connsiteX8" fmla="*/ 474742 w 1473808"/>
-              <a:gd name="connsiteY8" fmla="*/ 50800 h 541866"/>
-              <a:gd name="connsiteX9" fmla="*/ 423942 w 1473808"/>
-              <a:gd name="connsiteY9" fmla="*/ 67733 h 541866"/>
-              <a:gd name="connsiteX10" fmla="*/ 271542 w 1473808"/>
-              <a:gd name="connsiteY10" fmla="*/ 169333 h 541866"/>
-              <a:gd name="connsiteX11" fmla="*/ 220742 w 1473808"/>
-              <a:gd name="connsiteY11" fmla="*/ 203200 h 541866"/>
-              <a:gd name="connsiteX12" fmla="*/ 119142 w 1473808"/>
-              <a:gd name="connsiteY12" fmla="*/ 287866 h 541866"/>
-              <a:gd name="connsiteX13" fmla="*/ 51408 w 1473808"/>
-              <a:gd name="connsiteY13" fmla="*/ 389466 h 541866"/>
-              <a:gd name="connsiteX14" fmla="*/ 608 w 1473808"/>
-              <a:gd name="connsiteY14" fmla="*/ 491066 h 541866"/>
-              <a:gd name="connsiteX15" fmla="*/ 608 w 1473808"/>
-              <a:gd name="connsiteY15" fmla="*/ 508000 h 541866"/>
-            </a:gdLst>
-            <a:ahLst/>
-            <a:cxnLst>
-              <a:cxn ang="0">
-                <a:pos x="connsiteX0" y="connsiteY0"/>
-              </a:cxn>
-              <a:cxn ang="0">
-                <a:pos x="connsiteX1" y="connsiteY1"/>
-              </a:cxn>
-              <a:cxn ang="0">
-                <a:pos x="connsiteX2" y="connsiteY2"/>
-              </a:cxn>
-              <a:cxn ang="0">
-                <a:pos x="connsiteX3" y="connsiteY3"/>
-              </a:cxn>
-              <a:cxn ang="0">
-                <a:pos x="connsiteX4" y="connsiteY4"/>
-              </a:cxn>
-              <a:cxn ang="0">
-                <a:pos x="connsiteX5" y="connsiteY5"/>
-              </a:cxn>
-              <a:cxn ang="0">
-                <a:pos x="connsiteX6" y="connsiteY6"/>
-              </a:cxn>
-              <a:cxn ang="0">
-                <a:pos x="connsiteX7" y="connsiteY7"/>
-              </a:cxn>
-              <a:cxn ang="0">
-                <a:pos x="connsiteX8" y="connsiteY8"/>
-              </a:cxn>
-              <a:cxn ang="0">
-                <a:pos x="connsiteX9" y="connsiteY9"/>
-              </a:cxn>
-              <a:cxn ang="0">
-                <a:pos x="connsiteX10" y="connsiteY10"/>
-              </a:cxn>
-              <a:cxn ang="0">
-                <a:pos x="connsiteX11" y="connsiteY11"/>
-              </a:cxn>
-              <a:cxn ang="0">
-                <a:pos x="connsiteX12" y="connsiteY12"/>
-              </a:cxn>
-              <a:cxn ang="0">
-                <a:pos x="connsiteX13" y="connsiteY13"/>
-              </a:cxn>
-              <a:cxn ang="0">
-                <a:pos x="connsiteX14" y="connsiteY14"/>
-              </a:cxn>
-              <a:cxn ang="0">
-                <a:pos x="connsiteX15" y="connsiteY15"/>
-              </a:cxn>
-            </a:cxnLst>
-            <a:rect l="l" t="t" r="r" b="b"/>
-            <a:pathLst>
-              <a:path w="1473808" h="541866">
-                <a:moveTo>
-                  <a:pt x="1473808" y="541866"/>
-                </a:moveTo>
-                <a:cubicBezTo>
-                  <a:pt x="1468164" y="496711"/>
-                  <a:pt x="1472181" y="449256"/>
-                  <a:pt x="1456875" y="406400"/>
-                </a:cubicBezTo>
-                <a:cubicBezTo>
-                  <a:pt x="1434370" y="343386"/>
-                  <a:pt x="1383498" y="299156"/>
-                  <a:pt x="1338342" y="254000"/>
-                </a:cubicBezTo>
-                <a:cubicBezTo>
-                  <a:pt x="1305375" y="155102"/>
-                  <a:pt x="1347202" y="245928"/>
-                  <a:pt x="1270608" y="169333"/>
-                </a:cubicBezTo>
-                <a:cubicBezTo>
-                  <a:pt x="1194016" y="92740"/>
-                  <a:pt x="1284839" y="134565"/>
-                  <a:pt x="1185942" y="101600"/>
-                </a:cubicBezTo>
-                <a:cubicBezTo>
-                  <a:pt x="1119226" y="57122"/>
-                  <a:pt x="1130266" y="58046"/>
-                  <a:pt x="1033542" y="33866"/>
-                </a:cubicBezTo>
-                <a:lnTo>
-                  <a:pt x="898075" y="0"/>
-                </a:lnTo>
-                <a:cubicBezTo>
-                  <a:pt x="790831" y="5644"/>
-                  <a:pt x="682970" y="4138"/>
-                  <a:pt x="576342" y="16933"/>
-                </a:cubicBezTo>
-                <a:cubicBezTo>
-                  <a:pt x="540898" y="21186"/>
-                  <a:pt x="508609" y="39511"/>
-                  <a:pt x="474742" y="50800"/>
-                </a:cubicBezTo>
-                <a:lnTo>
-                  <a:pt x="423942" y="67733"/>
-                </a:lnTo>
-                <a:lnTo>
-                  <a:pt x="271542" y="169333"/>
-                </a:lnTo>
-                <a:cubicBezTo>
-                  <a:pt x="254609" y="180622"/>
-                  <a:pt x="235133" y="188809"/>
-                  <a:pt x="220742" y="203200"/>
-                </a:cubicBezTo>
-                <a:cubicBezTo>
-                  <a:pt x="155552" y="268390"/>
-                  <a:pt x="189868" y="240717"/>
-                  <a:pt x="119142" y="287866"/>
-                </a:cubicBezTo>
-                <a:lnTo>
-                  <a:pt x="51408" y="389466"/>
-                </a:lnTo>
-                <a:cubicBezTo>
-                  <a:pt x="18300" y="439128"/>
-                  <a:pt x="14629" y="434984"/>
-                  <a:pt x="608" y="491066"/>
-                </a:cubicBezTo>
-                <a:cubicBezTo>
-                  <a:pt x="-761" y="496542"/>
-                  <a:pt x="608" y="502355"/>
-                  <a:pt x="608" y="508000"/>
-                </a:cubicBezTo>
-              </a:path>
-            </a:pathLst>
-          </a:custGeom>
-          <a:ln w="38100"/>
+          </a:prstGeom>
+          <a:noFill/>
+          <a:ln>
+            <a:solidFill>
+              <a:srgbClr val="C00000"/>
+            </a:solidFill>
+          </a:ln>
         </p:spPr>
         <p:style>
           <a:lnRef idx="1">
-            <a:schemeClr val="accent4"/>
+            <a:schemeClr val="accent6"/>
           </a:lnRef>
-          <a:fillRef idx="0">
-            <a:schemeClr val="accent4"/>
+          <a:fillRef idx="2">
+            <a:schemeClr val="accent6"/>
           </a:fillRef>
-          <a:effectRef idx="0">
-            <a:schemeClr val="accent4"/>
+          <a:effectRef idx="1">
+            <a:schemeClr val="accent6"/>
           </a:effectRef>
           <a:fontRef idx="minor">
-            <a:schemeClr val="tx1"/>
+            <a:schemeClr val="dk1"/>
           </a:fontRef>
         </p:style>
         <p:txBody>
@@ -17561,422 +18737,37 @@
       </p:sp>
       <p:sp>
         <p:nvSpPr>
-          <p:cNvPr id="32" name="Freeform 31"/>
+          <p:cNvPr id="23" name="Rectangle 22"/>
           <p:cNvSpPr/>
           <p:nvPr/>
         </p:nvSpPr>
         <p:spPr>
           <a:xfrm>
-            <a:off x="5469467" y="5215467"/>
-            <a:ext cx="338666" cy="203200"/>
+            <a:off x="4497048" y="3899941"/>
+            <a:ext cx="1663909" cy="1628548"/>
           </a:xfrm>
-          <a:custGeom>
+          <a:prstGeom prst="rect">
             <a:avLst/>
-            <a:gdLst>
-              <a:gd name="connsiteX0" fmla="*/ 0 w 338666"/>
-              <a:gd name="connsiteY0" fmla="*/ 0 h 203200"/>
-              <a:gd name="connsiteX1" fmla="*/ 16933 w 338666"/>
-              <a:gd name="connsiteY1" fmla="*/ 67733 h 203200"/>
-              <a:gd name="connsiteX2" fmla="*/ 33866 w 338666"/>
-              <a:gd name="connsiteY2" fmla="*/ 118533 h 203200"/>
-              <a:gd name="connsiteX3" fmla="*/ 50800 w 338666"/>
-              <a:gd name="connsiteY3" fmla="*/ 203200 h 203200"/>
-              <a:gd name="connsiteX4" fmla="*/ 101600 w 338666"/>
-              <a:gd name="connsiteY4" fmla="*/ 101600 h 203200"/>
-              <a:gd name="connsiteX5" fmla="*/ 304800 w 338666"/>
-              <a:gd name="connsiteY5" fmla="*/ 0 h 203200"/>
-              <a:gd name="connsiteX6" fmla="*/ 338666 w 338666"/>
-              <a:gd name="connsiteY6" fmla="*/ 0 h 203200"/>
-            </a:gdLst>
-            <a:ahLst/>
-            <a:cxnLst>
-              <a:cxn ang="0">
-                <a:pos x="connsiteX0" y="connsiteY0"/>
-              </a:cxn>
-              <a:cxn ang="0">
-                <a:pos x="connsiteX1" y="connsiteY1"/>
-              </a:cxn>
-              <a:cxn ang="0">
-                <a:pos x="connsiteX2" y="connsiteY2"/>
-              </a:cxn>
-              <a:cxn ang="0">
-                <a:pos x="connsiteX3" y="connsiteY3"/>
-              </a:cxn>
-              <a:cxn ang="0">
-                <a:pos x="connsiteX4" y="connsiteY4"/>
-              </a:cxn>
-              <a:cxn ang="0">
-                <a:pos x="connsiteX5" y="connsiteY5"/>
-              </a:cxn>
-              <a:cxn ang="0">
-                <a:pos x="connsiteX6" y="connsiteY6"/>
-              </a:cxn>
-            </a:cxnLst>
-            <a:rect l="l" t="t" r="r" b="b"/>
-            <a:pathLst>
-              <a:path w="338666" h="203200">
-                <a:moveTo>
-                  <a:pt x="0" y="0"/>
-                </a:moveTo>
-                <a:cubicBezTo>
-                  <a:pt x="5644" y="22578"/>
-                  <a:pt x="10540" y="45356"/>
-                  <a:pt x="16933" y="67733"/>
-                </a:cubicBezTo>
-                <a:cubicBezTo>
-                  <a:pt x="21836" y="84896"/>
-                  <a:pt x="29537" y="101217"/>
-                  <a:pt x="33866" y="118533"/>
-                </a:cubicBezTo>
-                <a:cubicBezTo>
-                  <a:pt x="40847" y="146455"/>
-                  <a:pt x="45155" y="174978"/>
-                  <a:pt x="50800" y="203200"/>
-                </a:cubicBezTo>
-                <a:cubicBezTo>
-                  <a:pt x="62879" y="166963"/>
-                  <a:pt x="70704" y="128634"/>
-                  <a:pt x="101600" y="101600"/>
-                </a:cubicBezTo>
-                <a:cubicBezTo>
-                  <a:pt x="140740" y="67353"/>
-                  <a:pt x="245418" y="0"/>
-                  <a:pt x="304800" y="0"/>
-                </a:cubicBezTo>
-                <a:lnTo>
-                  <a:pt x="338666" y="0"/>
-                </a:lnTo>
-              </a:path>
-            </a:pathLst>
-          </a:custGeom>
-          <a:ln w="38100"/>
+          </a:prstGeom>
+          <a:noFill/>
+          <a:ln>
+            <a:solidFill>
+              <a:srgbClr val="C00000"/>
+            </a:solidFill>
+          </a:ln>
         </p:spPr>
         <p:style>
           <a:lnRef idx="1">
-            <a:schemeClr val="accent4"/>
+            <a:schemeClr val="accent6"/>
           </a:lnRef>
-          <a:fillRef idx="0">
-            <a:schemeClr val="accent4"/>
+          <a:fillRef idx="2">
+            <a:schemeClr val="accent6"/>
           </a:fillRef>
-          <a:effectRef idx="0">
-            <a:schemeClr val="accent4"/>
+          <a:effectRef idx="1">
+            <a:schemeClr val="accent6"/>
           </a:effectRef>
           <a:fontRef idx="minor">
-            <a:schemeClr val="tx1"/>
-          </a:fontRef>
-        </p:style>
-        <p:txBody>
-          <a:bodyPr rtlCol="0" anchor="ctr"/>
-          <a:lstStyle/>
-          <a:p>
-            <a:pPr algn="ctr"/>
-            <a:endParaRPr lang="en-US"/>
-          </a:p>
-        </p:txBody>
-      </p:sp>
-      <p:sp>
-        <p:nvSpPr>
-          <p:cNvPr id="33" name="Freeform 32"/>
-          <p:cNvSpPr/>
-          <p:nvPr/>
-        </p:nvSpPr>
-        <p:spPr>
-          <a:xfrm>
-            <a:off x="2674859" y="4842027"/>
-            <a:ext cx="1473808" cy="541866"/>
-          </a:xfrm>
-          <a:custGeom>
-            <a:avLst/>
-            <a:gdLst>
-              <a:gd name="connsiteX0" fmla="*/ 1473808 w 1473808"/>
-              <a:gd name="connsiteY0" fmla="*/ 541866 h 541866"/>
-              <a:gd name="connsiteX1" fmla="*/ 1456875 w 1473808"/>
-              <a:gd name="connsiteY1" fmla="*/ 406400 h 541866"/>
-              <a:gd name="connsiteX2" fmla="*/ 1338342 w 1473808"/>
-              <a:gd name="connsiteY2" fmla="*/ 254000 h 541866"/>
-              <a:gd name="connsiteX3" fmla="*/ 1270608 w 1473808"/>
-              <a:gd name="connsiteY3" fmla="*/ 169333 h 541866"/>
-              <a:gd name="connsiteX4" fmla="*/ 1185942 w 1473808"/>
-              <a:gd name="connsiteY4" fmla="*/ 101600 h 541866"/>
-              <a:gd name="connsiteX5" fmla="*/ 1033542 w 1473808"/>
-              <a:gd name="connsiteY5" fmla="*/ 33866 h 541866"/>
-              <a:gd name="connsiteX6" fmla="*/ 898075 w 1473808"/>
-              <a:gd name="connsiteY6" fmla="*/ 0 h 541866"/>
-              <a:gd name="connsiteX7" fmla="*/ 576342 w 1473808"/>
-              <a:gd name="connsiteY7" fmla="*/ 16933 h 541866"/>
-              <a:gd name="connsiteX8" fmla="*/ 474742 w 1473808"/>
-              <a:gd name="connsiteY8" fmla="*/ 50800 h 541866"/>
-              <a:gd name="connsiteX9" fmla="*/ 423942 w 1473808"/>
-              <a:gd name="connsiteY9" fmla="*/ 67733 h 541866"/>
-              <a:gd name="connsiteX10" fmla="*/ 271542 w 1473808"/>
-              <a:gd name="connsiteY10" fmla="*/ 169333 h 541866"/>
-              <a:gd name="connsiteX11" fmla="*/ 220742 w 1473808"/>
-              <a:gd name="connsiteY11" fmla="*/ 203200 h 541866"/>
-              <a:gd name="connsiteX12" fmla="*/ 119142 w 1473808"/>
-              <a:gd name="connsiteY12" fmla="*/ 287866 h 541866"/>
-              <a:gd name="connsiteX13" fmla="*/ 51408 w 1473808"/>
-              <a:gd name="connsiteY13" fmla="*/ 389466 h 541866"/>
-              <a:gd name="connsiteX14" fmla="*/ 608 w 1473808"/>
-              <a:gd name="connsiteY14" fmla="*/ 491066 h 541866"/>
-              <a:gd name="connsiteX15" fmla="*/ 608 w 1473808"/>
-              <a:gd name="connsiteY15" fmla="*/ 508000 h 541866"/>
-            </a:gdLst>
-            <a:ahLst/>
-            <a:cxnLst>
-              <a:cxn ang="0">
-                <a:pos x="connsiteX0" y="connsiteY0"/>
-              </a:cxn>
-              <a:cxn ang="0">
-                <a:pos x="connsiteX1" y="connsiteY1"/>
-              </a:cxn>
-              <a:cxn ang="0">
-                <a:pos x="connsiteX2" y="connsiteY2"/>
-              </a:cxn>
-              <a:cxn ang="0">
-                <a:pos x="connsiteX3" y="connsiteY3"/>
-              </a:cxn>
-              <a:cxn ang="0">
-                <a:pos x="connsiteX4" y="connsiteY4"/>
-              </a:cxn>
-              <a:cxn ang="0">
-                <a:pos x="connsiteX5" y="connsiteY5"/>
-              </a:cxn>
-              <a:cxn ang="0">
-                <a:pos x="connsiteX6" y="connsiteY6"/>
-              </a:cxn>
-              <a:cxn ang="0">
-                <a:pos x="connsiteX7" y="connsiteY7"/>
-              </a:cxn>
-              <a:cxn ang="0">
-                <a:pos x="connsiteX8" y="connsiteY8"/>
-              </a:cxn>
-              <a:cxn ang="0">
-                <a:pos x="connsiteX9" y="connsiteY9"/>
-              </a:cxn>
-              <a:cxn ang="0">
-                <a:pos x="connsiteX10" y="connsiteY10"/>
-              </a:cxn>
-              <a:cxn ang="0">
-                <a:pos x="connsiteX11" y="connsiteY11"/>
-              </a:cxn>
-              <a:cxn ang="0">
-                <a:pos x="connsiteX12" y="connsiteY12"/>
-              </a:cxn>
-              <a:cxn ang="0">
-                <a:pos x="connsiteX13" y="connsiteY13"/>
-              </a:cxn>
-              <a:cxn ang="0">
-                <a:pos x="connsiteX14" y="connsiteY14"/>
-              </a:cxn>
-              <a:cxn ang="0">
-                <a:pos x="connsiteX15" y="connsiteY15"/>
-              </a:cxn>
-            </a:cxnLst>
-            <a:rect l="l" t="t" r="r" b="b"/>
-            <a:pathLst>
-              <a:path w="1473808" h="541866">
-                <a:moveTo>
-                  <a:pt x="1473808" y="541866"/>
-                </a:moveTo>
-                <a:cubicBezTo>
-                  <a:pt x="1468164" y="496711"/>
-                  <a:pt x="1472181" y="449256"/>
-                  <a:pt x="1456875" y="406400"/>
-                </a:cubicBezTo>
-                <a:cubicBezTo>
-                  <a:pt x="1434370" y="343386"/>
-                  <a:pt x="1383498" y="299156"/>
-                  <a:pt x="1338342" y="254000"/>
-                </a:cubicBezTo>
-                <a:cubicBezTo>
-                  <a:pt x="1305375" y="155102"/>
-                  <a:pt x="1347202" y="245928"/>
-                  <a:pt x="1270608" y="169333"/>
-                </a:cubicBezTo>
-                <a:cubicBezTo>
-                  <a:pt x="1194016" y="92740"/>
-                  <a:pt x="1284839" y="134565"/>
-                  <a:pt x="1185942" y="101600"/>
-                </a:cubicBezTo>
-                <a:cubicBezTo>
-                  <a:pt x="1119226" y="57122"/>
-                  <a:pt x="1130266" y="58046"/>
-                  <a:pt x="1033542" y="33866"/>
-                </a:cubicBezTo>
-                <a:lnTo>
-                  <a:pt x="898075" y="0"/>
-                </a:lnTo>
-                <a:cubicBezTo>
-                  <a:pt x="790831" y="5644"/>
-                  <a:pt x="682970" y="4138"/>
-                  <a:pt x="576342" y="16933"/>
-                </a:cubicBezTo>
-                <a:cubicBezTo>
-                  <a:pt x="540898" y="21186"/>
-                  <a:pt x="508609" y="39511"/>
-                  <a:pt x="474742" y="50800"/>
-                </a:cubicBezTo>
-                <a:lnTo>
-                  <a:pt x="423942" y="67733"/>
-                </a:lnTo>
-                <a:lnTo>
-                  <a:pt x="271542" y="169333"/>
-                </a:lnTo>
-                <a:cubicBezTo>
-                  <a:pt x="254609" y="180622"/>
-                  <a:pt x="235133" y="188809"/>
-                  <a:pt x="220742" y="203200"/>
-                </a:cubicBezTo>
-                <a:cubicBezTo>
-                  <a:pt x="155552" y="268390"/>
-                  <a:pt x="189868" y="240717"/>
-                  <a:pt x="119142" y="287866"/>
-                </a:cubicBezTo>
-                <a:lnTo>
-                  <a:pt x="51408" y="389466"/>
-                </a:lnTo>
-                <a:cubicBezTo>
-                  <a:pt x="18300" y="439128"/>
-                  <a:pt x="14629" y="434984"/>
-                  <a:pt x="608" y="491066"/>
-                </a:cubicBezTo>
-                <a:cubicBezTo>
-                  <a:pt x="-761" y="496542"/>
-                  <a:pt x="608" y="502355"/>
-                  <a:pt x="608" y="508000"/>
-                </a:cubicBezTo>
-              </a:path>
-            </a:pathLst>
-          </a:custGeom>
-          <a:ln w="38100"/>
-        </p:spPr>
-        <p:style>
-          <a:lnRef idx="1">
-            <a:schemeClr val="accent4"/>
-          </a:lnRef>
-          <a:fillRef idx="0">
-            <a:schemeClr val="accent4"/>
-          </a:fillRef>
-          <a:effectRef idx="0">
-            <a:schemeClr val="accent4"/>
-          </a:effectRef>
-          <a:fontRef idx="minor">
-            <a:schemeClr val="tx1"/>
-          </a:fontRef>
-        </p:style>
-        <p:txBody>
-          <a:bodyPr rtlCol="0" anchor="ctr"/>
-          <a:lstStyle/>
-          <a:p>
-            <a:pPr algn="ctr"/>
-            <a:endParaRPr lang="en-US"/>
-          </a:p>
-        </p:txBody>
-      </p:sp>
-      <p:sp>
-        <p:nvSpPr>
-          <p:cNvPr id="34" name="Freeform 33"/>
-          <p:cNvSpPr/>
-          <p:nvPr/>
-        </p:nvSpPr>
-        <p:spPr>
-          <a:xfrm>
-            <a:off x="2641601" y="5197627"/>
-            <a:ext cx="338666" cy="203200"/>
-          </a:xfrm>
-          <a:custGeom>
-            <a:avLst/>
-            <a:gdLst>
-              <a:gd name="connsiteX0" fmla="*/ 0 w 338666"/>
-              <a:gd name="connsiteY0" fmla="*/ 0 h 203200"/>
-              <a:gd name="connsiteX1" fmla="*/ 16933 w 338666"/>
-              <a:gd name="connsiteY1" fmla="*/ 67733 h 203200"/>
-              <a:gd name="connsiteX2" fmla="*/ 33866 w 338666"/>
-              <a:gd name="connsiteY2" fmla="*/ 118533 h 203200"/>
-              <a:gd name="connsiteX3" fmla="*/ 50800 w 338666"/>
-              <a:gd name="connsiteY3" fmla="*/ 203200 h 203200"/>
-              <a:gd name="connsiteX4" fmla="*/ 101600 w 338666"/>
-              <a:gd name="connsiteY4" fmla="*/ 101600 h 203200"/>
-              <a:gd name="connsiteX5" fmla="*/ 304800 w 338666"/>
-              <a:gd name="connsiteY5" fmla="*/ 0 h 203200"/>
-              <a:gd name="connsiteX6" fmla="*/ 338666 w 338666"/>
-              <a:gd name="connsiteY6" fmla="*/ 0 h 203200"/>
-            </a:gdLst>
-            <a:ahLst/>
-            <a:cxnLst>
-              <a:cxn ang="0">
-                <a:pos x="connsiteX0" y="connsiteY0"/>
-              </a:cxn>
-              <a:cxn ang="0">
-                <a:pos x="connsiteX1" y="connsiteY1"/>
-              </a:cxn>
-              <a:cxn ang="0">
-                <a:pos x="connsiteX2" y="connsiteY2"/>
-              </a:cxn>
-              <a:cxn ang="0">
-                <a:pos x="connsiteX3" y="connsiteY3"/>
-              </a:cxn>
-              <a:cxn ang="0">
-                <a:pos x="connsiteX4" y="connsiteY4"/>
-              </a:cxn>
-              <a:cxn ang="0">
-                <a:pos x="connsiteX5" y="connsiteY5"/>
-              </a:cxn>
-              <a:cxn ang="0">
-                <a:pos x="connsiteX6" y="connsiteY6"/>
-              </a:cxn>
-            </a:cxnLst>
-            <a:rect l="l" t="t" r="r" b="b"/>
-            <a:pathLst>
-              <a:path w="338666" h="203200">
-                <a:moveTo>
-                  <a:pt x="0" y="0"/>
-                </a:moveTo>
-                <a:cubicBezTo>
-                  <a:pt x="5644" y="22578"/>
-                  <a:pt x="10540" y="45356"/>
-                  <a:pt x="16933" y="67733"/>
-                </a:cubicBezTo>
-                <a:cubicBezTo>
-                  <a:pt x="21836" y="84896"/>
-                  <a:pt x="29537" y="101217"/>
-                  <a:pt x="33866" y="118533"/>
-                </a:cubicBezTo>
-                <a:cubicBezTo>
-                  <a:pt x="40847" y="146455"/>
-                  <a:pt x="45155" y="174978"/>
-                  <a:pt x="50800" y="203200"/>
-                </a:cubicBezTo>
-                <a:cubicBezTo>
-                  <a:pt x="62879" y="166963"/>
-                  <a:pt x="70704" y="128634"/>
-                  <a:pt x="101600" y="101600"/>
-                </a:cubicBezTo>
-                <a:cubicBezTo>
-                  <a:pt x="140740" y="67353"/>
-                  <a:pt x="245418" y="0"/>
-                  <a:pt x="304800" y="0"/>
-                </a:cubicBezTo>
-                <a:lnTo>
-                  <a:pt x="338666" y="0"/>
-                </a:lnTo>
-              </a:path>
-            </a:pathLst>
-          </a:custGeom>
-          <a:ln w="38100"/>
-        </p:spPr>
-        <p:style>
-          <a:lnRef idx="1">
-            <a:schemeClr val="accent4"/>
-          </a:lnRef>
-          <a:fillRef idx="0">
-            <a:schemeClr val="accent4"/>
-          </a:fillRef>
-          <a:effectRef idx="0">
-            <a:schemeClr val="accent4"/>
-          </a:effectRef>
-          <a:fontRef idx="minor">
-            <a:schemeClr val="tx1"/>
+            <a:schemeClr val="dk1"/>
           </a:fontRef>
         </p:style>
         <p:txBody>
@@ -18034,683 +18825,471 @@
           <p:nvPr/>
         </p:nvPicPr>
         <p:blipFill>
-          <a:blip r:embed="rId3">
-            <a:extLst>
-              <a:ext uri="{28A0092B-C50C-407E-A947-70E740481C1C}">
-                <a14:useLocalDpi xmlns:a14="http://schemas.microsoft.com/office/drawing/2010/main" val="0"/>
-              </a:ext>
-            </a:extLst>
-          </a:blip>
+          <a:blip r:embed="rId2"/>
           <a:stretch>
             <a:fillRect/>
           </a:stretch>
         </p:blipFill>
         <p:spPr>
           <a:xfrm>
-            <a:off x="3202899" y="1869858"/>
-            <a:ext cx="5530935" cy="3120187"/>
+            <a:off x="2028831" y="3490222"/>
+            <a:ext cx="9092813" cy="2986778"/>
           </a:xfrm>
           <a:prstGeom prst="rect">
             <a:avLst/>
           </a:prstGeom>
         </p:spPr>
       </p:pic>
-      <mc:AlternateContent xmlns:mc="http://schemas.openxmlformats.org/markup-compatibility/2006" xmlns:a14="http://schemas.microsoft.com/office/drawing/2010/main">
-        <mc:Choice Requires="a14">
-          <p:sp>
-            <p:nvSpPr>
-              <p:cNvPr id="3" name="TextBox 2"/>
-              <p:cNvSpPr txBox="1"/>
-              <p:nvPr/>
-            </p:nvSpPr>
-            <p:spPr>
-              <a:xfrm>
-                <a:off x="4814343" y="5306518"/>
-                <a:ext cx="2526589" cy="336952"/>
-              </a:xfrm>
-              <a:prstGeom prst="rect">
-                <a:avLst/>
-              </a:prstGeom>
-              <a:noFill/>
-            </p:spPr>
-            <p:txBody>
-              <a:bodyPr wrap="none" lIns="0" tIns="0" rIns="0" bIns="0" rtlCol="0">
-                <a:spAutoFit/>
-              </a:bodyPr>
-              <a:lstStyle/>
-              <a:p>
-                <a:pPr/>
-                <a14:m>
-                  <m:oMathPara xmlns:m="http://schemas.openxmlformats.org/officeDocument/2006/math">
-                    <m:oMathParaPr>
-                      <m:jc m:val="centerGroup"/>
-                    </m:oMathParaPr>
-                    <m:oMath xmlns:m="http://schemas.openxmlformats.org/officeDocument/2006/math">
-                      <m:sSubSup>
-                        <m:sSubSupPr>
-                          <m:ctrlPr>
-                            <a:rPr lang="en-US" sz="2100" i="1">
-                              <a:latin typeface="Cambria Math" charset="0"/>
-                            </a:rPr>
-                          </m:ctrlPr>
-                        </m:sSubSupPr>
-                        <m:e>
-                          <m:r>
-                            <a:rPr lang="en-US" sz="2100" i="1">
-                              <a:latin typeface="Cambria Math" charset="0"/>
-                            </a:rPr>
-                            <m:t>h</m:t>
-                          </m:r>
-                        </m:e>
-                        <m:sub>
-                          <m:r>
-                            <a:rPr lang="en-US" sz="2100" i="1">
-                              <a:latin typeface="Cambria Math" charset="0"/>
-                            </a:rPr>
-                            <m:t>𝑡</m:t>
-                          </m:r>
-                        </m:sub>
-                        <m:sup>
-                          <m:r>
-                            <a:rPr lang="en-US" sz="2100" i="1">
-                              <a:latin typeface="Cambria Math" charset="0"/>
-                            </a:rPr>
-                            <m:t>𝑙</m:t>
-                          </m:r>
-                        </m:sup>
-                      </m:sSubSup>
-                      <m:r>
-                        <a:rPr lang="en-US" sz="2100" i="1">
-                          <a:latin typeface="Cambria Math" charset="0"/>
-                        </a:rPr>
-                        <m:t>=</m:t>
-                      </m:r>
-                      <m:r>
-                        <a:rPr lang="en-US" sz="2100" i="1">
-                          <a:latin typeface="Cambria Math" charset="0"/>
-                        </a:rPr>
-                        <m:t>𝐺𝑅𝑈</m:t>
-                      </m:r>
-                      <m:r>
-                        <a:rPr lang="en-US" sz="2100" i="1">
-                          <a:latin typeface="Cambria Math" charset="0"/>
-                        </a:rPr>
-                        <m:t>(</m:t>
-                      </m:r>
-                      <m:sSubSup>
-                        <m:sSubSupPr>
-                          <m:ctrlPr>
-                            <a:rPr lang="en-US" sz="2100" i="1">
-                              <a:latin typeface="Cambria Math" charset="0"/>
-                            </a:rPr>
-                          </m:ctrlPr>
-                        </m:sSubSupPr>
-                        <m:e>
-                          <m:r>
-                            <a:rPr lang="en-US" sz="2100" i="1">
-                              <a:latin typeface="Cambria Math" charset="0"/>
-                            </a:rPr>
-                            <m:t>h</m:t>
-                          </m:r>
-                        </m:e>
-                        <m:sub>
-                          <m:r>
-                            <a:rPr lang="en-US" sz="2100" i="1">
-                              <a:latin typeface="Cambria Math" charset="0"/>
-                            </a:rPr>
-                            <m:t>𝑡</m:t>
-                          </m:r>
-                          <m:r>
-                            <a:rPr lang="en-US" sz="2100" i="1">
-                              <a:latin typeface="Cambria Math" charset="0"/>
-                            </a:rPr>
-                            <m:t>−1</m:t>
-                          </m:r>
-                        </m:sub>
-                        <m:sup>
-                          <m:r>
-                            <a:rPr lang="en-US" sz="2100" i="1">
-                              <a:latin typeface="Cambria Math" charset="0"/>
-                            </a:rPr>
-                            <m:t>𝑙</m:t>
-                          </m:r>
-                        </m:sup>
-                      </m:sSubSup>
-                      <m:r>
-                        <a:rPr lang="en-US" sz="2100" i="1">
-                          <a:latin typeface="Cambria Math" charset="0"/>
-                        </a:rPr>
-                        <m:t>,</m:t>
-                      </m:r>
-                      <m:sSubSup>
-                        <m:sSubSupPr>
-                          <m:ctrlPr>
-                            <a:rPr lang="en-US" sz="2100" i="1">
-                              <a:latin typeface="Cambria Math" charset="0"/>
-                            </a:rPr>
-                          </m:ctrlPr>
-                        </m:sSubSupPr>
-                        <m:e>
-                          <m:r>
-                            <a:rPr lang="en-US" sz="2100" i="1">
-                              <a:latin typeface="Cambria Math" charset="0"/>
-                            </a:rPr>
-                            <m:t>h</m:t>
-                          </m:r>
-                        </m:e>
-                        <m:sub>
-                          <m:r>
-                            <a:rPr lang="en-US" sz="2100" i="1">
-                              <a:latin typeface="Cambria Math" charset="0"/>
-                            </a:rPr>
-                            <m:t>𝑡</m:t>
-                          </m:r>
-                        </m:sub>
-                        <m:sup>
-                          <m:r>
-                            <a:rPr lang="en-US" sz="2100" i="1">
-                              <a:latin typeface="Cambria Math" charset="0"/>
-                            </a:rPr>
-                            <m:t>𝑙</m:t>
-                          </m:r>
-                          <m:r>
-                            <a:rPr lang="en-US" sz="2100" i="1">
-                              <a:latin typeface="Cambria Math" charset="0"/>
-                            </a:rPr>
-                            <m:t>−1</m:t>
-                          </m:r>
-                        </m:sup>
-                      </m:sSubSup>
-                      <m:r>
-                        <a:rPr lang="en-US" sz="2100" i="1">
-                          <a:latin typeface="Cambria Math" charset="0"/>
-                        </a:rPr>
-                        <m:t>)</m:t>
-                      </m:r>
-                    </m:oMath>
-                  </m:oMathPara>
-                </a14:m>
-                <a:endParaRPr lang="en-US" sz="2100" dirty="0"/>
-              </a:p>
-            </p:txBody>
-          </p:sp>
-        </mc:Choice>
-        <mc:Fallback xmlns="">
-          <p:sp>
-            <p:nvSpPr>
-              <p:cNvPr id="3" name="TextBox 2"/>
-              <p:cNvSpPr txBox="1">
-                <a:spLocks noRot="1" noChangeAspect="1" noMove="1" noResize="1" noEditPoints="1" noAdjustHandles="1" noChangeArrowheads="1" noChangeShapeType="1" noTextEdit="1"/>
-              </p:cNvSpPr>
-              <p:nvPr/>
-            </p:nvSpPr>
-            <p:spPr>
-              <a:xfrm>
-                <a:off x="3290342" y="5306518"/>
-                <a:ext cx="2526589" cy="336952"/>
-              </a:xfrm>
-              <a:prstGeom prst="rect">
-                <a:avLst/>
-              </a:prstGeom>
-              <a:blipFill rotWithShape="0">
-                <a:blip r:embed="rId4"/>
-                <a:stretch>
-                  <a:fillRect l="-2174" r="-3623" b="-32143"/>
-                </a:stretch>
-              </a:blipFill>
-            </p:spPr>
-            <p:txBody>
-              <a:bodyPr/>
-              <a:lstStyle/>
-              <a:p>
-                <a:r>
-                  <a:rPr lang="en-US">
-                    <a:noFill/>
-                  </a:rPr>
-                  <a:t> </a:t>
-                </a:r>
-              </a:p>
-            </p:txBody>
-          </p:sp>
-        </mc:Fallback>
-      </mc:AlternateContent>
-      <p:sp>
-        <p:nvSpPr>
-          <p:cNvPr id="4" name="Title 3"/>
-          <p:cNvSpPr>
-            <a:spLocks noGrp="1"/>
-          </p:cNvSpPr>
-          <p:nvPr>
-            <p:ph type="title"/>
-          </p:nvPr>
-        </p:nvSpPr>
-        <p:spPr/>
-        <p:txBody>
-          <a:bodyPr/>
-          <a:lstStyle/>
-          <a:p>
-            <a:r>
-              <a:rPr lang="en-US" dirty="0" smtClean="0"/>
-              <a:t>Seq2seq attention model</a:t>
-            </a:r>
-            <a:endParaRPr lang="en-US" dirty="0"/>
-          </a:p>
-        </p:txBody>
-      </p:sp>
-      <mc:AlternateContent xmlns:mc="http://schemas.openxmlformats.org/markup-compatibility/2006" xmlns:a14="http://schemas.microsoft.com/office/drawing/2010/main">
-        <mc:Choice Requires="a14">
-          <p:sp>
-            <p:nvSpPr>
-              <p:cNvPr id="5" name="Rectangle 4"/>
-              <p:cNvSpPr/>
-              <p:nvPr/>
-            </p:nvSpPr>
-            <p:spPr>
-              <a:xfrm>
-                <a:off x="3793048" y="5732702"/>
-                <a:ext cx="4744312" cy="417807"/>
-              </a:xfrm>
-              <a:prstGeom prst="rect">
-                <a:avLst/>
-              </a:prstGeom>
-            </p:spPr>
-            <p:txBody>
-              <a:bodyPr wrap="none">
-                <a:spAutoFit/>
-              </a:bodyPr>
-              <a:lstStyle/>
-              <a:p>
-                <a:pPr/>
-                <a14:m>
-                  <m:oMathPara xmlns:m="http://schemas.openxmlformats.org/officeDocument/2006/math">
-                    <m:oMathParaPr>
-                      <m:jc m:val="centerGroup"/>
-                    </m:oMathParaPr>
-                    <m:oMath xmlns:m="http://schemas.openxmlformats.org/officeDocument/2006/math">
-                      <m:r>
-                        <a:rPr lang="en-US" sz="2100" i="1">
-                          <a:latin typeface="Cambria Math" charset="0"/>
-                        </a:rPr>
-                        <m:t>𝑝</m:t>
-                      </m:r>
-                      <m:d>
-                        <m:dPr>
-                          <m:ctrlPr>
-                            <a:rPr lang="en-US" sz="2100" i="1">
-                              <a:latin typeface="Cambria Math" charset="0"/>
-                            </a:rPr>
-                          </m:ctrlPr>
-                        </m:dPr>
-                        <m:e>
-                          <m:sSub>
-                            <m:sSubPr>
-                              <m:ctrlPr>
-                                <a:rPr lang="en-US" sz="2100" i="1">
-                                  <a:latin typeface="Cambria Math" charset="0"/>
-                                </a:rPr>
-                              </m:ctrlPr>
-                            </m:sSubPr>
-                            <m:e>
-                              <m:r>
-                                <a:rPr lang="en-US" sz="2100" i="1">
-                                  <a:latin typeface="Cambria Math" charset="0"/>
-                                </a:rPr>
-                                <m:t>𝑦</m:t>
-                              </m:r>
-                            </m:e>
-                            <m:sub>
-                              <m:r>
-                                <a:rPr lang="en-US" sz="2100" i="1">
-                                  <a:latin typeface="Cambria Math" charset="0"/>
-                                </a:rPr>
-                                <m:t>𝑡</m:t>
-                              </m:r>
-                            </m:sub>
-                          </m:sSub>
-                        </m:e>
-                        <m:e>
-                          <m:sSub>
-                            <m:sSubPr>
-                              <m:ctrlPr>
-                                <a:rPr lang="en-US" sz="2100" i="1">
-                                  <a:latin typeface="Cambria Math" charset="0"/>
-                                </a:rPr>
-                              </m:ctrlPr>
-                            </m:sSubPr>
-                            <m:e>
-                              <m:r>
-                                <a:rPr lang="en-US" sz="2100" i="1">
-                                  <a:latin typeface="Cambria Math" charset="0"/>
-                                </a:rPr>
-                                <m:t>𝑦</m:t>
-                              </m:r>
-                            </m:e>
-                            <m:sub>
-                              <m:r>
-                                <a:rPr lang="en-US" sz="2100" i="1">
-                                  <a:latin typeface="Cambria Math" charset="0"/>
-                                </a:rPr>
-                                <m:t>&lt;</m:t>
-                              </m:r>
-                              <m:r>
-                                <a:rPr lang="en-US" sz="2100" i="1">
-                                  <a:latin typeface="Cambria Math" charset="0"/>
-                                </a:rPr>
-                                <m:t>𝑡</m:t>
-                              </m:r>
-                            </m:sub>
-                          </m:sSub>
-                          <m:r>
-                            <a:rPr lang="en-US" sz="2100" i="1">
-                              <a:latin typeface="Cambria Math" charset="0"/>
-                            </a:rPr>
-                            <m:t>,</m:t>
-                          </m:r>
-                          <m:r>
-                            <a:rPr lang="en-US" sz="2100" i="1">
-                              <a:latin typeface="Cambria Math" charset="0"/>
-                            </a:rPr>
-                            <m:t>𝑞</m:t>
-                          </m:r>
-                        </m:e>
-                      </m:d>
-                      <m:r>
-                        <a:rPr lang="en-US" sz="2100" i="1">
-                          <a:latin typeface="Cambria Math" charset="0"/>
-                        </a:rPr>
-                        <m:t>=</m:t>
-                      </m:r>
-                      <m:r>
-                        <a:rPr lang="en-US" sz="2100" i="1">
-                          <a:latin typeface="Cambria Math" charset="0"/>
-                        </a:rPr>
-                        <m:t>𝑠𝑜𝑓𝑡𝑚𝑎𝑥</m:t>
-                      </m:r>
-                      <m:sSup>
-                        <m:sSupPr>
-                          <m:ctrlPr>
-                            <a:rPr lang="en-US" sz="2100" i="1">
-                              <a:latin typeface="Cambria Math" charset="0"/>
-                            </a:rPr>
-                          </m:ctrlPr>
-                        </m:sSupPr>
-                        <m:e>
-                          <m:d>
-                            <m:dPr>
-                              <m:ctrlPr>
-                                <a:rPr lang="en-US" sz="2100" i="1">
-                                  <a:latin typeface="Cambria Math" charset="0"/>
-                                </a:rPr>
-                              </m:ctrlPr>
-                            </m:dPr>
-                            <m:e>
-                              <m:sSub>
-                                <m:sSubPr>
-                                  <m:ctrlPr>
-                                    <a:rPr lang="en-US" sz="2100" i="1">
-                                      <a:latin typeface="Cambria Math" charset="0"/>
-                                    </a:rPr>
-                                  </m:ctrlPr>
-                                </m:sSubPr>
-                                <m:e>
-                                  <m:r>
-                                    <a:rPr lang="en-US" sz="2100" i="1">
-                                      <a:latin typeface="Cambria Math" charset="0"/>
-                                    </a:rPr>
-                                    <m:t>𝑊</m:t>
-                                  </m:r>
-                                </m:e>
-                                <m:sub>
-                                  <m:r>
-                                    <a:rPr lang="en-US" sz="2100" i="1">
-                                      <a:latin typeface="Cambria Math" charset="0"/>
-                                    </a:rPr>
-                                    <m:t>𝑜</m:t>
-                                  </m:r>
-                                </m:sub>
-                              </m:sSub>
-                              <m:sSubSup>
-                                <m:sSubSupPr>
-                                  <m:ctrlPr>
-                                    <a:rPr lang="en-US" sz="2100" i="1">
-                                      <a:latin typeface="Cambria Math" charset="0"/>
-                                    </a:rPr>
-                                  </m:ctrlPr>
-                                </m:sSubSupPr>
-                                <m:e>
-                                  <m:r>
-                                    <a:rPr lang="en-US" sz="2100" i="1">
-                                      <a:latin typeface="Cambria Math" charset="0"/>
-                                    </a:rPr>
-                                    <m:t>h</m:t>
-                                  </m:r>
-                                </m:e>
-                                <m:sub>
-                                  <m:r>
-                                    <a:rPr lang="en-US" sz="2100" i="1">
-                                      <a:latin typeface="Cambria Math" charset="0"/>
-                                    </a:rPr>
-                                    <m:t>𝑡</m:t>
-                                  </m:r>
-                                </m:sub>
-                                <m:sup>
-                                  <m:r>
-                                    <a:rPr lang="en-US" sz="2100" i="1">
-                                      <a:latin typeface="Cambria Math" charset="0"/>
-                                    </a:rPr>
-                                    <m:t>𝐿</m:t>
-                                  </m:r>
-                                </m:sup>
-                              </m:sSubSup>
-                            </m:e>
-                          </m:d>
-                        </m:e>
-                        <m:sup>
-                          <m:r>
-                            <a:rPr lang="en-US" sz="2100" i="1">
-                              <a:latin typeface="Cambria Math" charset="0"/>
-                            </a:rPr>
-                            <m:t>𝑇</m:t>
-                          </m:r>
-                        </m:sup>
-                      </m:sSup>
-                      <m:r>
-                        <a:rPr lang="en-US" sz="2100" i="1">
-                          <a:latin typeface="Cambria Math" charset="0"/>
-                        </a:rPr>
-                        <m:t>𝑒</m:t>
-                      </m:r>
-                      <m:r>
-                        <a:rPr lang="en-US" sz="2100" i="1">
-                          <a:latin typeface="Cambria Math" charset="0"/>
-                        </a:rPr>
-                        <m:t>(</m:t>
-                      </m:r>
-                      <m:sSub>
-                        <m:sSubPr>
-                          <m:ctrlPr>
-                            <a:rPr lang="en-US" sz="2100" i="1">
-                              <a:latin typeface="Cambria Math" charset="0"/>
-                            </a:rPr>
-                          </m:ctrlPr>
-                        </m:sSubPr>
-                        <m:e>
-                          <m:r>
-                            <a:rPr lang="en-US" sz="2100" i="1">
-                              <a:latin typeface="Cambria Math" charset="0"/>
-                            </a:rPr>
-                            <m:t>𝑦</m:t>
-                          </m:r>
-                        </m:e>
-                        <m:sub>
-                          <m:r>
-                            <a:rPr lang="en-US" sz="2100" i="1">
-                              <a:latin typeface="Cambria Math" charset="0"/>
-                            </a:rPr>
-                            <m:t>𝑡</m:t>
-                          </m:r>
-                        </m:sub>
-                      </m:sSub>
-                      <m:r>
-                        <a:rPr lang="en-US" sz="2100" i="1">
-                          <a:latin typeface="Cambria Math" charset="0"/>
-                        </a:rPr>
-                        <m:t>)</m:t>
-                      </m:r>
-                    </m:oMath>
-                  </m:oMathPara>
-                </a14:m>
-                <a:endParaRPr lang="en-US" sz="2100" dirty="0"/>
-              </a:p>
-            </p:txBody>
-          </p:sp>
-        </mc:Choice>
-        <mc:Fallback xmlns="">
-          <p:sp>
-            <p:nvSpPr>
-              <p:cNvPr id="5" name="Rectangle 4"/>
-              <p:cNvSpPr>
-                <a:spLocks noRot="1" noChangeAspect="1" noMove="1" noResize="1" noEditPoints="1" noAdjustHandles="1" noChangeArrowheads="1" noChangeShapeType="1" noTextEdit="1"/>
-              </p:cNvSpPr>
-              <p:nvPr/>
-            </p:nvSpPr>
-            <p:spPr>
-              <a:xfrm>
-                <a:off x="2269048" y="5732701"/>
-                <a:ext cx="4744312" cy="417807"/>
-              </a:xfrm>
-              <a:prstGeom prst="rect">
-                <a:avLst/>
-              </a:prstGeom>
-              <a:blipFill rotWithShape="0">
-                <a:blip r:embed="rId5"/>
-                <a:stretch>
-                  <a:fillRect b="-17391"/>
-                </a:stretch>
-              </a:blipFill>
-            </p:spPr>
-            <p:txBody>
-              <a:bodyPr/>
-              <a:lstStyle/>
-              <a:p>
-                <a:r>
-                  <a:rPr lang="en-US">
-                    <a:noFill/>
-                  </a:rPr>
-                  <a:t> </a:t>
-                </a:r>
-              </a:p>
-            </p:txBody>
-          </p:sp>
-        </mc:Fallback>
-      </mc:AlternateContent>
-      <p:sp>
-        <p:nvSpPr>
-          <p:cNvPr id="6" name="TextBox 5"/>
-          <p:cNvSpPr txBox="1"/>
+      <p:sp>
+        <p:nvSpPr>
+          <p:cNvPr id="3" name="Rectangle 2"/>
+          <p:cNvSpPr/>
           <p:nvPr/>
         </p:nvSpPr>
         <p:spPr>
           <a:xfrm>
-            <a:off x="2558321" y="4759212"/>
-            <a:ext cx="1289154" cy="461665"/>
+            <a:off x="449680" y="328934"/>
+            <a:ext cx="11450220" cy="3046988"/>
           </a:xfrm>
           <a:prstGeom prst="rect">
             <a:avLst/>
           </a:prstGeom>
-          <a:noFill/>
         </p:spPr>
         <p:txBody>
-          <a:bodyPr wrap="square" rtlCol="0">
+          <a:bodyPr wrap="square">
             <a:spAutoFit/>
           </a:bodyPr>
           <a:lstStyle/>
           <a:p>
             <a:r>
-              <a:rPr lang="en-US" sz="2400" b="1" dirty="0"/>
-              <a:t>Encoder</a:t>
-            </a:r>
-            <a:endParaRPr lang="en-US" sz="2400" b="1" dirty="0"/>
-          </a:p>
-        </p:txBody>
-      </p:sp>
-      <p:sp>
-        <p:nvSpPr>
-          <p:cNvPr id="7" name="TextBox 6"/>
-          <p:cNvSpPr txBox="1"/>
-          <p:nvPr/>
-        </p:nvSpPr>
-        <p:spPr>
-          <a:xfrm>
-            <a:off x="8886669" y="4729232"/>
-            <a:ext cx="1289154" cy="461665"/>
-          </a:xfrm>
-          <a:prstGeom prst="rect">
-            <a:avLst/>
-          </a:prstGeom>
-          <a:noFill/>
-        </p:spPr>
-        <p:txBody>
-          <a:bodyPr wrap="square" rtlCol="0">
-            <a:spAutoFit/>
-          </a:bodyPr>
-          <a:lstStyle/>
-          <a:p>
-            <a:r>
-              <a:rPr lang="en-US" sz="2400" b="1" dirty="0"/>
-              <a:t>Decoder</a:t>
-            </a:r>
-            <a:endParaRPr lang="en-US" sz="2400" b="1" dirty="0"/>
-          </a:p>
-        </p:txBody>
-      </p:sp>
-      <p:sp>
-        <p:nvSpPr>
-          <p:cNvPr id="8" name="TextBox 7"/>
-          <p:cNvSpPr txBox="1"/>
-          <p:nvPr/>
-        </p:nvSpPr>
-        <p:spPr>
-          <a:xfrm>
-            <a:off x="749507" y="509666"/>
-            <a:ext cx="7581693" cy="461665"/>
-          </a:xfrm>
-          <a:prstGeom prst="rect">
-            <a:avLst/>
-          </a:prstGeom>
-          <a:noFill/>
-        </p:spPr>
-        <p:txBody>
-          <a:bodyPr wrap="square" rtlCol="0">
-            <a:spAutoFit/>
-          </a:bodyPr>
-          <a:lstStyle/>
-          <a:p>
-            <a:r>
-              <a:rPr lang="en-US" sz="2400" dirty="0" smtClean="0"/>
-              <a:t>Natural Language Interface (Neural Translation Machine):</a:t>
-            </a:r>
-            <a:endParaRPr lang="en-US" sz="2400" dirty="0"/>
+              <a:rPr lang="en-US" sz="1200" dirty="0">
+                <a:solidFill>
+                  <a:srgbClr val="000000"/>
+                </a:solidFill>
+                <a:latin typeface="Menlo" charset="0"/>
+              </a:rPr>
+              <a:t>### example: 439 ###</a:t>
+            </a:r>
+          </a:p>
+          <a:p>
+            <a:r>
+              <a:rPr lang="en-US" sz="1200" dirty="0">
+                <a:solidFill>
+                  <a:srgbClr val="000000"/>
+                </a:solidFill>
+                <a:latin typeface="Menlo" charset="0"/>
+              </a:rPr>
+              <a:t>schema: Player Matches Innings Runs Average 100s 50s </a:t>
+            </a:r>
+            <a:r>
+              <a:rPr lang="en-US" sz="1200" dirty="0" err="1">
+                <a:solidFill>
+                  <a:srgbClr val="000000"/>
+                </a:solidFill>
+                <a:latin typeface="Menlo" charset="0"/>
+              </a:rPr>
+              <a:t>Games_Played</a:t>
+            </a:r>
+            <a:r>
+              <a:rPr lang="en-US" sz="1200" dirty="0">
+                <a:solidFill>
+                  <a:srgbClr val="000000"/>
+                </a:solidFill>
+                <a:latin typeface="Menlo" charset="0"/>
+              </a:rPr>
+              <a:t> </a:t>
+            </a:r>
+            <a:r>
+              <a:rPr lang="en-US" sz="1200" dirty="0" err="1">
+                <a:solidFill>
+                  <a:srgbClr val="000000"/>
+                </a:solidFill>
+                <a:latin typeface="Menlo" charset="0"/>
+              </a:rPr>
+              <a:t>Field_Goals</a:t>
+            </a:r>
+            <a:r>
+              <a:rPr lang="en-US" sz="1200" dirty="0">
+                <a:solidFill>
+                  <a:srgbClr val="000000"/>
+                </a:solidFill>
+                <a:latin typeface="Menlo" charset="0"/>
+              </a:rPr>
+              <a:t> </a:t>
+            </a:r>
+            <a:r>
+              <a:rPr lang="en-US" sz="1200" dirty="0" err="1">
+                <a:solidFill>
+                  <a:srgbClr val="000000"/>
+                </a:solidFill>
+                <a:latin typeface="Menlo" charset="0"/>
+              </a:rPr>
+              <a:t>Free_Throws</a:t>
+            </a:r>
+            <a:r>
+              <a:rPr lang="en-US" sz="1200" dirty="0">
+                <a:solidFill>
+                  <a:srgbClr val="000000"/>
+                </a:solidFill>
+                <a:latin typeface="Menlo" charset="0"/>
+              </a:rPr>
+              <a:t> Points</a:t>
+            </a:r>
+          </a:p>
+          <a:p>
+            <a:endParaRPr lang="en-US" sz="1200" dirty="0">
+              <a:solidFill>
+                <a:srgbClr val="000000"/>
+              </a:solidFill>
+              <a:latin typeface="Menlo" charset="0"/>
+            </a:endParaRPr>
+          </a:p>
+          <a:p>
+            <a:r>
+              <a:rPr lang="en-US" sz="1200" dirty="0">
+                <a:solidFill>
+                  <a:srgbClr val="000000"/>
+                </a:solidFill>
+                <a:latin typeface="Menlo" charset="0"/>
+              </a:rPr>
+              <a:t>query: for players with more than 400 50s and average less than 30, who has the most games</a:t>
+            </a:r>
+          </a:p>
+          <a:p>
+            <a:r>
+              <a:rPr lang="en-US" sz="1200" dirty="0">
+                <a:solidFill>
+                  <a:srgbClr val="000000"/>
+                </a:solidFill>
+                <a:latin typeface="Menlo" charset="0"/>
+              </a:rPr>
+              <a:t/>
+            </a:r>
+            <a:br>
+              <a:rPr lang="en-US" sz="1200" dirty="0">
+                <a:solidFill>
+                  <a:srgbClr val="000000"/>
+                </a:solidFill>
+                <a:latin typeface="Menlo" charset="0"/>
+              </a:rPr>
+            </a:br>
+            <a:r>
+              <a:rPr lang="en-US" sz="1200" dirty="0">
+                <a:solidFill>
+                  <a:srgbClr val="000000"/>
+                </a:solidFill>
+                <a:latin typeface="Menlo" charset="0"/>
+              </a:rPr>
+              <a:t>logic: </a:t>
+            </a:r>
+            <a:r>
+              <a:rPr lang="en-US" sz="1200" dirty="0" err="1">
+                <a:solidFill>
+                  <a:srgbClr val="000000"/>
+                </a:solidFill>
+                <a:latin typeface="Menlo" charset="0"/>
+              </a:rPr>
+              <a:t>argmax</a:t>
+            </a:r>
+            <a:r>
+              <a:rPr lang="en-US" sz="1200" dirty="0">
+                <a:solidFill>
+                  <a:srgbClr val="000000"/>
+                </a:solidFill>
+                <a:latin typeface="Menlo" charset="0"/>
+              </a:rPr>
+              <a:t> Player </a:t>
+            </a:r>
+            <a:r>
+              <a:rPr lang="en-US" sz="1200" dirty="0" err="1">
+                <a:solidFill>
+                  <a:srgbClr val="000000"/>
+                </a:solidFill>
+                <a:latin typeface="Menlo" charset="0"/>
+              </a:rPr>
+              <a:t>Games_Played</a:t>
+            </a:r>
+            <a:r>
+              <a:rPr lang="en-US" sz="1200" dirty="0">
+                <a:solidFill>
+                  <a:srgbClr val="000000"/>
+                </a:solidFill>
+                <a:latin typeface="Menlo" charset="0"/>
+              </a:rPr>
+              <a:t> where 50s greater 400 and Average less 30</a:t>
+            </a:r>
+          </a:p>
+          <a:p>
+            <a:endParaRPr lang="en-US" sz="1200" dirty="0">
+              <a:solidFill>
+                <a:srgbClr val="000000"/>
+              </a:solidFill>
+              <a:latin typeface="Menlo" charset="0"/>
+            </a:endParaRPr>
+          </a:p>
+          <a:p>
+            <a:r>
+              <a:rPr lang="en-US" sz="1200" dirty="0" err="1" smtClean="0">
+                <a:solidFill>
+                  <a:srgbClr val="000000"/>
+                </a:solidFill>
+                <a:latin typeface="Menlo" charset="0"/>
+              </a:rPr>
+              <a:t>ficorr</a:t>
+            </a:r>
+            <a:r>
+              <a:rPr lang="en-US" sz="1200" dirty="0" smtClean="0">
+                <a:solidFill>
+                  <a:srgbClr val="000000"/>
+                </a:solidFill>
+                <a:latin typeface="Menlo" charset="0"/>
+              </a:rPr>
+              <a:t>: Player </a:t>
+            </a:r>
+            <a:r>
+              <a:rPr lang="en-US" sz="1200" dirty="0">
+                <a:solidFill>
+                  <a:srgbClr val="000000"/>
+                </a:solidFill>
+                <a:latin typeface="Menlo" charset="0"/>
+              </a:rPr>
+              <a:t>50s Average </a:t>
+            </a:r>
+            <a:r>
+              <a:rPr lang="en-US" sz="1200" dirty="0" err="1">
+                <a:solidFill>
+                  <a:srgbClr val="000000"/>
+                </a:solidFill>
+                <a:latin typeface="Menlo" charset="0"/>
+              </a:rPr>
+              <a:t>Games_Played</a:t>
+            </a:r>
+            <a:endParaRPr lang="en-US" sz="1200" dirty="0">
+              <a:solidFill>
+                <a:srgbClr val="000000"/>
+              </a:solidFill>
+              <a:latin typeface="Menlo" charset="0"/>
+            </a:endParaRPr>
+          </a:p>
+          <a:p>
+            <a:r>
+              <a:rPr lang="en-US" sz="1200" dirty="0" err="1" smtClean="0">
+                <a:solidFill>
+                  <a:srgbClr val="000000"/>
+                </a:solidFill>
+                <a:latin typeface="Menlo" charset="0"/>
+              </a:rPr>
+              <a:t>vacorr</a:t>
+            </a:r>
+            <a:r>
+              <a:rPr lang="en-US" sz="1200" dirty="0" smtClean="0">
+                <a:solidFill>
+                  <a:srgbClr val="000000"/>
+                </a:solidFill>
+                <a:latin typeface="Menlo" charset="0"/>
+              </a:rPr>
+              <a:t>: &lt;nan</a:t>
+            </a:r>
+            <a:r>
+              <a:rPr lang="en-US" sz="1200" dirty="0">
+                <a:solidFill>
+                  <a:srgbClr val="000000"/>
+                </a:solidFill>
+                <a:latin typeface="Menlo" charset="0"/>
+              </a:rPr>
+              <a:t>&gt; 400 30 &lt;nan&gt;</a:t>
+            </a:r>
+          </a:p>
+          <a:p>
+            <a:r>
+              <a:rPr lang="en-US" sz="1200" dirty="0" smtClean="0">
+                <a:solidFill>
+                  <a:srgbClr val="000000"/>
+                </a:solidFill>
+                <a:latin typeface="Menlo" charset="0"/>
+              </a:rPr>
+              <a:t>field </a:t>
+            </a:r>
+            <a:r>
+              <a:rPr lang="en-US" sz="1200" dirty="0" err="1" smtClean="0">
+                <a:solidFill>
+                  <a:srgbClr val="000000"/>
+                </a:solidFill>
+                <a:latin typeface="Menlo" charset="0"/>
+              </a:rPr>
+              <a:t>position_idx</a:t>
+            </a:r>
+            <a:r>
+              <a:rPr lang="en-US" sz="1200" dirty="0" smtClean="0">
+                <a:solidFill>
+                  <a:srgbClr val="000000"/>
+                </a:solidFill>
+                <a:latin typeface="Menlo" charset="0"/>
+              </a:rPr>
+              <a:t>: [(</a:t>
+            </a:r>
+            <a:r>
+              <a:rPr lang="en-US" sz="1200" dirty="0">
+                <a:solidFill>
+                  <a:srgbClr val="000000"/>
+                </a:solidFill>
+                <a:latin typeface="Menlo" charset="0"/>
+              </a:rPr>
+              <a:t>6, 1), (8, 2), (17, 3)]</a:t>
+            </a:r>
+          </a:p>
+          <a:p>
+            <a:r>
+              <a:rPr lang="en-US" sz="1200" dirty="0" err="1" smtClean="0">
+                <a:solidFill>
+                  <a:srgbClr val="000000"/>
+                </a:solidFill>
+                <a:latin typeface="Menlo" charset="0"/>
+              </a:rPr>
+              <a:t>value_position</a:t>
+            </a:r>
+            <a:r>
+              <a:rPr lang="en-US" sz="1200" dirty="0" smtClean="0">
+                <a:solidFill>
+                  <a:srgbClr val="000000"/>
+                </a:solidFill>
+                <a:latin typeface="Menlo" charset="0"/>
+              </a:rPr>
+              <a:t>: [5</a:t>
+            </a:r>
+            <a:r>
+              <a:rPr lang="en-US" sz="1200" dirty="0">
+                <a:solidFill>
+                  <a:srgbClr val="000000"/>
+                </a:solidFill>
+                <a:latin typeface="Menlo" charset="0"/>
+              </a:rPr>
+              <a:t>, 11]</a:t>
+            </a:r>
+          </a:p>
+          <a:p>
+            <a:endParaRPr lang="en-US" sz="1200" dirty="0" smtClean="0">
+              <a:solidFill>
+                <a:srgbClr val="000000"/>
+              </a:solidFill>
+              <a:latin typeface="Menlo" charset="0"/>
+            </a:endParaRPr>
+          </a:p>
+          <a:p>
+            <a:r>
+              <a:rPr lang="en-US" sz="1200" dirty="0" smtClean="0">
+                <a:solidFill>
+                  <a:srgbClr val="000000"/>
+                </a:solidFill>
+                <a:latin typeface="Menlo" charset="0"/>
+              </a:rPr>
+              <a:t>tag: &lt;nan</a:t>
+            </a:r>
+            <a:r>
+              <a:rPr lang="en-US" sz="1200" dirty="0">
+                <a:solidFill>
+                  <a:srgbClr val="000000"/>
+                </a:solidFill>
+                <a:latin typeface="Menlo" charset="0"/>
+              </a:rPr>
+              <a:t>&gt; &lt;field&gt;:0 &lt;nan&gt; &lt;nan&gt; &lt;nan&gt; &lt;value&gt;:1 &lt;field&gt;:1 &lt;nan&gt; &lt;field&gt;:2 &lt;nan&gt; &lt;nan&gt; &lt;value&gt;:2 &lt;nan&gt; &lt;field&gt;:0 &lt;nan&gt; &lt;nan&gt; &lt;nan&gt; &lt;field&gt;:3</a:t>
+            </a:r>
+          </a:p>
+          <a:p>
+            <a:r>
+              <a:rPr lang="en-US" sz="1200" dirty="0" err="1" smtClean="0">
+                <a:solidFill>
+                  <a:srgbClr val="000000"/>
+                </a:solidFill>
+                <a:latin typeface="Menlo" charset="0"/>
+              </a:rPr>
+              <a:t>qux</a:t>
+            </a:r>
+            <a:r>
+              <a:rPr lang="en-US" sz="1200" dirty="0" smtClean="0">
+                <a:solidFill>
+                  <a:srgbClr val="000000"/>
+                </a:solidFill>
+                <a:latin typeface="Menlo" charset="0"/>
+              </a:rPr>
+              <a:t>: for </a:t>
+            </a:r>
+            <a:r>
+              <a:rPr lang="en-US" sz="1200" dirty="0">
+                <a:solidFill>
+                  <a:srgbClr val="000000"/>
+                </a:solidFill>
+                <a:latin typeface="Menlo" charset="0"/>
+              </a:rPr>
+              <a:t>&lt;field&gt;:0 with more than &lt;value&gt;:1 &lt;field&gt;:1 and &lt;field&gt;:2 less than &lt;value&gt;:2 , &lt;field&gt;:0 has the most &lt;field&gt;:3</a:t>
+            </a:r>
+          </a:p>
+          <a:p>
+            <a:r>
+              <a:rPr lang="en-US" sz="1200" dirty="0" smtClean="0">
+                <a:solidFill>
+                  <a:srgbClr val="000000"/>
+                </a:solidFill>
+                <a:latin typeface="Menlo" charset="0"/>
+              </a:rPr>
+              <a:t>lox: </a:t>
+            </a:r>
+            <a:r>
+              <a:rPr lang="en-US" sz="1200" dirty="0" err="1" smtClean="0">
+                <a:solidFill>
+                  <a:srgbClr val="000000"/>
+                </a:solidFill>
+                <a:latin typeface="Menlo" charset="0"/>
+              </a:rPr>
+              <a:t>argmax</a:t>
+            </a:r>
+            <a:r>
+              <a:rPr lang="en-US" sz="1200" dirty="0" smtClean="0">
+                <a:solidFill>
+                  <a:srgbClr val="000000"/>
+                </a:solidFill>
+                <a:latin typeface="Menlo" charset="0"/>
+              </a:rPr>
+              <a:t> </a:t>
+            </a:r>
+            <a:r>
+              <a:rPr lang="en-US" sz="1200" dirty="0">
+                <a:solidFill>
+                  <a:srgbClr val="000000"/>
+                </a:solidFill>
+                <a:latin typeface="Menlo" charset="0"/>
+              </a:rPr>
+              <a:t>&lt;field&gt;:0 &lt;field&gt;:3 where &lt;field&gt;:1 greater &lt;value&gt;:1 and &lt;field&gt;:2 less &lt;value&gt;:</a:t>
+            </a:r>
+            <a:r>
+              <a:rPr lang="en-US" sz="1200" dirty="0" smtClean="0">
+                <a:solidFill>
+                  <a:srgbClr val="000000"/>
+                </a:solidFill>
+                <a:latin typeface="Menlo" charset="0"/>
+              </a:rPr>
+              <a:t>2</a:t>
+            </a:r>
+            <a:endParaRPr lang="en-US" sz="1200" dirty="0">
+              <a:solidFill>
+                <a:srgbClr val="000000"/>
+              </a:solidFill>
+              <a:effectLst/>
+              <a:latin typeface="Menlo" charset="0"/>
+            </a:endParaRPr>
           </a:p>
         </p:txBody>
       </p:sp>
     </p:spTree>
     <p:extLst>
       <p:ext uri="{BB962C8B-B14F-4D97-AF65-F5344CB8AC3E}">
-        <p14:creationId xmlns:p14="http://schemas.microsoft.com/office/powerpoint/2010/main" val="647601540"/>
+        <p14:creationId xmlns:p14="http://schemas.microsoft.com/office/powerpoint/2010/main" val="98157973"/>
       </p:ext>
     </p:extLst>
   </p:cSld>
   <p:clrMapOvr>
     <a:masterClrMapping/>
   </p:clrMapOvr>
-  <p:timing>
-    <p:tnLst>
-      <p:par>
-        <p:cTn id="1" dur="indefinite" restart="never" nodeType="tmRoot"/>
-      </p:par>
-    </p:tnLst>
-  </p:timing>
 </p:sld>
 </file>
 
@@ -18733,118 +19312,14 @@
       </p:grpSpPr>
       <p:sp>
         <p:nvSpPr>
-          <p:cNvPr id="8" name="TextBox 7"/>
-          <p:cNvSpPr txBox="1"/>
+          <p:cNvPr id="3" name="Rectangle 2"/>
+          <p:cNvSpPr/>
           <p:nvPr/>
         </p:nvSpPr>
         <p:spPr>
           <a:xfrm>
-            <a:off x="749507" y="509666"/>
-            <a:ext cx="7581693" cy="461665"/>
-          </a:xfrm>
-          <a:prstGeom prst="rect">
-            <a:avLst/>
-          </a:prstGeom>
-          <a:noFill/>
-        </p:spPr>
-        <p:txBody>
-          <a:bodyPr wrap="square" rtlCol="0">
-            <a:spAutoFit/>
-          </a:bodyPr>
-          <a:lstStyle/>
-          <a:p>
-            <a:r>
-              <a:rPr lang="en-US" sz="2400" dirty="0" smtClean="0"/>
-              <a:t>Natural Language Interface (Neural Translation Machine):</a:t>
-            </a:r>
-            <a:endParaRPr lang="en-US" sz="2400" dirty="0"/>
-          </a:p>
-        </p:txBody>
-      </p:sp>
-      <p:sp>
-        <p:nvSpPr>
-          <p:cNvPr id="10" name="TextBox 9"/>
-          <p:cNvSpPr txBox="1"/>
-          <p:nvPr/>
-        </p:nvSpPr>
-        <p:spPr>
-          <a:xfrm>
-            <a:off x="563244" y="1405468"/>
-            <a:ext cx="5769826" cy="707886"/>
-          </a:xfrm>
-          <a:prstGeom prst="rect">
-            <a:avLst/>
-          </a:prstGeom>
-          <a:noFill/>
-        </p:spPr>
-        <p:txBody>
-          <a:bodyPr wrap="square" rtlCol="0">
-            <a:spAutoFit/>
-          </a:bodyPr>
-          <a:lstStyle/>
-          <a:p>
-            <a:r>
-              <a:rPr lang="en-US" sz="2000" b="1" dirty="0" smtClean="0"/>
-              <a:t>Training Data</a:t>
-            </a:r>
-            <a:r>
-              <a:rPr lang="en-US" sz="2000" dirty="0" smtClean="0"/>
-              <a:t>: .</a:t>
-            </a:r>
-            <a:r>
-              <a:rPr lang="en-US" sz="2000" dirty="0" err="1" smtClean="0"/>
-              <a:t>qu</a:t>
-            </a:r>
-            <a:r>
-              <a:rPr lang="en-US" sz="2000" dirty="0" smtClean="0"/>
-              <a:t>, .fi, </a:t>
-            </a:r>
-            <a:r>
-              <a:rPr lang="en-US" sz="2000" b="1" dirty="0" smtClean="0"/>
-              <a:t>.lo </a:t>
-            </a:r>
-            <a:r>
-              <a:rPr lang="en-US" sz="2000" dirty="0" smtClean="0"/>
-              <a:t>files (</a:t>
-            </a:r>
-            <a:r>
-              <a:rPr lang="en-US" sz="2000" dirty="0"/>
-              <a:t>original </a:t>
-            </a:r>
-            <a:r>
-              <a:rPr lang="en-US" sz="2000" dirty="0" smtClean="0"/>
-              <a:t>files); .ta, .</a:t>
-            </a:r>
-            <a:r>
-              <a:rPr lang="en-US" sz="2000" dirty="0" err="1" smtClean="0"/>
-              <a:t>qux</a:t>
-            </a:r>
-            <a:r>
-              <a:rPr lang="en-US" sz="2000" dirty="0" smtClean="0"/>
-              <a:t>, </a:t>
-            </a:r>
-            <a:r>
-              <a:rPr lang="en-US" sz="2000" b="1" dirty="0" smtClean="0"/>
-              <a:t>.lox </a:t>
-            </a:r>
-            <a:r>
-              <a:rPr lang="en-US" sz="2000" dirty="0" smtClean="0"/>
-              <a:t>files (generated through tagging process)</a:t>
-            </a:r>
-            <a:endParaRPr lang="en-US" sz="2000" dirty="0"/>
-          </a:p>
-        </p:txBody>
-      </p:sp>
-      <p:sp>
-        <p:nvSpPr>
-          <p:cNvPr id="11" name="Rectangle 10"/>
-          <p:cNvSpPr/>
-          <p:nvPr/>
-        </p:nvSpPr>
-        <p:spPr>
-          <a:xfrm>
-            <a:off x="2980267" y="2293543"/>
-            <a:ext cx="7857066" cy="2862322"/>
+            <a:off x="449680" y="328934"/>
+            <a:ext cx="11450220" cy="3046988"/>
           </a:xfrm>
           <a:prstGeom prst="rect">
             <a:avLst/>
@@ -18857,1087 +19332,911 @@
           <a:lstStyle/>
           <a:p>
             <a:r>
-              <a:rPr lang="en-US" dirty="0" smtClean="0">
-                <a:solidFill>
-                  <a:srgbClr val="454545"/>
-                </a:solidFill>
-                <a:latin typeface="Helvetica Neue" charset="0"/>
-              </a:rPr>
-              <a:t>where </a:t>
-            </a:r>
-            <a:r>
-              <a:rPr lang="en-US" dirty="0">
-                <a:solidFill>
-                  <a:srgbClr val="454545"/>
-                </a:solidFill>
-                <a:latin typeface="Helvetica Neue" charset="0"/>
-              </a:rPr>
-              <a:t>Nation equal </a:t>
-            </a:r>
-            <a:r>
-              <a:rPr lang="en-US" dirty="0" err="1">
-                <a:solidFill>
-                  <a:srgbClr val="454545"/>
-                </a:solidFill>
-                <a:latin typeface="Helvetica Neue" charset="0"/>
-              </a:rPr>
-              <a:t>italy</a:t>
-            </a:r>
-            <a:r>
-              <a:rPr lang="en-US" dirty="0">
-                <a:solidFill>
-                  <a:srgbClr val="454545"/>
-                </a:solidFill>
-                <a:latin typeface="Helvetica Neue" charset="0"/>
-              </a:rPr>
-              <a:t> select Silver as A where Nation equal </a:t>
-            </a:r>
-            <a:r>
-              <a:rPr lang="en-US" dirty="0" err="1">
-                <a:solidFill>
-                  <a:srgbClr val="454545"/>
-                </a:solidFill>
-                <a:latin typeface="Helvetica Neue" charset="0"/>
-              </a:rPr>
-              <a:t>india</a:t>
-            </a:r>
-            <a:r>
-              <a:rPr lang="en-US" dirty="0">
-                <a:solidFill>
-                  <a:srgbClr val="454545"/>
-                </a:solidFill>
-                <a:latin typeface="Helvetica Neue" charset="0"/>
-              </a:rPr>
-              <a:t> select Silver as B diff A B</a:t>
-            </a:r>
-          </a:p>
-          <a:p>
-            <a:endParaRPr lang="en-US" dirty="0" smtClean="0">
+              <a:rPr lang="en-US" sz="1200" dirty="0">
+                <a:solidFill>
+                  <a:srgbClr val="000000"/>
+                </a:solidFill>
+                <a:latin typeface="Menlo" charset="0"/>
+              </a:rPr>
+              <a:t>### example: </a:t>
+            </a:r>
+            <a:r>
+              <a:rPr lang="en-US" sz="1200" dirty="0" smtClean="0">
+                <a:solidFill>
+                  <a:srgbClr val="000000"/>
+                </a:solidFill>
+                <a:latin typeface="Menlo" charset="0"/>
+              </a:rPr>
+              <a:t>488 </a:t>
+            </a:r>
+            <a:r>
+              <a:rPr lang="en-US" sz="1200" dirty="0">
+                <a:solidFill>
+                  <a:srgbClr val="000000"/>
+                </a:solidFill>
+                <a:latin typeface="Menlo" charset="0"/>
+              </a:rPr>
+              <a:t>###</a:t>
+            </a:r>
+          </a:p>
+          <a:p>
+            <a:r>
+              <a:rPr lang="en-US" sz="1200" dirty="0">
+                <a:solidFill>
+                  <a:srgbClr val="000000"/>
+                </a:solidFill>
+                <a:latin typeface="Menlo" charset="0"/>
+              </a:rPr>
+              <a:t>schema: Player Matches Innings Runs Average 100s 50s </a:t>
+            </a:r>
+            <a:r>
+              <a:rPr lang="en-US" sz="1200" dirty="0" err="1">
+                <a:solidFill>
+                  <a:srgbClr val="000000"/>
+                </a:solidFill>
+                <a:latin typeface="Menlo" charset="0"/>
+              </a:rPr>
+              <a:t>Games_Played</a:t>
+            </a:r>
+            <a:r>
+              <a:rPr lang="en-US" sz="1200" dirty="0">
+                <a:solidFill>
+                  <a:srgbClr val="000000"/>
+                </a:solidFill>
+                <a:latin typeface="Menlo" charset="0"/>
+              </a:rPr>
+              <a:t> </a:t>
+            </a:r>
+            <a:r>
+              <a:rPr lang="en-US" sz="1200" dirty="0" err="1">
+                <a:solidFill>
+                  <a:srgbClr val="000000"/>
+                </a:solidFill>
+                <a:latin typeface="Menlo" charset="0"/>
+              </a:rPr>
+              <a:t>Field_Goals</a:t>
+            </a:r>
+            <a:r>
+              <a:rPr lang="en-US" sz="1200" dirty="0">
+                <a:solidFill>
+                  <a:srgbClr val="000000"/>
+                </a:solidFill>
+                <a:latin typeface="Menlo" charset="0"/>
+              </a:rPr>
+              <a:t> </a:t>
+            </a:r>
+            <a:r>
+              <a:rPr lang="en-US" sz="1200" dirty="0" err="1">
+                <a:solidFill>
+                  <a:srgbClr val="000000"/>
+                </a:solidFill>
+                <a:latin typeface="Menlo" charset="0"/>
+              </a:rPr>
+              <a:t>Free_Throws</a:t>
+            </a:r>
+            <a:r>
+              <a:rPr lang="en-US" sz="1200" dirty="0">
+                <a:solidFill>
+                  <a:srgbClr val="000000"/>
+                </a:solidFill>
+                <a:latin typeface="Menlo" charset="0"/>
+              </a:rPr>
+              <a:t> Points</a:t>
+            </a:r>
+          </a:p>
+          <a:p>
+            <a:endParaRPr lang="en-US" sz="1200" dirty="0">
               <a:solidFill>
-                <a:srgbClr val="454545"/>
+                <a:srgbClr val="000000"/>
               </a:solidFill>
-              <a:latin typeface="Helvetica Neue" charset="0"/>
+              <a:latin typeface="Menlo" charset="0"/>
             </a:endParaRPr>
           </a:p>
           <a:p>
             <a:r>
-              <a:rPr lang="en-US" dirty="0" smtClean="0">
-                <a:solidFill>
-                  <a:srgbClr val="454545"/>
-                </a:solidFill>
-                <a:latin typeface="Helvetica Neue" charset="0"/>
-              </a:rPr>
-              <a:t>Silver Nation Nation</a:t>
-            </a:r>
-          </a:p>
-          <a:p>
-            <a:endParaRPr lang="en-US" dirty="0">
+              <a:rPr lang="en-US" sz="1200" dirty="0">
+                <a:solidFill>
+                  <a:srgbClr val="000000"/>
+                </a:solidFill>
+                <a:latin typeface="Menlo" charset="0"/>
+              </a:rPr>
+              <a:t>query: for players with more than 400 50s and </a:t>
+            </a:r>
+            <a:r>
+              <a:rPr lang="en-US" sz="1200" b="1" dirty="0">
+                <a:solidFill>
+                  <a:srgbClr val="000000"/>
+                </a:solidFill>
+                <a:latin typeface="Menlo" charset="0"/>
+              </a:rPr>
+              <a:t>points less than 14</a:t>
+            </a:r>
+            <a:r>
+              <a:rPr lang="en-US" sz="1200" dirty="0">
+                <a:solidFill>
+                  <a:srgbClr val="000000"/>
+                </a:solidFill>
+                <a:latin typeface="Menlo" charset="0"/>
+              </a:rPr>
+              <a:t>, who has the most </a:t>
+            </a:r>
+            <a:r>
+              <a:rPr lang="en-US" sz="1200" dirty="0" smtClean="0">
+                <a:solidFill>
+                  <a:srgbClr val="000000"/>
+                </a:solidFill>
+                <a:latin typeface="Menlo" charset="0"/>
+              </a:rPr>
+              <a:t>matches</a:t>
+            </a:r>
+            <a:endParaRPr lang="en-US" sz="1200" dirty="0">
               <a:solidFill>
-                <a:srgbClr val="454545"/>
+                <a:srgbClr val="000000"/>
               </a:solidFill>
-              <a:latin typeface="Helvetica Neue" charset="0"/>
+              <a:latin typeface="Menlo" charset="0"/>
             </a:endParaRPr>
           </a:p>
           <a:p>
             <a:r>
-              <a:rPr lang="en-US" dirty="0" smtClean="0">
-                <a:solidFill>
-                  <a:srgbClr val="454545"/>
-                </a:solidFill>
-                <a:latin typeface="Helvetica Neue" charset="0"/>
-              </a:rPr>
-              <a:t>&lt;nan&gt; </a:t>
-            </a:r>
-            <a:r>
-              <a:rPr lang="en-US" dirty="0" err="1" smtClean="0">
-                <a:solidFill>
-                  <a:srgbClr val="454545"/>
-                </a:solidFill>
-                <a:latin typeface="Helvetica Neue" charset="0"/>
-              </a:rPr>
-              <a:t>italy</a:t>
-            </a:r>
-            <a:r>
-              <a:rPr lang="en-US" dirty="0" smtClean="0">
-                <a:solidFill>
-                  <a:srgbClr val="454545"/>
-                </a:solidFill>
-                <a:latin typeface="Helvetica Neue" charset="0"/>
-              </a:rPr>
-              <a:t> </a:t>
-            </a:r>
-            <a:r>
-              <a:rPr lang="en-US" dirty="0" err="1" smtClean="0">
-                <a:solidFill>
-                  <a:srgbClr val="454545"/>
-                </a:solidFill>
-                <a:latin typeface="Helvetica Neue" charset="0"/>
-              </a:rPr>
-              <a:t>india</a:t>
-            </a:r>
-            <a:endParaRPr lang="en-US" dirty="0" smtClean="0">
+              <a:rPr lang="en-US" sz="1200" dirty="0">
+                <a:solidFill>
+                  <a:srgbClr val="000000"/>
+                </a:solidFill>
+                <a:latin typeface="Menlo" charset="0"/>
+              </a:rPr>
+              <a:t/>
+            </a:r>
+            <a:br>
+              <a:rPr lang="en-US" sz="1200" dirty="0">
+                <a:solidFill>
+                  <a:srgbClr val="000000"/>
+                </a:solidFill>
+                <a:latin typeface="Menlo" charset="0"/>
+              </a:rPr>
+            </a:br>
+            <a:r>
+              <a:rPr lang="en-US" sz="1200" dirty="0">
+                <a:solidFill>
+                  <a:srgbClr val="000000"/>
+                </a:solidFill>
+                <a:latin typeface="Menlo" charset="0"/>
+              </a:rPr>
+              <a:t>logic: </a:t>
+            </a:r>
+            <a:r>
+              <a:rPr lang="en-US" sz="1200" dirty="0" err="1">
+                <a:solidFill>
+                  <a:srgbClr val="000000"/>
+                </a:solidFill>
+                <a:latin typeface="Menlo" charset="0"/>
+              </a:rPr>
+              <a:t>argmax</a:t>
+            </a:r>
+            <a:r>
+              <a:rPr lang="en-US" sz="1200" dirty="0">
+                <a:solidFill>
+                  <a:srgbClr val="000000"/>
+                </a:solidFill>
+                <a:latin typeface="Menlo" charset="0"/>
+              </a:rPr>
+              <a:t> Player Matches where 50s greater 400 and </a:t>
+            </a:r>
+            <a:r>
+              <a:rPr lang="en-US" sz="1200" b="1" dirty="0">
+                <a:solidFill>
+                  <a:srgbClr val="000000"/>
+                </a:solidFill>
+                <a:latin typeface="Menlo" charset="0"/>
+              </a:rPr>
+              <a:t>Points less 14</a:t>
+            </a:r>
+          </a:p>
+          <a:p>
+            <a:endParaRPr lang="en-US" sz="1200" dirty="0">
               <a:solidFill>
-                <a:srgbClr val="454545"/>
+                <a:srgbClr val="000000"/>
               </a:solidFill>
-              <a:latin typeface="Helvetica Neue" charset="0"/>
+              <a:latin typeface="Menlo" charset="0"/>
             </a:endParaRPr>
           </a:p>
           <a:p>
-            <a:endParaRPr lang="en-US" dirty="0" smtClean="0">
+            <a:r>
+              <a:rPr lang="en-US" sz="1200" dirty="0" err="1">
+                <a:solidFill>
+                  <a:srgbClr val="000000"/>
+                </a:solidFill>
+                <a:latin typeface="Menlo" charset="0"/>
+              </a:rPr>
+              <a:t>ficorr</a:t>
+            </a:r>
+            <a:r>
+              <a:rPr lang="en-US" sz="1200" dirty="0">
+                <a:solidFill>
+                  <a:srgbClr val="000000"/>
+                </a:solidFill>
+                <a:latin typeface="Menlo" charset="0"/>
+              </a:rPr>
+              <a:t>: </a:t>
+            </a:r>
+            <a:r>
+              <a:rPr lang="en-US" sz="1200" dirty="0">
+                <a:solidFill>
+                  <a:srgbClr val="000000"/>
+                </a:solidFill>
+                <a:latin typeface="Menlo" charset="0"/>
+              </a:rPr>
+              <a:t>Player 50s </a:t>
+            </a:r>
+            <a:r>
+              <a:rPr lang="en-US" sz="1200" dirty="0">
+                <a:solidFill>
+                  <a:srgbClr val="FF0000"/>
+                </a:solidFill>
+                <a:latin typeface="Menlo" charset="0"/>
+              </a:rPr>
+              <a:t>Points Matches</a:t>
+            </a:r>
+          </a:p>
+          <a:p>
+            <a:r>
+              <a:rPr lang="en-US" sz="1200" dirty="0" err="1">
+                <a:solidFill>
+                  <a:srgbClr val="000000"/>
+                </a:solidFill>
+                <a:latin typeface="Menlo" charset="0"/>
+              </a:rPr>
+              <a:t>vacorr</a:t>
+            </a:r>
+            <a:r>
+              <a:rPr lang="en-US" sz="1200" dirty="0">
+                <a:solidFill>
+                  <a:srgbClr val="000000"/>
+                </a:solidFill>
+                <a:latin typeface="Menlo" charset="0"/>
+              </a:rPr>
+              <a:t>: &lt;nan</a:t>
+            </a:r>
+            <a:r>
+              <a:rPr lang="en-US" sz="1200" dirty="0">
+                <a:solidFill>
+                  <a:srgbClr val="000000"/>
+                </a:solidFill>
+                <a:latin typeface="Menlo" charset="0"/>
+              </a:rPr>
+              <a:t>&gt; 400 </a:t>
+            </a:r>
+            <a:r>
+              <a:rPr lang="en-US" sz="1200" dirty="0">
+                <a:solidFill>
+                  <a:srgbClr val="FF0000"/>
+                </a:solidFill>
+                <a:latin typeface="Menlo" charset="0"/>
+              </a:rPr>
+              <a:t>&lt;nan&gt; 14</a:t>
+            </a:r>
+            <a:endParaRPr lang="en-US" sz="1200" dirty="0">
               <a:solidFill>
-                <a:srgbClr val="454545"/>
+                <a:srgbClr val="FF0000"/>
               </a:solidFill>
-              <a:latin typeface="Helvetica Neue" charset="0"/>
+              <a:latin typeface="Menlo" charset="0"/>
             </a:endParaRPr>
           </a:p>
           <a:p>
             <a:r>
-              <a:rPr lang="en-US" dirty="0" smtClean="0">
-                <a:solidFill>
-                  <a:srgbClr val="454545"/>
-                </a:solidFill>
-                <a:latin typeface="Helvetica Neue" charset="0"/>
-              </a:rPr>
-              <a:t>where </a:t>
-            </a:r>
-            <a:r>
-              <a:rPr lang="en-US" dirty="0">
-                <a:solidFill>
-                  <a:srgbClr val="454545"/>
-                </a:solidFill>
-                <a:latin typeface="Helvetica Neue" charset="0"/>
-              </a:rPr>
-              <a:t>&lt;field&gt;:1 equal &lt;value&gt;:1 select &lt;field&gt;:0 as A where &lt;field</a:t>
-            </a:r>
-            <a:r>
-              <a:rPr lang="en-US" dirty="0" smtClean="0">
-                <a:solidFill>
-                  <a:srgbClr val="454545"/>
-                </a:solidFill>
-                <a:latin typeface="Helvetica Neue" charset="0"/>
-              </a:rPr>
-              <a:t>&gt;:2 </a:t>
-            </a:r>
-            <a:r>
-              <a:rPr lang="en-US" dirty="0">
-                <a:solidFill>
-                  <a:srgbClr val="454545"/>
-                </a:solidFill>
-                <a:latin typeface="Helvetica Neue" charset="0"/>
-              </a:rPr>
-              <a:t>equal &lt;value</a:t>
-            </a:r>
-            <a:r>
-              <a:rPr lang="en-US" dirty="0" smtClean="0">
-                <a:solidFill>
-                  <a:srgbClr val="454545"/>
-                </a:solidFill>
-                <a:latin typeface="Helvetica Neue" charset="0"/>
-              </a:rPr>
-              <a:t>&gt;:2 </a:t>
-            </a:r>
-            <a:r>
-              <a:rPr lang="en-US" dirty="0">
-                <a:solidFill>
-                  <a:srgbClr val="454545"/>
-                </a:solidFill>
-                <a:latin typeface="Helvetica Neue" charset="0"/>
-              </a:rPr>
-              <a:t>select &lt;field&gt;:0 as B diff A </a:t>
-            </a:r>
-            <a:r>
-              <a:rPr lang="en-US" dirty="0" smtClean="0">
-                <a:solidFill>
-                  <a:srgbClr val="454545"/>
-                </a:solidFill>
-                <a:latin typeface="Helvetica Neue" charset="0"/>
-              </a:rPr>
-              <a:t>B</a:t>
-            </a:r>
-            <a:r>
-              <a:rPr lang="en-US" dirty="0">
-                <a:solidFill>
-                  <a:srgbClr val="454545"/>
-                </a:solidFill>
-                <a:latin typeface="Helvetica Neue" charset="0"/>
-              </a:rPr>
-              <a:t/>
-            </a:r>
-            <a:br>
-              <a:rPr lang="en-US" dirty="0">
-                <a:solidFill>
-                  <a:srgbClr val="454545"/>
-                </a:solidFill>
-                <a:latin typeface="Helvetica Neue" charset="0"/>
-              </a:rPr>
-            </a:br>
-            <a:endParaRPr lang="en-US" dirty="0">
+              <a:rPr lang="en-US" sz="1200" dirty="0">
+                <a:solidFill>
+                  <a:srgbClr val="000000"/>
+                </a:solidFill>
+                <a:latin typeface="Menlo" charset="0"/>
+              </a:rPr>
+              <a:t>field </a:t>
+            </a:r>
+            <a:r>
+              <a:rPr lang="en-US" sz="1200" dirty="0" err="1">
+                <a:solidFill>
+                  <a:srgbClr val="000000"/>
+                </a:solidFill>
+                <a:latin typeface="Menlo" charset="0"/>
+              </a:rPr>
+              <a:t>position_idx</a:t>
+            </a:r>
+            <a:r>
+              <a:rPr lang="en-US" sz="1200" dirty="0">
+                <a:solidFill>
+                  <a:srgbClr val="000000"/>
+                </a:solidFill>
+                <a:latin typeface="Menlo" charset="0"/>
+              </a:rPr>
+              <a:t>: [(</a:t>
+            </a:r>
+            <a:r>
+              <a:rPr lang="en-US" sz="1200" dirty="0">
+                <a:solidFill>
+                  <a:srgbClr val="000000"/>
+                </a:solidFill>
+                <a:latin typeface="Menlo" charset="0"/>
+              </a:rPr>
+              <a:t>6, 1), (8, 2), (17, 3)]</a:t>
+            </a:r>
+          </a:p>
+          <a:p>
+            <a:r>
+              <a:rPr lang="en-US" sz="1200" dirty="0" err="1">
+                <a:solidFill>
+                  <a:srgbClr val="000000"/>
+                </a:solidFill>
+                <a:latin typeface="Menlo" charset="0"/>
+              </a:rPr>
+              <a:t>value_position</a:t>
+            </a:r>
+            <a:r>
+              <a:rPr lang="en-US" sz="1200" dirty="0">
+                <a:solidFill>
+                  <a:srgbClr val="000000"/>
+                </a:solidFill>
+                <a:latin typeface="Menlo" charset="0"/>
+              </a:rPr>
+              <a:t>: [5</a:t>
+            </a:r>
+            <a:r>
+              <a:rPr lang="en-US" sz="1200" dirty="0">
+                <a:solidFill>
+                  <a:srgbClr val="000000"/>
+                </a:solidFill>
+                <a:latin typeface="Menlo" charset="0"/>
+              </a:rPr>
+              <a:t>, 11]</a:t>
+            </a:r>
+          </a:p>
+          <a:p>
+            <a:endParaRPr lang="en-US" sz="1200" dirty="0">
               <a:solidFill>
-                <a:srgbClr val="454545"/>
+                <a:srgbClr val="000000"/>
               </a:solidFill>
-              <a:effectLst/>
-              <a:latin typeface="Helvetica Neue" charset="0"/>
+              <a:latin typeface="Menlo" charset="0"/>
             </a:endParaRPr>
           </a:p>
+          <a:p>
+            <a:r>
+              <a:rPr lang="en-US" sz="1200" dirty="0">
+                <a:solidFill>
+                  <a:srgbClr val="000000"/>
+                </a:solidFill>
+                <a:latin typeface="Menlo" charset="0"/>
+              </a:rPr>
+              <a:t>tag: </a:t>
+            </a:r>
+            <a:r>
+              <a:rPr lang="mr-IN" sz="1200" dirty="0">
+                <a:solidFill>
+                  <a:srgbClr val="000000"/>
+                </a:solidFill>
+                <a:latin typeface="Menlo" charset="0"/>
+              </a:rPr>
+              <a:t>&lt;</a:t>
+            </a:r>
+            <a:r>
+              <a:rPr lang="mr-IN" sz="1200" dirty="0" err="1">
+                <a:solidFill>
+                  <a:srgbClr val="000000"/>
+                </a:solidFill>
+                <a:latin typeface="Menlo" charset="0"/>
+              </a:rPr>
+              <a:t>nan</a:t>
+            </a:r>
+            <a:r>
+              <a:rPr lang="mr-IN" sz="1200" dirty="0">
+                <a:solidFill>
+                  <a:srgbClr val="000000"/>
+                </a:solidFill>
+                <a:latin typeface="Menlo" charset="0"/>
+              </a:rPr>
+              <a:t>&gt; &lt;</a:t>
+            </a:r>
+            <a:r>
+              <a:rPr lang="mr-IN" sz="1200" dirty="0" err="1">
+                <a:solidFill>
+                  <a:srgbClr val="000000"/>
+                </a:solidFill>
+                <a:latin typeface="Menlo" charset="0"/>
+              </a:rPr>
+              <a:t>field</a:t>
+            </a:r>
+            <a:r>
+              <a:rPr lang="mr-IN" sz="1200" dirty="0">
+                <a:solidFill>
+                  <a:srgbClr val="000000"/>
+                </a:solidFill>
+                <a:latin typeface="Menlo" charset="0"/>
+              </a:rPr>
+              <a:t>&gt;:0 &lt;</a:t>
+            </a:r>
+            <a:r>
+              <a:rPr lang="mr-IN" sz="1200" dirty="0" err="1">
+                <a:solidFill>
+                  <a:srgbClr val="000000"/>
+                </a:solidFill>
+                <a:latin typeface="Menlo" charset="0"/>
+              </a:rPr>
+              <a:t>nan</a:t>
+            </a:r>
+            <a:r>
+              <a:rPr lang="mr-IN" sz="1200" dirty="0">
+                <a:solidFill>
+                  <a:srgbClr val="000000"/>
+                </a:solidFill>
+                <a:latin typeface="Menlo" charset="0"/>
+              </a:rPr>
+              <a:t>&gt; &lt;</a:t>
+            </a:r>
+            <a:r>
+              <a:rPr lang="mr-IN" sz="1200" dirty="0" err="1">
+                <a:solidFill>
+                  <a:srgbClr val="000000"/>
+                </a:solidFill>
+                <a:latin typeface="Menlo" charset="0"/>
+              </a:rPr>
+              <a:t>nan</a:t>
+            </a:r>
+            <a:r>
+              <a:rPr lang="mr-IN" sz="1200" dirty="0">
+                <a:solidFill>
+                  <a:srgbClr val="000000"/>
+                </a:solidFill>
+                <a:latin typeface="Menlo" charset="0"/>
+              </a:rPr>
+              <a:t>&gt; &lt;</a:t>
+            </a:r>
+            <a:r>
+              <a:rPr lang="mr-IN" sz="1200" dirty="0" err="1">
+                <a:solidFill>
+                  <a:srgbClr val="000000"/>
+                </a:solidFill>
+                <a:latin typeface="Menlo" charset="0"/>
+              </a:rPr>
+              <a:t>nan</a:t>
+            </a:r>
+            <a:r>
+              <a:rPr lang="mr-IN" sz="1200" dirty="0">
+                <a:solidFill>
+                  <a:srgbClr val="000000"/>
+                </a:solidFill>
+                <a:latin typeface="Menlo" charset="0"/>
+              </a:rPr>
+              <a:t>&gt; &lt;</a:t>
+            </a:r>
+            <a:r>
+              <a:rPr lang="mr-IN" sz="1200" dirty="0" err="1">
+                <a:solidFill>
+                  <a:srgbClr val="000000"/>
+                </a:solidFill>
+                <a:latin typeface="Menlo" charset="0"/>
+              </a:rPr>
+              <a:t>value</a:t>
+            </a:r>
+            <a:r>
+              <a:rPr lang="mr-IN" sz="1200" dirty="0">
+                <a:solidFill>
+                  <a:srgbClr val="000000"/>
+                </a:solidFill>
+                <a:latin typeface="Menlo" charset="0"/>
+              </a:rPr>
+              <a:t>&gt;:1 &lt;</a:t>
+            </a:r>
+            <a:r>
+              <a:rPr lang="mr-IN" sz="1200" dirty="0" err="1">
+                <a:solidFill>
+                  <a:srgbClr val="000000"/>
+                </a:solidFill>
+                <a:latin typeface="Menlo" charset="0"/>
+              </a:rPr>
+              <a:t>field</a:t>
+            </a:r>
+            <a:r>
+              <a:rPr lang="mr-IN" sz="1200" dirty="0">
+                <a:solidFill>
+                  <a:srgbClr val="000000"/>
+                </a:solidFill>
+                <a:latin typeface="Menlo" charset="0"/>
+              </a:rPr>
+              <a:t>&gt;:1 &lt;</a:t>
+            </a:r>
+            <a:r>
+              <a:rPr lang="mr-IN" sz="1200" dirty="0" err="1">
+                <a:solidFill>
+                  <a:srgbClr val="000000"/>
+                </a:solidFill>
+                <a:latin typeface="Menlo" charset="0"/>
+              </a:rPr>
+              <a:t>nan</a:t>
+            </a:r>
+            <a:r>
+              <a:rPr lang="mr-IN" sz="1200" dirty="0">
+                <a:solidFill>
+                  <a:srgbClr val="000000"/>
+                </a:solidFill>
+                <a:latin typeface="Menlo" charset="0"/>
+              </a:rPr>
+              <a:t>&gt; &lt;</a:t>
+            </a:r>
+            <a:r>
+              <a:rPr lang="mr-IN" sz="1200" dirty="0" err="1">
+                <a:solidFill>
+                  <a:srgbClr val="000000"/>
+                </a:solidFill>
+                <a:latin typeface="Menlo" charset="0"/>
+              </a:rPr>
+              <a:t>field</a:t>
+            </a:r>
+            <a:r>
+              <a:rPr lang="mr-IN" sz="1200" dirty="0">
+                <a:solidFill>
+                  <a:srgbClr val="000000"/>
+                </a:solidFill>
+                <a:latin typeface="Menlo" charset="0"/>
+              </a:rPr>
+              <a:t>&gt;:2 &lt;</a:t>
+            </a:r>
+            <a:r>
+              <a:rPr lang="mr-IN" sz="1200" dirty="0" err="1">
+                <a:solidFill>
+                  <a:srgbClr val="000000"/>
+                </a:solidFill>
+                <a:latin typeface="Menlo" charset="0"/>
+              </a:rPr>
+              <a:t>nan</a:t>
+            </a:r>
+            <a:r>
+              <a:rPr lang="mr-IN" sz="1200" dirty="0">
+                <a:solidFill>
+                  <a:srgbClr val="000000"/>
+                </a:solidFill>
+                <a:latin typeface="Menlo" charset="0"/>
+              </a:rPr>
+              <a:t>&gt; &lt;</a:t>
+            </a:r>
+            <a:r>
+              <a:rPr lang="mr-IN" sz="1200" dirty="0" err="1">
+                <a:solidFill>
+                  <a:srgbClr val="000000"/>
+                </a:solidFill>
+                <a:latin typeface="Menlo" charset="0"/>
+              </a:rPr>
+              <a:t>nan</a:t>
+            </a:r>
+            <a:r>
+              <a:rPr lang="mr-IN" sz="1200" dirty="0">
+                <a:solidFill>
+                  <a:srgbClr val="000000"/>
+                </a:solidFill>
+                <a:latin typeface="Menlo" charset="0"/>
+              </a:rPr>
+              <a:t>&gt; &lt;</a:t>
+            </a:r>
+            <a:r>
+              <a:rPr lang="mr-IN" sz="1200" dirty="0" err="1">
+                <a:solidFill>
+                  <a:srgbClr val="000000"/>
+                </a:solidFill>
+                <a:latin typeface="Menlo" charset="0"/>
+              </a:rPr>
+              <a:t>value</a:t>
+            </a:r>
+            <a:r>
+              <a:rPr lang="mr-IN" sz="1200" dirty="0">
+                <a:solidFill>
+                  <a:srgbClr val="000000"/>
+                </a:solidFill>
+                <a:latin typeface="Menlo" charset="0"/>
+              </a:rPr>
+              <a:t>&gt;:3 &lt;</a:t>
+            </a:r>
+            <a:r>
+              <a:rPr lang="mr-IN" sz="1200" dirty="0" err="1">
+                <a:solidFill>
+                  <a:srgbClr val="000000"/>
+                </a:solidFill>
+                <a:latin typeface="Menlo" charset="0"/>
+              </a:rPr>
+              <a:t>nan</a:t>
+            </a:r>
+            <a:r>
+              <a:rPr lang="mr-IN" sz="1200" dirty="0">
+                <a:solidFill>
+                  <a:srgbClr val="000000"/>
+                </a:solidFill>
+                <a:latin typeface="Menlo" charset="0"/>
+              </a:rPr>
+              <a:t>&gt; &lt;</a:t>
+            </a:r>
+            <a:r>
+              <a:rPr lang="mr-IN" sz="1200" dirty="0" err="1">
+                <a:solidFill>
+                  <a:srgbClr val="000000"/>
+                </a:solidFill>
+                <a:latin typeface="Menlo" charset="0"/>
+              </a:rPr>
+              <a:t>field</a:t>
+            </a:r>
+            <a:r>
+              <a:rPr lang="mr-IN" sz="1200" dirty="0">
+                <a:solidFill>
+                  <a:srgbClr val="000000"/>
+                </a:solidFill>
+                <a:latin typeface="Menlo" charset="0"/>
+              </a:rPr>
+              <a:t>&gt;:0 &lt;</a:t>
+            </a:r>
+            <a:r>
+              <a:rPr lang="mr-IN" sz="1200" dirty="0" err="1">
+                <a:solidFill>
+                  <a:srgbClr val="000000"/>
+                </a:solidFill>
+                <a:latin typeface="Menlo" charset="0"/>
+              </a:rPr>
+              <a:t>nan</a:t>
+            </a:r>
+            <a:r>
+              <a:rPr lang="mr-IN" sz="1200" dirty="0">
+                <a:solidFill>
+                  <a:srgbClr val="000000"/>
+                </a:solidFill>
+                <a:latin typeface="Menlo" charset="0"/>
+              </a:rPr>
+              <a:t>&gt; &lt;</a:t>
+            </a:r>
+            <a:r>
+              <a:rPr lang="mr-IN" sz="1200" dirty="0" err="1">
+                <a:solidFill>
+                  <a:srgbClr val="000000"/>
+                </a:solidFill>
+                <a:latin typeface="Menlo" charset="0"/>
+              </a:rPr>
+              <a:t>nan</a:t>
+            </a:r>
+            <a:r>
+              <a:rPr lang="mr-IN" sz="1200" dirty="0">
+                <a:solidFill>
+                  <a:srgbClr val="000000"/>
+                </a:solidFill>
+                <a:latin typeface="Menlo" charset="0"/>
+              </a:rPr>
+              <a:t>&gt; &lt;</a:t>
+            </a:r>
+            <a:r>
+              <a:rPr lang="mr-IN" sz="1200" dirty="0" err="1">
+                <a:solidFill>
+                  <a:srgbClr val="000000"/>
+                </a:solidFill>
+                <a:latin typeface="Menlo" charset="0"/>
+              </a:rPr>
+              <a:t>nan</a:t>
+            </a:r>
+            <a:r>
+              <a:rPr lang="mr-IN" sz="1200" dirty="0">
+                <a:solidFill>
+                  <a:srgbClr val="000000"/>
+                </a:solidFill>
+                <a:latin typeface="Menlo" charset="0"/>
+              </a:rPr>
+              <a:t>&gt; &lt;</a:t>
+            </a:r>
+            <a:r>
+              <a:rPr lang="mr-IN" sz="1200" dirty="0" err="1">
+                <a:solidFill>
+                  <a:srgbClr val="000000"/>
+                </a:solidFill>
+                <a:latin typeface="Menlo" charset="0"/>
+              </a:rPr>
+              <a:t>field</a:t>
+            </a:r>
+            <a:r>
+              <a:rPr lang="mr-IN" sz="1200" dirty="0">
+                <a:solidFill>
+                  <a:srgbClr val="000000"/>
+                </a:solidFill>
+                <a:latin typeface="Menlo" charset="0"/>
+              </a:rPr>
+              <a:t>&gt;:3</a:t>
+            </a:r>
+          </a:p>
+          <a:p>
+            <a:r>
+              <a:rPr lang="en-US" sz="1200" dirty="0" err="1">
+                <a:solidFill>
+                  <a:srgbClr val="000000"/>
+                </a:solidFill>
+                <a:latin typeface="Menlo" charset="0"/>
+              </a:rPr>
+              <a:t>qux</a:t>
+            </a:r>
+            <a:r>
+              <a:rPr lang="en-US" sz="1200" dirty="0">
+                <a:solidFill>
+                  <a:srgbClr val="000000"/>
+                </a:solidFill>
+                <a:latin typeface="Menlo" charset="0"/>
+              </a:rPr>
+              <a:t>: </a:t>
+            </a:r>
+            <a:r>
+              <a:rPr lang="en-US" sz="1200" dirty="0">
+                <a:solidFill>
+                  <a:srgbClr val="000000"/>
+                </a:solidFill>
+                <a:latin typeface="Menlo" charset="0"/>
+              </a:rPr>
+              <a:t>for &lt;field&gt;:0 with more than &lt;value&gt;:1 &lt;field&gt;:1 and </a:t>
+            </a:r>
+            <a:r>
+              <a:rPr lang="en-US" sz="1200" dirty="0">
+                <a:solidFill>
+                  <a:srgbClr val="FF0000"/>
+                </a:solidFill>
+                <a:latin typeface="Menlo" charset="0"/>
+              </a:rPr>
+              <a:t>&lt;field&gt;:2 less than &lt;value&gt;:3 </a:t>
+            </a:r>
+            <a:r>
+              <a:rPr lang="en-US" sz="1200" dirty="0">
+                <a:solidFill>
+                  <a:srgbClr val="000000"/>
+                </a:solidFill>
+                <a:latin typeface="Menlo" charset="0"/>
+              </a:rPr>
+              <a:t>, &lt;field&gt;:0 has the most &lt;field&gt;:</a:t>
+            </a:r>
+            <a:r>
+              <a:rPr lang="en-US" sz="1200" dirty="0">
+                <a:solidFill>
+                  <a:srgbClr val="000000"/>
+                </a:solidFill>
+                <a:latin typeface="Menlo" charset="0"/>
+              </a:rPr>
+              <a:t>3</a:t>
+            </a:r>
+            <a:endParaRPr lang="en-US" sz="1200" dirty="0">
+              <a:solidFill>
+                <a:srgbClr val="000000"/>
+              </a:solidFill>
+              <a:latin typeface="Menlo" charset="0"/>
+            </a:endParaRPr>
+          </a:p>
+          <a:p>
+            <a:r>
+              <a:rPr lang="en-US" sz="1200" dirty="0">
+                <a:solidFill>
+                  <a:srgbClr val="000000"/>
+                </a:solidFill>
+                <a:latin typeface="Menlo" charset="0"/>
+              </a:rPr>
+              <a:t>lox: </a:t>
+            </a:r>
+            <a:r>
+              <a:rPr lang="en-US" sz="1200" dirty="0" err="1">
+                <a:solidFill>
+                  <a:srgbClr val="000000"/>
+                </a:solidFill>
+                <a:latin typeface="Menlo" charset="0"/>
+              </a:rPr>
+              <a:t>argmax</a:t>
+            </a:r>
+            <a:r>
+              <a:rPr lang="en-US" sz="1200" dirty="0">
+                <a:solidFill>
+                  <a:srgbClr val="000000"/>
+                </a:solidFill>
+                <a:latin typeface="Menlo" charset="0"/>
+              </a:rPr>
+              <a:t> &lt;field&gt;:0 &lt;field&gt;:3 where &lt;field&gt;:1 greater &lt;value&gt;:1 and </a:t>
+            </a:r>
+            <a:r>
+              <a:rPr lang="en-US" sz="1200" dirty="0">
+                <a:solidFill>
+                  <a:srgbClr val="FF0000"/>
+                </a:solidFill>
+                <a:latin typeface="Menlo" charset="0"/>
+              </a:rPr>
+              <a:t>&lt;field&gt;:2 less &lt;value&gt;:</a:t>
+            </a:r>
+            <a:r>
+              <a:rPr lang="en-US" sz="1200" dirty="0">
+                <a:solidFill>
+                  <a:srgbClr val="FF0000"/>
+                </a:solidFill>
+                <a:latin typeface="Menlo" charset="0"/>
+              </a:rPr>
+              <a:t>3</a:t>
+            </a:r>
+            <a:endParaRPr lang="en-US" sz="1200" dirty="0">
+              <a:solidFill>
+                <a:srgbClr val="FF0000"/>
+              </a:solidFill>
+              <a:latin typeface="Menlo" charset="0"/>
+            </a:endParaRPr>
+          </a:p>
         </p:txBody>
       </p:sp>
-      <p:sp>
-        <p:nvSpPr>
-          <p:cNvPr id="12" name="TextBox 11"/>
-          <p:cNvSpPr txBox="1"/>
+      <p:pic>
+        <p:nvPicPr>
+          <p:cNvPr id="4" name="Picture 3"/>
+          <p:cNvPicPr>
+            <a:picLocks noChangeAspect="1"/>
+          </p:cNvPicPr>
           <p:nvPr/>
-        </p:nvSpPr>
+        </p:nvPicPr>
+        <p:blipFill>
+          <a:blip r:embed="rId2"/>
+          <a:stretch>
+            <a:fillRect/>
+          </a:stretch>
+        </p:blipFill>
         <p:spPr>
           <a:xfrm>
-            <a:off x="1651697" y="3126274"/>
-            <a:ext cx="1139252" cy="369332"/>
+            <a:off x="2527300" y="3375922"/>
+            <a:ext cx="8058150" cy="3367778"/>
           </a:xfrm>
           <a:prstGeom prst="rect">
             <a:avLst/>
           </a:prstGeom>
-          <a:noFill/>
         </p:spPr>
-        <p:txBody>
-          <a:bodyPr wrap="square" rtlCol="0">
-            <a:spAutoFit/>
-          </a:bodyPr>
-          <a:lstStyle/>
-          <a:p>
-            <a:r>
-              <a:rPr lang="en-US" b="1" dirty="0" smtClean="0"/>
-              <a:t>.</a:t>
-            </a:r>
-            <a:r>
-              <a:rPr lang="en-US" b="1" dirty="0" err="1" smtClean="0"/>
-              <a:t>ficorr</a:t>
-            </a:r>
-            <a:endParaRPr lang="en-US" b="1" dirty="0"/>
-          </a:p>
-        </p:txBody>
-      </p:sp>
-      <p:sp>
-        <p:nvSpPr>
-          <p:cNvPr id="13" name="TextBox 12"/>
-          <p:cNvSpPr txBox="1"/>
+      </p:pic>
+      <p:sp>
+        <p:nvSpPr>
+          <p:cNvPr id="5" name="Oval 4"/>
+          <p:cNvSpPr/>
           <p:nvPr/>
         </p:nvSpPr>
         <p:spPr>
           <a:xfrm>
-            <a:off x="1661687" y="3688724"/>
-            <a:ext cx="1139252" cy="369332"/>
+            <a:off x="5765800" y="4241800"/>
+            <a:ext cx="2120900" cy="1435100"/>
           </a:xfrm>
-          <a:prstGeom prst="rect">
-            <a:avLst/>
-          </a:prstGeom>
-          <a:noFill/>
-        </p:spPr>
-        <p:txBody>
-          <a:bodyPr wrap="square" rtlCol="0">
-            <a:spAutoFit/>
-          </a:bodyPr>
-          <a:lstStyle/>
-          <a:p>
-            <a:r>
-              <a:rPr lang="en-US" b="1" dirty="0" smtClean="0"/>
-              <a:t>.</a:t>
-            </a:r>
-            <a:r>
-              <a:rPr lang="en-US" b="1" dirty="0" err="1" smtClean="0"/>
-              <a:t>vacorr</a:t>
-            </a:r>
-            <a:endParaRPr lang="en-US" b="1" dirty="0"/>
-          </a:p>
-        </p:txBody>
-      </p:sp>
-      <p:sp>
-        <p:nvSpPr>
-          <p:cNvPr id="14" name="TextBox 13"/>
-          <p:cNvSpPr txBox="1"/>
-          <p:nvPr/>
-        </p:nvSpPr>
-        <p:spPr>
-          <a:xfrm>
-            <a:off x="1691667" y="4256072"/>
-            <a:ext cx="1139252" cy="923330"/>
-          </a:xfrm>
-          <a:prstGeom prst="rect">
-            <a:avLst/>
-          </a:prstGeom>
-          <a:noFill/>
-        </p:spPr>
-        <p:txBody>
-          <a:bodyPr wrap="square" rtlCol="0">
-            <a:spAutoFit/>
-          </a:bodyPr>
-          <a:lstStyle/>
-          <a:p>
-            <a:r>
-              <a:rPr lang="en-US" altLang="zh-CN" b="1" dirty="0" smtClean="0"/>
-              <a:t>Logical template</a:t>
-            </a:r>
-          </a:p>
-          <a:p>
-            <a:r>
-              <a:rPr lang="en-US" b="1" dirty="0" smtClean="0"/>
-              <a:t>(.lox)</a:t>
-            </a:r>
-            <a:endParaRPr lang="en-US" b="1" dirty="0"/>
-          </a:p>
-        </p:txBody>
-      </p:sp>
-      <p:sp>
-        <p:nvSpPr>
-          <p:cNvPr id="15" name="TextBox 14"/>
-          <p:cNvSpPr txBox="1"/>
-          <p:nvPr/>
-        </p:nvSpPr>
-        <p:spPr>
-          <a:xfrm>
-            <a:off x="1691667" y="2294284"/>
-            <a:ext cx="1278610" cy="646331"/>
-          </a:xfrm>
-          <a:prstGeom prst="rect">
-            <a:avLst/>
-          </a:prstGeom>
-          <a:noFill/>
-        </p:spPr>
-        <p:txBody>
-          <a:bodyPr wrap="square" rtlCol="0">
-            <a:spAutoFit/>
-          </a:bodyPr>
-          <a:lstStyle/>
-          <a:p>
-            <a:r>
-              <a:rPr lang="en-US" altLang="zh-CN" b="1" dirty="0" smtClean="0"/>
-              <a:t>Logic form</a:t>
-            </a:r>
-          </a:p>
-          <a:p>
-            <a:r>
-              <a:rPr lang="en-US" b="1" dirty="0" smtClean="0"/>
-              <a:t>(.lo)</a:t>
-            </a:r>
-            <a:endParaRPr lang="en-US" b="1" dirty="0"/>
-          </a:p>
-        </p:txBody>
-      </p:sp>
-      <p:sp>
-        <p:nvSpPr>
-          <p:cNvPr id="16" name="TextBox 15"/>
-          <p:cNvSpPr txBox="1"/>
-          <p:nvPr/>
-        </p:nvSpPr>
-        <p:spPr>
-          <a:xfrm>
-            <a:off x="4809067" y="5350930"/>
-            <a:ext cx="2421467" cy="830997"/>
-          </a:xfrm>
-          <a:prstGeom prst="rect">
+          <a:prstGeom prst="ellipse">
             <a:avLst/>
           </a:prstGeom>
           <a:noFill/>
           <a:ln>
             <a:solidFill>
-              <a:schemeClr val="tx1"/>
+              <a:srgbClr val="C00000"/>
             </a:solidFill>
           </a:ln>
         </p:spPr>
-        <p:txBody>
-          <a:bodyPr wrap="square" rtlCol="0">
-            <a:spAutoFit/>
-          </a:bodyPr>
-          <a:lstStyle/>
-          <a:p>
-            <a:r>
-              <a:rPr lang="en-US" sz="2400" dirty="0" smtClean="0"/>
-              <a:t>Natural Language Interface (NLI)</a:t>
-            </a:r>
-            <a:endParaRPr lang="en-US" sz="2400" dirty="0"/>
-          </a:p>
-        </p:txBody>
-      </p:sp>
-      <p:sp>
-        <p:nvSpPr>
-          <p:cNvPr id="17" name="TextBox 16"/>
-          <p:cNvSpPr txBox="1"/>
-          <p:nvPr/>
-        </p:nvSpPr>
-        <p:spPr>
-          <a:xfrm>
-            <a:off x="1573135" y="5437652"/>
-            <a:ext cx="2118333" cy="646331"/>
-          </a:xfrm>
-          <a:prstGeom prst="rect">
-            <a:avLst/>
-          </a:prstGeom>
-          <a:noFill/>
-          <a:ln>
-            <a:solidFill>
-              <a:schemeClr val="tx1"/>
-            </a:solidFill>
-          </a:ln>
-        </p:spPr>
-        <p:txBody>
-          <a:bodyPr wrap="square" rtlCol="0">
-            <a:spAutoFit/>
-          </a:bodyPr>
-          <a:lstStyle/>
-          <a:p>
-            <a:r>
-              <a:rPr lang="en-US" dirty="0" smtClean="0"/>
-              <a:t>Tagged query</a:t>
-            </a:r>
-          </a:p>
-          <a:p>
-            <a:r>
-              <a:rPr lang="en-US" dirty="0" smtClean="0"/>
-              <a:t>(.</a:t>
-            </a:r>
-            <a:r>
-              <a:rPr lang="en-US" dirty="0" err="1" smtClean="0"/>
-              <a:t>qu</a:t>
-            </a:r>
-            <a:r>
-              <a:rPr lang="en-US" dirty="0" smtClean="0"/>
-              <a:t>+.ta / .</a:t>
-            </a:r>
-            <a:r>
-              <a:rPr lang="en-US" dirty="0" err="1" smtClean="0"/>
-              <a:t>qux</a:t>
-            </a:r>
-            <a:r>
-              <a:rPr lang="en-US" dirty="0" smtClean="0"/>
-              <a:t>)</a:t>
-            </a:r>
-            <a:endParaRPr lang="en-US" dirty="0"/>
-          </a:p>
-        </p:txBody>
-      </p:sp>
-      <p:sp>
-        <p:nvSpPr>
-          <p:cNvPr id="18" name="TextBox 17"/>
-          <p:cNvSpPr txBox="1"/>
-          <p:nvPr/>
-        </p:nvSpPr>
-        <p:spPr>
-          <a:xfrm>
-            <a:off x="8568266" y="5437651"/>
-            <a:ext cx="1913467" cy="646331"/>
-          </a:xfrm>
-          <a:prstGeom prst="rect">
-            <a:avLst/>
-          </a:prstGeom>
-          <a:noFill/>
-          <a:ln>
-            <a:solidFill>
-              <a:schemeClr val="tx1"/>
-            </a:solidFill>
-          </a:ln>
-        </p:spPr>
-        <p:txBody>
-          <a:bodyPr wrap="square" rtlCol="0">
-            <a:spAutoFit/>
-          </a:bodyPr>
-          <a:lstStyle/>
-          <a:p>
-            <a:r>
-              <a:rPr lang="en-US" dirty="0"/>
-              <a:t>L</a:t>
-            </a:r>
-            <a:r>
-              <a:rPr lang="en-US" smtClean="0"/>
-              <a:t>ogical </a:t>
-            </a:r>
-            <a:r>
-              <a:rPr lang="en-US" dirty="0" smtClean="0"/>
-              <a:t>template</a:t>
-            </a:r>
-          </a:p>
-          <a:p>
-            <a:r>
-              <a:rPr lang="en-US" dirty="0" smtClean="0"/>
-              <a:t>(.lox)</a:t>
-            </a:r>
-            <a:endParaRPr lang="en-US" dirty="0"/>
-          </a:p>
-        </p:txBody>
-      </p:sp>
-      <p:cxnSp>
-        <p:nvCxnSpPr>
-          <p:cNvPr id="20" name="Straight Arrow Connector 19"/>
-          <p:cNvCxnSpPr>
-            <a:stCxn id="17" idx="3"/>
-            <a:endCxn id="16" idx="1"/>
-          </p:cNvCxnSpPr>
-          <p:nvPr/>
-        </p:nvCxnSpPr>
-        <p:spPr>
-          <a:xfrm>
-            <a:off x="3691468" y="5760818"/>
-            <a:ext cx="1117599" cy="5611"/>
-          </a:xfrm>
-          <a:prstGeom prst="straightConnector1">
-            <a:avLst/>
-          </a:prstGeom>
-          <a:ln>
-            <a:tailEnd type="triangle"/>
-          </a:ln>
-        </p:spPr>
         <p:style>
-          <a:lnRef idx="1">
-            <a:schemeClr val="accent1"/>
+          <a:lnRef idx="2">
+            <a:schemeClr val="accent1">
+              <a:shade val="50000"/>
+            </a:schemeClr>
           </a:lnRef>
-          <a:fillRef idx="0">
+          <a:fillRef idx="1">
             <a:schemeClr val="accent1"/>
           </a:fillRef>
           <a:effectRef idx="0">
             <a:schemeClr val="accent1"/>
           </a:effectRef>
           <a:fontRef idx="minor">
-            <a:schemeClr val="tx1"/>
+            <a:schemeClr val="lt1"/>
           </a:fontRef>
         </p:style>
-      </p:cxnSp>
-      <p:cxnSp>
-        <p:nvCxnSpPr>
-          <p:cNvPr id="22" name="Straight Arrow Connector 21"/>
-          <p:cNvCxnSpPr>
-            <a:stCxn id="16" idx="3"/>
-            <a:endCxn id="18" idx="1"/>
-          </p:cNvCxnSpPr>
-          <p:nvPr/>
-        </p:nvCxnSpPr>
-        <p:spPr>
-          <a:xfrm flipV="1">
-            <a:off x="7230534" y="5760817"/>
-            <a:ext cx="1337732" cy="5612"/>
-          </a:xfrm>
-          <a:prstGeom prst="straightConnector1">
-            <a:avLst/>
-          </a:prstGeom>
-          <a:ln>
-            <a:tailEnd type="triangle"/>
-          </a:ln>
-        </p:spPr>
-        <p:style>
-          <a:lnRef idx="1">
-            <a:schemeClr val="accent1"/>
-          </a:lnRef>
-          <a:fillRef idx="0">
-            <a:schemeClr val="accent1"/>
-          </a:fillRef>
-          <a:effectRef idx="0">
-            <a:schemeClr val="accent1"/>
-          </a:effectRef>
-          <a:fontRef idx="minor">
-            <a:schemeClr val="tx1"/>
-          </a:fontRef>
-        </p:style>
-      </p:cxnSp>
-      <p:cxnSp>
-        <p:nvCxnSpPr>
-          <p:cNvPr id="24" name="Straight Arrow Connector 23"/>
-          <p:cNvCxnSpPr/>
-          <p:nvPr/>
-        </p:nvCxnSpPr>
-        <p:spPr>
-          <a:xfrm>
-            <a:off x="1066800" y="2387601"/>
-            <a:ext cx="0" cy="2734398"/>
-          </a:xfrm>
-          <a:prstGeom prst="straightConnector1">
-            <a:avLst/>
-          </a:prstGeom>
-          <a:ln>
-            <a:tailEnd type="triangle"/>
-          </a:ln>
-        </p:spPr>
-        <p:style>
-          <a:lnRef idx="1">
-            <a:schemeClr val="accent1"/>
-          </a:lnRef>
-          <a:fillRef idx="0">
-            <a:schemeClr val="accent1"/>
-          </a:fillRef>
-          <a:effectRef idx="0">
-            <a:schemeClr val="accent1"/>
-          </a:effectRef>
-          <a:fontRef idx="minor">
-            <a:schemeClr val="tx1"/>
-          </a:fontRef>
-        </p:style>
-      </p:cxnSp>
+        <p:txBody>
+          <a:bodyPr rtlCol="0" anchor="ctr"/>
+          <a:lstStyle/>
+          <a:p>
+            <a:pPr algn="ctr"/>
+            <a:endParaRPr lang="en-US"/>
+          </a:p>
+        </p:txBody>
+      </p:sp>
     </p:spTree>
     <p:extLst>
       <p:ext uri="{BB962C8B-B14F-4D97-AF65-F5344CB8AC3E}">
-        <p14:creationId xmlns:p14="http://schemas.microsoft.com/office/powerpoint/2010/main" val="387437075"/>
+        <p14:creationId xmlns:p14="http://schemas.microsoft.com/office/powerpoint/2010/main" val="2098535240"/>
       </p:ext>
     </p:extLst>
   </p:cSld>
   <p:clrMapOvr>
     <a:masterClrMapping/>
   </p:clrMapOvr>
-  <p:timing>
-    <p:tnLst>
-      <p:par>
-        <p:cTn id="1" dur="indefinite" restart="never" nodeType="tmRoot">
-          <p:childTnLst>
-            <p:seq concurrent="1" nextAc="seek">
-              <p:cTn id="2" dur="indefinite" nodeType="mainSeq">
-                <p:childTnLst>
-                  <p:par>
-                    <p:cTn id="3" fill="hold">
-                      <p:stCondLst>
-                        <p:cond delay="indefinite"/>
-                      </p:stCondLst>
-                      <p:childTnLst>
-                        <p:par>
-                          <p:cTn id="4" fill="hold">
-                            <p:stCondLst>
-                              <p:cond delay="0"/>
-                            </p:stCondLst>
-                            <p:childTnLst>
-                              <p:par>
-                                <p:cTn id="5" presetID="14" presetClass="entr" presetSubtype="10" fill="hold" grpId="0" nodeType="clickEffect">
-                                  <p:stCondLst>
-                                    <p:cond delay="0"/>
-                                  </p:stCondLst>
-                                  <p:childTnLst>
-                                    <p:set>
-                                      <p:cBhvr>
-                                        <p:cTn id="6" dur="1" fill="hold">
-                                          <p:stCondLst>
-                                            <p:cond delay="0"/>
-                                          </p:stCondLst>
-                                        </p:cTn>
-                                        <p:tgtEl>
-                                          <p:spTgt spid="11"/>
-                                        </p:tgtEl>
-                                        <p:attrNameLst>
-                                          <p:attrName>style.visibility</p:attrName>
-                                        </p:attrNameLst>
-                                      </p:cBhvr>
-                                      <p:to>
-                                        <p:strVal val="visible"/>
-                                      </p:to>
-                                    </p:set>
-                                    <p:animEffect transition="in" filter="randombar(horizontal)">
-                                      <p:cBhvr>
-                                        <p:cTn id="7" dur="500"/>
-                                        <p:tgtEl>
-                                          <p:spTgt spid="11"/>
-                                        </p:tgtEl>
-                                      </p:cBhvr>
-                                    </p:animEffect>
-                                  </p:childTnLst>
-                                </p:cTn>
-                              </p:par>
-                              <p:par>
-                                <p:cTn id="8" presetID="14" presetClass="entr" presetSubtype="10" fill="hold" grpId="0" nodeType="withEffect">
-                                  <p:stCondLst>
-                                    <p:cond delay="0"/>
-                                  </p:stCondLst>
-                                  <p:childTnLst>
-                                    <p:set>
-                                      <p:cBhvr>
-                                        <p:cTn id="9" dur="1" fill="hold">
-                                          <p:stCondLst>
-                                            <p:cond delay="0"/>
-                                          </p:stCondLst>
-                                        </p:cTn>
-                                        <p:tgtEl>
-                                          <p:spTgt spid="12"/>
-                                        </p:tgtEl>
-                                        <p:attrNameLst>
-                                          <p:attrName>style.visibility</p:attrName>
-                                        </p:attrNameLst>
-                                      </p:cBhvr>
-                                      <p:to>
-                                        <p:strVal val="visible"/>
-                                      </p:to>
-                                    </p:set>
-                                    <p:animEffect transition="in" filter="randombar(horizontal)">
-                                      <p:cBhvr>
-                                        <p:cTn id="10" dur="500"/>
-                                        <p:tgtEl>
-                                          <p:spTgt spid="12"/>
-                                        </p:tgtEl>
-                                      </p:cBhvr>
-                                    </p:animEffect>
-                                  </p:childTnLst>
-                                </p:cTn>
-                              </p:par>
-                              <p:par>
-                                <p:cTn id="11" presetID="14" presetClass="entr" presetSubtype="10" fill="hold" grpId="0" nodeType="withEffect">
-                                  <p:stCondLst>
-                                    <p:cond delay="0"/>
-                                  </p:stCondLst>
-                                  <p:childTnLst>
-                                    <p:set>
-                                      <p:cBhvr>
-                                        <p:cTn id="12" dur="1" fill="hold">
-                                          <p:stCondLst>
-                                            <p:cond delay="0"/>
-                                          </p:stCondLst>
-                                        </p:cTn>
-                                        <p:tgtEl>
-                                          <p:spTgt spid="13"/>
-                                        </p:tgtEl>
-                                        <p:attrNameLst>
-                                          <p:attrName>style.visibility</p:attrName>
-                                        </p:attrNameLst>
-                                      </p:cBhvr>
-                                      <p:to>
-                                        <p:strVal val="visible"/>
-                                      </p:to>
-                                    </p:set>
-                                    <p:animEffect transition="in" filter="randombar(horizontal)">
-                                      <p:cBhvr>
-                                        <p:cTn id="13" dur="500"/>
-                                        <p:tgtEl>
-                                          <p:spTgt spid="13"/>
-                                        </p:tgtEl>
-                                      </p:cBhvr>
-                                    </p:animEffect>
-                                  </p:childTnLst>
-                                </p:cTn>
-                              </p:par>
-                              <p:par>
-                                <p:cTn id="14" presetID="14" presetClass="entr" presetSubtype="10" fill="hold" grpId="0" nodeType="withEffect">
-                                  <p:stCondLst>
-                                    <p:cond delay="0"/>
-                                  </p:stCondLst>
-                                  <p:childTnLst>
-                                    <p:set>
-                                      <p:cBhvr>
-                                        <p:cTn id="15" dur="1" fill="hold">
-                                          <p:stCondLst>
-                                            <p:cond delay="0"/>
-                                          </p:stCondLst>
-                                        </p:cTn>
-                                        <p:tgtEl>
-                                          <p:spTgt spid="14"/>
-                                        </p:tgtEl>
-                                        <p:attrNameLst>
-                                          <p:attrName>style.visibility</p:attrName>
-                                        </p:attrNameLst>
-                                      </p:cBhvr>
-                                      <p:to>
-                                        <p:strVal val="visible"/>
-                                      </p:to>
-                                    </p:set>
-                                    <p:animEffect transition="in" filter="randombar(horizontal)">
-                                      <p:cBhvr>
-                                        <p:cTn id="16" dur="500"/>
-                                        <p:tgtEl>
-                                          <p:spTgt spid="14"/>
-                                        </p:tgtEl>
-                                      </p:cBhvr>
-                                    </p:animEffect>
-                                  </p:childTnLst>
-                                </p:cTn>
-                              </p:par>
-                              <p:par>
-                                <p:cTn id="17" presetID="14" presetClass="entr" presetSubtype="10" fill="hold" grpId="0" nodeType="withEffect">
-                                  <p:stCondLst>
-                                    <p:cond delay="0"/>
-                                  </p:stCondLst>
-                                  <p:childTnLst>
-                                    <p:set>
-                                      <p:cBhvr>
-                                        <p:cTn id="18" dur="1" fill="hold">
-                                          <p:stCondLst>
-                                            <p:cond delay="0"/>
-                                          </p:stCondLst>
-                                        </p:cTn>
-                                        <p:tgtEl>
-                                          <p:spTgt spid="15"/>
-                                        </p:tgtEl>
-                                        <p:attrNameLst>
-                                          <p:attrName>style.visibility</p:attrName>
-                                        </p:attrNameLst>
-                                      </p:cBhvr>
-                                      <p:to>
-                                        <p:strVal val="visible"/>
-                                      </p:to>
-                                    </p:set>
-                                    <p:animEffect transition="in" filter="randombar(horizontal)">
-                                      <p:cBhvr>
-                                        <p:cTn id="19" dur="500"/>
-                                        <p:tgtEl>
-                                          <p:spTgt spid="15"/>
-                                        </p:tgtEl>
-                                      </p:cBhvr>
-                                    </p:animEffect>
-                                  </p:childTnLst>
-                                </p:cTn>
-                              </p:par>
-                              <p:par>
-                                <p:cTn id="20" presetID="14" presetClass="entr" presetSubtype="10" fill="hold" nodeType="withEffect">
-                                  <p:stCondLst>
-                                    <p:cond delay="0"/>
-                                  </p:stCondLst>
-                                  <p:childTnLst>
-                                    <p:set>
-                                      <p:cBhvr>
-                                        <p:cTn id="21" dur="1" fill="hold">
-                                          <p:stCondLst>
-                                            <p:cond delay="0"/>
-                                          </p:stCondLst>
-                                        </p:cTn>
-                                        <p:tgtEl>
-                                          <p:spTgt spid="24"/>
-                                        </p:tgtEl>
-                                        <p:attrNameLst>
-                                          <p:attrName>style.visibility</p:attrName>
-                                        </p:attrNameLst>
-                                      </p:cBhvr>
-                                      <p:to>
-                                        <p:strVal val="visible"/>
-                                      </p:to>
-                                    </p:set>
-                                    <p:animEffect transition="in" filter="randombar(horizontal)">
-                                      <p:cBhvr>
-                                        <p:cTn id="22" dur="500"/>
-                                        <p:tgtEl>
-                                          <p:spTgt spid="24"/>
-                                        </p:tgtEl>
-                                      </p:cBhvr>
-                                    </p:animEffect>
-                                  </p:childTnLst>
-                                </p:cTn>
-                              </p:par>
-                            </p:childTnLst>
-                          </p:cTn>
-                        </p:par>
-                      </p:childTnLst>
-                    </p:cTn>
-                  </p:par>
-                  <p:par>
-                    <p:cTn id="23" fill="hold">
-                      <p:stCondLst>
-                        <p:cond delay="indefinite"/>
-                      </p:stCondLst>
-                      <p:childTnLst>
-                        <p:par>
-                          <p:cTn id="24" fill="hold">
-                            <p:stCondLst>
-                              <p:cond delay="0"/>
-                            </p:stCondLst>
-                            <p:childTnLst>
-                              <p:par>
-                                <p:cTn id="25" presetID="14" presetClass="entr" presetSubtype="10" fill="hold" grpId="0" nodeType="clickEffect">
-                                  <p:stCondLst>
-                                    <p:cond delay="0"/>
-                                  </p:stCondLst>
-                                  <p:childTnLst>
-                                    <p:set>
-                                      <p:cBhvr>
-                                        <p:cTn id="26" dur="1" fill="hold">
-                                          <p:stCondLst>
-                                            <p:cond delay="0"/>
-                                          </p:stCondLst>
-                                        </p:cTn>
-                                        <p:tgtEl>
-                                          <p:spTgt spid="16"/>
-                                        </p:tgtEl>
-                                        <p:attrNameLst>
-                                          <p:attrName>style.visibility</p:attrName>
-                                        </p:attrNameLst>
-                                      </p:cBhvr>
-                                      <p:to>
-                                        <p:strVal val="visible"/>
-                                      </p:to>
-                                    </p:set>
-                                    <p:animEffect transition="in" filter="randombar(horizontal)">
-                                      <p:cBhvr>
-                                        <p:cTn id="27" dur="500"/>
-                                        <p:tgtEl>
-                                          <p:spTgt spid="16"/>
-                                        </p:tgtEl>
-                                      </p:cBhvr>
-                                    </p:animEffect>
-                                  </p:childTnLst>
-                                </p:cTn>
-                              </p:par>
-                              <p:par>
-                                <p:cTn id="28" presetID="14" presetClass="entr" presetSubtype="10" fill="hold" grpId="0" nodeType="withEffect">
-                                  <p:stCondLst>
-                                    <p:cond delay="0"/>
-                                  </p:stCondLst>
-                                  <p:childTnLst>
-                                    <p:set>
-                                      <p:cBhvr>
-                                        <p:cTn id="29" dur="1" fill="hold">
-                                          <p:stCondLst>
-                                            <p:cond delay="0"/>
-                                          </p:stCondLst>
-                                        </p:cTn>
-                                        <p:tgtEl>
-                                          <p:spTgt spid="17"/>
-                                        </p:tgtEl>
-                                        <p:attrNameLst>
-                                          <p:attrName>style.visibility</p:attrName>
-                                        </p:attrNameLst>
-                                      </p:cBhvr>
-                                      <p:to>
-                                        <p:strVal val="visible"/>
-                                      </p:to>
-                                    </p:set>
-                                    <p:animEffect transition="in" filter="randombar(horizontal)">
-                                      <p:cBhvr>
-                                        <p:cTn id="30" dur="500"/>
-                                        <p:tgtEl>
-                                          <p:spTgt spid="17"/>
-                                        </p:tgtEl>
-                                      </p:cBhvr>
-                                    </p:animEffect>
-                                  </p:childTnLst>
-                                </p:cTn>
-                              </p:par>
-                              <p:par>
-                                <p:cTn id="31" presetID="14" presetClass="entr" presetSubtype="10" fill="hold" grpId="0" nodeType="withEffect">
-                                  <p:stCondLst>
-                                    <p:cond delay="0"/>
-                                  </p:stCondLst>
-                                  <p:childTnLst>
-                                    <p:set>
-                                      <p:cBhvr>
-                                        <p:cTn id="32" dur="1" fill="hold">
-                                          <p:stCondLst>
-                                            <p:cond delay="0"/>
-                                          </p:stCondLst>
-                                        </p:cTn>
-                                        <p:tgtEl>
-                                          <p:spTgt spid="18"/>
-                                        </p:tgtEl>
-                                        <p:attrNameLst>
-                                          <p:attrName>style.visibility</p:attrName>
-                                        </p:attrNameLst>
-                                      </p:cBhvr>
-                                      <p:to>
-                                        <p:strVal val="visible"/>
-                                      </p:to>
-                                    </p:set>
-                                    <p:animEffect transition="in" filter="randombar(horizontal)">
-                                      <p:cBhvr>
-                                        <p:cTn id="33" dur="500"/>
-                                        <p:tgtEl>
-                                          <p:spTgt spid="18"/>
-                                        </p:tgtEl>
-                                      </p:cBhvr>
-                                    </p:animEffect>
-                                  </p:childTnLst>
-                                </p:cTn>
-                              </p:par>
-                              <p:par>
-                                <p:cTn id="34" presetID="14" presetClass="entr" presetSubtype="10" fill="hold" nodeType="withEffect">
-                                  <p:stCondLst>
-                                    <p:cond delay="0"/>
-                                  </p:stCondLst>
-                                  <p:childTnLst>
-                                    <p:set>
-                                      <p:cBhvr>
-                                        <p:cTn id="35" dur="1" fill="hold">
-                                          <p:stCondLst>
-                                            <p:cond delay="0"/>
-                                          </p:stCondLst>
-                                        </p:cTn>
-                                        <p:tgtEl>
-                                          <p:spTgt spid="20"/>
-                                        </p:tgtEl>
-                                        <p:attrNameLst>
-                                          <p:attrName>style.visibility</p:attrName>
-                                        </p:attrNameLst>
-                                      </p:cBhvr>
-                                      <p:to>
-                                        <p:strVal val="visible"/>
-                                      </p:to>
-                                    </p:set>
-                                    <p:animEffect transition="in" filter="randombar(horizontal)">
-                                      <p:cBhvr>
-                                        <p:cTn id="36" dur="500"/>
-                                        <p:tgtEl>
-                                          <p:spTgt spid="20"/>
-                                        </p:tgtEl>
-                                      </p:cBhvr>
-                                    </p:animEffect>
-                                  </p:childTnLst>
-                                </p:cTn>
-                              </p:par>
-                              <p:par>
-                                <p:cTn id="37" presetID="14" presetClass="entr" presetSubtype="10" fill="hold" nodeType="withEffect">
-                                  <p:stCondLst>
-                                    <p:cond delay="0"/>
-                                  </p:stCondLst>
-                                  <p:childTnLst>
-                                    <p:set>
-                                      <p:cBhvr>
-                                        <p:cTn id="38" dur="1" fill="hold">
-                                          <p:stCondLst>
-                                            <p:cond delay="0"/>
-                                          </p:stCondLst>
-                                        </p:cTn>
-                                        <p:tgtEl>
-                                          <p:spTgt spid="22"/>
-                                        </p:tgtEl>
-                                        <p:attrNameLst>
-                                          <p:attrName>style.visibility</p:attrName>
-                                        </p:attrNameLst>
-                                      </p:cBhvr>
-                                      <p:to>
-                                        <p:strVal val="visible"/>
-                                      </p:to>
-                                    </p:set>
-                                    <p:animEffect transition="in" filter="randombar(horizontal)">
-                                      <p:cBhvr>
-                                        <p:cTn id="39" dur="500"/>
-                                        <p:tgtEl>
-                                          <p:spTgt spid="22"/>
-                                        </p:tgtEl>
-                                      </p:cBhvr>
-                                    </p:animEffect>
-                                  </p:childTnLst>
-                                </p:cTn>
-                              </p:par>
-                            </p:childTnLst>
-                          </p:cTn>
-                        </p:par>
-                      </p:childTnLst>
-                    </p:cTn>
-                  </p:par>
-                </p:childTnLst>
-              </p:cTn>
-              <p:prevCondLst>
-                <p:cond evt="onPrev" delay="0">
-                  <p:tgtEl>
-                    <p:sldTgt/>
-                  </p:tgtEl>
-                </p:cond>
-              </p:prevCondLst>
-              <p:nextCondLst>
-                <p:cond evt="onNext" delay="0">
-                  <p:tgtEl>
-                    <p:sldTgt/>
-                  </p:tgtEl>
-                </p:cond>
-              </p:nextCondLst>
-            </p:seq>
-          </p:childTnLst>
-        </p:cTn>
-      </p:par>
-    </p:tnLst>
-    <p:bldLst>
-      <p:bldP spid="11" grpId="0"/>
-      <p:bldP spid="12" grpId="0"/>
-      <p:bldP spid="13" grpId="0"/>
-      <p:bldP spid="14" grpId="0"/>
-      <p:bldP spid="15" grpId="0"/>
-      <p:bldP spid="16" grpId="0" animBg="1"/>
-      <p:bldP spid="17" grpId="0" animBg="1"/>
-      <p:bldP spid="18" grpId="0" animBg="1"/>
-    </p:bldLst>
-  </p:timing>
 </p:sld>
 </file>
 

--- a/dnnQuery2.pptx
+++ b/dnnQuery2.pptx
@@ -6171,30 +6171,6 @@
           <a:chExt cx="0" cy="0"/>
         </a:xfrm>
       </p:grpSpPr>
-      <p:pic>
-        <p:nvPicPr>
-          <p:cNvPr id="2" name="Picture 1"/>
-          <p:cNvPicPr>
-            <a:picLocks noChangeAspect="1"/>
-          </p:cNvPicPr>
-          <p:nvPr/>
-        </p:nvPicPr>
-        <p:blipFill>
-          <a:blip r:embed="rId2"/>
-          <a:stretch>
-            <a:fillRect/>
-          </a:stretch>
-        </p:blipFill>
-        <p:spPr>
-          <a:xfrm>
-            <a:off x="882650" y="1669366"/>
-            <a:ext cx="10502900" cy="3937000"/>
-          </a:xfrm>
-          <a:prstGeom prst="rect">
-            <a:avLst/>
-          </a:prstGeom>
-        </p:spPr>
-      </p:pic>
       <p:sp>
         <p:nvSpPr>
           <p:cNvPr id="3" name="Rectangle 2"/>
@@ -6217,16 +6193,93 @@
           <a:lstStyle/>
           <a:p>
             <a:r>
+              <a:rPr lang="en-US" dirty="0" smtClean="0"/>
+              <a:t>Input: for </a:t>
+            </a:r>
+            <a:r>
+              <a:rPr lang="en-US"/>
+              <a:t>&lt;</a:t>
+            </a:r>
+            <a:r>
               <a:rPr lang="en-US" smtClean="0"/>
-              <a:t>Input: for </a:t>
+              <a:t>field:0&gt; </a:t>
             </a:r>
             <a:r>
               <a:rPr lang="en-US" dirty="0"/>
-              <a:t>&lt;field&gt; with more than &lt;value&gt; &lt;field&gt; and &lt;field&gt; less than &lt;value&gt;, &lt;field&gt; has the most &lt;field&gt;</a:t>
-            </a:r>
+              <a:t>with more than </a:t>
+            </a:r>
+            <a:r>
+              <a:rPr lang="en-US" dirty="0" smtClean="0"/>
+              <a:t>400 </a:t>
+            </a:r>
+            <a:r>
+              <a:rPr lang="en-US" smtClean="0"/>
+              <a:t>&lt;field:1&gt; </a:t>
+            </a:r>
+            <a:r>
+              <a:rPr lang="en-US" dirty="0"/>
+              <a:t>and </a:t>
+            </a:r>
+            <a:r>
+              <a:rPr lang="en-US"/>
+              <a:t>&lt;</a:t>
+            </a:r>
+            <a:r>
+              <a:rPr lang="en-US" smtClean="0"/>
+              <a:t>field:2&gt; </a:t>
+            </a:r>
+            <a:r>
+              <a:rPr lang="en-US" dirty="0"/>
+              <a:t>less </a:t>
+            </a:r>
+            <a:r>
+              <a:rPr lang="en-US"/>
+              <a:t>than </a:t>
+            </a:r>
+            <a:r>
+              <a:rPr lang="en-US" smtClean="0"/>
+              <a:t>14 , &lt;field:0&gt; </a:t>
+            </a:r>
+            <a:r>
+              <a:rPr lang="en-US" dirty="0"/>
+              <a:t>has the most </a:t>
+            </a:r>
+            <a:r>
+              <a:rPr lang="en-US"/>
+              <a:t>&lt;</a:t>
+            </a:r>
+            <a:r>
+              <a:rPr lang="en-US" smtClean="0"/>
+              <a:t>field:3&gt;</a:t>
+            </a:r>
+            <a:endParaRPr lang="en-US" dirty="0"/>
           </a:p>
         </p:txBody>
       </p:sp>
+      <p:pic>
+        <p:nvPicPr>
+          <p:cNvPr id="4" name="Picture 3"/>
+          <p:cNvPicPr>
+            <a:picLocks noChangeAspect="1"/>
+          </p:cNvPicPr>
+          <p:nvPr/>
+        </p:nvPicPr>
+        <p:blipFill>
+          <a:blip r:embed="rId2"/>
+          <a:stretch>
+            <a:fillRect/>
+          </a:stretch>
+        </p:blipFill>
+        <p:spPr>
+          <a:xfrm>
+            <a:off x="869950" y="1708150"/>
+            <a:ext cx="10452100" cy="3441700"/>
+          </a:xfrm>
+          <a:prstGeom prst="rect">
+            <a:avLst/>
+          </a:prstGeom>
+        </p:spPr>
+      </p:pic>
     </p:spTree>
     <p:extLst>
       <p:ext uri="{BB962C8B-B14F-4D97-AF65-F5344CB8AC3E}">

--- a/dnnQuery2.pptx
+++ b/dnnQuery2.pptx
@@ -5,7 +5,7 @@
     <p:sldMasterId id="2147483780" r:id="rId1"/>
   </p:sldMasterIdLst>
   <p:notesMasterIdLst>
-    <p:notesMasterId r:id="rId18"/>
+    <p:notesMasterId r:id="rId19"/>
   </p:notesMasterIdLst>
   <p:sldIdLst>
     <p:sldId id="269" r:id="rId2"/>
@@ -18,12 +18,13 @@
     <p:sldId id="292" r:id="rId9"/>
     <p:sldId id="293" r:id="rId10"/>
     <p:sldId id="294" r:id="rId11"/>
-    <p:sldId id="260" r:id="rId12"/>
-    <p:sldId id="289" r:id="rId13"/>
-    <p:sldId id="290" r:id="rId14"/>
-    <p:sldId id="291" r:id="rId15"/>
-    <p:sldId id="274" r:id="rId16"/>
-    <p:sldId id="275" r:id="rId17"/>
+    <p:sldId id="295" r:id="rId12"/>
+    <p:sldId id="260" r:id="rId13"/>
+    <p:sldId id="289" r:id="rId14"/>
+    <p:sldId id="290" r:id="rId15"/>
+    <p:sldId id="291" r:id="rId16"/>
+    <p:sldId id="274" r:id="rId17"/>
+    <p:sldId id="275" r:id="rId18"/>
   </p:sldIdLst>
   <p:sldSz cx="12192000" cy="6858000"/>
   <p:notesSz cx="6858000" cy="9144000"/>
@@ -778,7 +779,7 @@
           <a:p>
             <a:fld id="{F462D47B-A527-614C-BCC4-5E0D5E97ED78}" type="slidenum">
               <a:rPr lang="en-US" smtClean="0"/>
-              <a:t>15</a:t>
+              <a:t>16</a:t>
             </a:fld>
             <a:endParaRPr lang="en-US"/>
           </a:p>
@@ -1637,7 +1638,15 @@
           <a:p>
             <a:r>
               <a:rPr lang="en-US" dirty="0" smtClean="0"/>
-              <a:t>Attention-based seq2seq DNN</a:t>
+              <a:t>Attention-based </a:t>
+            </a:r>
+            <a:r>
+              <a:rPr lang="en-US" smtClean="0"/>
+              <a:t>seq2seq </a:t>
+            </a:r>
+            <a:r>
+              <a:rPr lang="en-US" smtClean="0"/>
+              <a:t>DNN, </a:t>
             </a:r>
             <a:endParaRPr lang="en-US" dirty="0"/>
           </a:p>
@@ -1660,7 +1669,7 @@
           <a:p>
             <a:fld id="{F462D47B-A527-614C-BCC4-5E0D5E97ED78}" type="slidenum">
               <a:rPr lang="en-US" smtClean="0"/>
-              <a:t>11</a:t>
+              <a:t>12</a:t>
             </a:fld>
             <a:endParaRPr lang="en-US"/>
           </a:p>
@@ -1753,7 +1762,7 @@
           <a:p>
             <a:fld id="{F462D47B-A527-614C-BCC4-5E0D5E97ED78}" type="slidenum">
               <a:rPr lang="en-US" smtClean="0"/>
-              <a:t>12</a:t>
+              <a:t>13</a:t>
             </a:fld>
             <a:endParaRPr lang="en-US"/>
           </a:p>
@@ -1846,7 +1855,7 @@
           <a:p>
             <a:fld id="{F462D47B-A527-614C-BCC4-5E0D5E97ED78}" type="slidenum">
               <a:rPr lang="en-US" smtClean="0"/>
-              <a:t>13</a:t>
+              <a:t>14</a:t>
             </a:fld>
             <a:endParaRPr lang="en-US"/>
           </a:p>
@@ -1939,7 +1948,7 @@
           <a:p>
             <a:fld id="{F462D47B-A527-614C-BCC4-5E0D5E97ED78}" type="slidenum">
               <a:rPr lang="en-US" smtClean="0"/>
-              <a:t>14</a:t>
+              <a:t>15</a:t>
             </a:fld>
             <a:endParaRPr lang="en-US"/>
           </a:p>
@@ -6197,11 +6206,11 @@
               <a:t>Input: for </a:t>
             </a:r>
             <a:r>
-              <a:rPr lang="en-US"/>
+              <a:rPr lang="en-US" dirty="0"/>
               <a:t>&lt;</a:t>
             </a:r>
             <a:r>
-              <a:rPr lang="en-US" smtClean="0"/>
+              <a:rPr lang="en-US" dirty="0" smtClean="0"/>
               <a:t>field:0&gt; </a:t>
             </a:r>
             <a:r>
@@ -6210,46 +6219,30 @@
             </a:r>
             <a:r>
               <a:rPr lang="en-US" dirty="0" smtClean="0"/>
-              <a:t>400 </a:t>
-            </a:r>
-            <a:r>
-              <a:rPr lang="en-US" smtClean="0"/>
-              <a:t>&lt;field:1&gt; </a:t>
+              <a:t>400 &lt;field:1&gt; </a:t>
             </a:r>
             <a:r>
               <a:rPr lang="en-US" dirty="0"/>
-              <a:t>and </a:t>
-            </a:r>
-            <a:r>
-              <a:rPr lang="en-US"/>
-              <a:t>&lt;</a:t>
-            </a:r>
-            <a:r>
-              <a:rPr lang="en-US" smtClean="0"/>
+              <a:t>and &lt;</a:t>
+            </a:r>
+            <a:r>
+              <a:rPr lang="en-US" dirty="0" smtClean="0"/>
               <a:t>field:2&gt; </a:t>
             </a:r>
             <a:r>
               <a:rPr lang="en-US" dirty="0"/>
-              <a:t>less </a:t>
-            </a:r>
-            <a:r>
-              <a:rPr lang="en-US"/>
-              <a:t>than </a:t>
-            </a:r>
-            <a:r>
-              <a:rPr lang="en-US" smtClean="0"/>
+              <a:t>less than </a:t>
+            </a:r>
+            <a:r>
+              <a:rPr lang="en-US" dirty="0" smtClean="0"/>
               <a:t>14 , &lt;field:0&gt; </a:t>
             </a:r>
             <a:r>
               <a:rPr lang="en-US" dirty="0"/>
-              <a:t>has the most </a:t>
-            </a:r>
-            <a:r>
-              <a:rPr lang="en-US"/>
-              <a:t>&lt;</a:t>
-            </a:r>
-            <a:r>
-              <a:rPr lang="en-US" smtClean="0"/>
+              <a:t>has the most &lt;</a:t>
+            </a:r>
+            <a:r>
+              <a:rPr lang="en-US" dirty="0" smtClean="0"/>
               <a:t>field:3&gt;</a:t>
             </a:r>
             <a:endParaRPr lang="en-US" dirty="0"/>
@@ -6310,6 +6303,418 @@
           <a:chExt cx="0" cy="0"/>
         </a:xfrm>
       </p:grpSpPr>
+      <p:sp>
+        <p:nvSpPr>
+          <p:cNvPr id="2" name="Rectangle 1"/>
+          <p:cNvSpPr/>
+          <p:nvPr/>
+        </p:nvSpPr>
+        <p:spPr>
+          <a:xfrm>
+            <a:off x="787400" y="520699"/>
+            <a:ext cx="10299700" cy="5478423"/>
+          </a:xfrm>
+          <a:prstGeom prst="rect">
+            <a:avLst/>
+          </a:prstGeom>
+        </p:spPr>
+        <p:txBody>
+          <a:bodyPr wrap="square">
+            <a:spAutoFit/>
+          </a:bodyPr>
+          <a:lstStyle/>
+          <a:p>
+            <a:r>
+              <a:rPr lang="en-US" sz="1400" dirty="0">
+                <a:solidFill>
+                  <a:srgbClr val="000000"/>
+                </a:solidFill>
+                <a:latin typeface="Menlo" charset="0"/>
+              </a:rPr>
+              <a:t>### example: 996 ###</a:t>
+            </a:r>
+          </a:p>
+          <a:p>
+            <a:r>
+              <a:rPr lang="en-US" sz="1400" dirty="0">
+                <a:solidFill>
+                  <a:srgbClr val="000000"/>
+                </a:solidFill>
+                <a:latin typeface="Menlo" charset="0"/>
+              </a:rPr>
+              <a:t>Year 1st_Venue 2nd_Venue 3rd_Venue 4th_Venue 5th_Venue 6th_Venue</a:t>
+            </a:r>
+          </a:p>
+          <a:p>
+            <a:r>
+              <a:rPr lang="en-US" sz="1400" dirty="0">
+                <a:solidFill>
+                  <a:srgbClr val="000000"/>
+                </a:solidFill>
+                <a:latin typeface="Menlo" charset="0"/>
+              </a:rPr>
+              <a:t>when the 1st_venue was </a:t>
+            </a:r>
+            <a:r>
+              <a:rPr lang="en-US" sz="1400" dirty="0" err="1">
+                <a:solidFill>
+                  <a:srgbClr val="000000"/>
+                </a:solidFill>
+                <a:latin typeface="Menlo" charset="0"/>
+              </a:rPr>
+              <a:t>beijing</a:t>
+            </a:r>
+            <a:r>
+              <a:rPr lang="en-US" sz="1400" dirty="0">
+                <a:solidFill>
+                  <a:srgbClr val="000000"/>
+                </a:solidFill>
+                <a:latin typeface="Menlo" charset="0"/>
+              </a:rPr>
+              <a:t> and 2nd_venue was </a:t>
+            </a:r>
+            <a:r>
+              <a:rPr lang="en-US" sz="1400" dirty="0" err="1">
+                <a:solidFill>
+                  <a:srgbClr val="000000"/>
+                </a:solidFill>
+                <a:latin typeface="Menlo" charset="0"/>
+              </a:rPr>
+              <a:t>dubai</a:t>
+            </a:r>
+            <a:r>
+              <a:rPr lang="en-US" sz="1400" dirty="0">
+                <a:solidFill>
+                  <a:srgbClr val="000000"/>
+                </a:solidFill>
+                <a:latin typeface="Menlo" charset="0"/>
+              </a:rPr>
+              <a:t>, which city was the most recent 3rd_venue</a:t>
+            </a:r>
+          </a:p>
+          <a:p>
+            <a:r>
+              <a:rPr lang="en-US" sz="1400" dirty="0">
+                <a:solidFill>
+                  <a:srgbClr val="000000"/>
+                </a:solidFill>
+                <a:latin typeface="Menlo" charset="0"/>
+              </a:rPr>
+              <a:t>select 3rd_Venue </a:t>
+            </a:r>
+            <a:r>
+              <a:rPr lang="en-US" sz="1400" dirty="0" err="1">
+                <a:solidFill>
+                  <a:srgbClr val="000000"/>
+                </a:solidFill>
+                <a:latin typeface="Menlo" charset="0"/>
+              </a:rPr>
+              <a:t>argmax</a:t>
+            </a:r>
+            <a:r>
+              <a:rPr lang="en-US" sz="1400" dirty="0">
+                <a:solidFill>
+                  <a:srgbClr val="000000"/>
+                </a:solidFill>
+                <a:latin typeface="Menlo" charset="0"/>
+              </a:rPr>
+              <a:t> Year where 1st_Venue equal Beijing and 2nd_Venue equal Dubai</a:t>
+            </a:r>
+          </a:p>
+          <a:p>
+            <a:r>
+              <a:rPr lang="en-US" sz="1400" dirty="0">
+                <a:solidFill>
+                  <a:srgbClr val="000000"/>
+                </a:solidFill>
+                <a:latin typeface="Menlo" charset="0"/>
+              </a:rPr>
+              <a:t/>
+            </a:r>
+            <a:br>
+              <a:rPr lang="en-US" sz="1400" dirty="0">
+                <a:solidFill>
+                  <a:srgbClr val="000000"/>
+                </a:solidFill>
+                <a:latin typeface="Menlo" charset="0"/>
+              </a:rPr>
+            </a:br>
+            <a:endParaRPr lang="en-US" sz="1400" dirty="0">
+              <a:solidFill>
+                <a:srgbClr val="000000"/>
+              </a:solidFill>
+              <a:latin typeface="Menlo" charset="0"/>
+            </a:endParaRPr>
+          </a:p>
+          <a:p>
+            <a:r>
+              <a:rPr lang="en-US" sz="1400" dirty="0">
+                <a:solidFill>
+                  <a:srgbClr val="000000"/>
+                </a:solidFill>
+                <a:latin typeface="Menlo" charset="0"/>
+              </a:rPr>
+              <a:t>['&lt;field&gt;', 'Year']</a:t>
+            </a:r>
+          </a:p>
+          <a:p>
+            <a:r>
+              <a:rPr lang="en-US" sz="1400" dirty="0">
+                <a:solidFill>
+                  <a:srgbClr val="000000"/>
+                </a:solidFill>
+                <a:latin typeface="Menlo" charset="0"/>
+              </a:rPr>
+              <a:t>['&lt;field&gt;', '1st_Venue']</a:t>
+            </a:r>
+          </a:p>
+          <a:p>
+            <a:r>
+              <a:rPr lang="en-US" sz="1400" dirty="0">
+                <a:solidFill>
+                  <a:srgbClr val="000000"/>
+                </a:solidFill>
+                <a:latin typeface="Menlo" charset="0"/>
+              </a:rPr>
+              <a:t>['&lt;field&gt;', '2nd_Venue']</a:t>
+            </a:r>
+          </a:p>
+          <a:p>
+            <a:r>
+              <a:rPr lang="en-US" sz="1400" dirty="0">
+                <a:solidFill>
+                  <a:srgbClr val="000000"/>
+                </a:solidFill>
+                <a:latin typeface="Menlo" charset="0"/>
+              </a:rPr>
+              <a:t>['&lt;field&gt;', '1st_Venue;2nd_Venue;3rd_Venue;4th_Venue']</a:t>
+            </a:r>
+          </a:p>
+          <a:p>
+            <a:r>
+              <a:rPr lang="en-US" sz="1400" dirty="0">
+                <a:solidFill>
+                  <a:srgbClr val="000000"/>
+                </a:solidFill>
+                <a:latin typeface="Menlo" charset="0"/>
+              </a:rPr>
+              <a:t>['&lt;field&gt;', '3rd_Venue']</a:t>
+            </a:r>
+          </a:p>
+          <a:p>
+            <a:r>
+              <a:rPr lang="en-US" sz="1400" dirty="0">
+                <a:solidFill>
+                  <a:srgbClr val="000000"/>
+                </a:solidFill>
+                <a:latin typeface="Menlo" charset="0"/>
+              </a:rPr>
+              <a:t>['&lt;value&gt;', '1st_Venue;2nd_Venue;3rd_Venue;4th_Venue']</a:t>
+            </a:r>
+          </a:p>
+          <a:p>
+            <a:r>
+              <a:rPr lang="en-US" sz="1400" dirty="0">
+                <a:solidFill>
+                  <a:srgbClr val="000000"/>
+                </a:solidFill>
+                <a:latin typeface="Menlo" charset="0"/>
+              </a:rPr>
+              <a:t>['&lt;value&gt;', '1st_Venue;2nd_Venue;3rd_Venue;4th_Venue']</a:t>
+            </a:r>
+          </a:p>
+          <a:p>
+            <a:r>
+              <a:rPr lang="en-US" sz="1400" dirty="0">
+                <a:solidFill>
+                  <a:srgbClr val="000000"/>
+                </a:solidFill>
+                <a:latin typeface="Menlo" charset="0"/>
+              </a:rPr>
+              <a:t>[(0, 0)]</a:t>
+            </a:r>
+          </a:p>
+          <a:p>
+            <a:r>
+              <a:rPr lang="en-US" sz="1400" dirty="0">
+                <a:solidFill>
+                  <a:srgbClr val="000000"/>
+                </a:solidFill>
+                <a:latin typeface="Menlo" charset="0"/>
+              </a:rPr>
+              <a:t>[]</a:t>
+            </a:r>
+          </a:p>
+          <a:p>
+            <a:r>
+              <a:rPr lang="en-US" sz="1400" dirty="0">
+                <a:solidFill>
+                  <a:srgbClr val="000000"/>
+                </a:solidFill>
+                <a:latin typeface="Menlo" charset="0"/>
+              </a:rPr>
+              <a:t>[(2, 1), (6, 2), (16, 4)]</a:t>
+            </a:r>
+          </a:p>
+          <a:p>
+            <a:r>
+              <a:rPr lang="en-US" sz="1400" dirty="0">
+                <a:solidFill>
+                  <a:srgbClr val="000000"/>
+                </a:solidFill>
+                <a:latin typeface="Menlo" charset="0"/>
+              </a:rPr>
+              <a:t>[4, 8]</a:t>
+            </a:r>
+          </a:p>
+          <a:p>
+            <a:r>
+              <a:rPr lang="en-US" sz="1400" dirty="0">
+                <a:solidFill>
+                  <a:srgbClr val="000000"/>
+                </a:solidFill>
+                <a:latin typeface="Menlo" charset="0"/>
+              </a:rPr>
+              <a:t>Year 1st_Venue 2nd_Venue 1st_Venue;2nd_Venue;3rd_Venue;4th_Venue 3rd_Venue</a:t>
+            </a:r>
+          </a:p>
+          <a:p>
+            <a:r>
+              <a:rPr lang="en-US" sz="1400" dirty="0">
+                <a:solidFill>
+                  <a:srgbClr val="000000"/>
+                </a:solidFill>
+                <a:latin typeface="Menlo" charset="0"/>
+              </a:rPr>
+              <a:t>&lt;nan&gt; </a:t>
+            </a:r>
+            <a:r>
+              <a:rPr lang="en-US" sz="1400" dirty="0" err="1">
+                <a:solidFill>
+                  <a:srgbClr val="000000"/>
+                </a:solidFill>
+                <a:latin typeface="Menlo" charset="0"/>
+              </a:rPr>
+              <a:t>beijing</a:t>
+            </a:r>
+            <a:r>
+              <a:rPr lang="en-US" sz="1400" dirty="0">
+                <a:solidFill>
+                  <a:srgbClr val="000000"/>
+                </a:solidFill>
+                <a:latin typeface="Menlo" charset="0"/>
+              </a:rPr>
+              <a:t> </a:t>
+            </a:r>
+            <a:r>
+              <a:rPr lang="en-US" sz="1400" dirty="0" err="1">
+                <a:solidFill>
+                  <a:srgbClr val="000000"/>
+                </a:solidFill>
+                <a:latin typeface="Menlo" charset="0"/>
+              </a:rPr>
+              <a:t>dubai</a:t>
+            </a:r>
+            <a:r>
+              <a:rPr lang="en-US" sz="1400" dirty="0">
+                <a:solidFill>
+                  <a:srgbClr val="000000"/>
+                </a:solidFill>
+                <a:latin typeface="Menlo" charset="0"/>
+              </a:rPr>
+              <a:t> &lt;nan&gt; &lt;nan&gt;</a:t>
+            </a:r>
+          </a:p>
+          <a:p>
+            <a:r>
+              <a:rPr lang="en-US" sz="1400" dirty="0">
+                <a:solidFill>
+                  <a:srgbClr val="000000"/>
+                </a:solidFill>
+                <a:latin typeface="Menlo" charset="0"/>
+              </a:rPr>
+              <a:t>&lt;field&gt;:0 &lt;nan&gt; &lt;field&gt;:1 &lt;nan&gt; &lt;value&gt;:1 &lt;nan&gt; &lt;field&gt;:2 &lt;nan&gt; &lt;value&gt;:2 &lt;nan&gt; &lt;nan&gt; &lt;field&gt;:3 &lt;nan&gt; &lt;nan&gt; &lt;nan&gt; &lt;nan&gt; &lt;field&gt;:4</a:t>
+            </a:r>
+          </a:p>
+          <a:p>
+            <a:r>
+              <a:rPr lang="en-US" sz="1400" dirty="0">
+                <a:solidFill>
+                  <a:srgbClr val="000000"/>
+                </a:solidFill>
+                <a:latin typeface="Menlo" charset="0"/>
+              </a:rPr>
+              <a:t>&lt;field&gt;:0 the &lt;field&gt;:1 was &lt;value&gt;:1 and &lt;field&gt;:2 was &lt;value&gt;:2 , which &lt;field&gt;:3 was the most recent &lt;field&gt;:4</a:t>
+            </a:r>
+          </a:p>
+          <a:p>
+            <a:r>
+              <a:rPr lang="en-US" sz="1400" dirty="0">
+                <a:solidFill>
+                  <a:srgbClr val="000000"/>
+                </a:solidFill>
+                <a:latin typeface="Menlo" charset="0"/>
+              </a:rPr>
+              <a:t>select &lt;field&gt;:4 </a:t>
+            </a:r>
+            <a:r>
+              <a:rPr lang="en-US" sz="1400" dirty="0" err="1">
+                <a:solidFill>
+                  <a:srgbClr val="000000"/>
+                </a:solidFill>
+                <a:latin typeface="Menlo" charset="0"/>
+              </a:rPr>
+              <a:t>argmax</a:t>
+            </a:r>
+            <a:r>
+              <a:rPr lang="en-US" sz="1400" dirty="0">
+                <a:solidFill>
+                  <a:srgbClr val="000000"/>
+                </a:solidFill>
+                <a:latin typeface="Menlo" charset="0"/>
+              </a:rPr>
+              <a:t> &lt;field&gt;:0 where &lt;field&gt;:1 equal &lt;value&gt;:1 and &lt;field&gt;:2 equal &lt;value&gt;:2</a:t>
+            </a:r>
+            <a:endParaRPr lang="en-US" sz="1400" dirty="0">
+              <a:solidFill>
+                <a:srgbClr val="000000"/>
+              </a:solidFill>
+              <a:effectLst/>
+              <a:latin typeface="Menlo" charset="0"/>
+            </a:endParaRPr>
+          </a:p>
+        </p:txBody>
+      </p:sp>
+    </p:spTree>
+    <p:extLst>
+      <p:ext uri="{BB962C8B-B14F-4D97-AF65-F5344CB8AC3E}">
+        <p14:creationId xmlns:p14="http://schemas.microsoft.com/office/powerpoint/2010/main" val="900761579"/>
+      </p:ext>
+    </p:extLst>
+  </p:cSld>
+  <p:clrMapOvr>
+    <a:masterClrMapping/>
+  </p:clrMapOvr>
+</p:sld>
+</file>
+
+<file path=ppt/slides/slide12.xml><?xml version="1.0" encoding="utf-8"?>
+<p:sld xmlns:a="http://schemas.openxmlformats.org/drawingml/2006/main" xmlns:r="http://schemas.openxmlformats.org/officeDocument/2006/relationships" xmlns:p="http://schemas.openxmlformats.org/presentationml/2006/main">
+  <p:cSld>
+    <p:spTree>
+      <p:nvGrpSpPr>
+        <p:cNvPr id="1" name=""/>
+        <p:cNvGrpSpPr/>
+        <p:nvPr/>
+      </p:nvGrpSpPr>
+      <p:grpSpPr>
+        <a:xfrm>
+          <a:off x="0" y="0"/>
+          <a:ext cx="0" cy="0"/>
+          <a:chOff x="0" y="0"/>
+          <a:chExt cx="0" cy="0"/>
+        </a:xfrm>
+      </p:grpSpPr>
       <p:pic>
         <p:nvPicPr>
           <p:cNvPr id="2" name="Picture 1"/>
@@ -6318,7 +6723,7 @@
           </p:cNvPicPr>
           <p:nvPr/>
         </p:nvPicPr>
-        <p:blipFill>
+        <p:blipFill rotWithShape="1">
           <a:blip r:embed="rId3">
             <a:extLst>
               <a:ext uri="{28A0092B-C50C-407E-A947-70E740481C1C}">
@@ -6326,22 +6731,21 @@
               </a:ext>
             </a:extLst>
           </a:blip>
-          <a:stretch>
-            <a:fillRect/>
-          </a:stretch>
+          <a:srcRect b="18543"/>
+          <a:stretch/>
         </p:blipFill>
         <p:spPr>
           <a:xfrm>
-            <a:off x="3202899" y="1869858"/>
-            <a:ext cx="5530935" cy="3120187"/>
+            <a:off x="3225438" y="2338862"/>
+            <a:ext cx="5530935" cy="2541623"/>
           </a:xfrm>
           <a:prstGeom prst="rect">
             <a:avLst/>
           </a:prstGeom>
         </p:spPr>
       </p:pic>
-      <mc:AlternateContent xmlns:mc="http://schemas.openxmlformats.org/markup-compatibility/2006" xmlns:a14="http://schemas.microsoft.com/office/drawing/2010/main">
-        <mc:Choice Requires="a14">
+      <mc:AlternateContent xmlns:mc="http://schemas.openxmlformats.org/markup-compatibility/2006">
+        <mc:Choice xmlns:a14="http://schemas.microsoft.com/office/drawing/2010/main" Requires="a14">
           <p:sp>
             <p:nvSpPr>
               <p:cNvPr id="3" name="TextBox 2"/>
@@ -6350,7 +6754,7 @@
             </p:nvSpPr>
             <p:spPr>
               <a:xfrm>
-                <a:off x="4814343" y="5306518"/>
+                <a:off x="8595983" y="677645"/>
                 <a:ext cx="2526589" cy="336952"/>
               </a:xfrm>
               <a:prstGeom prst="rect">
@@ -6520,7 +6924,7 @@
             </p:txBody>
           </p:sp>
         </mc:Choice>
-        <mc:Fallback xmlns="">
+        <mc:Fallback>
           <p:sp>
             <p:nvSpPr>
               <p:cNvPr id="3" name="TextBox 2"/>
@@ -6531,7 +6935,7 @@
             </p:nvSpPr>
             <p:spPr>
               <a:xfrm>
-                <a:off x="3290342" y="5306518"/>
+                <a:off x="8595983" y="677645"/>
                 <a:ext cx="2526589" cy="336952"/>
               </a:xfrm>
               <a:prstGeom prst="rect">
@@ -6540,7 +6944,7 @@
               <a:blipFill rotWithShape="0">
                 <a:blip r:embed="rId4"/>
                 <a:stretch>
-                  <a:fillRect l="-2174" r="-3623" b="-32143"/>
+                  <a:fillRect l="-2169" r="-3373" b="-34545"/>
                 </a:stretch>
               </a:blipFill>
             </p:spPr>
@@ -6582,8 +6986,8 @@
           </a:p>
         </p:txBody>
       </p:sp>
-      <mc:AlternateContent xmlns:mc="http://schemas.openxmlformats.org/markup-compatibility/2006" xmlns:a14="http://schemas.microsoft.com/office/drawing/2010/main">
-        <mc:Choice Requires="a14">
+      <mc:AlternateContent xmlns:mc="http://schemas.openxmlformats.org/markup-compatibility/2006">
+        <mc:Choice xmlns:a14="http://schemas.microsoft.com/office/drawing/2010/main" Requires="a14">
           <p:sp>
             <p:nvSpPr>
               <p:cNvPr id="5" name="Rectangle 4"/>
@@ -6592,7 +6996,7 @@
             </p:nvSpPr>
             <p:spPr>
               <a:xfrm>
-                <a:off x="3793048" y="5732702"/>
+                <a:off x="7574688" y="1103829"/>
                 <a:ext cx="4744312" cy="417807"/>
               </a:xfrm>
               <a:prstGeom prst="rect">
@@ -6850,7 +7254,7 @@
             </p:txBody>
           </p:sp>
         </mc:Choice>
-        <mc:Fallback xmlns="">
+        <mc:Fallback>
           <p:sp>
             <p:nvSpPr>
               <p:cNvPr id="5" name="Rectangle 4"/>
@@ -6861,7 +7265,7 @@
             </p:nvSpPr>
             <p:spPr>
               <a:xfrm>
-                <a:off x="2269048" y="5732701"/>
+                <a:off x="7574688" y="1103829"/>
                 <a:ext cx="4744312" cy="417807"/>
               </a:xfrm>
               <a:prstGeom prst="rect">
@@ -6897,7 +7301,7 @@
         </p:nvSpPr>
         <p:spPr>
           <a:xfrm>
-            <a:off x="2558321" y="4759212"/>
+            <a:off x="749507" y="2771630"/>
             <a:ext cx="1289154" cy="461665"/>
           </a:xfrm>
           <a:prstGeom prst="rect">
@@ -6926,7 +7330,7 @@
         </p:nvSpPr>
         <p:spPr>
           <a:xfrm>
-            <a:off x="8886669" y="4729232"/>
+            <a:off x="10477995" y="5122932"/>
             <a:ext cx="1289154" cy="461665"/>
           </a:xfrm>
           <a:prstGeom prst="rect">
@@ -6977,6 +7381,108 @@
           </a:p>
         </p:txBody>
       </p:sp>
+      <p:grpSp>
+        <p:nvGrpSpPr>
+          <p:cNvPr id="10" name="Group 9"/>
+          <p:cNvGrpSpPr/>
+          <p:nvPr/>
+        </p:nvGrpSpPr>
+        <p:grpSpPr>
+          <a:xfrm>
+            <a:off x="1394084" y="5122932"/>
+            <a:ext cx="5062220" cy="686538"/>
+            <a:chOff x="4437172" y="3559724"/>
+            <a:chExt cx="6919374" cy="707476"/>
+          </a:xfrm>
+        </p:grpSpPr>
+        <p:pic>
+          <p:nvPicPr>
+            <p:cNvPr id="11" name="Picture 10"/>
+            <p:cNvPicPr>
+              <a:picLocks noChangeAspect="1"/>
+            </p:cNvPicPr>
+            <p:nvPr/>
+          </p:nvPicPr>
+          <p:blipFill rotWithShape="1">
+            <a:blip r:embed="rId6">
+              <a:extLst>
+                <a:ext uri="{28A0092B-C50C-407E-A947-70E740481C1C}">
+                  <a14:useLocalDpi xmlns:a14="http://schemas.microsoft.com/office/drawing/2010/main" val="0"/>
+                </a:ext>
+              </a:extLst>
+            </a:blip>
+            <a:srcRect t="39342" b="29106"/>
+            <a:stretch/>
+          </p:blipFill>
+          <p:spPr>
+            <a:xfrm>
+              <a:off x="4437172" y="3559724"/>
+              <a:ext cx="6919374" cy="673610"/>
+            </a:xfrm>
+            <a:prstGeom prst="rect">
+              <a:avLst/>
+            </a:prstGeom>
+          </p:spPr>
+        </p:pic>
+        <p:pic>
+          <p:nvPicPr>
+            <p:cNvPr id="12" name="Picture 11"/>
+            <p:cNvPicPr>
+              <a:picLocks noChangeAspect="1"/>
+            </p:cNvPicPr>
+            <p:nvPr/>
+          </p:nvPicPr>
+          <p:blipFill rotWithShape="1">
+            <a:blip r:embed="rId6">
+              <a:extLst>
+                <a:ext uri="{28A0092B-C50C-407E-A947-70E740481C1C}">
+                  <a14:useLocalDpi xmlns:a14="http://schemas.microsoft.com/office/drawing/2010/main" val="0"/>
+                </a:ext>
+              </a:extLst>
+            </a:blip>
+            <a:srcRect l="28656" t="69913" r="49564" b="312"/>
+            <a:stretch/>
+          </p:blipFill>
+          <p:spPr>
+            <a:xfrm>
+              <a:off x="6412007" y="3597630"/>
+              <a:ext cx="1507067" cy="635704"/>
+            </a:xfrm>
+            <a:prstGeom prst="rect">
+              <a:avLst/>
+            </a:prstGeom>
+          </p:spPr>
+        </p:pic>
+        <p:pic>
+          <p:nvPicPr>
+            <p:cNvPr id="13" name="Picture 12"/>
+            <p:cNvPicPr>
+              <a:picLocks noChangeAspect="1"/>
+            </p:cNvPicPr>
+            <p:nvPr/>
+          </p:nvPicPr>
+          <p:blipFill rotWithShape="1">
+            <a:blip r:embed="rId6">
+              <a:extLst>
+                <a:ext uri="{28A0092B-C50C-407E-A947-70E740481C1C}">
+                  <a14:useLocalDpi xmlns:a14="http://schemas.microsoft.com/office/drawing/2010/main" val="0"/>
+                </a:ext>
+              </a:extLst>
+            </a:blip>
+            <a:srcRect l="70994" t="69912" r="19951" b="-1730"/>
+            <a:stretch/>
+          </p:blipFill>
+          <p:spPr>
+            <a:xfrm>
+              <a:off x="9341476" y="3587915"/>
+              <a:ext cx="626534" cy="679285"/>
+            </a:xfrm>
+            <a:prstGeom prst="rect">
+              <a:avLst/>
+            </a:prstGeom>
+          </p:spPr>
+        </p:pic>
+      </p:grpSp>
     </p:spTree>
     <p:extLst>
       <p:ext uri="{BB962C8B-B14F-4D97-AF65-F5344CB8AC3E}">
@@ -6990,14 +7496,93 @@
   <p:timing>
     <p:tnLst>
       <p:par>
-        <p:cTn id="1" dur="indefinite" restart="never" nodeType="tmRoot"/>
+        <p:cTn id="1" dur="indefinite" restart="never" nodeType="tmRoot">
+          <p:childTnLst>
+            <p:seq concurrent="1" nextAc="seek">
+              <p:cTn id="2" dur="indefinite" nodeType="mainSeq">
+                <p:childTnLst>
+                  <p:par>
+                    <p:cTn id="3" fill="hold">
+                      <p:stCondLst>
+                        <p:cond delay="indefinite"/>
+                        <p:cond evt="onBegin" delay="0">
+                          <p:tn val="2"/>
+                        </p:cond>
+                      </p:stCondLst>
+                      <p:childTnLst>
+                        <p:par>
+                          <p:cTn id="4" fill="hold">
+                            <p:stCondLst>
+                              <p:cond delay="0"/>
+                            </p:stCondLst>
+                            <p:childTnLst>
+                              <p:par>
+                                <p:cTn id="5" presetID="14" presetClass="entr" presetSubtype="10" fill="hold" nodeType="withEffect">
+                                  <p:stCondLst>
+                                    <p:cond delay="0"/>
+                                  </p:stCondLst>
+                                  <p:childTnLst>
+                                    <p:set>
+                                      <p:cBhvr>
+                                        <p:cTn id="6" dur="1" fill="hold">
+                                          <p:stCondLst>
+                                            <p:cond delay="0"/>
+                                          </p:stCondLst>
+                                        </p:cTn>
+                                        <p:tgtEl>
+                                          <p:spTgt spid="10"/>
+                                        </p:tgtEl>
+                                        <p:attrNameLst>
+                                          <p:attrName>style.visibility</p:attrName>
+                                        </p:attrNameLst>
+                                      </p:cBhvr>
+                                      <p:to>
+                                        <p:strVal val="visible"/>
+                                      </p:to>
+                                    </p:set>
+                                    <p:animEffect transition="in" filter="randombar(horizontal)">
+                                      <p:cBhvr>
+                                        <p:cTn id="7" dur="500"/>
+                                        <p:tgtEl>
+                                          <p:spTgt spid="10"/>
+                                        </p:tgtEl>
+                                      </p:cBhvr>
+                                    </p:animEffect>
+                                  </p:childTnLst>
+                                </p:cTn>
+                              </p:par>
+                            </p:childTnLst>
+                          </p:cTn>
+                        </p:par>
+                      </p:childTnLst>
+                    </p:cTn>
+                  </p:par>
+                </p:childTnLst>
+              </p:cTn>
+              <p:prevCondLst>
+                <p:cond evt="onPrev" delay="0">
+                  <p:tgtEl>
+                    <p:sldTgt/>
+                  </p:tgtEl>
+                </p:cond>
+              </p:prevCondLst>
+              <p:nextCondLst>
+                <p:cond evt="onNext" delay="0">
+                  <p:tgtEl>
+                    <p:sldTgt/>
+                  </p:tgtEl>
+                </p:cond>
+              </p:nextCondLst>
+            </p:seq>
+          </p:childTnLst>
+        </p:cTn>
       </p:par>
     </p:tnLst>
   </p:timing>
 </p:sld>
 </file>
 
-<file path=ppt/slides/slide12.xml><?xml version="1.0" encoding="utf-8"?>
+<file path=ppt/slides/slide13.xml><?xml version="1.0" encoding="utf-8"?>
 <p:sld xmlns:a="http://schemas.openxmlformats.org/drawingml/2006/main" xmlns:r="http://schemas.openxmlformats.org/officeDocument/2006/relationships" xmlns:p="http://schemas.openxmlformats.org/presentationml/2006/main">
   <p:cSld>
     <p:spTree>
@@ -8311,7 +8896,7 @@
 </p:sld>
 </file>
 
-<file path=ppt/slides/slide13.xml><?xml version="1.0" encoding="utf-8"?>
+<file path=ppt/slides/slide14.xml><?xml version="1.0" encoding="utf-8"?>
 <p:sld xmlns:a="http://schemas.openxmlformats.org/drawingml/2006/main" xmlns:r="http://schemas.openxmlformats.org/officeDocument/2006/relationships" xmlns:p="http://schemas.openxmlformats.org/presentationml/2006/main">
   <p:cSld>
     <p:spTree>
@@ -9434,7 +10019,7 @@
 </p:sld>
 </file>
 
-<file path=ppt/slides/slide14.xml><?xml version="1.0" encoding="utf-8"?>
+<file path=ppt/slides/slide15.xml><?xml version="1.0" encoding="utf-8"?>
 <p:sld xmlns:a="http://schemas.openxmlformats.org/drawingml/2006/main" xmlns:r="http://schemas.openxmlformats.org/officeDocument/2006/relationships" xmlns:p="http://schemas.openxmlformats.org/presentationml/2006/main">
   <p:cSld>
     <p:spTree>
@@ -9702,8 +10287,8 @@
         </p:nvSpPr>
         <p:spPr>
           <a:xfrm>
-            <a:off x="618067" y="2757316"/>
-            <a:ext cx="5367867" cy="3416320"/>
+            <a:off x="618067" y="2757315"/>
+            <a:ext cx="5367867" cy="3139321"/>
           </a:xfrm>
           <a:prstGeom prst="rect">
             <a:avLst/>
@@ -9744,142 +10329,53 @@
           </a:p>
           <a:p>
             <a:r>
+              <a:rPr lang="en-US" dirty="0">
+                <a:solidFill>
+                  <a:srgbClr val="454545"/>
+                </a:solidFill>
+                <a:latin typeface="Helvetica Neue" charset="0"/>
+              </a:rPr>
+              <a:t>global step 4400 learning rate 0.0002 step-time 0.34 perplexity 1.00</a:t>
+            </a:r>
+          </a:p>
+          <a:p>
+            <a:r>
+              <a:rPr lang="en-US" dirty="0">
+                <a:solidFill>
+                  <a:srgbClr val="454545"/>
+                </a:solidFill>
+                <a:latin typeface="Helvetica Neue" charset="0"/>
+              </a:rPr>
+              <a:t>  </a:t>
+            </a:r>
+            <a:r>
+              <a:rPr lang="en-US" dirty="0" err="1">
+                <a:solidFill>
+                  <a:srgbClr val="454545"/>
+                </a:solidFill>
+                <a:latin typeface="Helvetica Neue" charset="0"/>
+              </a:rPr>
+              <a:t>eval</a:t>
+            </a:r>
+            <a:r>
+              <a:rPr lang="en-US" dirty="0">
+                <a:solidFill>
+                  <a:srgbClr val="454545"/>
+                </a:solidFill>
+                <a:latin typeface="Helvetica Neue" charset="0"/>
+              </a:rPr>
+              <a:t>: bucket 0 perplexity </a:t>
+            </a:r>
+            <a:r>
               <a:rPr lang="en-US" dirty="0" smtClean="0">
                 <a:solidFill>
                   <a:srgbClr val="454545"/>
                 </a:solidFill>
                 <a:latin typeface="Helvetica Neue" charset="0"/>
               </a:rPr>
-              <a:t>global </a:t>
-            </a:r>
-            <a:r>
-              <a:rPr lang="en-US" dirty="0">
-                <a:solidFill>
-                  <a:srgbClr val="454545"/>
-                </a:solidFill>
-                <a:latin typeface="Helvetica Neue" charset="0"/>
-              </a:rPr>
-              <a:t>step 3300 learning rate 0.0003 step-time 26.73 perplexity 1.00</a:t>
-            </a:r>
-          </a:p>
-          <a:p>
-            <a:r>
-              <a:rPr lang="en-US" dirty="0">
-                <a:solidFill>
-                  <a:srgbClr val="454545"/>
-                </a:solidFill>
-                <a:latin typeface="Helvetica Neue" charset="0"/>
-              </a:rPr>
-              <a:t>  </a:t>
-            </a:r>
-            <a:r>
-              <a:rPr lang="en-US" dirty="0" err="1">
-                <a:solidFill>
-                  <a:srgbClr val="454545"/>
-                </a:solidFill>
-                <a:latin typeface="Helvetica Neue" charset="0"/>
-              </a:rPr>
-              <a:t>eval</a:t>
-            </a:r>
-            <a:r>
-              <a:rPr lang="en-US" dirty="0">
-                <a:solidFill>
-                  <a:srgbClr val="454545"/>
-                </a:solidFill>
-                <a:latin typeface="Helvetica Neue" charset="0"/>
-              </a:rPr>
-              <a:t>: bucket 0 perplexity 1.03</a:t>
-            </a:r>
-          </a:p>
-          <a:p>
-            <a:r>
-              <a:rPr lang="en-US" dirty="0">
-                <a:solidFill>
-                  <a:srgbClr val="454545"/>
-                </a:solidFill>
-                <a:latin typeface="Helvetica Neue" charset="0"/>
-              </a:rPr>
-              <a:t>  </a:t>
-            </a:r>
-            <a:r>
-              <a:rPr lang="en-US" dirty="0" err="1">
-                <a:solidFill>
-                  <a:srgbClr val="454545"/>
-                </a:solidFill>
-                <a:latin typeface="Helvetica Neue" charset="0"/>
-              </a:rPr>
-              <a:t>eval</a:t>
-            </a:r>
-            <a:r>
-              <a:rPr lang="en-US" dirty="0">
-                <a:solidFill>
-                  <a:srgbClr val="454545"/>
-                </a:solidFill>
-                <a:latin typeface="Helvetica Neue" charset="0"/>
-              </a:rPr>
-              <a:t>: bucket 1 perplexity 1.04</a:t>
-            </a:r>
-          </a:p>
-          <a:p>
-            <a:r>
-              <a:rPr lang="en-US" dirty="0">
-                <a:solidFill>
-                  <a:srgbClr val="454545"/>
-                </a:solidFill>
-                <a:latin typeface="Helvetica Neue" charset="0"/>
-              </a:rPr>
-              <a:t>  </a:t>
-            </a:r>
-            <a:r>
-              <a:rPr lang="en-US" dirty="0" err="1">
-                <a:solidFill>
-                  <a:srgbClr val="454545"/>
-                </a:solidFill>
-                <a:latin typeface="Helvetica Neue" charset="0"/>
-              </a:rPr>
-              <a:t>eval</a:t>
-            </a:r>
-            <a:r>
-              <a:rPr lang="en-US" dirty="0">
-                <a:solidFill>
-                  <a:srgbClr val="454545"/>
-                </a:solidFill>
-                <a:latin typeface="Helvetica Neue" charset="0"/>
-              </a:rPr>
-              <a:t>: bucket 2 perplexity 1.00</a:t>
-            </a:r>
-          </a:p>
-          <a:p>
-            <a:r>
-              <a:rPr lang="en-US" dirty="0">
-                <a:solidFill>
-                  <a:srgbClr val="454545"/>
-                </a:solidFill>
-                <a:latin typeface="Helvetica Neue" charset="0"/>
-              </a:rPr>
-              <a:t>  </a:t>
-            </a:r>
-            <a:r>
-              <a:rPr lang="en-US" dirty="0" err="1">
-                <a:solidFill>
-                  <a:srgbClr val="454545"/>
-                </a:solidFill>
-                <a:latin typeface="Helvetica Neue" charset="0"/>
-              </a:rPr>
-              <a:t>eval</a:t>
-            </a:r>
-            <a:r>
-              <a:rPr lang="en-US" dirty="0">
-                <a:solidFill>
-                  <a:srgbClr val="454545"/>
-                </a:solidFill>
-                <a:latin typeface="Helvetica Neue" charset="0"/>
-              </a:rPr>
-              <a:t>: bucket 3 perplexity 1.02</a:t>
-            </a:r>
-          </a:p>
-          <a:p>
-            <a:endParaRPr lang="en-US" dirty="0" smtClean="0">
+              <a:t>1.05</a:t>
+            </a:r>
+            <a:endParaRPr lang="en-US" dirty="0">
               <a:solidFill>
                 <a:srgbClr val="454545"/>
               </a:solidFill>
@@ -9888,52 +10384,111 @@
           </a:p>
           <a:p>
             <a:r>
+              <a:rPr lang="en-US" dirty="0">
+                <a:solidFill>
+                  <a:srgbClr val="454545"/>
+                </a:solidFill>
+                <a:latin typeface="Helvetica Neue" charset="0"/>
+              </a:rPr>
+              <a:t>  </a:t>
+            </a:r>
+            <a:r>
+              <a:rPr lang="en-US" dirty="0" err="1">
+                <a:solidFill>
+                  <a:srgbClr val="454545"/>
+                </a:solidFill>
+                <a:latin typeface="Helvetica Neue" charset="0"/>
+              </a:rPr>
+              <a:t>eval</a:t>
+            </a:r>
+            <a:r>
+              <a:rPr lang="en-US" dirty="0">
+                <a:solidFill>
+                  <a:srgbClr val="454545"/>
+                </a:solidFill>
+                <a:latin typeface="Helvetica Neue" charset="0"/>
+              </a:rPr>
+              <a:t>: bucket 1 perplexity 1.02</a:t>
+            </a:r>
+          </a:p>
+          <a:p>
+            <a:r>
+              <a:rPr lang="en-US" dirty="0">
+                <a:solidFill>
+                  <a:srgbClr val="454545"/>
+                </a:solidFill>
+                <a:latin typeface="Helvetica Neue" charset="0"/>
+              </a:rPr>
+              <a:t>  </a:t>
+            </a:r>
+            <a:r>
+              <a:rPr lang="en-US" dirty="0" err="1">
+                <a:solidFill>
+                  <a:srgbClr val="454545"/>
+                </a:solidFill>
+                <a:latin typeface="Helvetica Neue" charset="0"/>
+              </a:rPr>
+              <a:t>eval</a:t>
+            </a:r>
+            <a:r>
+              <a:rPr lang="en-US" dirty="0">
+                <a:solidFill>
+                  <a:srgbClr val="454545"/>
+                </a:solidFill>
+                <a:latin typeface="Helvetica Neue" charset="0"/>
+              </a:rPr>
+              <a:t>: bucket 2 perplexity </a:t>
+            </a:r>
+            <a:r>
               <a:rPr lang="en-US" dirty="0" smtClean="0">
                 <a:solidFill>
                   <a:srgbClr val="454545"/>
                 </a:solidFill>
                 <a:latin typeface="Helvetica Neue" charset="0"/>
               </a:rPr>
-              <a:t>train </a:t>
-            </a:r>
-            <a:r>
-              <a:rPr lang="en-US" dirty="0">
-                <a:solidFill>
-                  <a:srgbClr val="454545"/>
-                </a:solidFill>
-                <a:latin typeface="Helvetica Neue" charset="0"/>
-              </a:rPr>
-              <a:t>accuracy: 0.628928571429</a:t>
-            </a:r>
-          </a:p>
-          <a:p>
-            <a:r>
-              <a:rPr lang="en-US" dirty="0">
-                <a:solidFill>
-                  <a:srgbClr val="454545"/>
-                </a:solidFill>
-                <a:latin typeface="Helvetica Neue" charset="0"/>
-              </a:rPr>
-              <a:t>dev accuracy: 0.61</a:t>
-            </a:r>
-          </a:p>
-          <a:p>
-            <a:r>
-              <a:rPr lang="en-US" dirty="0">
-                <a:solidFill>
-                  <a:srgbClr val="454545"/>
-                </a:solidFill>
-                <a:latin typeface="Helvetica Neue" charset="0"/>
-              </a:rPr>
-              <a:t>test accuracy: 0.61252446184</a:t>
-            </a:r>
+              <a:t>1.00</a:t>
+            </a:r>
+          </a:p>
+          <a:p>
             <a:endParaRPr lang="en-US" dirty="0">
               <a:solidFill>
                 <a:srgbClr val="454545"/>
               </a:solidFill>
-              <a:effectLst/>
               <a:latin typeface="Helvetica Neue" charset="0"/>
             </a:endParaRPr>
+          </a:p>
+          <a:p>
+            <a:r>
+              <a:rPr lang="en-US" dirty="0">
+                <a:solidFill>
+                  <a:srgbClr val="454545"/>
+                </a:solidFill>
+                <a:latin typeface="Helvetica Neue" charset="0"/>
+              </a:rPr>
+              <a:t>train accuracy: 0.773571428571</a:t>
+            </a:r>
+          </a:p>
+          <a:p>
+            <a:r>
+              <a:rPr lang="en-US" dirty="0">
+                <a:solidFill>
+                  <a:srgbClr val="454545"/>
+                </a:solidFill>
+                <a:latin typeface="Helvetica Neue" charset="0"/>
+              </a:rPr>
+              <a:t>dev accuracy: 0.761666666667</a:t>
+            </a:r>
+          </a:p>
+          <a:p>
+            <a:r>
+              <a:rPr lang="en-US" dirty="0">
+                <a:solidFill>
+                  <a:srgbClr val="454545"/>
+                </a:solidFill>
+                <a:latin typeface="Helvetica Neue" charset="0"/>
+              </a:rPr>
+              <a:t>test accuracy: 0.804305283757</a:t>
+            </a:r>
           </a:p>
         </p:txBody>
       </p:sp>
@@ -9946,7 +10501,7 @@
         <p:spPr>
           <a:xfrm>
             <a:off x="6129855" y="2757315"/>
-            <a:ext cx="5147733" cy="3416320"/>
+            <a:ext cx="5147733" cy="3139321"/>
           </a:xfrm>
           <a:prstGeom prst="rect">
             <a:avLst/>
@@ -9996,142 +10551,24 @@
           </a:p>
           <a:p>
             <a:r>
+              <a:rPr lang="en-US" dirty="0">
+                <a:solidFill>
+                  <a:srgbClr val="454545"/>
+                </a:solidFill>
+                <a:latin typeface="Helvetica Neue" charset="0"/>
+              </a:rPr>
+              <a:t>global step 4800 learning rate 0.0003 step-time 0.35 perplexity </a:t>
+            </a:r>
+            <a:r>
               <a:rPr lang="en-US" dirty="0" smtClean="0">
                 <a:solidFill>
                   <a:srgbClr val="454545"/>
                 </a:solidFill>
                 <a:latin typeface="Helvetica Neue" charset="0"/>
               </a:rPr>
-              <a:t>global </a:t>
-            </a:r>
-            <a:r>
-              <a:rPr lang="en-US" dirty="0">
-                <a:solidFill>
-                  <a:srgbClr val="454545"/>
-                </a:solidFill>
-                <a:latin typeface="Helvetica Neue" charset="0"/>
-              </a:rPr>
-              <a:t>step 3400 learning rate 0.0003 step-time 15.96 perplexity 1.02</a:t>
-            </a:r>
-          </a:p>
-          <a:p>
-            <a:r>
-              <a:rPr lang="en-US" dirty="0">
-                <a:solidFill>
-                  <a:srgbClr val="454545"/>
-                </a:solidFill>
-                <a:latin typeface="Helvetica Neue" charset="0"/>
-              </a:rPr>
-              <a:t>  </a:t>
-            </a:r>
-            <a:r>
-              <a:rPr lang="en-US" dirty="0" err="1">
-                <a:solidFill>
-                  <a:srgbClr val="454545"/>
-                </a:solidFill>
-                <a:latin typeface="Helvetica Neue" charset="0"/>
-              </a:rPr>
-              <a:t>eval</a:t>
-            </a:r>
-            <a:r>
-              <a:rPr lang="en-US" dirty="0">
-                <a:solidFill>
-                  <a:srgbClr val="454545"/>
-                </a:solidFill>
-                <a:latin typeface="Helvetica Neue" charset="0"/>
-              </a:rPr>
-              <a:t>: bucket 0 perplexity 1.04</a:t>
-            </a:r>
-          </a:p>
-          <a:p>
-            <a:r>
-              <a:rPr lang="en-US" dirty="0">
-                <a:solidFill>
-                  <a:srgbClr val="454545"/>
-                </a:solidFill>
-                <a:latin typeface="Helvetica Neue" charset="0"/>
-              </a:rPr>
-              <a:t>  </a:t>
-            </a:r>
-            <a:r>
-              <a:rPr lang="en-US" dirty="0" err="1">
-                <a:solidFill>
-                  <a:srgbClr val="454545"/>
-                </a:solidFill>
-                <a:latin typeface="Helvetica Neue" charset="0"/>
-              </a:rPr>
-              <a:t>eval</a:t>
-            </a:r>
-            <a:r>
-              <a:rPr lang="en-US" dirty="0">
-                <a:solidFill>
-                  <a:srgbClr val="454545"/>
-                </a:solidFill>
-                <a:latin typeface="Helvetica Neue" charset="0"/>
-              </a:rPr>
-              <a:t>: bucket 1 perplexity 1.02</a:t>
-            </a:r>
-          </a:p>
-          <a:p>
-            <a:r>
-              <a:rPr lang="en-US" dirty="0">
-                <a:solidFill>
-                  <a:srgbClr val="454545"/>
-                </a:solidFill>
-                <a:latin typeface="Helvetica Neue" charset="0"/>
-              </a:rPr>
-              <a:t>  </a:t>
-            </a:r>
-            <a:r>
-              <a:rPr lang="en-US" dirty="0" err="1">
-                <a:solidFill>
-                  <a:srgbClr val="454545"/>
-                </a:solidFill>
-                <a:latin typeface="Helvetica Neue" charset="0"/>
-              </a:rPr>
-              <a:t>eval</a:t>
-            </a:r>
-            <a:r>
-              <a:rPr lang="en-US" dirty="0">
-                <a:solidFill>
-                  <a:srgbClr val="454545"/>
-                </a:solidFill>
-                <a:latin typeface="Helvetica Neue" charset="0"/>
-              </a:rPr>
-              <a:t>: bucket 2 perplexity 1.03</a:t>
-            </a:r>
-          </a:p>
-          <a:p>
-            <a:r>
-              <a:rPr lang="en-US" dirty="0">
-                <a:solidFill>
-                  <a:srgbClr val="454545"/>
-                </a:solidFill>
-                <a:latin typeface="Helvetica Neue" charset="0"/>
-              </a:rPr>
-              <a:t>  </a:t>
-            </a:r>
-            <a:r>
-              <a:rPr lang="en-US" dirty="0" err="1">
-                <a:solidFill>
-                  <a:srgbClr val="454545"/>
-                </a:solidFill>
-                <a:latin typeface="Helvetica Neue" charset="0"/>
-              </a:rPr>
-              <a:t>eval</a:t>
-            </a:r>
-            <a:r>
-              <a:rPr lang="en-US" dirty="0">
-                <a:solidFill>
-                  <a:srgbClr val="454545"/>
-                </a:solidFill>
-                <a:latin typeface="Helvetica Neue" charset="0"/>
-              </a:rPr>
-              <a:t>: bucket 3 perplexity 1.01</a:t>
-            </a:r>
-          </a:p>
-          <a:p>
-            <a:endParaRPr lang="en-US" dirty="0" smtClean="0">
+              <a:t>1.04</a:t>
+            </a:r>
+            <a:endParaRPr lang="en-US" dirty="0">
               <a:solidFill>
                 <a:srgbClr val="454545"/>
               </a:solidFill>
@@ -10140,52 +10577,170 @@
           </a:p>
           <a:p>
             <a:r>
+              <a:rPr lang="en-US" dirty="0">
+                <a:solidFill>
+                  <a:srgbClr val="454545"/>
+                </a:solidFill>
+                <a:latin typeface="Helvetica Neue" charset="0"/>
+              </a:rPr>
+              <a:t>  </a:t>
+            </a:r>
+            <a:r>
+              <a:rPr lang="en-US" dirty="0" err="1">
+                <a:solidFill>
+                  <a:srgbClr val="454545"/>
+                </a:solidFill>
+                <a:latin typeface="Helvetica Neue" charset="0"/>
+              </a:rPr>
+              <a:t>eval</a:t>
+            </a:r>
+            <a:r>
+              <a:rPr lang="en-US" dirty="0">
+                <a:solidFill>
+                  <a:srgbClr val="454545"/>
+                </a:solidFill>
+                <a:latin typeface="Helvetica Neue" charset="0"/>
+              </a:rPr>
+              <a:t>: bucket 0 perplexity </a:t>
+            </a:r>
+            <a:r>
               <a:rPr lang="en-US" dirty="0" smtClean="0">
                 <a:solidFill>
                   <a:srgbClr val="454545"/>
                 </a:solidFill>
                 <a:latin typeface="Helvetica Neue" charset="0"/>
               </a:rPr>
-              <a:t>train </a:t>
-            </a:r>
-            <a:r>
-              <a:rPr lang="en-US" dirty="0">
-                <a:solidFill>
-                  <a:srgbClr val="454545"/>
-                </a:solidFill>
-                <a:latin typeface="Helvetica Neue" charset="0"/>
-              </a:rPr>
-              <a:t>accuracy: 0.541428571429</a:t>
-            </a:r>
-          </a:p>
-          <a:p>
-            <a:r>
-              <a:rPr lang="en-US" dirty="0">
-                <a:solidFill>
-                  <a:srgbClr val="454545"/>
-                </a:solidFill>
-                <a:latin typeface="Helvetica Neue" charset="0"/>
-              </a:rPr>
-              <a:t>dev accuracy: 0.541666666667</a:t>
-            </a:r>
-          </a:p>
-          <a:p>
-            <a:r>
-              <a:rPr lang="en-US" dirty="0">
-                <a:solidFill>
-                  <a:srgbClr val="454545"/>
-                </a:solidFill>
-                <a:latin typeface="Helvetica Neue" charset="0"/>
-              </a:rPr>
-              <a:t>test accuracy: 0.526418786693</a:t>
+              <a:t>1.09</a:t>
             </a:r>
             <a:endParaRPr lang="en-US" dirty="0">
               <a:solidFill>
                 <a:srgbClr val="454545"/>
               </a:solidFill>
-              <a:effectLst/>
               <a:latin typeface="Helvetica Neue" charset="0"/>
             </a:endParaRPr>
+          </a:p>
+          <a:p>
+            <a:r>
+              <a:rPr lang="en-US" dirty="0">
+                <a:solidFill>
+                  <a:srgbClr val="454545"/>
+                </a:solidFill>
+                <a:latin typeface="Helvetica Neue" charset="0"/>
+              </a:rPr>
+              <a:t>  </a:t>
+            </a:r>
+            <a:r>
+              <a:rPr lang="en-US" dirty="0" err="1">
+                <a:solidFill>
+                  <a:srgbClr val="454545"/>
+                </a:solidFill>
+                <a:latin typeface="Helvetica Neue" charset="0"/>
+              </a:rPr>
+              <a:t>eval</a:t>
+            </a:r>
+            <a:r>
+              <a:rPr lang="en-US" dirty="0">
+                <a:solidFill>
+                  <a:srgbClr val="454545"/>
+                </a:solidFill>
+                <a:latin typeface="Helvetica Neue" charset="0"/>
+              </a:rPr>
+              <a:t>: bucket 1 perplexity </a:t>
+            </a:r>
+            <a:r>
+              <a:rPr lang="en-US" dirty="0" smtClean="0">
+                <a:solidFill>
+                  <a:srgbClr val="454545"/>
+                </a:solidFill>
+                <a:latin typeface="Helvetica Neue" charset="0"/>
+              </a:rPr>
+              <a:t>1.03</a:t>
+            </a:r>
+            <a:endParaRPr lang="en-US" dirty="0">
+              <a:solidFill>
+                <a:srgbClr val="454545"/>
+              </a:solidFill>
+              <a:latin typeface="Helvetica Neue" charset="0"/>
+            </a:endParaRPr>
+          </a:p>
+          <a:p>
+            <a:r>
+              <a:rPr lang="en-US" dirty="0">
+                <a:solidFill>
+                  <a:srgbClr val="454545"/>
+                </a:solidFill>
+                <a:latin typeface="Helvetica Neue" charset="0"/>
+              </a:rPr>
+              <a:t>  </a:t>
+            </a:r>
+            <a:r>
+              <a:rPr lang="en-US" dirty="0" err="1">
+                <a:solidFill>
+                  <a:srgbClr val="454545"/>
+                </a:solidFill>
+                <a:latin typeface="Helvetica Neue" charset="0"/>
+              </a:rPr>
+              <a:t>eval</a:t>
+            </a:r>
+            <a:r>
+              <a:rPr lang="en-US" dirty="0">
+                <a:solidFill>
+                  <a:srgbClr val="454545"/>
+                </a:solidFill>
+                <a:latin typeface="Helvetica Neue" charset="0"/>
+              </a:rPr>
+              <a:t>: bucket 2 perplexity </a:t>
+            </a:r>
+            <a:r>
+              <a:rPr lang="en-US" dirty="0" smtClean="0">
+                <a:solidFill>
+                  <a:srgbClr val="454545"/>
+                </a:solidFill>
+                <a:latin typeface="Helvetica Neue" charset="0"/>
+              </a:rPr>
+              <a:t>1.01</a:t>
+            </a:r>
+          </a:p>
+          <a:p>
+            <a:endParaRPr lang="en-US" dirty="0">
+              <a:solidFill>
+                <a:srgbClr val="454545"/>
+              </a:solidFill>
+              <a:latin typeface="Helvetica Neue" charset="0"/>
+            </a:endParaRPr>
+          </a:p>
+          <a:p>
+            <a:r>
+              <a:rPr lang="en-US" dirty="0">
+                <a:solidFill>
+                  <a:srgbClr val="454545"/>
+                </a:solidFill>
+                <a:latin typeface="Helvetica Neue" charset="0"/>
+              </a:rPr>
+              <a:t>train accuracy: 0.688571428571</a:t>
+            </a:r>
+          </a:p>
+          <a:p>
+            <a:r>
+              <a:rPr lang="en-US" dirty="0">
+                <a:solidFill>
+                  <a:srgbClr val="454545"/>
+                </a:solidFill>
+                <a:latin typeface="Helvetica Neue" charset="0"/>
+              </a:rPr>
+              <a:t>dev accuracy: 0.683333333333</a:t>
+            </a:r>
+          </a:p>
+          <a:p>
+            <a:r>
+              <a:rPr lang="en-US" dirty="0">
+                <a:solidFill>
+                  <a:srgbClr val="454545"/>
+                </a:solidFill>
+                <a:latin typeface="Helvetica Neue" charset="0"/>
+              </a:rPr>
+              <a:t>test accuracy: 0.696673189824</a:t>
+            </a:r>
           </a:p>
         </p:txBody>
       </p:sp>
@@ -10342,7 +10897,7 @@
 </p:sld>
 </file>
 
-<file path=ppt/slides/slide15.xml><?xml version="1.0" encoding="utf-8"?>
+<file path=ppt/slides/slide16.xml><?xml version="1.0" encoding="utf-8"?>
 <p:sld xmlns:a="http://schemas.openxmlformats.org/drawingml/2006/main" xmlns:r="http://schemas.openxmlformats.org/officeDocument/2006/relationships" xmlns:p="http://schemas.openxmlformats.org/presentationml/2006/main">
   <p:cSld>
     <p:spTree>
@@ -11083,7 +11638,7 @@
 </p:sld>
 </file>
 
-<file path=ppt/slides/slide16.xml><?xml version="1.0" encoding="utf-8"?>
+<file path=ppt/slides/slide17.xml><?xml version="1.0" encoding="utf-8"?>
 <p:sld xmlns:a="http://schemas.openxmlformats.org/drawingml/2006/main" xmlns:r="http://schemas.openxmlformats.org/officeDocument/2006/relationships" xmlns:p="http://schemas.openxmlformats.org/presentationml/2006/main">
   <p:cSld>
     <p:spTree>

--- a/dnnQuery2.pptx
+++ b/dnnQuery2.pptx
@@ -5,7 +5,7 @@
     <p:sldMasterId id="2147483780" r:id="rId1"/>
   </p:sldMasterIdLst>
   <p:notesMasterIdLst>
-    <p:notesMasterId r:id="rId19"/>
+    <p:notesMasterId r:id="rId21"/>
   </p:notesMasterIdLst>
   <p:sldIdLst>
     <p:sldId id="269" r:id="rId2"/>
@@ -20,11 +20,13 @@
     <p:sldId id="294" r:id="rId11"/>
     <p:sldId id="295" r:id="rId12"/>
     <p:sldId id="260" r:id="rId13"/>
-    <p:sldId id="289" r:id="rId14"/>
-    <p:sldId id="290" r:id="rId15"/>
-    <p:sldId id="291" r:id="rId16"/>
+    <p:sldId id="296" r:id="rId14"/>
+    <p:sldId id="289" r:id="rId15"/>
+    <p:sldId id="290" r:id="rId16"/>
     <p:sldId id="274" r:id="rId17"/>
-    <p:sldId id="275" r:id="rId18"/>
+    <p:sldId id="291" r:id="rId18"/>
+    <p:sldId id="297" r:id="rId19"/>
+    <p:sldId id="275" r:id="rId20"/>
   </p:sldIdLst>
   <p:sldSz cx="12192000" cy="6858000"/>
   <p:notesSz cx="6858000" cy="9144000"/>
@@ -213,7 +215,7 @@
           <a:p>
             <a:fld id="{6C69AF8A-8554-D74B-B8C7-B6347E590D19}" type="datetimeFigureOut">
               <a:rPr lang="en-US" smtClean="0"/>
-              <a:t>5/6/17</a:t>
+              <a:t>5/31/17</a:t>
             </a:fld>
             <a:endParaRPr lang="en-US"/>
           </a:p>
@@ -756,7 +758,7 @@
           <a:p>
             <a:r>
               <a:rPr lang="en-US" dirty="0" smtClean="0"/>
-              <a:t>Logical forms</a:t>
+              <a:t>Attention-based seq2seq DNN</a:t>
             </a:r>
             <a:endParaRPr lang="en-US" dirty="0"/>
           </a:p>
@@ -779,7 +781,7 @@
           <a:p>
             <a:fld id="{F462D47B-A527-614C-BCC4-5E0D5E97ED78}" type="slidenum">
               <a:rPr lang="en-US" smtClean="0"/>
-              <a:t>16</a:t>
+              <a:t>17</a:t>
             </a:fld>
             <a:endParaRPr lang="en-US"/>
           </a:p>
@@ -788,7 +790,7 @@
     </p:spTree>
     <p:extLst>
       <p:ext uri="{BB962C8B-B14F-4D97-AF65-F5344CB8AC3E}">
-        <p14:creationId xmlns:p14="http://schemas.microsoft.com/office/powerpoint/2010/main" val="1230389964"/>
+        <p14:creationId xmlns:p14="http://schemas.microsoft.com/office/powerpoint/2010/main" val="1695039058"/>
       </p:ext>
     </p:extLst>
   </p:cSld>
@@ -1642,11 +1644,7 @@
             </a:r>
             <a:r>
               <a:rPr lang="en-US" smtClean="0"/>
-              <a:t>seq2seq </a:t>
-            </a:r>
-            <a:r>
-              <a:rPr lang="en-US" smtClean="0"/>
-              <a:t>DNN, </a:t>
+              <a:t>seq2seq DNN, </a:t>
             </a:r>
             <a:endParaRPr lang="en-US" dirty="0"/>
           </a:p>
@@ -1762,7 +1760,7 @@
           <a:p>
             <a:fld id="{F462D47B-A527-614C-BCC4-5E0D5E97ED78}" type="slidenum">
               <a:rPr lang="en-US" smtClean="0"/>
-              <a:t>13</a:t>
+              <a:t>14</a:t>
             </a:fld>
             <a:endParaRPr lang="en-US"/>
           </a:p>
@@ -1855,7 +1853,7 @@
           <a:p>
             <a:fld id="{F462D47B-A527-614C-BCC4-5E0D5E97ED78}" type="slidenum">
               <a:rPr lang="en-US" smtClean="0"/>
-              <a:t>14</a:t>
+              <a:t>15</a:t>
             </a:fld>
             <a:endParaRPr lang="en-US"/>
           </a:p>
@@ -1925,7 +1923,7 @@
           <a:p>
             <a:r>
               <a:rPr lang="en-US" dirty="0" smtClean="0"/>
-              <a:t>Attention-based seq2seq DNN</a:t>
+              <a:t>Logical forms</a:t>
             </a:r>
             <a:endParaRPr lang="en-US" dirty="0"/>
           </a:p>
@@ -1948,7 +1946,7 @@
           <a:p>
             <a:fld id="{F462D47B-A527-614C-BCC4-5E0D5E97ED78}" type="slidenum">
               <a:rPr lang="en-US" smtClean="0"/>
-              <a:t>15</a:t>
+              <a:t>16</a:t>
             </a:fld>
             <a:endParaRPr lang="en-US"/>
           </a:p>
@@ -1957,7 +1955,7 @@
     </p:spTree>
     <p:extLst>
       <p:ext uri="{BB962C8B-B14F-4D97-AF65-F5344CB8AC3E}">
-        <p14:creationId xmlns:p14="http://schemas.microsoft.com/office/powerpoint/2010/main" val="1695039058"/>
+        <p14:creationId xmlns:p14="http://schemas.microsoft.com/office/powerpoint/2010/main" val="1230389964"/>
       </p:ext>
     </p:extLst>
   </p:cSld>
@@ -2193,7 +2191,7 @@
           <a:p>
             <a:fld id="{9323D940-588B-B243-B64D-D9263B98B06E}" type="datetimeFigureOut">
               <a:rPr lang="en-US" smtClean="0"/>
-              <a:t>5/6/17</a:t>
+              <a:t>5/31/17</a:t>
             </a:fld>
             <a:endParaRPr lang="en-US"/>
           </a:p>
@@ -2396,7 +2394,7 @@
           <a:p>
             <a:fld id="{9323D940-588B-B243-B64D-D9263B98B06E}" type="datetimeFigureOut">
               <a:rPr lang="en-US" smtClean="0"/>
-              <a:t>5/6/17</a:t>
+              <a:t>5/31/17</a:t>
             </a:fld>
             <a:endParaRPr lang="en-US"/>
           </a:p>
@@ -2647,7 +2645,7 @@
           <a:p>
             <a:fld id="{9323D940-588B-B243-B64D-D9263B98B06E}" type="datetimeFigureOut">
               <a:rPr lang="en-US" smtClean="0"/>
-              <a:t>5/6/17</a:t>
+              <a:t>5/31/17</a:t>
             </a:fld>
             <a:endParaRPr lang="en-US"/>
           </a:p>
@@ -2812,7 +2810,7 @@
           <a:p>
             <a:fld id="{9323D940-588B-B243-B64D-D9263B98B06E}" type="datetimeFigureOut">
               <a:rPr lang="en-US" smtClean="0"/>
-              <a:t>5/6/17</a:t>
+              <a:t>5/31/17</a:t>
             </a:fld>
             <a:endParaRPr lang="en-US"/>
           </a:p>
@@ -3150,7 +3148,7 @@
           <a:p>
             <a:fld id="{9323D940-588B-B243-B64D-D9263B98B06E}" type="datetimeFigureOut">
               <a:rPr lang="en-US" smtClean="0"/>
-              <a:t>5/6/17</a:t>
+              <a:t>5/31/17</a:t>
             </a:fld>
             <a:endParaRPr lang="en-US"/>
           </a:p>
@@ -3420,7 +3418,7 @@
           <a:p>
             <a:fld id="{9323D940-588B-B243-B64D-D9263B98B06E}" type="datetimeFigureOut">
               <a:rPr lang="en-US" smtClean="0"/>
-              <a:t>5/6/17</a:t>
+              <a:t>5/31/17</a:t>
             </a:fld>
             <a:endParaRPr lang="en-US"/>
           </a:p>
@@ -3794,7 +3792,7 @@
           <a:p>
             <a:fld id="{9323D940-588B-B243-B64D-D9263B98B06E}" type="datetimeFigureOut">
               <a:rPr lang="en-US" smtClean="0"/>
-              <a:t>5/6/17</a:t>
+              <a:t>5/31/17</a:t>
             </a:fld>
             <a:endParaRPr lang="en-US"/>
           </a:p>
@@ -3907,7 +3905,7 @@
           <a:p>
             <a:fld id="{9323D940-588B-B243-B64D-D9263B98B06E}" type="datetimeFigureOut">
               <a:rPr lang="en-US" smtClean="0"/>
-              <a:t>5/6/17</a:t>
+              <a:t>5/31/17</a:t>
             </a:fld>
             <a:endParaRPr lang="en-US"/>
           </a:p>
@@ -4073,7 +4071,7 @@
           <a:p>
             <a:fld id="{9323D940-588B-B243-B64D-D9263B98B06E}" type="datetimeFigureOut">
               <a:rPr lang="en-US" smtClean="0"/>
-              <a:t>5/6/17</a:t>
+              <a:t>5/31/17</a:t>
             </a:fld>
             <a:endParaRPr lang="en-US"/>
           </a:p>
@@ -4422,7 +4420,7 @@
           <a:p>
             <a:fld id="{9323D940-588B-B243-B64D-D9263B98B06E}" type="datetimeFigureOut">
               <a:rPr lang="en-US" smtClean="0"/>
-              <a:t>5/6/17</a:t>
+              <a:t>5/31/17</a:t>
             </a:fld>
             <a:endParaRPr lang="en-US"/>
           </a:p>
@@ -4794,7 +4792,7 @@
           <a:p>
             <a:fld id="{9323D940-588B-B243-B64D-D9263B98B06E}" type="datetimeFigureOut">
               <a:rPr lang="en-US" smtClean="0"/>
-              <a:t>5/6/17</a:t>
+              <a:t>5/31/17</a:t>
             </a:fld>
             <a:endParaRPr lang="en-US"/>
           </a:p>
@@ -5076,7 +5074,7 @@
           <a:p>
             <a:fld id="{9323D940-588B-B243-B64D-D9263B98B06E}" type="datetimeFigureOut">
               <a:rPr lang="en-US" smtClean="0"/>
-              <a:t>5/6/17</a:t>
+              <a:t>5/31/17</a:t>
             </a:fld>
             <a:endParaRPr lang="en-US"/>
           </a:p>
@@ -5628,8 +5626,8 @@
           </a:p>
         </p:txBody>
       </p:sp>
-      <mc:AlternateContent xmlns:mc="http://schemas.openxmlformats.org/markup-compatibility/2006" xmlns:a14="http://schemas.microsoft.com/office/drawing/2010/main">
-        <mc:Choice Requires="a14">
+      <mc:AlternateContent xmlns:mc="http://schemas.openxmlformats.org/markup-compatibility/2006">
+        <mc:Choice xmlns:a14="http://schemas.microsoft.com/office/drawing/2010/main" Requires="a14">
           <p:sp>
             <p:nvSpPr>
               <p:cNvPr id="3" name="Content Placeholder 2"/>
@@ -5830,17 +5828,45 @@
                 </a:r>
                 <a:r>
                   <a:rPr lang="en-US" sz="2400" dirty="0" smtClean="0"/>
-                  <a:t>, Geo880, </a:t>
+                  <a:t>, Geo880</a:t>
                 </a:r>
                 <a:r>
-                  <a:rPr lang="en-US" sz="2400" dirty="0"/>
+                  <a:rPr lang="en-US" sz="2400" dirty="0" smtClean="0">
+                    <a:solidFill>
+                      <a:schemeClr val="bg1">
+                        <a:lumMod val="65000"/>
+                      </a:schemeClr>
+                    </a:solidFill>
+                  </a:rPr>
+                  <a:t>, </a:t>
+                </a:r>
+                <a:r>
+                  <a:rPr lang="en-US" sz="2400" dirty="0">
+                    <a:solidFill>
+                      <a:schemeClr val="bg1">
+                        <a:lumMod val="65000"/>
+                      </a:schemeClr>
+                    </a:solidFill>
+                  </a:rPr>
                   <a:t>ATIS, </a:t>
                 </a:r>
                 <a:r>
-                  <a:rPr lang="en-US" sz="2400" dirty="0" smtClean="0"/>
+                  <a:rPr lang="en-US" sz="2400" dirty="0" smtClean="0">
+                    <a:solidFill>
+                      <a:schemeClr val="bg1">
+                        <a:lumMod val="65000"/>
+                      </a:schemeClr>
+                    </a:solidFill>
+                  </a:rPr>
                   <a:t>Jobs, Overnight</a:t>
                 </a:r>
-                <a:endParaRPr lang="en-US" sz="2400" dirty="0"/>
+                <a:endParaRPr lang="en-US" sz="2400" dirty="0">
+                  <a:solidFill>
+                    <a:schemeClr val="bg1">
+                      <a:lumMod val="65000"/>
+                    </a:schemeClr>
+                  </a:solidFill>
+                </a:endParaRPr>
               </a:p>
               <a:p>
                 <a:pPr lvl="1">
@@ -5852,7 +5878,7 @@
             </p:txBody>
           </p:sp>
         </mc:Choice>
-        <mc:Fallback xmlns="">
+        <mc:Fallback>
           <p:sp>
             <p:nvSpPr>
               <p:cNvPr id="3" name="Content Placeholder 2"/>
@@ -6744,8 +6770,8 @@
           </a:prstGeom>
         </p:spPr>
       </p:pic>
-      <mc:AlternateContent xmlns:mc="http://schemas.openxmlformats.org/markup-compatibility/2006">
-        <mc:Choice xmlns:a14="http://schemas.microsoft.com/office/drawing/2010/main" Requires="a14">
+      <mc:AlternateContent xmlns:mc="http://schemas.openxmlformats.org/markup-compatibility/2006" xmlns:a14="http://schemas.microsoft.com/office/drawing/2010/main">
+        <mc:Choice Requires="a14">
           <p:sp>
             <p:nvSpPr>
               <p:cNvPr id="3" name="TextBox 2"/>
@@ -6924,7 +6950,7 @@
             </p:txBody>
           </p:sp>
         </mc:Choice>
-        <mc:Fallback>
+        <mc:Fallback xmlns="">
           <p:sp>
             <p:nvSpPr>
               <p:cNvPr id="3" name="TextBox 2"/>
@@ -6986,8 +7012,8 @@
           </a:p>
         </p:txBody>
       </p:sp>
-      <mc:AlternateContent xmlns:mc="http://schemas.openxmlformats.org/markup-compatibility/2006">
-        <mc:Choice xmlns:a14="http://schemas.microsoft.com/office/drawing/2010/main" Requires="a14">
+      <mc:AlternateContent xmlns:mc="http://schemas.openxmlformats.org/markup-compatibility/2006" xmlns:a14="http://schemas.microsoft.com/office/drawing/2010/main">
+        <mc:Choice Requires="a14">
           <p:sp>
             <p:nvSpPr>
               <p:cNvPr id="5" name="Rectangle 4"/>
@@ -7254,7 +7280,7 @@
             </p:txBody>
           </p:sp>
         </mc:Choice>
-        <mc:Fallback>
+        <mc:Fallback xmlns="">
           <p:sp>
             <p:nvSpPr>
               <p:cNvPr id="5" name="Rectangle 4"/>
@@ -7601,6 +7627,59 @@
       </p:grpSpPr>
       <p:sp>
         <p:nvSpPr>
+          <p:cNvPr id="2" name="Title 1"/>
+          <p:cNvSpPr>
+            <a:spLocks noGrp="1"/>
+          </p:cNvSpPr>
+          <p:nvPr>
+            <p:ph type="title"/>
+          </p:nvPr>
+        </p:nvSpPr>
+        <p:spPr/>
+        <p:txBody>
+          <a:bodyPr/>
+          <a:lstStyle/>
+          <a:p>
+            <a:r>
+              <a:rPr lang="en-US" dirty="0" smtClean="0"/>
+              <a:t>SQL-extended command</a:t>
+            </a:r>
+            <a:endParaRPr lang="en-US" dirty="0"/>
+          </a:p>
+        </p:txBody>
+      </p:sp>
+    </p:spTree>
+    <p:extLst>
+      <p:ext uri="{BB962C8B-B14F-4D97-AF65-F5344CB8AC3E}">
+        <p14:creationId xmlns:p14="http://schemas.microsoft.com/office/powerpoint/2010/main" val="236602380"/>
+      </p:ext>
+    </p:extLst>
+  </p:cSld>
+  <p:clrMapOvr>
+    <a:masterClrMapping/>
+  </p:clrMapOvr>
+</p:sld>
+</file>
+
+<file path=ppt/slides/slide14.xml><?xml version="1.0" encoding="utf-8"?>
+<p:sld xmlns:a="http://schemas.openxmlformats.org/drawingml/2006/main" xmlns:r="http://schemas.openxmlformats.org/officeDocument/2006/relationships" xmlns:p="http://schemas.openxmlformats.org/presentationml/2006/main">
+  <p:cSld>
+    <p:spTree>
+      <p:nvGrpSpPr>
+        <p:cNvPr id="1" name=""/>
+        <p:cNvGrpSpPr/>
+        <p:nvPr/>
+      </p:nvGrpSpPr>
+      <p:grpSpPr>
+        <a:xfrm>
+          <a:off x="0" y="0"/>
+          <a:ext cx="0" cy="0"/>
+          <a:chOff x="0" y="0"/>
+          <a:chExt cx="0" cy="0"/>
+        </a:xfrm>
+      </p:grpSpPr>
+      <p:sp>
+        <p:nvSpPr>
           <p:cNvPr id="8" name="TextBox 7"/>
           <p:cNvSpPr txBox="1"/>
           <p:nvPr/>
@@ -7740,16 +7819,7 @@
                 </a:solidFill>
                 <a:latin typeface="Helvetica Neue" charset="0"/>
               </a:rPr>
-              <a:t>as select Silver </a:t>
-            </a:r>
-            <a:r>
-              <a:rPr lang="en-US" dirty="0" smtClean="0">
-                <a:solidFill>
-                  <a:srgbClr val="454545"/>
-                </a:solidFill>
-                <a:latin typeface="Helvetica Neue" charset="0"/>
-              </a:rPr>
-              <a:t>where </a:t>
+              <a:t>as select Silver where </a:t>
             </a:r>
             <a:r>
               <a:rPr lang="en-US" dirty="0">
@@ -7846,16 +7916,7 @@
                 </a:solidFill>
                 <a:latin typeface="Helvetica Neue" charset="0"/>
               </a:rPr>
-              <a:t>Silver </a:t>
-            </a:r>
-            <a:r>
-              <a:rPr lang="en-US" dirty="0" smtClean="0">
-                <a:solidFill>
-                  <a:srgbClr val="454545"/>
-                </a:solidFill>
-                <a:latin typeface="Helvetica Neue" charset="0"/>
-              </a:rPr>
-              <a:t>Nation</a:t>
+              <a:t>Silver Nation</a:t>
             </a:r>
           </a:p>
           <a:p>
@@ -8896,7 +8957,7 @@
 </p:sld>
 </file>
 
-<file path=ppt/slides/slide14.xml><?xml version="1.0" encoding="utf-8"?>
+<file path=ppt/slides/slide15.xml><?xml version="1.0" encoding="utf-8"?>
 <p:sld xmlns:a="http://schemas.openxmlformats.org/drawingml/2006/main" xmlns:r="http://schemas.openxmlformats.org/officeDocument/2006/relationships" xmlns:p="http://schemas.openxmlformats.org/presentationml/2006/main">
   <p:cSld>
     <p:spTree>
@@ -10019,884 +10080,6 @@
 </p:sld>
 </file>
 
-<file path=ppt/slides/slide15.xml><?xml version="1.0" encoding="utf-8"?>
-<p:sld xmlns:a="http://schemas.openxmlformats.org/drawingml/2006/main" xmlns:r="http://schemas.openxmlformats.org/officeDocument/2006/relationships" xmlns:p="http://schemas.openxmlformats.org/presentationml/2006/main">
-  <p:cSld>
-    <p:spTree>
-      <p:nvGrpSpPr>
-        <p:cNvPr id="1" name=""/>
-        <p:cNvGrpSpPr/>
-        <p:nvPr/>
-      </p:nvGrpSpPr>
-      <p:grpSpPr>
-        <a:xfrm>
-          <a:off x="0" y="0"/>
-          <a:ext cx="0" cy="0"/>
-          <a:chOff x="0" y="0"/>
-          <a:chExt cx="0" cy="0"/>
-        </a:xfrm>
-      </p:grpSpPr>
-      <p:sp>
-        <p:nvSpPr>
-          <p:cNvPr id="8" name="TextBox 7"/>
-          <p:cNvSpPr txBox="1"/>
-          <p:nvPr/>
-        </p:nvSpPr>
-        <p:spPr>
-          <a:xfrm>
-            <a:off x="749507" y="509666"/>
-            <a:ext cx="7581693" cy="461665"/>
-          </a:xfrm>
-          <a:prstGeom prst="rect">
-            <a:avLst/>
-          </a:prstGeom>
-          <a:noFill/>
-        </p:spPr>
-        <p:txBody>
-          <a:bodyPr wrap="square" rtlCol="0">
-            <a:spAutoFit/>
-          </a:bodyPr>
-          <a:lstStyle/>
-          <a:p>
-            <a:r>
-              <a:rPr lang="en-US" sz="2400" dirty="0" smtClean="0"/>
-              <a:t>Natural Language Interface (Neural Translation Machine):</a:t>
-            </a:r>
-            <a:endParaRPr lang="en-US" sz="2400" dirty="0"/>
-          </a:p>
-        </p:txBody>
-      </p:sp>
-      <p:sp>
-        <p:nvSpPr>
-          <p:cNvPr id="16" name="TextBox 15"/>
-          <p:cNvSpPr txBox="1"/>
-          <p:nvPr/>
-        </p:nvSpPr>
-        <p:spPr>
-          <a:xfrm>
-            <a:off x="4775201" y="1405464"/>
-            <a:ext cx="2421467" cy="830997"/>
-          </a:xfrm>
-          <a:prstGeom prst="rect">
-            <a:avLst/>
-          </a:prstGeom>
-          <a:noFill/>
-          <a:ln>
-            <a:solidFill>
-              <a:schemeClr val="tx1"/>
-            </a:solidFill>
-          </a:ln>
-        </p:spPr>
-        <p:txBody>
-          <a:bodyPr wrap="square" rtlCol="0">
-            <a:spAutoFit/>
-          </a:bodyPr>
-          <a:lstStyle/>
-          <a:p>
-            <a:r>
-              <a:rPr lang="en-US" sz="2400" dirty="0" smtClean="0"/>
-              <a:t>Natural Language Interface (NLI)</a:t>
-            </a:r>
-            <a:endParaRPr lang="en-US" sz="2400" dirty="0"/>
-          </a:p>
-        </p:txBody>
-      </p:sp>
-      <p:sp>
-        <p:nvSpPr>
-          <p:cNvPr id="17" name="TextBox 16"/>
-          <p:cNvSpPr txBox="1"/>
-          <p:nvPr/>
-        </p:nvSpPr>
-        <p:spPr>
-          <a:xfrm>
-            <a:off x="1539269" y="1492186"/>
-            <a:ext cx="2118333" cy="646331"/>
-          </a:xfrm>
-          <a:prstGeom prst="rect">
-            <a:avLst/>
-          </a:prstGeom>
-          <a:noFill/>
-          <a:ln>
-            <a:solidFill>
-              <a:schemeClr val="tx1"/>
-            </a:solidFill>
-          </a:ln>
-        </p:spPr>
-        <p:txBody>
-          <a:bodyPr wrap="square" rtlCol="0">
-            <a:spAutoFit/>
-          </a:bodyPr>
-          <a:lstStyle/>
-          <a:p>
-            <a:r>
-              <a:rPr lang="en-US" dirty="0" smtClean="0"/>
-              <a:t>Tagged query</a:t>
-            </a:r>
-          </a:p>
-          <a:p>
-            <a:r>
-              <a:rPr lang="en-US" dirty="0" smtClean="0"/>
-              <a:t>(.</a:t>
-            </a:r>
-            <a:r>
-              <a:rPr lang="en-US" dirty="0" err="1" smtClean="0"/>
-              <a:t>qu</a:t>
-            </a:r>
-            <a:r>
-              <a:rPr lang="en-US" dirty="0" smtClean="0"/>
-              <a:t>+.ta / .</a:t>
-            </a:r>
-            <a:r>
-              <a:rPr lang="en-US" dirty="0" err="1" smtClean="0"/>
-              <a:t>qux</a:t>
-            </a:r>
-            <a:r>
-              <a:rPr lang="en-US" dirty="0" smtClean="0"/>
-              <a:t>)</a:t>
-            </a:r>
-            <a:endParaRPr lang="en-US" dirty="0"/>
-          </a:p>
-        </p:txBody>
-      </p:sp>
-      <p:sp>
-        <p:nvSpPr>
-          <p:cNvPr id="18" name="TextBox 17"/>
-          <p:cNvSpPr txBox="1"/>
-          <p:nvPr/>
-        </p:nvSpPr>
-        <p:spPr>
-          <a:xfrm>
-            <a:off x="8534400" y="1492185"/>
-            <a:ext cx="1913467" cy="646331"/>
-          </a:xfrm>
-          <a:prstGeom prst="rect">
-            <a:avLst/>
-          </a:prstGeom>
-          <a:noFill/>
-          <a:ln>
-            <a:solidFill>
-              <a:schemeClr val="tx1"/>
-            </a:solidFill>
-          </a:ln>
-        </p:spPr>
-        <p:txBody>
-          <a:bodyPr wrap="square" rtlCol="0">
-            <a:spAutoFit/>
-          </a:bodyPr>
-          <a:lstStyle/>
-          <a:p>
-            <a:r>
-              <a:rPr lang="en-US" dirty="0"/>
-              <a:t>L</a:t>
-            </a:r>
-            <a:r>
-              <a:rPr lang="en-US" smtClean="0"/>
-              <a:t>ogical </a:t>
-            </a:r>
-            <a:r>
-              <a:rPr lang="en-US" dirty="0" smtClean="0"/>
-              <a:t>template</a:t>
-            </a:r>
-          </a:p>
-          <a:p>
-            <a:r>
-              <a:rPr lang="en-US" dirty="0" smtClean="0"/>
-              <a:t>(.lox)</a:t>
-            </a:r>
-            <a:endParaRPr lang="en-US" dirty="0"/>
-          </a:p>
-        </p:txBody>
-      </p:sp>
-      <p:cxnSp>
-        <p:nvCxnSpPr>
-          <p:cNvPr id="20" name="Straight Arrow Connector 19"/>
-          <p:cNvCxnSpPr>
-            <a:stCxn id="17" idx="3"/>
-            <a:endCxn id="16" idx="1"/>
-          </p:cNvCxnSpPr>
-          <p:nvPr/>
-        </p:nvCxnSpPr>
-        <p:spPr>
-          <a:xfrm>
-            <a:off x="3657602" y="1815352"/>
-            <a:ext cx="1117599" cy="5611"/>
-          </a:xfrm>
-          <a:prstGeom prst="straightConnector1">
-            <a:avLst/>
-          </a:prstGeom>
-          <a:ln>
-            <a:tailEnd type="triangle"/>
-          </a:ln>
-        </p:spPr>
-        <p:style>
-          <a:lnRef idx="1">
-            <a:schemeClr val="accent1"/>
-          </a:lnRef>
-          <a:fillRef idx="0">
-            <a:schemeClr val="accent1"/>
-          </a:fillRef>
-          <a:effectRef idx="0">
-            <a:schemeClr val="accent1"/>
-          </a:effectRef>
-          <a:fontRef idx="minor">
-            <a:schemeClr val="tx1"/>
-          </a:fontRef>
-        </p:style>
-      </p:cxnSp>
-      <p:cxnSp>
-        <p:nvCxnSpPr>
-          <p:cNvPr id="22" name="Straight Arrow Connector 21"/>
-          <p:cNvCxnSpPr>
-            <a:stCxn id="16" idx="3"/>
-            <a:endCxn id="18" idx="1"/>
-          </p:cNvCxnSpPr>
-          <p:nvPr/>
-        </p:nvCxnSpPr>
-        <p:spPr>
-          <a:xfrm flipV="1">
-            <a:off x="7196668" y="1815351"/>
-            <a:ext cx="1337732" cy="5612"/>
-          </a:xfrm>
-          <a:prstGeom prst="straightConnector1">
-            <a:avLst/>
-          </a:prstGeom>
-          <a:ln>
-            <a:tailEnd type="triangle"/>
-          </a:ln>
-        </p:spPr>
-        <p:style>
-          <a:lnRef idx="1">
-            <a:schemeClr val="accent1"/>
-          </a:lnRef>
-          <a:fillRef idx="0">
-            <a:schemeClr val="accent1"/>
-          </a:fillRef>
-          <a:effectRef idx="0">
-            <a:schemeClr val="accent1"/>
-          </a:effectRef>
-          <a:fontRef idx="minor">
-            <a:schemeClr val="tx1"/>
-          </a:fontRef>
-        </p:style>
-      </p:cxnSp>
-      <p:sp>
-        <p:nvSpPr>
-          <p:cNvPr id="2" name="Rectangle 1"/>
-          <p:cNvSpPr/>
-          <p:nvPr/>
-        </p:nvSpPr>
-        <p:spPr>
-          <a:xfrm>
-            <a:off x="618067" y="2757315"/>
-            <a:ext cx="5367867" cy="3139321"/>
-          </a:xfrm>
-          <a:prstGeom prst="rect">
-            <a:avLst/>
-          </a:prstGeom>
-        </p:spPr>
-        <p:txBody>
-          <a:bodyPr wrap="square">
-            <a:spAutoFit/>
-          </a:bodyPr>
-          <a:lstStyle/>
-          <a:p>
-            <a:r>
-              <a:rPr lang="en-US" b="1" dirty="0" smtClean="0">
-                <a:solidFill>
-                  <a:srgbClr val="454545"/>
-                </a:solidFill>
-                <a:latin typeface="Helvetica Neue" charset="0"/>
-              </a:rPr>
-              <a:t>Parallel Model</a:t>
-            </a:r>
-            <a:r>
-              <a:rPr lang="en-US" dirty="0" smtClean="0">
-                <a:solidFill>
-                  <a:srgbClr val="454545"/>
-                </a:solidFill>
-                <a:latin typeface="Helvetica Neue" charset="0"/>
-              </a:rPr>
-              <a:t>:</a:t>
-            </a:r>
-          </a:p>
-          <a:p>
-            <a:endParaRPr lang="en-US" dirty="0" smtClean="0">
-              <a:solidFill>
-                <a:srgbClr val="454545"/>
-              </a:solidFill>
-              <a:latin typeface="Helvetica Neue" charset="0"/>
-            </a:endParaRPr>
-          </a:p>
-          <a:p>
-            <a:r>
-              <a:rPr lang="en-US" dirty="0">
-                <a:solidFill>
-                  <a:srgbClr val="454545"/>
-                </a:solidFill>
-                <a:latin typeface="Helvetica Neue" charset="0"/>
-              </a:rPr>
-              <a:t>global step 4400 learning rate 0.0002 step-time 0.34 perplexity 1.00</a:t>
-            </a:r>
-          </a:p>
-          <a:p>
-            <a:r>
-              <a:rPr lang="en-US" dirty="0">
-                <a:solidFill>
-                  <a:srgbClr val="454545"/>
-                </a:solidFill>
-                <a:latin typeface="Helvetica Neue" charset="0"/>
-              </a:rPr>
-              <a:t>  </a:t>
-            </a:r>
-            <a:r>
-              <a:rPr lang="en-US" dirty="0" err="1">
-                <a:solidFill>
-                  <a:srgbClr val="454545"/>
-                </a:solidFill>
-                <a:latin typeface="Helvetica Neue" charset="0"/>
-              </a:rPr>
-              <a:t>eval</a:t>
-            </a:r>
-            <a:r>
-              <a:rPr lang="en-US" dirty="0">
-                <a:solidFill>
-                  <a:srgbClr val="454545"/>
-                </a:solidFill>
-                <a:latin typeface="Helvetica Neue" charset="0"/>
-              </a:rPr>
-              <a:t>: bucket 0 perplexity </a:t>
-            </a:r>
-            <a:r>
-              <a:rPr lang="en-US" dirty="0" smtClean="0">
-                <a:solidFill>
-                  <a:srgbClr val="454545"/>
-                </a:solidFill>
-                <a:latin typeface="Helvetica Neue" charset="0"/>
-              </a:rPr>
-              <a:t>1.05</a:t>
-            </a:r>
-            <a:endParaRPr lang="en-US" dirty="0">
-              <a:solidFill>
-                <a:srgbClr val="454545"/>
-              </a:solidFill>
-              <a:latin typeface="Helvetica Neue" charset="0"/>
-            </a:endParaRPr>
-          </a:p>
-          <a:p>
-            <a:r>
-              <a:rPr lang="en-US" dirty="0">
-                <a:solidFill>
-                  <a:srgbClr val="454545"/>
-                </a:solidFill>
-                <a:latin typeface="Helvetica Neue" charset="0"/>
-              </a:rPr>
-              <a:t>  </a:t>
-            </a:r>
-            <a:r>
-              <a:rPr lang="en-US" dirty="0" err="1">
-                <a:solidFill>
-                  <a:srgbClr val="454545"/>
-                </a:solidFill>
-                <a:latin typeface="Helvetica Neue" charset="0"/>
-              </a:rPr>
-              <a:t>eval</a:t>
-            </a:r>
-            <a:r>
-              <a:rPr lang="en-US" dirty="0">
-                <a:solidFill>
-                  <a:srgbClr val="454545"/>
-                </a:solidFill>
-                <a:latin typeface="Helvetica Neue" charset="0"/>
-              </a:rPr>
-              <a:t>: bucket 1 perplexity 1.02</a:t>
-            </a:r>
-          </a:p>
-          <a:p>
-            <a:r>
-              <a:rPr lang="en-US" dirty="0">
-                <a:solidFill>
-                  <a:srgbClr val="454545"/>
-                </a:solidFill>
-                <a:latin typeface="Helvetica Neue" charset="0"/>
-              </a:rPr>
-              <a:t>  </a:t>
-            </a:r>
-            <a:r>
-              <a:rPr lang="en-US" dirty="0" err="1">
-                <a:solidFill>
-                  <a:srgbClr val="454545"/>
-                </a:solidFill>
-                <a:latin typeface="Helvetica Neue" charset="0"/>
-              </a:rPr>
-              <a:t>eval</a:t>
-            </a:r>
-            <a:r>
-              <a:rPr lang="en-US" dirty="0">
-                <a:solidFill>
-                  <a:srgbClr val="454545"/>
-                </a:solidFill>
-                <a:latin typeface="Helvetica Neue" charset="0"/>
-              </a:rPr>
-              <a:t>: bucket 2 perplexity </a:t>
-            </a:r>
-            <a:r>
-              <a:rPr lang="en-US" dirty="0" smtClean="0">
-                <a:solidFill>
-                  <a:srgbClr val="454545"/>
-                </a:solidFill>
-                <a:latin typeface="Helvetica Neue" charset="0"/>
-              </a:rPr>
-              <a:t>1.00</a:t>
-            </a:r>
-          </a:p>
-          <a:p>
-            <a:endParaRPr lang="en-US" dirty="0">
-              <a:solidFill>
-                <a:srgbClr val="454545"/>
-              </a:solidFill>
-              <a:latin typeface="Helvetica Neue" charset="0"/>
-            </a:endParaRPr>
-          </a:p>
-          <a:p>
-            <a:r>
-              <a:rPr lang="en-US" dirty="0">
-                <a:solidFill>
-                  <a:srgbClr val="454545"/>
-                </a:solidFill>
-                <a:latin typeface="Helvetica Neue" charset="0"/>
-              </a:rPr>
-              <a:t>train accuracy: 0.773571428571</a:t>
-            </a:r>
-          </a:p>
-          <a:p>
-            <a:r>
-              <a:rPr lang="en-US" dirty="0">
-                <a:solidFill>
-                  <a:srgbClr val="454545"/>
-                </a:solidFill>
-                <a:latin typeface="Helvetica Neue" charset="0"/>
-              </a:rPr>
-              <a:t>dev accuracy: 0.761666666667</a:t>
-            </a:r>
-          </a:p>
-          <a:p>
-            <a:r>
-              <a:rPr lang="en-US" dirty="0">
-                <a:solidFill>
-                  <a:srgbClr val="454545"/>
-                </a:solidFill>
-                <a:latin typeface="Helvetica Neue" charset="0"/>
-              </a:rPr>
-              <a:t>test accuracy: 0.804305283757</a:t>
-            </a:r>
-          </a:p>
-        </p:txBody>
-      </p:sp>
-      <p:sp>
-        <p:nvSpPr>
-          <p:cNvPr id="3" name="Rectangle 2"/>
-          <p:cNvSpPr/>
-          <p:nvPr/>
-        </p:nvSpPr>
-        <p:spPr>
-          <a:xfrm>
-            <a:off x="6129855" y="2757315"/>
-            <a:ext cx="5147733" cy="3139321"/>
-          </a:xfrm>
-          <a:prstGeom prst="rect">
-            <a:avLst/>
-          </a:prstGeom>
-        </p:spPr>
-        <p:txBody>
-          <a:bodyPr wrap="square">
-            <a:spAutoFit/>
-          </a:bodyPr>
-          <a:lstStyle/>
-          <a:p>
-            <a:r>
-              <a:rPr lang="en-US" b="1" dirty="0" smtClean="0">
-                <a:solidFill>
-                  <a:srgbClr val="454545"/>
-                </a:solidFill>
-                <a:latin typeface="Helvetica Neue" charset="0"/>
-              </a:rPr>
-              <a:t>X </a:t>
-            </a:r>
-            <a:r>
-              <a:rPr lang="en-US" b="1" dirty="0">
-                <a:solidFill>
-                  <a:srgbClr val="454545"/>
-                </a:solidFill>
-                <a:latin typeface="Helvetica Neue" charset="0"/>
-              </a:rPr>
-              <a:t>Model</a:t>
-            </a:r>
-            <a:r>
-              <a:rPr lang="en-US" dirty="0">
-                <a:solidFill>
-                  <a:srgbClr val="454545"/>
-                </a:solidFill>
-                <a:latin typeface="Helvetica Neue" charset="0"/>
-              </a:rPr>
-              <a:t>:</a:t>
-            </a:r>
-          </a:p>
-          <a:p>
-            <a:endParaRPr lang="en-US" dirty="0">
-              <a:solidFill>
-                <a:srgbClr val="454545"/>
-              </a:solidFill>
-              <a:latin typeface="Helvetica Neue" charset="0"/>
-            </a:endParaRPr>
-          </a:p>
-          <a:p>
-            <a:r>
-              <a:rPr lang="en-US" dirty="0">
-                <a:solidFill>
-                  <a:srgbClr val="454545"/>
-                </a:solidFill>
-                <a:latin typeface="Helvetica Neue" charset="0"/>
-              </a:rPr>
-              <a:t>global step 4800 learning rate 0.0003 step-time 0.35 perplexity </a:t>
-            </a:r>
-            <a:r>
-              <a:rPr lang="en-US" dirty="0" smtClean="0">
-                <a:solidFill>
-                  <a:srgbClr val="454545"/>
-                </a:solidFill>
-                <a:latin typeface="Helvetica Neue" charset="0"/>
-              </a:rPr>
-              <a:t>1.04</a:t>
-            </a:r>
-            <a:endParaRPr lang="en-US" dirty="0">
-              <a:solidFill>
-                <a:srgbClr val="454545"/>
-              </a:solidFill>
-              <a:latin typeface="Helvetica Neue" charset="0"/>
-            </a:endParaRPr>
-          </a:p>
-          <a:p>
-            <a:r>
-              <a:rPr lang="en-US" dirty="0">
-                <a:solidFill>
-                  <a:srgbClr val="454545"/>
-                </a:solidFill>
-                <a:latin typeface="Helvetica Neue" charset="0"/>
-              </a:rPr>
-              <a:t>  </a:t>
-            </a:r>
-            <a:r>
-              <a:rPr lang="en-US" dirty="0" err="1">
-                <a:solidFill>
-                  <a:srgbClr val="454545"/>
-                </a:solidFill>
-                <a:latin typeface="Helvetica Neue" charset="0"/>
-              </a:rPr>
-              <a:t>eval</a:t>
-            </a:r>
-            <a:r>
-              <a:rPr lang="en-US" dirty="0">
-                <a:solidFill>
-                  <a:srgbClr val="454545"/>
-                </a:solidFill>
-                <a:latin typeface="Helvetica Neue" charset="0"/>
-              </a:rPr>
-              <a:t>: bucket 0 perplexity </a:t>
-            </a:r>
-            <a:r>
-              <a:rPr lang="en-US" dirty="0" smtClean="0">
-                <a:solidFill>
-                  <a:srgbClr val="454545"/>
-                </a:solidFill>
-                <a:latin typeface="Helvetica Neue" charset="0"/>
-              </a:rPr>
-              <a:t>1.09</a:t>
-            </a:r>
-            <a:endParaRPr lang="en-US" dirty="0">
-              <a:solidFill>
-                <a:srgbClr val="454545"/>
-              </a:solidFill>
-              <a:latin typeface="Helvetica Neue" charset="0"/>
-            </a:endParaRPr>
-          </a:p>
-          <a:p>
-            <a:r>
-              <a:rPr lang="en-US" dirty="0">
-                <a:solidFill>
-                  <a:srgbClr val="454545"/>
-                </a:solidFill>
-                <a:latin typeface="Helvetica Neue" charset="0"/>
-              </a:rPr>
-              <a:t>  </a:t>
-            </a:r>
-            <a:r>
-              <a:rPr lang="en-US" dirty="0" err="1">
-                <a:solidFill>
-                  <a:srgbClr val="454545"/>
-                </a:solidFill>
-                <a:latin typeface="Helvetica Neue" charset="0"/>
-              </a:rPr>
-              <a:t>eval</a:t>
-            </a:r>
-            <a:r>
-              <a:rPr lang="en-US" dirty="0">
-                <a:solidFill>
-                  <a:srgbClr val="454545"/>
-                </a:solidFill>
-                <a:latin typeface="Helvetica Neue" charset="0"/>
-              </a:rPr>
-              <a:t>: bucket 1 perplexity </a:t>
-            </a:r>
-            <a:r>
-              <a:rPr lang="en-US" dirty="0" smtClean="0">
-                <a:solidFill>
-                  <a:srgbClr val="454545"/>
-                </a:solidFill>
-                <a:latin typeface="Helvetica Neue" charset="0"/>
-              </a:rPr>
-              <a:t>1.03</a:t>
-            </a:r>
-            <a:endParaRPr lang="en-US" dirty="0">
-              <a:solidFill>
-                <a:srgbClr val="454545"/>
-              </a:solidFill>
-              <a:latin typeface="Helvetica Neue" charset="0"/>
-            </a:endParaRPr>
-          </a:p>
-          <a:p>
-            <a:r>
-              <a:rPr lang="en-US" dirty="0">
-                <a:solidFill>
-                  <a:srgbClr val="454545"/>
-                </a:solidFill>
-                <a:latin typeface="Helvetica Neue" charset="0"/>
-              </a:rPr>
-              <a:t>  </a:t>
-            </a:r>
-            <a:r>
-              <a:rPr lang="en-US" dirty="0" err="1">
-                <a:solidFill>
-                  <a:srgbClr val="454545"/>
-                </a:solidFill>
-                <a:latin typeface="Helvetica Neue" charset="0"/>
-              </a:rPr>
-              <a:t>eval</a:t>
-            </a:r>
-            <a:r>
-              <a:rPr lang="en-US" dirty="0">
-                <a:solidFill>
-                  <a:srgbClr val="454545"/>
-                </a:solidFill>
-                <a:latin typeface="Helvetica Neue" charset="0"/>
-              </a:rPr>
-              <a:t>: bucket 2 perplexity </a:t>
-            </a:r>
-            <a:r>
-              <a:rPr lang="en-US" dirty="0" smtClean="0">
-                <a:solidFill>
-                  <a:srgbClr val="454545"/>
-                </a:solidFill>
-                <a:latin typeface="Helvetica Neue" charset="0"/>
-              </a:rPr>
-              <a:t>1.01</a:t>
-            </a:r>
-          </a:p>
-          <a:p>
-            <a:endParaRPr lang="en-US" dirty="0">
-              <a:solidFill>
-                <a:srgbClr val="454545"/>
-              </a:solidFill>
-              <a:latin typeface="Helvetica Neue" charset="0"/>
-            </a:endParaRPr>
-          </a:p>
-          <a:p>
-            <a:r>
-              <a:rPr lang="en-US" dirty="0">
-                <a:solidFill>
-                  <a:srgbClr val="454545"/>
-                </a:solidFill>
-                <a:latin typeface="Helvetica Neue" charset="0"/>
-              </a:rPr>
-              <a:t>train accuracy: 0.688571428571</a:t>
-            </a:r>
-          </a:p>
-          <a:p>
-            <a:r>
-              <a:rPr lang="en-US" dirty="0">
-                <a:solidFill>
-                  <a:srgbClr val="454545"/>
-                </a:solidFill>
-                <a:latin typeface="Helvetica Neue" charset="0"/>
-              </a:rPr>
-              <a:t>dev accuracy: 0.683333333333</a:t>
-            </a:r>
-          </a:p>
-          <a:p>
-            <a:r>
-              <a:rPr lang="en-US" dirty="0">
-                <a:solidFill>
-                  <a:srgbClr val="454545"/>
-                </a:solidFill>
-                <a:latin typeface="Helvetica Neue" charset="0"/>
-              </a:rPr>
-              <a:t>test accuracy: 0.696673189824</a:t>
-            </a:r>
-          </a:p>
-        </p:txBody>
-      </p:sp>
-    </p:spTree>
-    <p:extLst>
-      <p:ext uri="{BB962C8B-B14F-4D97-AF65-F5344CB8AC3E}">
-        <p14:creationId xmlns:p14="http://schemas.microsoft.com/office/powerpoint/2010/main" val="709497486"/>
-      </p:ext>
-    </p:extLst>
-  </p:cSld>
-  <p:clrMapOvr>
-    <a:masterClrMapping/>
-  </p:clrMapOvr>
-  <p:timing>
-    <p:tnLst>
-      <p:par>
-        <p:cTn id="1" dur="indefinite" restart="never" nodeType="tmRoot">
-          <p:childTnLst>
-            <p:seq concurrent="1" nextAc="seek">
-              <p:cTn id="2" dur="indefinite" nodeType="mainSeq">
-                <p:childTnLst>
-                  <p:par>
-                    <p:cTn id="3" fill="hold">
-                      <p:stCondLst>
-                        <p:cond delay="indefinite"/>
-                      </p:stCondLst>
-                      <p:childTnLst>
-                        <p:par>
-                          <p:cTn id="4" fill="hold">
-                            <p:stCondLst>
-                              <p:cond delay="0"/>
-                            </p:stCondLst>
-                            <p:childTnLst>
-                              <p:par>
-                                <p:cTn id="5" presetID="14" presetClass="entr" presetSubtype="10" fill="hold" grpId="0" nodeType="clickEffect">
-                                  <p:stCondLst>
-                                    <p:cond delay="0"/>
-                                  </p:stCondLst>
-                                  <p:childTnLst>
-                                    <p:set>
-                                      <p:cBhvr>
-                                        <p:cTn id="6" dur="1" fill="hold">
-                                          <p:stCondLst>
-                                            <p:cond delay="0"/>
-                                          </p:stCondLst>
-                                        </p:cTn>
-                                        <p:tgtEl>
-                                          <p:spTgt spid="2"/>
-                                        </p:tgtEl>
-                                        <p:attrNameLst>
-                                          <p:attrName>style.visibility</p:attrName>
-                                        </p:attrNameLst>
-                                      </p:cBhvr>
-                                      <p:to>
-                                        <p:strVal val="visible"/>
-                                      </p:to>
-                                    </p:set>
-                                    <p:animEffect transition="in" filter="randombar(horizontal)">
-                                      <p:cBhvr>
-                                        <p:cTn id="7" dur="500"/>
-                                        <p:tgtEl>
-                                          <p:spTgt spid="2"/>
-                                        </p:tgtEl>
-                                      </p:cBhvr>
-                                    </p:animEffect>
-                                  </p:childTnLst>
-                                </p:cTn>
-                              </p:par>
-                            </p:childTnLst>
-                          </p:cTn>
-                        </p:par>
-                      </p:childTnLst>
-                    </p:cTn>
-                  </p:par>
-                  <p:par>
-                    <p:cTn id="8" fill="hold">
-                      <p:stCondLst>
-                        <p:cond delay="indefinite"/>
-                      </p:stCondLst>
-                      <p:childTnLst>
-                        <p:par>
-                          <p:cTn id="9" fill="hold">
-                            <p:stCondLst>
-                              <p:cond delay="0"/>
-                            </p:stCondLst>
-                            <p:childTnLst>
-                              <p:par>
-                                <p:cTn id="10" presetID="14" presetClass="entr" presetSubtype="10" fill="hold" grpId="0" nodeType="clickEffect">
-                                  <p:stCondLst>
-                                    <p:cond delay="0"/>
-                                  </p:stCondLst>
-                                  <p:childTnLst>
-                                    <p:set>
-                                      <p:cBhvr>
-                                        <p:cTn id="11" dur="1" fill="hold">
-                                          <p:stCondLst>
-                                            <p:cond delay="0"/>
-                                          </p:stCondLst>
-                                        </p:cTn>
-                                        <p:tgtEl>
-                                          <p:spTgt spid="3"/>
-                                        </p:tgtEl>
-                                        <p:attrNameLst>
-                                          <p:attrName>style.visibility</p:attrName>
-                                        </p:attrNameLst>
-                                      </p:cBhvr>
-                                      <p:to>
-                                        <p:strVal val="visible"/>
-                                      </p:to>
-                                    </p:set>
-                                    <p:animEffect transition="in" filter="randombar(horizontal)">
-                                      <p:cBhvr>
-                                        <p:cTn id="12" dur="500"/>
-                                        <p:tgtEl>
-                                          <p:spTgt spid="3"/>
-                                        </p:tgtEl>
-                                      </p:cBhvr>
-                                    </p:animEffect>
-                                  </p:childTnLst>
-                                </p:cTn>
-                              </p:par>
-                            </p:childTnLst>
-                          </p:cTn>
-                        </p:par>
-                      </p:childTnLst>
-                    </p:cTn>
-                  </p:par>
-                </p:childTnLst>
-              </p:cTn>
-              <p:prevCondLst>
-                <p:cond evt="onPrev" delay="0">
-                  <p:tgtEl>
-                    <p:sldTgt/>
-                  </p:tgtEl>
-                </p:cond>
-              </p:prevCondLst>
-              <p:nextCondLst>
-                <p:cond evt="onNext" delay="0">
-                  <p:tgtEl>
-                    <p:sldTgt/>
-                  </p:tgtEl>
-                </p:cond>
-              </p:nextCondLst>
-            </p:seq>
-          </p:childTnLst>
-        </p:cTn>
-      </p:par>
-    </p:tnLst>
-    <p:bldLst>
-      <p:bldP spid="2" grpId="0"/>
-      <p:bldP spid="3" grpId="0"/>
-    </p:bldLst>
-  </p:timing>
-</p:sld>
-</file>
-
 <file path=ppt/slides/slide16.xml><?xml version="1.0" encoding="utf-8"?>
 <p:sld xmlns:a="http://schemas.openxmlformats.org/drawingml/2006/main" xmlns:r="http://schemas.openxmlformats.org/officeDocument/2006/relationships" xmlns:p="http://schemas.openxmlformats.org/presentationml/2006/main">
   <p:cSld>
@@ -11657,6 +10840,937 @@
       </p:grpSpPr>
       <p:sp>
         <p:nvSpPr>
+          <p:cNvPr id="8" name="TextBox 7"/>
+          <p:cNvSpPr txBox="1"/>
+          <p:nvPr/>
+        </p:nvSpPr>
+        <p:spPr>
+          <a:xfrm>
+            <a:off x="749507" y="509666"/>
+            <a:ext cx="7581693" cy="461665"/>
+          </a:xfrm>
+          <a:prstGeom prst="rect">
+            <a:avLst/>
+          </a:prstGeom>
+          <a:noFill/>
+        </p:spPr>
+        <p:txBody>
+          <a:bodyPr wrap="square" rtlCol="0">
+            <a:spAutoFit/>
+          </a:bodyPr>
+          <a:lstStyle/>
+          <a:p>
+            <a:r>
+              <a:rPr lang="en-US" sz="2400" dirty="0" smtClean="0"/>
+              <a:t>Natural Language Interface (Neural Translation Machine):</a:t>
+            </a:r>
+            <a:endParaRPr lang="en-US" sz="2400" dirty="0"/>
+          </a:p>
+        </p:txBody>
+      </p:sp>
+      <p:sp>
+        <p:nvSpPr>
+          <p:cNvPr id="16" name="TextBox 15"/>
+          <p:cNvSpPr txBox="1"/>
+          <p:nvPr/>
+        </p:nvSpPr>
+        <p:spPr>
+          <a:xfrm>
+            <a:off x="4775201" y="1405464"/>
+            <a:ext cx="2421467" cy="830997"/>
+          </a:xfrm>
+          <a:prstGeom prst="rect">
+            <a:avLst/>
+          </a:prstGeom>
+          <a:noFill/>
+          <a:ln>
+            <a:solidFill>
+              <a:schemeClr val="tx1"/>
+            </a:solidFill>
+          </a:ln>
+        </p:spPr>
+        <p:txBody>
+          <a:bodyPr wrap="square" rtlCol="0">
+            <a:spAutoFit/>
+          </a:bodyPr>
+          <a:lstStyle/>
+          <a:p>
+            <a:r>
+              <a:rPr lang="en-US" sz="2400" dirty="0" smtClean="0"/>
+              <a:t>Natural Language Interface (NLI)</a:t>
+            </a:r>
+            <a:endParaRPr lang="en-US" sz="2400" dirty="0"/>
+          </a:p>
+        </p:txBody>
+      </p:sp>
+      <p:sp>
+        <p:nvSpPr>
+          <p:cNvPr id="17" name="TextBox 16"/>
+          <p:cNvSpPr txBox="1"/>
+          <p:nvPr/>
+        </p:nvSpPr>
+        <p:spPr>
+          <a:xfrm>
+            <a:off x="1539269" y="1492186"/>
+            <a:ext cx="2118333" cy="646331"/>
+          </a:xfrm>
+          <a:prstGeom prst="rect">
+            <a:avLst/>
+          </a:prstGeom>
+          <a:noFill/>
+          <a:ln>
+            <a:solidFill>
+              <a:schemeClr val="tx1"/>
+            </a:solidFill>
+          </a:ln>
+        </p:spPr>
+        <p:txBody>
+          <a:bodyPr wrap="square" rtlCol="0">
+            <a:spAutoFit/>
+          </a:bodyPr>
+          <a:lstStyle/>
+          <a:p>
+            <a:r>
+              <a:rPr lang="en-US" dirty="0" smtClean="0"/>
+              <a:t>Tagged query</a:t>
+            </a:r>
+          </a:p>
+          <a:p>
+            <a:r>
+              <a:rPr lang="en-US" dirty="0" smtClean="0"/>
+              <a:t>(.</a:t>
+            </a:r>
+            <a:r>
+              <a:rPr lang="en-US" dirty="0" err="1" smtClean="0"/>
+              <a:t>qu</a:t>
+            </a:r>
+            <a:r>
+              <a:rPr lang="en-US" dirty="0" smtClean="0"/>
+              <a:t>+.ta / .</a:t>
+            </a:r>
+            <a:r>
+              <a:rPr lang="en-US" dirty="0" err="1" smtClean="0"/>
+              <a:t>qux</a:t>
+            </a:r>
+            <a:r>
+              <a:rPr lang="en-US" dirty="0" smtClean="0"/>
+              <a:t>)</a:t>
+            </a:r>
+            <a:endParaRPr lang="en-US" dirty="0"/>
+          </a:p>
+        </p:txBody>
+      </p:sp>
+      <p:sp>
+        <p:nvSpPr>
+          <p:cNvPr id="18" name="TextBox 17"/>
+          <p:cNvSpPr txBox="1"/>
+          <p:nvPr/>
+        </p:nvSpPr>
+        <p:spPr>
+          <a:xfrm>
+            <a:off x="8534400" y="1492185"/>
+            <a:ext cx="1913467" cy="646331"/>
+          </a:xfrm>
+          <a:prstGeom prst="rect">
+            <a:avLst/>
+          </a:prstGeom>
+          <a:noFill/>
+          <a:ln>
+            <a:solidFill>
+              <a:schemeClr val="tx1"/>
+            </a:solidFill>
+          </a:ln>
+        </p:spPr>
+        <p:txBody>
+          <a:bodyPr wrap="square" rtlCol="0">
+            <a:spAutoFit/>
+          </a:bodyPr>
+          <a:lstStyle/>
+          <a:p>
+            <a:r>
+              <a:rPr lang="en-US" dirty="0"/>
+              <a:t>L</a:t>
+            </a:r>
+            <a:r>
+              <a:rPr lang="en-US" smtClean="0"/>
+              <a:t>ogical </a:t>
+            </a:r>
+            <a:r>
+              <a:rPr lang="en-US" dirty="0" smtClean="0"/>
+              <a:t>template</a:t>
+            </a:r>
+          </a:p>
+          <a:p>
+            <a:r>
+              <a:rPr lang="en-US" dirty="0" smtClean="0"/>
+              <a:t>(.lox)</a:t>
+            </a:r>
+            <a:endParaRPr lang="en-US" dirty="0"/>
+          </a:p>
+        </p:txBody>
+      </p:sp>
+      <p:cxnSp>
+        <p:nvCxnSpPr>
+          <p:cNvPr id="20" name="Straight Arrow Connector 19"/>
+          <p:cNvCxnSpPr>
+            <a:stCxn id="17" idx="3"/>
+            <a:endCxn id="16" idx="1"/>
+          </p:cNvCxnSpPr>
+          <p:nvPr/>
+        </p:nvCxnSpPr>
+        <p:spPr>
+          <a:xfrm>
+            <a:off x="3657602" y="1815352"/>
+            <a:ext cx="1117599" cy="5611"/>
+          </a:xfrm>
+          <a:prstGeom prst="straightConnector1">
+            <a:avLst/>
+          </a:prstGeom>
+          <a:ln>
+            <a:tailEnd type="triangle"/>
+          </a:ln>
+        </p:spPr>
+        <p:style>
+          <a:lnRef idx="1">
+            <a:schemeClr val="accent1"/>
+          </a:lnRef>
+          <a:fillRef idx="0">
+            <a:schemeClr val="accent1"/>
+          </a:fillRef>
+          <a:effectRef idx="0">
+            <a:schemeClr val="accent1"/>
+          </a:effectRef>
+          <a:fontRef idx="minor">
+            <a:schemeClr val="tx1"/>
+          </a:fontRef>
+        </p:style>
+      </p:cxnSp>
+      <p:cxnSp>
+        <p:nvCxnSpPr>
+          <p:cNvPr id="22" name="Straight Arrow Connector 21"/>
+          <p:cNvCxnSpPr>
+            <a:stCxn id="16" idx="3"/>
+            <a:endCxn id="18" idx="1"/>
+          </p:cNvCxnSpPr>
+          <p:nvPr/>
+        </p:nvCxnSpPr>
+        <p:spPr>
+          <a:xfrm flipV="1">
+            <a:off x="7196668" y="1815351"/>
+            <a:ext cx="1337732" cy="5612"/>
+          </a:xfrm>
+          <a:prstGeom prst="straightConnector1">
+            <a:avLst/>
+          </a:prstGeom>
+          <a:ln>
+            <a:tailEnd type="triangle"/>
+          </a:ln>
+        </p:spPr>
+        <p:style>
+          <a:lnRef idx="1">
+            <a:schemeClr val="accent1"/>
+          </a:lnRef>
+          <a:fillRef idx="0">
+            <a:schemeClr val="accent1"/>
+          </a:fillRef>
+          <a:effectRef idx="0">
+            <a:schemeClr val="accent1"/>
+          </a:effectRef>
+          <a:fontRef idx="minor">
+            <a:schemeClr val="tx1"/>
+          </a:fontRef>
+        </p:style>
+      </p:cxnSp>
+      <p:sp>
+        <p:nvSpPr>
+          <p:cNvPr id="2" name="Rectangle 1"/>
+          <p:cNvSpPr/>
+          <p:nvPr/>
+        </p:nvSpPr>
+        <p:spPr>
+          <a:xfrm>
+            <a:off x="618067" y="2757315"/>
+            <a:ext cx="5367867" cy="3139321"/>
+          </a:xfrm>
+          <a:prstGeom prst="rect">
+            <a:avLst/>
+          </a:prstGeom>
+        </p:spPr>
+        <p:txBody>
+          <a:bodyPr wrap="square">
+            <a:spAutoFit/>
+          </a:bodyPr>
+          <a:lstStyle/>
+          <a:p>
+            <a:r>
+              <a:rPr lang="en-US" b="1" dirty="0" smtClean="0">
+                <a:solidFill>
+                  <a:srgbClr val="454545"/>
+                </a:solidFill>
+                <a:latin typeface="Helvetica Neue" charset="0"/>
+              </a:rPr>
+              <a:t>Parallel Model</a:t>
+            </a:r>
+            <a:r>
+              <a:rPr lang="en-US" dirty="0" smtClean="0">
+                <a:solidFill>
+                  <a:srgbClr val="454545"/>
+                </a:solidFill>
+                <a:latin typeface="Helvetica Neue" charset="0"/>
+              </a:rPr>
+              <a:t>:</a:t>
+            </a:r>
+          </a:p>
+          <a:p>
+            <a:endParaRPr lang="en-US" dirty="0" smtClean="0">
+              <a:solidFill>
+                <a:srgbClr val="454545"/>
+              </a:solidFill>
+              <a:latin typeface="Helvetica Neue" charset="0"/>
+            </a:endParaRPr>
+          </a:p>
+          <a:p>
+            <a:r>
+              <a:rPr lang="en-US" dirty="0">
+                <a:solidFill>
+                  <a:srgbClr val="454545"/>
+                </a:solidFill>
+                <a:latin typeface="Helvetica Neue" charset="0"/>
+              </a:rPr>
+              <a:t>global step 4400 learning rate 0.0002 step-time 0.34 perplexity 1.00</a:t>
+            </a:r>
+          </a:p>
+          <a:p>
+            <a:r>
+              <a:rPr lang="en-US" dirty="0">
+                <a:solidFill>
+                  <a:srgbClr val="454545"/>
+                </a:solidFill>
+                <a:latin typeface="Helvetica Neue" charset="0"/>
+              </a:rPr>
+              <a:t>  </a:t>
+            </a:r>
+            <a:r>
+              <a:rPr lang="en-US" dirty="0" err="1">
+                <a:solidFill>
+                  <a:srgbClr val="454545"/>
+                </a:solidFill>
+                <a:latin typeface="Helvetica Neue" charset="0"/>
+              </a:rPr>
+              <a:t>eval</a:t>
+            </a:r>
+            <a:r>
+              <a:rPr lang="en-US" dirty="0">
+                <a:solidFill>
+                  <a:srgbClr val="454545"/>
+                </a:solidFill>
+                <a:latin typeface="Helvetica Neue" charset="0"/>
+              </a:rPr>
+              <a:t>: bucket 0 perplexity </a:t>
+            </a:r>
+            <a:r>
+              <a:rPr lang="en-US" dirty="0" smtClean="0">
+                <a:solidFill>
+                  <a:srgbClr val="454545"/>
+                </a:solidFill>
+                <a:latin typeface="Helvetica Neue" charset="0"/>
+              </a:rPr>
+              <a:t>1.05</a:t>
+            </a:r>
+            <a:endParaRPr lang="en-US" dirty="0">
+              <a:solidFill>
+                <a:srgbClr val="454545"/>
+              </a:solidFill>
+              <a:latin typeface="Helvetica Neue" charset="0"/>
+            </a:endParaRPr>
+          </a:p>
+          <a:p>
+            <a:r>
+              <a:rPr lang="en-US" dirty="0">
+                <a:solidFill>
+                  <a:srgbClr val="454545"/>
+                </a:solidFill>
+                <a:latin typeface="Helvetica Neue" charset="0"/>
+              </a:rPr>
+              <a:t>  </a:t>
+            </a:r>
+            <a:r>
+              <a:rPr lang="en-US" dirty="0" err="1">
+                <a:solidFill>
+                  <a:srgbClr val="454545"/>
+                </a:solidFill>
+                <a:latin typeface="Helvetica Neue" charset="0"/>
+              </a:rPr>
+              <a:t>eval</a:t>
+            </a:r>
+            <a:r>
+              <a:rPr lang="en-US" dirty="0">
+                <a:solidFill>
+                  <a:srgbClr val="454545"/>
+                </a:solidFill>
+                <a:latin typeface="Helvetica Neue" charset="0"/>
+              </a:rPr>
+              <a:t>: bucket 1 perplexity 1.02</a:t>
+            </a:r>
+          </a:p>
+          <a:p>
+            <a:r>
+              <a:rPr lang="en-US" dirty="0">
+                <a:solidFill>
+                  <a:srgbClr val="454545"/>
+                </a:solidFill>
+                <a:latin typeface="Helvetica Neue" charset="0"/>
+              </a:rPr>
+              <a:t>  </a:t>
+            </a:r>
+            <a:r>
+              <a:rPr lang="en-US" dirty="0" err="1">
+                <a:solidFill>
+                  <a:srgbClr val="454545"/>
+                </a:solidFill>
+                <a:latin typeface="Helvetica Neue" charset="0"/>
+              </a:rPr>
+              <a:t>eval</a:t>
+            </a:r>
+            <a:r>
+              <a:rPr lang="en-US" dirty="0">
+                <a:solidFill>
+                  <a:srgbClr val="454545"/>
+                </a:solidFill>
+                <a:latin typeface="Helvetica Neue" charset="0"/>
+              </a:rPr>
+              <a:t>: bucket 2 perplexity </a:t>
+            </a:r>
+            <a:r>
+              <a:rPr lang="en-US" dirty="0" smtClean="0">
+                <a:solidFill>
+                  <a:srgbClr val="454545"/>
+                </a:solidFill>
+                <a:latin typeface="Helvetica Neue" charset="0"/>
+              </a:rPr>
+              <a:t>1.00</a:t>
+            </a:r>
+          </a:p>
+          <a:p>
+            <a:endParaRPr lang="en-US" dirty="0">
+              <a:solidFill>
+                <a:srgbClr val="454545"/>
+              </a:solidFill>
+              <a:latin typeface="Helvetica Neue" charset="0"/>
+            </a:endParaRPr>
+          </a:p>
+          <a:p>
+            <a:r>
+              <a:rPr lang="en-US" dirty="0">
+                <a:solidFill>
+                  <a:srgbClr val="454545"/>
+                </a:solidFill>
+                <a:latin typeface="Helvetica Neue" charset="0"/>
+              </a:rPr>
+              <a:t>train accuracy: 0.773571428571</a:t>
+            </a:r>
+          </a:p>
+          <a:p>
+            <a:r>
+              <a:rPr lang="en-US" dirty="0">
+                <a:solidFill>
+                  <a:srgbClr val="454545"/>
+                </a:solidFill>
+                <a:latin typeface="Helvetica Neue" charset="0"/>
+              </a:rPr>
+              <a:t>dev accuracy: 0.761666666667</a:t>
+            </a:r>
+          </a:p>
+          <a:p>
+            <a:r>
+              <a:rPr lang="en-US" dirty="0">
+                <a:solidFill>
+                  <a:srgbClr val="454545"/>
+                </a:solidFill>
+                <a:latin typeface="Helvetica Neue" charset="0"/>
+              </a:rPr>
+              <a:t>test accuracy: 0.804305283757</a:t>
+            </a:r>
+          </a:p>
+        </p:txBody>
+      </p:sp>
+      <p:sp>
+        <p:nvSpPr>
+          <p:cNvPr id="3" name="Rectangle 2"/>
+          <p:cNvSpPr/>
+          <p:nvPr/>
+        </p:nvSpPr>
+        <p:spPr>
+          <a:xfrm>
+            <a:off x="6129855" y="2757315"/>
+            <a:ext cx="5147733" cy="3139321"/>
+          </a:xfrm>
+          <a:prstGeom prst="rect">
+            <a:avLst/>
+          </a:prstGeom>
+        </p:spPr>
+        <p:txBody>
+          <a:bodyPr wrap="square">
+            <a:spAutoFit/>
+          </a:bodyPr>
+          <a:lstStyle/>
+          <a:p>
+            <a:r>
+              <a:rPr lang="en-US" b="1" dirty="0" smtClean="0">
+                <a:solidFill>
+                  <a:srgbClr val="454545"/>
+                </a:solidFill>
+                <a:latin typeface="Helvetica Neue" charset="0"/>
+              </a:rPr>
+              <a:t>X </a:t>
+            </a:r>
+            <a:r>
+              <a:rPr lang="en-US" b="1" dirty="0">
+                <a:solidFill>
+                  <a:srgbClr val="454545"/>
+                </a:solidFill>
+                <a:latin typeface="Helvetica Neue" charset="0"/>
+              </a:rPr>
+              <a:t>Model</a:t>
+            </a:r>
+            <a:r>
+              <a:rPr lang="en-US" dirty="0">
+                <a:solidFill>
+                  <a:srgbClr val="454545"/>
+                </a:solidFill>
+                <a:latin typeface="Helvetica Neue" charset="0"/>
+              </a:rPr>
+              <a:t>:</a:t>
+            </a:r>
+          </a:p>
+          <a:p>
+            <a:endParaRPr lang="en-US" dirty="0">
+              <a:solidFill>
+                <a:srgbClr val="454545"/>
+              </a:solidFill>
+              <a:latin typeface="Helvetica Neue" charset="0"/>
+            </a:endParaRPr>
+          </a:p>
+          <a:p>
+            <a:r>
+              <a:rPr lang="en-US" dirty="0">
+                <a:solidFill>
+                  <a:srgbClr val="454545"/>
+                </a:solidFill>
+                <a:latin typeface="Helvetica Neue" charset="0"/>
+              </a:rPr>
+              <a:t>global step 4800 learning rate 0.0003 step-time 0.35 perplexity </a:t>
+            </a:r>
+            <a:r>
+              <a:rPr lang="en-US" dirty="0" smtClean="0">
+                <a:solidFill>
+                  <a:srgbClr val="454545"/>
+                </a:solidFill>
+                <a:latin typeface="Helvetica Neue" charset="0"/>
+              </a:rPr>
+              <a:t>1.04</a:t>
+            </a:r>
+            <a:endParaRPr lang="en-US" dirty="0">
+              <a:solidFill>
+                <a:srgbClr val="454545"/>
+              </a:solidFill>
+              <a:latin typeface="Helvetica Neue" charset="0"/>
+            </a:endParaRPr>
+          </a:p>
+          <a:p>
+            <a:r>
+              <a:rPr lang="en-US" dirty="0">
+                <a:solidFill>
+                  <a:srgbClr val="454545"/>
+                </a:solidFill>
+                <a:latin typeface="Helvetica Neue" charset="0"/>
+              </a:rPr>
+              <a:t>  </a:t>
+            </a:r>
+            <a:r>
+              <a:rPr lang="en-US" dirty="0" err="1">
+                <a:solidFill>
+                  <a:srgbClr val="454545"/>
+                </a:solidFill>
+                <a:latin typeface="Helvetica Neue" charset="0"/>
+              </a:rPr>
+              <a:t>eval</a:t>
+            </a:r>
+            <a:r>
+              <a:rPr lang="en-US" dirty="0">
+                <a:solidFill>
+                  <a:srgbClr val="454545"/>
+                </a:solidFill>
+                <a:latin typeface="Helvetica Neue" charset="0"/>
+              </a:rPr>
+              <a:t>: bucket 0 perplexity </a:t>
+            </a:r>
+            <a:r>
+              <a:rPr lang="en-US" dirty="0" smtClean="0">
+                <a:solidFill>
+                  <a:srgbClr val="454545"/>
+                </a:solidFill>
+                <a:latin typeface="Helvetica Neue" charset="0"/>
+              </a:rPr>
+              <a:t>1.09</a:t>
+            </a:r>
+            <a:endParaRPr lang="en-US" dirty="0">
+              <a:solidFill>
+                <a:srgbClr val="454545"/>
+              </a:solidFill>
+              <a:latin typeface="Helvetica Neue" charset="0"/>
+            </a:endParaRPr>
+          </a:p>
+          <a:p>
+            <a:r>
+              <a:rPr lang="en-US" dirty="0">
+                <a:solidFill>
+                  <a:srgbClr val="454545"/>
+                </a:solidFill>
+                <a:latin typeface="Helvetica Neue" charset="0"/>
+              </a:rPr>
+              <a:t>  </a:t>
+            </a:r>
+            <a:r>
+              <a:rPr lang="en-US" dirty="0" err="1">
+                <a:solidFill>
+                  <a:srgbClr val="454545"/>
+                </a:solidFill>
+                <a:latin typeface="Helvetica Neue" charset="0"/>
+              </a:rPr>
+              <a:t>eval</a:t>
+            </a:r>
+            <a:r>
+              <a:rPr lang="en-US" dirty="0">
+                <a:solidFill>
+                  <a:srgbClr val="454545"/>
+                </a:solidFill>
+                <a:latin typeface="Helvetica Neue" charset="0"/>
+              </a:rPr>
+              <a:t>: bucket 1 perplexity </a:t>
+            </a:r>
+            <a:r>
+              <a:rPr lang="en-US" dirty="0" smtClean="0">
+                <a:solidFill>
+                  <a:srgbClr val="454545"/>
+                </a:solidFill>
+                <a:latin typeface="Helvetica Neue" charset="0"/>
+              </a:rPr>
+              <a:t>1.03</a:t>
+            </a:r>
+            <a:endParaRPr lang="en-US" dirty="0">
+              <a:solidFill>
+                <a:srgbClr val="454545"/>
+              </a:solidFill>
+              <a:latin typeface="Helvetica Neue" charset="0"/>
+            </a:endParaRPr>
+          </a:p>
+          <a:p>
+            <a:r>
+              <a:rPr lang="en-US" dirty="0">
+                <a:solidFill>
+                  <a:srgbClr val="454545"/>
+                </a:solidFill>
+                <a:latin typeface="Helvetica Neue" charset="0"/>
+              </a:rPr>
+              <a:t>  </a:t>
+            </a:r>
+            <a:r>
+              <a:rPr lang="en-US" dirty="0" err="1">
+                <a:solidFill>
+                  <a:srgbClr val="454545"/>
+                </a:solidFill>
+                <a:latin typeface="Helvetica Neue" charset="0"/>
+              </a:rPr>
+              <a:t>eval</a:t>
+            </a:r>
+            <a:r>
+              <a:rPr lang="en-US" dirty="0">
+                <a:solidFill>
+                  <a:srgbClr val="454545"/>
+                </a:solidFill>
+                <a:latin typeface="Helvetica Neue" charset="0"/>
+              </a:rPr>
+              <a:t>: bucket 2 perplexity </a:t>
+            </a:r>
+            <a:r>
+              <a:rPr lang="en-US" dirty="0" smtClean="0">
+                <a:solidFill>
+                  <a:srgbClr val="454545"/>
+                </a:solidFill>
+                <a:latin typeface="Helvetica Neue" charset="0"/>
+              </a:rPr>
+              <a:t>1.01</a:t>
+            </a:r>
+          </a:p>
+          <a:p>
+            <a:endParaRPr lang="en-US" dirty="0">
+              <a:solidFill>
+                <a:srgbClr val="454545"/>
+              </a:solidFill>
+              <a:latin typeface="Helvetica Neue" charset="0"/>
+            </a:endParaRPr>
+          </a:p>
+          <a:p>
+            <a:r>
+              <a:rPr lang="en-US" dirty="0">
+                <a:solidFill>
+                  <a:srgbClr val="454545"/>
+                </a:solidFill>
+                <a:latin typeface="Helvetica Neue" charset="0"/>
+              </a:rPr>
+              <a:t>train accuracy: 0.688571428571</a:t>
+            </a:r>
+          </a:p>
+          <a:p>
+            <a:r>
+              <a:rPr lang="en-US" dirty="0">
+                <a:solidFill>
+                  <a:srgbClr val="454545"/>
+                </a:solidFill>
+                <a:latin typeface="Helvetica Neue" charset="0"/>
+              </a:rPr>
+              <a:t>dev accuracy: 0.683333333333</a:t>
+            </a:r>
+          </a:p>
+          <a:p>
+            <a:r>
+              <a:rPr lang="en-US" dirty="0">
+                <a:solidFill>
+                  <a:srgbClr val="454545"/>
+                </a:solidFill>
+                <a:latin typeface="Helvetica Neue" charset="0"/>
+              </a:rPr>
+              <a:t>test accuracy: 0.696673189824</a:t>
+            </a:r>
+          </a:p>
+        </p:txBody>
+      </p:sp>
+    </p:spTree>
+    <p:extLst>
+      <p:ext uri="{BB962C8B-B14F-4D97-AF65-F5344CB8AC3E}">
+        <p14:creationId xmlns:p14="http://schemas.microsoft.com/office/powerpoint/2010/main" val="709497486"/>
+      </p:ext>
+    </p:extLst>
+  </p:cSld>
+  <p:clrMapOvr>
+    <a:masterClrMapping/>
+  </p:clrMapOvr>
+  <p:timing>
+    <p:tnLst>
+      <p:par>
+        <p:cTn id="1" dur="indefinite" restart="never" nodeType="tmRoot">
+          <p:childTnLst>
+            <p:seq concurrent="1" nextAc="seek">
+              <p:cTn id="2" dur="indefinite" nodeType="mainSeq">
+                <p:childTnLst>
+                  <p:par>
+                    <p:cTn id="3" fill="hold">
+                      <p:stCondLst>
+                        <p:cond delay="indefinite"/>
+                      </p:stCondLst>
+                      <p:childTnLst>
+                        <p:par>
+                          <p:cTn id="4" fill="hold">
+                            <p:stCondLst>
+                              <p:cond delay="0"/>
+                            </p:stCondLst>
+                            <p:childTnLst>
+                              <p:par>
+                                <p:cTn id="5" presetID="14" presetClass="entr" presetSubtype="10" fill="hold" grpId="0" nodeType="clickEffect">
+                                  <p:stCondLst>
+                                    <p:cond delay="0"/>
+                                  </p:stCondLst>
+                                  <p:childTnLst>
+                                    <p:set>
+                                      <p:cBhvr>
+                                        <p:cTn id="6" dur="1" fill="hold">
+                                          <p:stCondLst>
+                                            <p:cond delay="0"/>
+                                          </p:stCondLst>
+                                        </p:cTn>
+                                        <p:tgtEl>
+                                          <p:spTgt spid="2"/>
+                                        </p:tgtEl>
+                                        <p:attrNameLst>
+                                          <p:attrName>style.visibility</p:attrName>
+                                        </p:attrNameLst>
+                                      </p:cBhvr>
+                                      <p:to>
+                                        <p:strVal val="visible"/>
+                                      </p:to>
+                                    </p:set>
+                                    <p:animEffect transition="in" filter="randombar(horizontal)">
+                                      <p:cBhvr>
+                                        <p:cTn id="7" dur="500"/>
+                                        <p:tgtEl>
+                                          <p:spTgt spid="2"/>
+                                        </p:tgtEl>
+                                      </p:cBhvr>
+                                    </p:animEffect>
+                                  </p:childTnLst>
+                                </p:cTn>
+                              </p:par>
+                            </p:childTnLst>
+                          </p:cTn>
+                        </p:par>
+                      </p:childTnLst>
+                    </p:cTn>
+                  </p:par>
+                  <p:par>
+                    <p:cTn id="8" fill="hold">
+                      <p:stCondLst>
+                        <p:cond delay="indefinite"/>
+                      </p:stCondLst>
+                      <p:childTnLst>
+                        <p:par>
+                          <p:cTn id="9" fill="hold">
+                            <p:stCondLst>
+                              <p:cond delay="0"/>
+                            </p:stCondLst>
+                            <p:childTnLst>
+                              <p:par>
+                                <p:cTn id="10" presetID="14" presetClass="entr" presetSubtype="10" fill="hold" grpId="0" nodeType="clickEffect">
+                                  <p:stCondLst>
+                                    <p:cond delay="0"/>
+                                  </p:stCondLst>
+                                  <p:childTnLst>
+                                    <p:set>
+                                      <p:cBhvr>
+                                        <p:cTn id="11" dur="1" fill="hold">
+                                          <p:stCondLst>
+                                            <p:cond delay="0"/>
+                                          </p:stCondLst>
+                                        </p:cTn>
+                                        <p:tgtEl>
+                                          <p:spTgt spid="3"/>
+                                        </p:tgtEl>
+                                        <p:attrNameLst>
+                                          <p:attrName>style.visibility</p:attrName>
+                                        </p:attrNameLst>
+                                      </p:cBhvr>
+                                      <p:to>
+                                        <p:strVal val="visible"/>
+                                      </p:to>
+                                    </p:set>
+                                    <p:animEffect transition="in" filter="randombar(horizontal)">
+                                      <p:cBhvr>
+                                        <p:cTn id="12" dur="500"/>
+                                        <p:tgtEl>
+                                          <p:spTgt spid="3"/>
+                                        </p:tgtEl>
+                                      </p:cBhvr>
+                                    </p:animEffect>
+                                  </p:childTnLst>
+                                </p:cTn>
+                              </p:par>
+                            </p:childTnLst>
+                          </p:cTn>
+                        </p:par>
+                      </p:childTnLst>
+                    </p:cTn>
+                  </p:par>
+                </p:childTnLst>
+              </p:cTn>
+              <p:prevCondLst>
+                <p:cond evt="onPrev" delay="0">
+                  <p:tgtEl>
+                    <p:sldTgt/>
+                  </p:tgtEl>
+                </p:cond>
+              </p:prevCondLst>
+              <p:nextCondLst>
+                <p:cond evt="onNext" delay="0">
+                  <p:tgtEl>
+                    <p:sldTgt/>
+                  </p:tgtEl>
+                </p:cond>
+              </p:nextCondLst>
+            </p:seq>
+          </p:childTnLst>
+        </p:cTn>
+      </p:par>
+    </p:tnLst>
+    <p:bldLst>
+      <p:bldP spid="2" grpId="0"/>
+      <p:bldP spid="3" grpId="0"/>
+    </p:bldLst>
+  </p:timing>
+</p:sld>
+</file>
+
+<file path=ppt/slides/slide18.xml><?xml version="1.0" encoding="utf-8"?>
+<p:sld xmlns:a="http://schemas.openxmlformats.org/drawingml/2006/main" xmlns:r="http://schemas.openxmlformats.org/officeDocument/2006/relationships" xmlns:p="http://schemas.openxmlformats.org/presentationml/2006/main">
+  <p:cSld>
+    <p:spTree>
+      <p:nvGrpSpPr>
+        <p:cNvPr id="1" name=""/>
+        <p:cNvGrpSpPr/>
+        <p:nvPr/>
+      </p:nvGrpSpPr>
+      <p:grpSpPr>
+        <a:xfrm>
+          <a:off x="0" y="0"/>
+          <a:ext cx="0" cy="0"/>
+          <a:chOff x="0" y="0"/>
+          <a:chExt cx="0" cy="0"/>
+        </a:xfrm>
+      </p:grpSpPr>
+      <p:sp>
+        <p:nvSpPr>
+          <p:cNvPr id="2" name="Title 1"/>
+          <p:cNvSpPr>
+            <a:spLocks noGrp="1"/>
+          </p:cNvSpPr>
+          <p:nvPr>
+            <p:ph type="title"/>
+          </p:nvPr>
+        </p:nvSpPr>
+        <p:spPr/>
+        <p:txBody>
+          <a:bodyPr/>
+          <a:lstStyle/>
+          <a:p>
+            <a:r>
+              <a:rPr lang="en-US" dirty="0" smtClean="0"/>
+              <a:t>Transfer-learning to different database</a:t>
+            </a:r>
+            <a:endParaRPr lang="en-US" dirty="0"/>
+          </a:p>
+        </p:txBody>
+      </p:sp>
+    </p:spTree>
+    <p:extLst>
+      <p:ext uri="{BB962C8B-B14F-4D97-AF65-F5344CB8AC3E}">
+        <p14:creationId xmlns:p14="http://schemas.microsoft.com/office/powerpoint/2010/main" val="565966694"/>
+      </p:ext>
+    </p:extLst>
+  </p:cSld>
+  <p:clrMapOvr>
+    <a:masterClrMapping/>
+  </p:clrMapOvr>
+</p:sld>
+</file>
+
+<file path=ppt/slides/slide19.xml><?xml version="1.0" encoding="utf-8"?>
+<p:sld xmlns:a="http://schemas.openxmlformats.org/drawingml/2006/main" xmlns:r="http://schemas.openxmlformats.org/officeDocument/2006/relationships" xmlns:p="http://schemas.openxmlformats.org/presentationml/2006/main">
+  <p:cSld>
+    <p:spTree>
+      <p:nvGrpSpPr>
+        <p:cNvPr id="1" name=""/>
+        <p:cNvGrpSpPr/>
+        <p:nvPr/>
+      </p:nvGrpSpPr>
+      <p:grpSpPr>
+        <a:xfrm>
+          <a:off x="0" y="0"/>
+          <a:ext cx="0" cy="0"/>
+          <a:chOff x="0" y="0"/>
+          <a:chExt cx="0" cy="0"/>
+        </a:xfrm>
+      </p:grpSpPr>
+      <p:sp>
+        <p:nvSpPr>
           <p:cNvPr id="2" name="Title 1"/>
           <p:cNvSpPr>
             <a:spLocks noGrp="1"/>
@@ -11928,8 +12042,8 @@
         </p:nvSpPr>
         <p:spPr>
           <a:xfrm>
-            <a:off x="2489615" y="1409073"/>
-            <a:ext cx="2098623" cy="3372787"/>
+            <a:off x="2489616" y="1409073"/>
+            <a:ext cx="1760721" cy="3372787"/>
           </a:xfrm>
           <a:prstGeom prst="rect">
             <a:avLst/>
@@ -11969,8 +12083,8 @@
         </p:nvSpPr>
         <p:spPr>
           <a:xfrm>
-            <a:off x="5084164" y="1409073"/>
-            <a:ext cx="3654767" cy="3372787"/>
+            <a:off x="5325261" y="1409073"/>
+            <a:ext cx="3413669" cy="3372787"/>
           </a:xfrm>
           <a:prstGeom prst="rect">
             <a:avLst/>
@@ -12013,8 +12127,8 @@
         </p:nvSpPr>
         <p:spPr>
           <a:xfrm>
-            <a:off x="9598698" y="1409074"/>
-            <a:ext cx="2098623" cy="3372787"/>
+            <a:off x="9752927" y="1409074"/>
+            <a:ext cx="1817586" cy="3372787"/>
           </a:xfrm>
           <a:prstGeom prst="rect">
             <a:avLst/>
@@ -12084,7 +12198,7 @@
         </p:nvSpPr>
         <p:spPr>
           <a:xfrm>
-            <a:off x="5048548" y="772033"/>
+            <a:off x="5264448" y="772033"/>
             <a:ext cx="2098623" cy="646331"/>
           </a:xfrm>
           <a:prstGeom prst="rect">
@@ -12145,8 +12259,8 @@
         </p:nvSpPr>
         <p:spPr>
           <a:xfrm>
-            <a:off x="5431436" y="1725114"/>
-            <a:ext cx="1157990" cy="2740704"/>
+            <a:off x="5537226" y="1725114"/>
+            <a:ext cx="1210827" cy="2740704"/>
           </a:xfrm>
           <a:prstGeom prst="rect">
             <a:avLst/>
@@ -12186,8 +12300,8 @@
         </p:nvSpPr>
         <p:spPr>
           <a:xfrm>
-            <a:off x="2908090" y="1732238"/>
-            <a:ext cx="1342247" cy="2740704"/>
+            <a:off x="2781090" y="1732238"/>
+            <a:ext cx="1273837" cy="2740704"/>
           </a:xfrm>
           <a:prstGeom prst="rect">
             <a:avLst/>
@@ -12227,7 +12341,7 @@
         </p:nvSpPr>
         <p:spPr>
           <a:xfrm>
-            <a:off x="2998029" y="1765808"/>
+            <a:off x="2871029" y="1765808"/>
             <a:ext cx="905656" cy="369332"/>
           </a:xfrm>
           <a:prstGeom prst="rect">
@@ -12258,7 +12372,7 @@
         <p:spPr>
           <a:xfrm>
             <a:off x="5556970" y="1735828"/>
-            <a:ext cx="1032456" cy="646331"/>
+            <a:ext cx="1032456" cy="923330"/>
           </a:xfrm>
           <a:prstGeom prst="rect">
             <a:avLst/>
@@ -12272,8 +12386,28 @@
           <a:lstStyle/>
           <a:p>
             <a:r>
-              <a:rPr lang="en-US" smtClean="0"/>
-              <a:t>seq2seq RNN</a:t>
+              <a:rPr lang="en-US" altLang="zh-CN" dirty="0"/>
+              <a:t>S</a:t>
+            </a:r>
+            <a:r>
+              <a:rPr lang="en-US" dirty="0" smtClean="0"/>
+              <a:t>eq2seq </a:t>
+            </a:r>
+            <a:r>
+              <a:rPr lang="en-US" altLang="zh-CN" dirty="0" smtClean="0"/>
+              <a:t>Bridge</a:t>
+            </a:r>
+            <a:r>
+              <a:rPr lang="zh-CN" altLang="en-US" dirty="0" smtClean="0"/>
+              <a:t> </a:t>
+            </a:r>
+            <a:r>
+              <a:rPr lang="en-US" altLang="zh-CN" dirty="0"/>
+              <a:t>N</a:t>
+            </a:r>
+            <a:r>
+              <a:rPr lang="en-US" altLang="zh-CN" dirty="0" smtClean="0"/>
+              <a:t>etwork</a:t>
             </a:r>
             <a:endParaRPr lang="en-US" dirty="0"/>
           </a:p>
@@ -12283,15 +12417,15 @@
         <p:nvCxnSpPr>
           <p:cNvPr id="13" name="Straight Arrow Connector 12"/>
           <p:cNvCxnSpPr>
-            <a:stCxn id="9" idx="3"/>
+            <a:stCxn id="15" idx="3"/>
             <a:endCxn id="8" idx="1"/>
           </p:cNvCxnSpPr>
           <p:nvPr/>
         </p:nvCxnSpPr>
         <p:spPr>
-          <a:xfrm flipV="1">
-            <a:off x="4250337" y="3095466"/>
-            <a:ext cx="1181099" cy="7124"/>
+          <a:xfrm>
+            <a:off x="5283479" y="3085036"/>
+            <a:ext cx="253747" cy="10430"/>
           </a:xfrm>
           <a:prstGeom prst="straightConnector1">
             <a:avLst/>
@@ -12323,8 +12457,8 @@
         </p:nvSpPr>
         <p:spPr>
           <a:xfrm>
-            <a:off x="4235975" y="2716724"/>
-            <a:ext cx="1209822" cy="307777"/>
+            <a:off x="4311264" y="2931147"/>
+            <a:ext cx="972215" cy="307777"/>
           </a:xfrm>
           <a:prstGeom prst="rect">
             <a:avLst/>
@@ -12345,7 +12479,7 @@
             <a:pPr algn="ctr"/>
             <a:r>
               <a:rPr lang="en-US" sz="1400" dirty="0" err="1" smtClean="0"/>
-              <a:t>Tagged_query</a:t>
+              <a:t>Tag_query</a:t>
             </a:r>
             <a:endParaRPr lang="en-US" sz="1400" dirty="0"/>
           </a:p>
@@ -12356,13 +12490,14 @@
           <p:cNvPr id="16" name="Straight Arrow Connector 15"/>
           <p:cNvCxnSpPr>
             <a:stCxn id="8" idx="3"/>
+            <a:endCxn id="73" idx="1"/>
           </p:cNvCxnSpPr>
           <p:nvPr/>
         </p:nvCxnSpPr>
         <p:spPr>
           <a:xfrm>
-            <a:off x="6589426" y="3095466"/>
-            <a:ext cx="275455" cy="7124"/>
+            <a:off x="6748053" y="3095466"/>
+            <a:ext cx="254741" cy="3562"/>
           </a:xfrm>
           <a:prstGeom prst="straightConnector1">
             <a:avLst/>
@@ -12390,15 +12525,15 @@
         <p:nvCxnSpPr>
           <p:cNvPr id="18" name="Straight Arrow Connector 17"/>
           <p:cNvCxnSpPr>
-            <a:stCxn id="3" idx="3"/>
+            <a:stCxn id="73" idx="3"/>
             <a:endCxn id="19" idx="1"/>
           </p:cNvCxnSpPr>
           <p:nvPr/>
         </p:nvCxnSpPr>
         <p:spPr>
           <a:xfrm>
-            <a:off x="8738931" y="3095467"/>
-            <a:ext cx="950945" cy="7350"/>
+            <a:off x="8629432" y="3099028"/>
+            <a:ext cx="1403343" cy="3789"/>
           </a:xfrm>
           <a:prstGeom prst="straightConnector1">
             <a:avLst/>
@@ -12430,8 +12565,8 @@
         </p:nvSpPr>
         <p:spPr>
           <a:xfrm>
-            <a:off x="9689876" y="2841207"/>
-            <a:ext cx="958134" cy="523220"/>
+            <a:off x="10032775" y="2841207"/>
+            <a:ext cx="1228725" cy="523220"/>
           </a:xfrm>
           <a:prstGeom prst="rect">
             <a:avLst/>
@@ -12452,7 +12587,19 @@
             <a:pPr algn="ctr"/>
             <a:r>
               <a:rPr lang="en-US" sz="1400" smtClean="0"/>
-              <a:t>SQL-like command</a:t>
+              <a:t>SQL-</a:t>
+            </a:r>
+            <a:r>
+              <a:rPr lang="en-US" altLang="zh-CN" sz="1400" smtClean="0"/>
+              <a:t>extended</a:t>
+            </a:r>
+            <a:r>
+              <a:rPr lang="en-US" sz="1400" smtClean="0"/>
+              <a:t> </a:t>
+            </a:r>
+            <a:r>
+              <a:rPr lang="en-US" sz="1400" smtClean="0"/>
+              <a:t>command</a:t>
             </a:r>
             <a:endParaRPr lang="en-US" sz="1400" dirty="0"/>
           </a:p>
@@ -12466,7 +12613,7 @@
         </p:nvSpPr>
         <p:spPr>
           <a:xfrm>
-            <a:off x="6847371" y="2824399"/>
+            <a:off x="6874860" y="2392131"/>
             <a:ext cx="1937485" cy="523220"/>
           </a:xfrm>
           <a:prstGeom prst="rect">
@@ -12482,7 +12629,15 @@
           <a:p>
             <a:r>
               <a:rPr lang="en-US" sz="1400" dirty="0" smtClean="0"/>
-              <a:t>where &lt;f:1&gt; equal &lt;v:1&gt; select &lt;f: 2&gt;</a:t>
+              <a:t>where &lt;f:1&gt; equal &lt;v:1&gt; select &lt;</a:t>
+            </a:r>
+            <a:r>
+              <a:rPr lang="en-US" sz="1400" dirty="0" smtClean="0"/>
+              <a:t>f:2</a:t>
+            </a:r>
+            <a:r>
+              <a:rPr lang="en-US" sz="1400" dirty="0" smtClean="0"/>
+              <a:t>&gt;</a:t>
             </a:r>
             <a:endParaRPr lang="en-US" sz="1400" dirty="0"/>
           </a:p>
@@ -12497,7 +12652,7 @@
         <p:spPr>
           <a:xfrm>
             <a:off x="1919055" y="3907431"/>
-            <a:ext cx="989035" cy="0"/>
+            <a:ext cx="862035" cy="0"/>
           </a:xfrm>
           <a:prstGeom prst="straightConnector1">
             <a:avLst/>
@@ -12921,12 +13076,12 @@
         </p:nvCxnSpPr>
         <p:spPr>
           <a:xfrm rot="16200000" flipH="1" flipV="1">
-            <a:off x="5397067" y="-3195539"/>
-            <a:ext cx="646330" cy="9855556"/>
+            <a:off x="5403922" y="-3202394"/>
+            <a:ext cx="646330" cy="9869266"/>
           </a:xfrm>
           <a:prstGeom prst="bentConnector3">
             <a:avLst>
-              <a:gd name="adj1" fmla="val -139736"/>
+              <a:gd name="adj1" fmla="val -125756"/>
             </a:avLst>
           </a:prstGeom>
           <a:ln>
@@ -12956,7 +13111,7 @@
         </p:nvSpPr>
         <p:spPr>
           <a:xfrm>
-            <a:off x="3057974" y="2168709"/>
+            <a:off x="2930974" y="2270309"/>
             <a:ext cx="1062435" cy="523220"/>
           </a:xfrm>
           <a:prstGeom prst="rect">
@@ -12983,7 +13138,47 @@
                   </a:schemeClr>
                 </a:solidFill>
               </a:rPr>
-              <a:t>Correspondence files</a:t>
+              <a:t>Correspond</a:t>
+            </a:r>
+            <a:r>
+              <a:rPr lang="en-US" altLang="zh-CN" sz="1400" b="1" dirty="0" smtClean="0">
+                <a:solidFill>
+                  <a:schemeClr val="accent5">
+                    <a:lumMod val="75000"/>
+                  </a:schemeClr>
+                </a:solidFill>
+              </a:rPr>
+              <a:t>-</a:t>
+            </a:r>
+            <a:r>
+              <a:rPr lang="en-US" sz="1400" b="1" dirty="0" err="1" smtClean="0">
+                <a:solidFill>
+                  <a:schemeClr val="accent5">
+                    <a:lumMod val="75000"/>
+                  </a:schemeClr>
+                </a:solidFill>
+              </a:rPr>
+              <a:t>ence</a:t>
+            </a:r>
+            <a:r>
+              <a:rPr lang="en-US" sz="1400" b="1" dirty="0" smtClean="0">
+                <a:solidFill>
+                  <a:schemeClr val="accent5">
+                    <a:lumMod val="75000"/>
+                  </a:schemeClr>
+                </a:solidFill>
+              </a:rPr>
+              <a:t> </a:t>
+            </a:r>
+            <a:r>
+              <a:rPr lang="en-US" sz="1400" b="1" dirty="0" smtClean="0">
+                <a:solidFill>
+                  <a:schemeClr val="accent5">
+                    <a:lumMod val="75000"/>
+                  </a:schemeClr>
+                </a:solidFill>
+              </a:rPr>
+              <a:t>files</a:t>
             </a:r>
             <a:endParaRPr lang="en-US" sz="1400" b="1" dirty="0">
               <a:solidFill>
@@ -13006,8 +13201,8 @@
         </p:nvCxnSpPr>
         <p:spPr>
           <a:xfrm flipV="1">
-            <a:off x="10168943" y="2055404"/>
-            <a:ext cx="479066" cy="785803"/>
+            <a:off x="10647138" y="2055404"/>
+            <a:ext cx="871" cy="785803"/>
           </a:xfrm>
           <a:prstGeom prst="straightConnector1">
             <a:avLst/>
@@ -13039,8 +13234,8 @@
         </p:nvSpPr>
         <p:spPr>
           <a:xfrm>
-            <a:off x="8723171" y="2344984"/>
-            <a:ext cx="1293192" cy="646331"/>
+            <a:off x="8694806" y="3109849"/>
+            <a:ext cx="1293192" cy="523220"/>
           </a:xfrm>
           <a:prstGeom prst="rect">
             <a:avLst/>
@@ -13054,7 +13249,7 @@
           <a:lstStyle/>
           <a:p>
             <a:r>
-              <a:rPr lang="en-US" dirty="0" smtClean="0">
+              <a:rPr lang="en-US" sz="1400" dirty="0" smtClean="0">
                 <a:solidFill>
                   <a:schemeClr val="accent5">
                     <a:lumMod val="75000"/>
@@ -13064,7 +13259,7 @@
               <a:t>look up .</a:t>
             </a:r>
             <a:r>
-              <a:rPr lang="en-US" dirty="0" err="1" smtClean="0">
+              <a:rPr lang="en-US" sz="1400" dirty="0" err="1" smtClean="0">
                 <a:solidFill>
                   <a:schemeClr val="accent5">
                     <a:lumMod val="75000"/>
@@ -13074,7 +13269,7 @@
               <a:t>corr</a:t>
             </a:r>
             <a:r>
-              <a:rPr lang="en-US" dirty="0" smtClean="0">
+              <a:rPr lang="en-US" sz="1400" dirty="0" smtClean="0">
                 <a:solidFill>
                   <a:schemeClr val="accent5">
                     <a:lumMod val="75000"/>
@@ -13083,7 +13278,7 @@
               </a:rPr>
               <a:t> files</a:t>
             </a:r>
-            <a:endParaRPr lang="en-US" dirty="0">
+            <a:endParaRPr lang="en-US" sz="1400" dirty="0">
               <a:solidFill>
                 <a:schemeClr val="accent5">
                   <a:lumMod val="75000"/>
@@ -13101,8 +13296,8 @@
         </p:nvSpPr>
         <p:spPr>
           <a:xfrm>
-            <a:off x="5255302" y="3568936"/>
-            <a:ext cx="1510257" cy="738664"/>
+            <a:off x="5547670" y="3855376"/>
+            <a:ext cx="1032141" cy="523220"/>
           </a:xfrm>
           <a:prstGeom prst="rect">
             <a:avLst/>
@@ -13118,21 +13313,11 @@
             <a:pPr algn="ctr"/>
             <a:r>
               <a:rPr lang="en-US" sz="1400" dirty="0" smtClean="0"/>
-              <a:t>attention softmax</a:t>
-            </a:r>
-          </a:p>
-          <a:p>
-            <a:pPr algn="ctr"/>
+              <a:t>attention </a:t>
+            </a:r>
             <a:r>
               <a:rPr lang="en-US" sz="1400" dirty="0" smtClean="0"/>
-              <a:t>+</a:t>
-            </a:r>
-          </a:p>
-          <a:p>
-            <a:pPr algn="ctr"/>
-            <a:r>
-              <a:rPr lang="en-US" sz="1400" dirty="0" smtClean="0"/>
-              <a:t>pointer network </a:t>
+              <a:t>network </a:t>
             </a:r>
             <a:endParaRPr lang="en-US" sz="1400" dirty="0"/>
           </a:p>
@@ -13141,17 +13326,19 @@
       <p:cxnSp>
         <p:nvCxnSpPr>
           <p:cNvPr id="52" name="Elbow Connector 51"/>
-          <p:cNvCxnSpPr/>
+          <p:cNvCxnSpPr>
+            <a:endCxn id="15" idx="1"/>
+          </p:cNvCxnSpPr>
           <p:nvPr/>
         </p:nvCxnSpPr>
         <p:spPr>
           <a:xfrm flipV="1">
-            <a:off x="2932441" y="3099028"/>
-            <a:ext cx="1317896" cy="808403"/>
+            <a:off x="2791522" y="3085036"/>
+            <a:ext cx="1519742" cy="822395"/>
           </a:xfrm>
           <a:prstGeom prst="bentConnector3">
             <a:avLst>
-              <a:gd name="adj1" fmla="val 26114"/>
+              <a:gd name="adj1" fmla="val 50000"/>
             </a:avLst>
           </a:prstGeom>
           <a:ln>
@@ -13180,9 +13367,9 @@
           <p:nvPr/>
         </p:nvCxnSpPr>
         <p:spPr>
-          <a:xfrm flipV="1">
-            <a:off x="3591389" y="2727109"/>
-            <a:ext cx="0" cy="362143"/>
+          <a:xfrm flipH="1" flipV="1">
+            <a:off x="3551393" y="2793529"/>
+            <a:ext cx="1896" cy="295724"/>
           </a:xfrm>
           <a:prstGeom prst="straightConnector1">
             <a:avLst/>
@@ -13245,7 +13432,7 @@
         <p:spPr>
           <a:xfrm>
             <a:off x="168012" y="4930266"/>
-            <a:ext cx="2444636" cy="1384995"/>
+            <a:ext cx="2168788" cy="1384995"/>
           </a:xfrm>
           <a:prstGeom prst="rect">
             <a:avLst/>
@@ -13329,7 +13516,7 @@
                 </a:solidFill>
                 <a:latin typeface="Helvetica Neue" charset="0"/>
               </a:rPr>
-              <a:t>basic preprocessing: field name/value to one string using ‘_’; number to numerical value (’two’ to ‘2</a:t>
+              <a:t>basic preprocessing: field name/value to one string using ‘_’; number to numerical </a:t>
             </a:r>
             <a:r>
               <a:rPr lang="en-US" sz="1400" dirty="0" smtClean="0">
@@ -13341,7 +13528,7 @@
                 </a:solidFill>
                 <a:latin typeface="Helvetica Neue" charset="0"/>
               </a:rPr>
-              <a:t>’)</a:t>
+              <a:t>value</a:t>
             </a:r>
             <a:endParaRPr lang="en-US" sz="1400" dirty="0">
               <a:solidFill>
@@ -13364,7 +13551,7 @@
         </p:nvSpPr>
         <p:spPr>
           <a:xfrm>
-            <a:off x="2836473" y="4931789"/>
+            <a:off x="2506273" y="4931789"/>
             <a:ext cx="1984331" cy="1169551"/>
           </a:xfrm>
           <a:prstGeom prst="rect">
@@ -13440,8 +13627,8 @@
         </p:nvSpPr>
         <p:spPr>
           <a:xfrm>
-            <a:off x="6920462" y="3451771"/>
-            <a:ext cx="1209822" cy="523220"/>
+            <a:off x="7002794" y="2945139"/>
+            <a:ext cx="1626638" cy="307777"/>
           </a:xfrm>
           <a:prstGeom prst="rect">
             <a:avLst/>
@@ -13522,7 +13709,7 @@
         </p:nvSpPr>
         <p:spPr>
           <a:xfrm>
-            <a:off x="7185740" y="4928768"/>
+            <a:off x="7261940" y="4928768"/>
             <a:ext cx="2224814" cy="738664"/>
           </a:xfrm>
           <a:prstGeom prst="rect">
@@ -13630,6 +13817,44 @@
           </a:p>
         </p:txBody>
       </p:sp>
+      <p:cxnSp>
+        <p:nvCxnSpPr>
+          <p:cNvPr id="64" name="Elbow Connector 63"/>
+          <p:cNvCxnSpPr>
+            <a:stCxn id="73" idx="2"/>
+            <a:endCxn id="15" idx="2"/>
+          </p:cNvCxnSpPr>
+          <p:nvPr/>
+        </p:nvCxnSpPr>
+        <p:spPr>
+          <a:xfrm rot="5400000" flipH="1">
+            <a:off x="6299747" y="1736550"/>
+            <a:ext cx="13992" cy="3018741"/>
+          </a:xfrm>
+          <a:prstGeom prst="bentConnector3">
+            <a:avLst>
+              <a:gd name="adj1" fmla="val -9984305"/>
+            </a:avLst>
+          </a:prstGeom>
+          <a:ln>
+            <a:tailEnd type="triangle"/>
+          </a:ln>
+        </p:spPr>
+        <p:style>
+          <a:lnRef idx="1">
+            <a:schemeClr val="accent1"/>
+          </a:lnRef>
+          <a:fillRef idx="0">
+            <a:schemeClr val="accent1"/>
+          </a:fillRef>
+          <a:effectRef idx="0">
+            <a:schemeClr val="accent1"/>
+          </a:effectRef>
+          <a:fontRef idx="minor">
+            <a:schemeClr val="tx1"/>
+          </a:fontRef>
+        </p:style>
+      </p:cxnSp>
     </p:spTree>
     <p:extLst>
       <p:ext uri="{BB962C8B-B14F-4D97-AF65-F5344CB8AC3E}">
@@ -16540,7 +16765,19 @@
           <a:p>
             <a:r>
               <a:rPr lang="en-US" sz="2400" dirty="0" smtClean="0"/>
-              <a:t>feature for ‘tag’ :</a:t>
+              <a:t>feature for ‘tag’ </a:t>
+            </a:r>
+            <a:r>
+              <a:rPr lang="en-US" sz="2400" dirty="0" smtClean="0"/>
+              <a:t>:</a:t>
+            </a:r>
+            <a:r>
+              <a:rPr lang="zh-CN" altLang="en-US" sz="2400" dirty="0" smtClean="0"/>
+              <a:t> </a:t>
+            </a:r>
+            <a:r>
+              <a:rPr lang="en-US" altLang="zh-CN" sz="2400" dirty="0" smtClean="0"/>
+              <a:t>&lt;field:1;int&gt;</a:t>
             </a:r>
             <a:endParaRPr lang="en-US" sz="2400" dirty="0"/>
           </a:p>
@@ -19113,11 +19350,7 @@
             </a:r>
             <a:r>
               <a:rPr lang="en-US" dirty="0" smtClean="0"/>
-              <a:t> Dependency </a:t>
-            </a:r>
-            <a:r>
-              <a:rPr lang="en-US" dirty="0" smtClean="0"/>
-              <a:t>Tree Lowest common ancestor (</a:t>
+              <a:t> Dependency Tree Lowest common ancestor (</a:t>
             </a:r>
             <a:r>
               <a:rPr lang="en-US" dirty="0" err="1" smtClean="0"/>
@@ -20164,28 +20397,57 @@
                 </a:solidFill>
                 <a:latin typeface="Menlo" charset="0"/>
               </a:rPr>
-              <a:t>: </a:t>
+              <a:t>: Player 50s </a:t>
             </a:r>
             <a:r>
               <a:rPr lang="en-US" sz="1200" dirty="0">
                 <a:solidFill>
+                  <a:srgbClr val="FF0000"/>
+                </a:solidFill>
+                <a:latin typeface="Menlo" charset="0"/>
+              </a:rPr>
+              <a:t>Points Matches</a:t>
+            </a:r>
+          </a:p>
+          <a:p>
+            <a:r>
+              <a:rPr lang="en-US" sz="1200" dirty="0" err="1">
+                <a:solidFill>
                   <a:srgbClr val="000000"/>
                 </a:solidFill>
                 <a:latin typeface="Menlo" charset="0"/>
               </a:rPr>
-              <a:t>Player 50s </a:t>
+              <a:t>vacorr</a:t>
             </a:r>
             <a:r>
               <a:rPr lang="en-US" sz="1200" dirty="0">
                 <a:solidFill>
+                  <a:srgbClr val="000000"/>
+                </a:solidFill>
+                <a:latin typeface="Menlo" charset="0"/>
+              </a:rPr>
+              <a:t>: &lt;nan&gt; 400 </a:t>
+            </a:r>
+            <a:r>
+              <a:rPr lang="en-US" sz="1200" dirty="0">
+                <a:solidFill>
                   <a:srgbClr val="FF0000"/>
                 </a:solidFill>
                 <a:latin typeface="Menlo" charset="0"/>
               </a:rPr>
-              <a:t>Points Matches</a:t>
-            </a:r>
-          </a:p>
-          <a:p>
+              <a:t>&lt;nan&gt; 14</a:t>
+            </a:r>
+          </a:p>
+          <a:p>
+            <a:r>
+              <a:rPr lang="en-US" sz="1200" dirty="0">
+                <a:solidFill>
+                  <a:srgbClr val="000000"/>
+                </a:solidFill>
+                <a:latin typeface="Menlo" charset="0"/>
+              </a:rPr>
+              <a:t>field </a:t>
+            </a:r>
             <a:r>
               <a:rPr lang="en-US" sz="1200" dirty="0" err="1">
                 <a:solidFill>
@@ -20193,7 +20455,7 @@
                 </a:solidFill>
                 <a:latin typeface="Menlo" charset="0"/>
               </a:rPr>
-              <a:t>vacorr</a:t>
+              <a:t>position_idx</a:t>
             </a:r>
             <a:r>
               <a:rPr lang="en-US" sz="1200" dirty="0">
@@ -20202,7 +20464,18 @@
                 </a:solidFill>
                 <a:latin typeface="Menlo" charset="0"/>
               </a:rPr>
-              <a:t>: &lt;nan</a:t>
+              <a:t>: [(6, 1), (8, 2), (17, 3)]</a:t>
+            </a:r>
+          </a:p>
+          <a:p>
+            <a:r>
+              <a:rPr lang="en-US" sz="1200" dirty="0" err="1">
+                <a:solidFill>
+                  <a:srgbClr val="000000"/>
+                </a:solidFill>
+                <a:latin typeface="Menlo" charset="0"/>
+              </a:rPr>
+              <a:t>value_position</a:t>
             </a:r>
             <a:r>
               <a:rPr lang="en-US" sz="1200" dirty="0">
@@ -20211,89 +20484,7 @@
                 </a:solidFill>
                 <a:latin typeface="Menlo" charset="0"/>
               </a:rPr>
-              <a:t>&gt; 400 </a:t>
-            </a:r>
-            <a:r>
-              <a:rPr lang="en-US" sz="1200" dirty="0">
-                <a:solidFill>
-                  <a:srgbClr val="FF0000"/>
-                </a:solidFill>
-                <a:latin typeface="Menlo" charset="0"/>
-              </a:rPr>
-              <a:t>&lt;nan&gt; 14</a:t>
-            </a:r>
-            <a:endParaRPr lang="en-US" sz="1200" dirty="0">
-              <a:solidFill>
-                <a:srgbClr val="FF0000"/>
-              </a:solidFill>
-              <a:latin typeface="Menlo" charset="0"/>
-            </a:endParaRPr>
-          </a:p>
-          <a:p>
-            <a:r>
-              <a:rPr lang="en-US" sz="1200" dirty="0">
-                <a:solidFill>
-                  <a:srgbClr val="000000"/>
-                </a:solidFill>
-                <a:latin typeface="Menlo" charset="0"/>
-              </a:rPr>
-              <a:t>field </a:t>
-            </a:r>
-            <a:r>
-              <a:rPr lang="en-US" sz="1200" dirty="0" err="1">
-                <a:solidFill>
-                  <a:srgbClr val="000000"/>
-                </a:solidFill>
-                <a:latin typeface="Menlo" charset="0"/>
-              </a:rPr>
-              <a:t>position_idx</a:t>
-            </a:r>
-            <a:r>
-              <a:rPr lang="en-US" sz="1200" dirty="0">
-                <a:solidFill>
-                  <a:srgbClr val="000000"/>
-                </a:solidFill>
-                <a:latin typeface="Menlo" charset="0"/>
-              </a:rPr>
-              <a:t>: [(</a:t>
-            </a:r>
-            <a:r>
-              <a:rPr lang="en-US" sz="1200" dirty="0">
-                <a:solidFill>
-                  <a:srgbClr val="000000"/>
-                </a:solidFill>
-                <a:latin typeface="Menlo" charset="0"/>
-              </a:rPr>
-              <a:t>6, 1), (8, 2), (17, 3)]</a:t>
-            </a:r>
-          </a:p>
-          <a:p>
-            <a:r>
-              <a:rPr lang="en-US" sz="1200" dirty="0" err="1">
-                <a:solidFill>
-                  <a:srgbClr val="000000"/>
-                </a:solidFill>
-                <a:latin typeface="Menlo" charset="0"/>
-              </a:rPr>
-              <a:t>value_position</a:t>
-            </a:r>
-            <a:r>
-              <a:rPr lang="en-US" sz="1200" dirty="0">
-                <a:solidFill>
-                  <a:srgbClr val="000000"/>
-                </a:solidFill>
-                <a:latin typeface="Menlo" charset="0"/>
-              </a:rPr>
-              <a:t>: [5</a:t>
-            </a:r>
-            <a:r>
-              <a:rPr lang="en-US" sz="1200" dirty="0">
-                <a:solidFill>
-                  <a:srgbClr val="000000"/>
-                </a:solidFill>
-                <a:latin typeface="Menlo" charset="0"/>
-              </a:rPr>
-              <a:t>, 11]</a:t>
+              <a:t>: [5, 11]</a:t>
             </a:r>
           </a:p>
           <a:p>
@@ -20665,103 +20856,64 @@
                 </a:solidFill>
                 <a:latin typeface="Menlo" charset="0"/>
               </a:rPr>
-              <a:t>: </a:t>
+              <a:t>: for &lt;field&gt;:0 with more than &lt;value&gt;:1 &lt;field&gt;:1 and </a:t>
             </a:r>
             <a:r>
               <a:rPr lang="en-US" sz="1200" dirty="0">
                 <a:solidFill>
+                  <a:srgbClr val="FF0000"/>
+                </a:solidFill>
+                <a:latin typeface="Menlo" charset="0"/>
+              </a:rPr>
+              <a:t>&lt;field&gt;:2 less than &lt;value&gt;:3 </a:t>
+            </a:r>
+            <a:r>
+              <a:rPr lang="en-US" sz="1200" dirty="0">
+                <a:solidFill>
                   <a:srgbClr val="000000"/>
                 </a:solidFill>
                 <a:latin typeface="Menlo" charset="0"/>
               </a:rPr>
-              <a:t>for &lt;field&gt;:0 with more than &lt;value&gt;:1 &lt;field&gt;:1 and </a:t>
-            </a:r>
+              <a:t>, &lt;field&gt;:0 has the most &lt;field&gt;:3</a:t>
+            </a:r>
+          </a:p>
+          <a:p>
             <a:r>
               <a:rPr lang="en-US" sz="1200" dirty="0">
                 <a:solidFill>
+                  <a:srgbClr val="000000"/>
+                </a:solidFill>
+                <a:latin typeface="Menlo" charset="0"/>
+              </a:rPr>
+              <a:t>lox: </a:t>
+            </a:r>
+            <a:r>
+              <a:rPr lang="en-US" sz="1200" dirty="0" err="1">
+                <a:solidFill>
+                  <a:srgbClr val="000000"/>
+                </a:solidFill>
+                <a:latin typeface="Menlo" charset="0"/>
+              </a:rPr>
+              <a:t>argmax</a:t>
+            </a:r>
+            <a:r>
+              <a:rPr lang="en-US" sz="1200" dirty="0">
+                <a:solidFill>
+                  <a:srgbClr val="000000"/>
+                </a:solidFill>
+                <a:latin typeface="Menlo" charset="0"/>
+              </a:rPr>
+              <a:t> &lt;field&gt;:0 &lt;field&gt;:3 where &lt;field&gt;:1 greater &lt;value&gt;:1 and </a:t>
+            </a:r>
+            <a:r>
+              <a:rPr lang="en-US" sz="1200" dirty="0">
+                <a:solidFill>
                   <a:srgbClr val="FF0000"/>
                 </a:solidFill>
                 <a:latin typeface="Menlo" charset="0"/>
               </a:rPr>
-              <a:t>&lt;field&gt;:2 less than &lt;value&gt;:3 </a:t>
-            </a:r>
-            <a:r>
-              <a:rPr lang="en-US" sz="1200" dirty="0">
-                <a:solidFill>
-                  <a:srgbClr val="000000"/>
-                </a:solidFill>
-                <a:latin typeface="Menlo" charset="0"/>
-              </a:rPr>
-              <a:t>, &lt;field&gt;:0 has the most &lt;field&gt;:</a:t>
-            </a:r>
-            <a:r>
-              <a:rPr lang="en-US" sz="1200" dirty="0">
-                <a:solidFill>
-                  <a:srgbClr val="000000"/>
-                </a:solidFill>
-                <a:latin typeface="Menlo" charset="0"/>
-              </a:rPr>
-              <a:t>3</a:t>
-            </a:r>
-            <a:endParaRPr lang="en-US" sz="1200" dirty="0">
-              <a:solidFill>
-                <a:srgbClr val="000000"/>
-              </a:solidFill>
-              <a:latin typeface="Menlo" charset="0"/>
-            </a:endParaRPr>
-          </a:p>
-          <a:p>
-            <a:r>
-              <a:rPr lang="en-US" sz="1200" dirty="0">
-                <a:solidFill>
-                  <a:srgbClr val="000000"/>
-                </a:solidFill>
-                <a:latin typeface="Menlo" charset="0"/>
-              </a:rPr>
-              <a:t>lox: </a:t>
-            </a:r>
-            <a:r>
-              <a:rPr lang="en-US" sz="1200" dirty="0" err="1">
-                <a:solidFill>
-                  <a:srgbClr val="000000"/>
-                </a:solidFill>
-                <a:latin typeface="Menlo" charset="0"/>
-              </a:rPr>
-              <a:t>argmax</a:t>
-            </a:r>
-            <a:r>
-              <a:rPr lang="en-US" sz="1200" dirty="0">
-                <a:solidFill>
-                  <a:srgbClr val="000000"/>
-                </a:solidFill>
-                <a:latin typeface="Menlo" charset="0"/>
-              </a:rPr>
-              <a:t> &lt;field&gt;:0 &lt;field&gt;:3 where &lt;field&gt;:1 greater &lt;value&gt;:1 and </a:t>
-            </a:r>
-            <a:r>
-              <a:rPr lang="en-US" sz="1200" dirty="0">
-                <a:solidFill>
-                  <a:srgbClr val="FF0000"/>
-                </a:solidFill>
-                <a:latin typeface="Menlo" charset="0"/>
-              </a:rPr>
-              <a:t>&lt;field&gt;:2 less &lt;value&gt;:</a:t>
-            </a:r>
-            <a:r>
-              <a:rPr lang="en-US" sz="1200" dirty="0">
-                <a:solidFill>
-                  <a:srgbClr val="FF0000"/>
-                </a:solidFill>
-                <a:latin typeface="Menlo" charset="0"/>
-              </a:rPr>
-              <a:t>3</a:t>
-            </a:r>
-            <a:endParaRPr lang="en-US" sz="1200" dirty="0">
-              <a:solidFill>
-                <a:srgbClr val="FF0000"/>
-              </a:solidFill>
-              <a:latin typeface="Menlo" charset="0"/>
-            </a:endParaRPr>
+              <a:t>&lt;field&gt;:2 less &lt;value&gt;:3</a:t>
+            </a:r>
           </a:p>
         </p:txBody>
       </p:sp>
